--- a/1-Get-started/AB-03.01-The-debugger/Debugging.pptx
+++ b/1-Get-started/AB-03.01-The-debugger/Debugging.pptx
@@ -5,7 +5,7 @@
     <p:sldMasterId id="2147483648" r:id="rId1"/>
   </p:sldMasterIdLst>
   <p:notesMasterIdLst>
-    <p:notesMasterId r:id="rId71"/>
+    <p:notesMasterId r:id="rId96"/>
   </p:notesMasterIdLst>
   <p:sldIdLst>
     <p:sldId id="256" r:id="rId2"/>
@@ -75,8 +75,33 @@
     <p:sldId id="280" r:id="rId66"/>
     <p:sldId id="281" r:id="rId67"/>
     <p:sldId id="282" r:id="rId68"/>
-    <p:sldId id="278" r:id="rId69"/>
-    <p:sldId id="279" r:id="rId70"/>
+    <p:sldId id="346" r:id="rId69"/>
+    <p:sldId id="347" r:id="rId70"/>
+    <p:sldId id="278" r:id="rId71"/>
+    <p:sldId id="350" r:id="rId72"/>
+    <p:sldId id="351" r:id="rId73"/>
+    <p:sldId id="352" r:id="rId74"/>
+    <p:sldId id="353" r:id="rId75"/>
+    <p:sldId id="354" r:id="rId76"/>
+    <p:sldId id="355" r:id="rId77"/>
+    <p:sldId id="356" r:id="rId78"/>
+    <p:sldId id="357" r:id="rId79"/>
+    <p:sldId id="358" r:id="rId80"/>
+    <p:sldId id="359" r:id="rId81"/>
+    <p:sldId id="360" r:id="rId82"/>
+    <p:sldId id="361" r:id="rId83"/>
+    <p:sldId id="349" r:id="rId84"/>
+    <p:sldId id="370" r:id="rId85"/>
+    <p:sldId id="371" r:id="rId86"/>
+    <p:sldId id="372" r:id="rId87"/>
+    <p:sldId id="369" r:id="rId88"/>
+    <p:sldId id="367" r:id="rId89"/>
+    <p:sldId id="368" r:id="rId90"/>
+    <p:sldId id="366" r:id="rId91"/>
+    <p:sldId id="363" r:id="rId92"/>
+    <p:sldId id="364" r:id="rId93"/>
+    <p:sldId id="365" r:id="rId94"/>
+    <p:sldId id="362" r:id="rId95"/>
   </p:sldIdLst>
   <p:sldSz cx="12192000" cy="6858000"/>
   <p:notesSz cx="6858000" cy="9144000"/>
@@ -5663,7 +5688,7 @@
     </p:spTree>
     <p:extLst>
       <p:ext uri="{BB962C8B-B14F-4D97-AF65-F5344CB8AC3E}">
-        <p14:creationId xmlns:p14="http://schemas.microsoft.com/office/powerpoint/2010/main" val="854175977"/>
+        <p14:creationId xmlns:p14="http://schemas.microsoft.com/office/powerpoint/2010/main" val="2909386738"/>
       </p:ext>
     </p:extLst>
   </p:cSld>
@@ -5747,7 +5772,427 @@
     </p:spTree>
     <p:extLst>
       <p:ext uri="{BB962C8B-B14F-4D97-AF65-F5344CB8AC3E}">
-        <p14:creationId xmlns:p14="http://schemas.microsoft.com/office/powerpoint/2010/main" val="1743429982"/>
+        <p14:creationId xmlns:p14="http://schemas.microsoft.com/office/powerpoint/2010/main" val="1706044145"/>
+      </p:ext>
+    </p:extLst>
+  </p:cSld>
+  <p:clrMapOvr>
+    <a:masterClrMapping/>
+  </p:clrMapOvr>
+</p:notes>
+</file>
+
+<file path=ppt/notesSlides/notesSlide65.xml><?xml version="1.0" encoding="utf-8"?>
+<p:notes xmlns:a="http://schemas.openxmlformats.org/drawingml/2006/main" xmlns:r="http://schemas.openxmlformats.org/officeDocument/2006/relationships" xmlns:p="http://schemas.openxmlformats.org/presentationml/2006/main">
+  <p:cSld>
+    <p:spTree>
+      <p:nvGrpSpPr>
+        <p:cNvPr id="1" name=""/>
+        <p:cNvGrpSpPr/>
+        <p:nvPr/>
+      </p:nvGrpSpPr>
+      <p:grpSpPr>
+        <a:xfrm>
+          <a:off x="0" y="0"/>
+          <a:ext cx="0" cy="0"/>
+          <a:chOff x="0" y="0"/>
+          <a:chExt cx="0" cy="0"/>
+        </a:xfrm>
+      </p:grpSpPr>
+      <p:sp>
+        <p:nvSpPr>
+          <p:cNvPr id="2" name="Slide Image Placeholder 1"/>
+          <p:cNvSpPr>
+            <a:spLocks noGrp="1" noRot="1" noChangeAspect="1"/>
+          </p:cNvSpPr>
+          <p:nvPr>
+            <p:ph type="sldImg"/>
+          </p:nvPr>
+        </p:nvSpPr>
+        <p:spPr/>
+      </p:sp>
+      <p:sp>
+        <p:nvSpPr>
+          <p:cNvPr id="3" name="Notes Placeholder 2"/>
+          <p:cNvSpPr>
+            <a:spLocks noGrp="1"/>
+          </p:cNvSpPr>
+          <p:nvPr>
+            <p:ph type="body" idx="1"/>
+          </p:nvPr>
+        </p:nvSpPr>
+        <p:spPr/>
+        <p:txBody>
+          <a:bodyPr/>
+          <a:lstStyle/>
+          <a:p>
+            <a:endParaRPr lang="en-US" dirty="0"/>
+          </a:p>
+        </p:txBody>
+      </p:sp>
+      <p:sp>
+        <p:nvSpPr>
+          <p:cNvPr id="4" name="Slide Number Placeholder 3"/>
+          <p:cNvSpPr>
+            <a:spLocks noGrp="1"/>
+          </p:cNvSpPr>
+          <p:nvPr>
+            <p:ph type="sldNum" sz="quarter" idx="5"/>
+          </p:nvPr>
+        </p:nvSpPr>
+        <p:spPr/>
+        <p:txBody>
+          <a:bodyPr/>
+          <a:lstStyle/>
+          <a:p>
+            <a:fld id="{761E6F54-D778-B04D-842E-04CB4814BFD5}" type="slidenum">
+              <a:rPr lang="en-US" smtClean="0"/>
+              <a:t>70</a:t>
+            </a:fld>
+            <a:endParaRPr lang="en-US"/>
+          </a:p>
+        </p:txBody>
+      </p:sp>
+    </p:spTree>
+    <p:extLst>
+      <p:ext uri="{BB962C8B-B14F-4D97-AF65-F5344CB8AC3E}">
+        <p14:creationId xmlns:p14="http://schemas.microsoft.com/office/powerpoint/2010/main" val="854175977"/>
+      </p:ext>
+    </p:extLst>
+  </p:cSld>
+  <p:clrMapOvr>
+    <a:masterClrMapping/>
+  </p:clrMapOvr>
+</p:notes>
+</file>
+
+<file path=ppt/notesSlides/notesSlide66.xml><?xml version="1.0" encoding="utf-8"?>
+<p:notes xmlns:a="http://schemas.openxmlformats.org/drawingml/2006/main" xmlns:r="http://schemas.openxmlformats.org/officeDocument/2006/relationships" xmlns:p="http://schemas.openxmlformats.org/presentationml/2006/main">
+  <p:cSld>
+    <p:spTree>
+      <p:nvGrpSpPr>
+        <p:cNvPr id="1" name=""/>
+        <p:cNvGrpSpPr/>
+        <p:nvPr/>
+      </p:nvGrpSpPr>
+      <p:grpSpPr>
+        <a:xfrm>
+          <a:off x="0" y="0"/>
+          <a:ext cx="0" cy="0"/>
+          <a:chOff x="0" y="0"/>
+          <a:chExt cx="0" cy="0"/>
+        </a:xfrm>
+      </p:grpSpPr>
+      <p:sp>
+        <p:nvSpPr>
+          <p:cNvPr id="2" name="Slide Image Placeholder 1"/>
+          <p:cNvSpPr>
+            <a:spLocks noGrp="1" noRot="1" noChangeAspect="1"/>
+          </p:cNvSpPr>
+          <p:nvPr>
+            <p:ph type="sldImg"/>
+          </p:nvPr>
+        </p:nvSpPr>
+        <p:spPr/>
+      </p:sp>
+      <p:sp>
+        <p:nvSpPr>
+          <p:cNvPr id="3" name="Notes Placeholder 2"/>
+          <p:cNvSpPr>
+            <a:spLocks noGrp="1"/>
+          </p:cNvSpPr>
+          <p:nvPr>
+            <p:ph type="body" idx="1"/>
+          </p:nvPr>
+        </p:nvSpPr>
+        <p:spPr/>
+        <p:txBody>
+          <a:bodyPr/>
+          <a:lstStyle/>
+          <a:p>
+            <a:endParaRPr lang="en-US" dirty="0"/>
+          </a:p>
+        </p:txBody>
+      </p:sp>
+      <p:sp>
+        <p:nvSpPr>
+          <p:cNvPr id="4" name="Slide Number Placeholder 3"/>
+          <p:cNvSpPr>
+            <a:spLocks noGrp="1"/>
+          </p:cNvSpPr>
+          <p:nvPr>
+            <p:ph type="sldNum" sz="quarter" idx="5"/>
+          </p:nvPr>
+        </p:nvSpPr>
+        <p:spPr/>
+        <p:txBody>
+          <a:bodyPr/>
+          <a:lstStyle/>
+          <a:p>
+            <a:fld id="{761E6F54-D778-B04D-842E-04CB4814BFD5}" type="slidenum">
+              <a:rPr lang="en-US" smtClean="0"/>
+              <a:t>71</a:t>
+            </a:fld>
+            <a:endParaRPr lang="en-US"/>
+          </a:p>
+        </p:txBody>
+      </p:sp>
+    </p:spTree>
+    <p:extLst>
+      <p:ext uri="{BB962C8B-B14F-4D97-AF65-F5344CB8AC3E}">
+        <p14:creationId xmlns:p14="http://schemas.microsoft.com/office/powerpoint/2010/main" val="684033646"/>
+      </p:ext>
+    </p:extLst>
+  </p:cSld>
+  <p:clrMapOvr>
+    <a:masterClrMapping/>
+  </p:clrMapOvr>
+</p:notes>
+</file>
+
+<file path=ppt/notesSlides/notesSlide67.xml><?xml version="1.0" encoding="utf-8"?>
+<p:notes xmlns:a="http://schemas.openxmlformats.org/drawingml/2006/main" xmlns:r="http://schemas.openxmlformats.org/officeDocument/2006/relationships" xmlns:p="http://schemas.openxmlformats.org/presentationml/2006/main">
+  <p:cSld>
+    <p:spTree>
+      <p:nvGrpSpPr>
+        <p:cNvPr id="1" name=""/>
+        <p:cNvGrpSpPr/>
+        <p:nvPr/>
+      </p:nvGrpSpPr>
+      <p:grpSpPr>
+        <a:xfrm>
+          <a:off x="0" y="0"/>
+          <a:ext cx="0" cy="0"/>
+          <a:chOff x="0" y="0"/>
+          <a:chExt cx="0" cy="0"/>
+        </a:xfrm>
+      </p:grpSpPr>
+      <p:sp>
+        <p:nvSpPr>
+          <p:cNvPr id="2" name="Slide Image Placeholder 1"/>
+          <p:cNvSpPr>
+            <a:spLocks noGrp="1" noRot="1" noChangeAspect="1"/>
+          </p:cNvSpPr>
+          <p:nvPr>
+            <p:ph type="sldImg"/>
+          </p:nvPr>
+        </p:nvSpPr>
+        <p:spPr/>
+      </p:sp>
+      <p:sp>
+        <p:nvSpPr>
+          <p:cNvPr id="3" name="Notes Placeholder 2"/>
+          <p:cNvSpPr>
+            <a:spLocks noGrp="1"/>
+          </p:cNvSpPr>
+          <p:nvPr>
+            <p:ph type="body" idx="1"/>
+          </p:nvPr>
+        </p:nvSpPr>
+        <p:spPr/>
+        <p:txBody>
+          <a:bodyPr/>
+          <a:lstStyle/>
+          <a:p>
+            <a:endParaRPr lang="en-US" dirty="0"/>
+          </a:p>
+        </p:txBody>
+      </p:sp>
+      <p:sp>
+        <p:nvSpPr>
+          <p:cNvPr id="4" name="Slide Number Placeholder 3"/>
+          <p:cNvSpPr>
+            <a:spLocks noGrp="1"/>
+          </p:cNvSpPr>
+          <p:nvPr>
+            <p:ph type="sldNum" sz="quarter" idx="5"/>
+          </p:nvPr>
+        </p:nvSpPr>
+        <p:spPr/>
+        <p:txBody>
+          <a:bodyPr/>
+          <a:lstStyle/>
+          <a:p>
+            <a:fld id="{761E6F54-D778-B04D-842E-04CB4814BFD5}" type="slidenum">
+              <a:rPr lang="en-US" smtClean="0"/>
+              <a:t>72</a:t>
+            </a:fld>
+            <a:endParaRPr lang="en-US"/>
+          </a:p>
+        </p:txBody>
+      </p:sp>
+    </p:spTree>
+    <p:extLst>
+      <p:ext uri="{BB962C8B-B14F-4D97-AF65-F5344CB8AC3E}">
+        <p14:creationId xmlns:p14="http://schemas.microsoft.com/office/powerpoint/2010/main" val="3188487992"/>
+      </p:ext>
+    </p:extLst>
+  </p:cSld>
+  <p:clrMapOvr>
+    <a:masterClrMapping/>
+  </p:clrMapOvr>
+</p:notes>
+</file>
+
+<file path=ppt/notesSlides/notesSlide68.xml><?xml version="1.0" encoding="utf-8"?>
+<p:notes xmlns:a="http://schemas.openxmlformats.org/drawingml/2006/main" xmlns:r="http://schemas.openxmlformats.org/officeDocument/2006/relationships" xmlns:p="http://schemas.openxmlformats.org/presentationml/2006/main">
+  <p:cSld>
+    <p:spTree>
+      <p:nvGrpSpPr>
+        <p:cNvPr id="1" name=""/>
+        <p:cNvGrpSpPr/>
+        <p:nvPr/>
+      </p:nvGrpSpPr>
+      <p:grpSpPr>
+        <a:xfrm>
+          <a:off x="0" y="0"/>
+          <a:ext cx="0" cy="0"/>
+          <a:chOff x="0" y="0"/>
+          <a:chExt cx="0" cy="0"/>
+        </a:xfrm>
+      </p:grpSpPr>
+      <p:sp>
+        <p:nvSpPr>
+          <p:cNvPr id="2" name="Slide Image Placeholder 1"/>
+          <p:cNvSpPr>
+            <a:spLocks noGrp="1" noRot="1" noChangeAspect="1"/>
+          </p:cNvSpPr>
+          <p:nvPr>
+            <p:ph type="sldImg"/>
+          </p:nvPr>
+        </p:nvSpPr>
+        <p:spPr/>
+      </p:sp>
+      <p:sp>
+        <p:nvSpPr>
+          <p:cNvPr id="3" name="Notes Placeholder 2"/>
+          <p:cNvSpPr>
+            <a:spLocks noGrp="1"/>
+          </p:cNvSpPr>
+          <p:nvPr>
+            <p:ph type="body" idx="1"/>
+          </p:nvPr>
+        </p:nvSpPr>
+        <p:spPr/>
+        <p:txBody>
+          <a:bodyPr/>
+          <a:lstStyle/>
+          <a:p>
+            <a:endParaRPr lang="en-US" dirty="0"/>
+          </a:p>
+        </p:txBody>
+      </p:sp>
+      <p:sp>
+        <p:nvSpPr>
+          <p:cNvPr id="4" name="Slide Number Placeholder 3"/>
+          <p:cNvSpPr>
+            <a:spLocks noGrp="1"/>
+          </p:cNvSpPr>
+          <p:nvPr>
+            <p:ph type="sldNum" sz="quarter" idx="5"/>
+          </p:nvPr>
+        </p:nvSpPr>
+        <p:spPr/>
+        <p:txBody>
+          <a:bodyPr/>
+          <a:lstStyle/>
+          <a:p>
+            <a:fld id="{761E6F54-D778-B04D-842E-04CB4814BFD5}" type="slidenum">
+              <a:rPr lang="en-US" smtClean="0"/>
+              <a:t>73</a:t>
+            </a:fld>
+            <a:endParaRPr lang="en-US"/>
+          </a:p>
+        </p:txBody>
+      </p:sp>
+    </p:spTree>
+    <p:extLst>
+      <p:ext uri="{BB962C8B-B14F-4D97-AF65-F5344CB8AC3E}">
+        <p14:creationId xmlns:p14="http://schemas.microsoft.com/office/powerpoint/2010/main" val="3063422323"/>
+      </p:ext>
+    </p:extLst>
+  </p:cSld>
+  <p:clrMapOvr>
+    <a:masterClrMapping/>
+  </p:clrMapOvr>
+</p:notes>
+</file>
+
+<file path=ppt/notesSlides/notesSlide69.xml><?xml version="1.0" encoding="utf-8"?>
+<p:notes xmlns:a="http://schemas.openxmlformats.org/drawingml/2006/main" xmlns:r="http://schemas.openxmlformats.org/officeDocument/2006/relationships" xmlns:p="http://schemas.openxmlformats.org/presentationml/2006/main">
+  <p:cSld>
+    <p:spTree>
+      <p:nvGrpSpPr>
+        <p:cNvPr id="1" name=""/>
+        <p:cNvGrpSpPr/>
+        <p:nvPr/>
+      </p:nvGrpSpPr>
+      <p:grpSpPr>
+        <a:xfrm>
+          <a:off x="0" y="0"/>
+          <a:ext cx="0" cy="0"/>
+          <a:chOff x="0" y="0"/>
+          <a:chExt cx="0" cy="0"/>
+        </a:xfrm>
+      </p:grpSpPr>
+      <p:sp>
+        <p:nvSpPr>
+          <p:cNvPr id="2" name="Slide Image Placeholder 1"/>
+          <p:cNvSpPr>
+            <a:spLocks noGrp="1" noRot="1" noChangeAspect="1"/>
+          </p:cNvSpPr>
+          <p:nvPr>
+            <p:ph type="sldImg"/>
+          </p:nvPr>
+        </p:nvSpPr>
+        <p:spPr/>
+      </p:sp>
+      <p:sp>
+        <p:nvSpPr>
+          <p:cNvPr id="3" name="Notes Placeholder 2"/>
+          <p:cNvSpPr>
+            <a:spLocks noGrp="1"/>
+          </p:cNvSpPr>
+          <p:nvPr>
+            <p:ph type="body" idx="1"/>
+          </p:nvPr>
+        </p:nvSpPr>
+        <p:spPr/>
+        <p:txBody>
+          <a:bodyPr/>
+          <a:lstStyle/>
+          <a:p>
+            <a:endParaRPr lang="en-US" dirty="0"/>
+          </a:p>
+        </p:txBody>
+      </p:sp>
+      <p:sp>
+        <p:nvSpPr>
+          <p:cNvPr id="4" name="Slide Number Placeholder 3"/>
+          <p:cNvSpPr>
+            <a:spLocks noGrp="1"/>
+          </p:cNvSpPr>
+          <p:nvPr>
+            <p:ph type="sldNum" sz="quarter" idx="5"/>
+          </p:nvPr>
+        </p:nvSpPr>
+        <p:spPr/>
+        <p:txBody>
+          <a:bodyPr/>
+          <a:lstStyle/>
+          <a:p>
+            <a:fld id="{761E6F54-D778-B04D-842E-04CB4814BFD5}" type="slidenum">
+              <a:rPr lang="en-US" smtClean="0"/>
+              <a:t>74</a:t>
+            </a:fld>
+            <a:endParaRPr lang="en-US"/>
+          </a:p>
+        </p:txBody>
+      </p:sp>
+    </p:spTree>
+    <p:extLst>
+      <p:ext uri="{BB962C8B-B14F-4D97-AF65-F5344CB8AC3E}">
+        <p14:creationId xmlns:p14="http://schemas.microsoft.com/office/powerpoint/2010/main" val="2833257582"/>
       </p:ext>
     </p:extLst>
   </p:cSld>
@@ -5841,6 +6286,846 @@
 </p:notes>
 </file>
 
+<file path=ppt/notesSlides/notesSlide70.xml><?xml version="1.0" encoding="utf-8"?>
+<p:notes xmlns:a="http://schemas.openxmlformats.org/drawingml/2006/main" xmlns:r="http://schemas.openxmlformats.org/officeDocument/2006/relationships" xmlns:p="http://schemas.openxmlformats.org/presentationml/2006/main">
+  <p:cSld>
+    <p:spTree>
+      <p:nvGrpSpPr>
+        <p:cNvPr id="1" name=""/>
+        <p:cNvGrpSpPr/>
+        <p:nvPr/>
+      </p:nvGrpSpPr>
+      <p:grpSpPr>
+        <a:xfrm>
+          <a:off x="0" y="0"/>
+          <a:ext cx="0" cy="0"/>
+          <a:chOff x="0" y="0"/>
+          <a:chExt cx="0" cy="0"/>
+        </a:xfrm>
+      </p:grpSpPr>
+      <p:sp>
+        <p:nvSpPr>
+          <p:cNvPr id="2" name="Slide Image Placeholder 1"/>
+          <p:cNvSpPr>
+            <a:spLocks noGrp="1" noRot="1" noChangeAspect="1"/>
+          </p:cNvSpPr>
+          <p:nvPr>
+            <p:ph type="sldImg"/>
+          </p:nvPr>
+        </p:nvSpPr>
+        <p:spPr/>
+      </p:sp>
+      <p:sp>
+        <p:nvSpPr>
+          <p:cNvPr id="3" name="Notes Placeholder 2"/>
+          <p:cNvSpPr>
+            <a:spLocks noGrp="1"/>
+          </p:cNvSpPr>
+          <p:nvPr>
+            <p:ph type="body" idx="1"/>
+          </p:nvPr>
+        </p:nvSpPr>
+        <p:spPr/>
+        <p:txBody>
+          <a:bodyPr/>
+          <a:lstStyle/>
+          <a:p>
+            <a:endParaRPr lang="en-US" dirty="0"/>
+          </a:p>
+        </p:txBody>
+      </p:sp>
+      <p:sp>
+        <p:nvSpPr>
+          <p:cNvPr id="4" name="Slide Number Placeholder 3"/>
+          <p:cNvSpPr>
+            <a:spLocks noGrp="1"/>
+          </p:cNvSpPr>
+          <p:nvPr>
+            <p:ph type="sldNum" sz="quarter" idx="5"/>
+          </p:nvPr>
+        </p:nvSpPr>
+        <p:spPr/>
+        <p:txBody>
+          <a:bodyPr/>
+          <a:lstStyle/>
+          <a:p>
+            <a:fld id="{761E6F54-D778-B04D-842E-04CB4814BFD5}" type="slidenum">
+              <a:rPr lang="en-US" smtClean="0"/>
+              <a:t>75</a:t>
+            </a:fld>
+            <a:endParaRPr lang="en-US"/>
+          </a:p>
+        </p:txBody>
+      </p:sp>
+    </p:spTree>
+    <p:extLst>
+      <p:ext uri="{BB962C8B-B14F-4D97-AF65-F5344CB8AC3E}">
+        <p14:creationId xmlns:p14="http://schemas.microsoft.com/office/powerpoint/2010/main" val="3951703366"/>
+      </p:ext>
+    </p:extLst>
+  </p:cSld>
+  <p:clrMapOvr>
+    <a:masterClrMapping/>
+  </p:clrMapOvr>
+</p:notes>
+</file>
+
+<file path=ppt/notesSlides/notesSlide71.xml><?xml version="1.0" encoding="utf-8"?>
+<p:notes xmlns:a="http://schemas.openxmlformats.org/drawingml/2006/main" xmlns:r="http://schemas.openxmlformats.org/officeDocument/2006/relationships" xmlns:p="http://schemas.openxmlformats.org/presentationml/2006/main">
+  <p:cSld>
+    <p:spTree>
+      <p:nvGrpSpPr>
+        <p:cNvPr id="1" name=""/>
+        <p:cNvGrpSpPr/>
+        <p:nvPr/>
+      </p:nvGrpSpPr>
+      <p:grpSpPr>
+        <a:xfrm>
+          <a:off x="0" y="0"/>
+          <a:ext cx="0" cy="0"/>
+          <a:chOff x="0" y="0"/>
+          <a:chExt cx="0" cy="0"/>
+        </a:xfrm>
+      </p:grpSpPr>
+      <p:sp>
+        <p:nvSpPr>
+          <p:cNvPr id="2" name="Slide Image Placeholder 1"/>
+          <p:cNvSpPr>
+            <a:spLocks noGrp="1" noRot="1" noChangeAspect="1"/>
+          </p:cNvSpPr>
+          <p:nvPr>
+            <p:ph type="sldImg"/>
+          </p:nvPr>
+        </p:nvSpPr>
+        <p:spPr/>
+      </p:sp>
+      <p:sp>
+        <p:nvSpPr>
+          <p:cNvPr id="3" name="Notes Placeholder 2"/>
+          <p:cNvSpPr>
+            <a:spLocks noGrp="1"/>
+          </p:cNvSpPr>
+          <p:nvPr>
+            <p:ph type="body" idx="1"/>
+          </p:nvPr>
+        </p:nvSpPr>
+        <p:spPr/>
+        <p:txBody>
+          <a:bodyPr/>
+          <a:lstStyle/>
+          <a:p>
+            <a:endParaRPr lang="en-US" dirty="0"/>
+          </a:p>
+        </p:txBody>
+      </p:sp>
+      <p:sp>
+        <p:nvSpPr>
+          <p:cNvPr id="4" name="Slide Number Placeholder 3"/>
+          <p:cNvSpPr>
+            <a:spLocks noGrp="1"/>
+          </p:cNvSpPr>
+          <p:nvPr>
+            <p:ph type="sldNum" sz="quarter" idx="5"/>
+          </p:nvPr>
+        </p:nvSpPr>
+        <p:spPr/>
+        <p:txBody>
+          <a:bodyPr/>
+          <a:lstStyle/>
+          <a:p>
+            <a:fld id="{761E6F54-D778-B04D-842E-04CB4814BFD5}" type="slidenum">
+              <a:rPr lang="en-US" smtClean="0"/>
+              <a:t>76</a:t>
+            </a:fld>
+            <a:endParaRPr lang="en-US"/>
+          </a:p>
+        </p:txBody>
+      </p:sp>
+    </p:spTree>
+    <p:extLst>
+      <p:ext uri="{BB962C8B-B14F-4D97-AF65-F5344CB8AC3E}">
+        <p14:creationId xmlns:p14="http://schemas.microsoft.com/office/powerpoint/2010/main" val="1514737832"/>
+      </p:ext>
+    </p:extLst>
+  </p:cSld>
+  <p:clrMapOvr>
+    <a:masterClrMapping/>
+  </p:clrMapOvr>
+</p:notes>
+</file>
+
+<file path=ppt/notesSlides/notesSlide72.xml><?xml version="1.0" encoding="utf-8"?>
+<p:notes xmlns:a="http://schemas.openxmlformats.org/drawingml/2006/main" xmlns:r="http://schemas.openxmlformats.org/officeDocument/2006/relationships" xmlns:p="http://schemas.openxmlformats.org/presentationml/2006/main">
+  <p:cSld>
+    <p:spTree>
+      <p:nvGrpSpPr>
+        <p:cNvPr id="1" name=""/>
+        <p:cNvGrpSpPr/>
+        <p:nvPr/>
+      </p:nvGrpSpPr>
+      <p:grpSpPr>
+        <a:xfrm>
+          <a:off x="0" y="0"/>
+          <a:ext cx="0" cy="0"/>
+          <a:chOff x="0" y="0"/>
+          <a:chExt cx="0" cy="0"/>
+        </a:xfrm>
+      </p:grpSpPr>
+      <p:sp>
+        <p:nvSpPr>
+          <p:cNvPr id="2" name="Slide Image Placeholder 1"/>
+          <p:cNvSpPr>
+            <a:spLocks noGrp="1" noRot="1" noChangeAspect="1"/>
+          </p:cNvSpPr>
+          <p:nvPr>
+            <p:ph type="sldImg"/>
+          </p:nvPr>
+        </p:nvSpPr>
+        <p:spPr/>
+      </p:sp>
+      <p:sp>
+        <p:nvSpPr>
+          <p:cNvPr id="3" name="Notes Placeholder 2"/>
+          <p:cNvSpPr>
+            <a:spLocks noGrp="1"/>
+          </p:cNvSpPr>
+          <p:nvPr>
+            <p:ph type="body" idx="1"/>
+          </p:nvPr>
+        </p:nvSpPr>
+        <p:spPr/>
+        <p:txBody>
+          <a:bodyPr/>
+          <a:lstStyle/>
+          <a:p>
+            <a:endParaRPr lang="en-US" dirty="0"/>
+          </a:p>
+        </p:txBody>
+      </p:sp>
+      <p:sp>
+        <p:nvSpPr>
+          <p:cNvPr id="4" name="Slide Number Placeholder 3"/>
+          <p:cNvSpPr>
+            <a:spLocks noGrp="1"/>
+          </p:cNvSpPr>
+          <p:nvPr>
+            <p:ph type="sldNum" sz="quarter" idx="5"/>
+          </p:nvPr>
+        </p:nvSpPr>
+        <p:spPr/>
+        <p:txBody>
+          <a:bodyPr/>
+          <a:lstStyle/>
+          <a:p>
+            <a:fld id="{761E6F54-D778-B04D-842E-04CB4814BFD5}" type="slidenum">
+              <a:rPr lang="en-US" smtClean="0"/>
+              <a:t>77</a:t>
+            </a:fld>
+            <a:endParaRPr lang="en-US"/>
+          </a:p>
+        </p:txBody>
+      </p:sp>
+    </p:spTree>
+    <p:extLst>
+      <p:ext uri="{BB962C8B-B14F-4D97-AF65-F5344CB8AC3E}">
+        <p14:creationId xmlns:p14="http://schemas.microsoft.com/office/powerpoint/2010/main" val="3607426989"/>
+      </p:ext>
+    </p:extLst>
+  </p:cSld>
+  <p:clrMapOvr>
+    <a:masterClrMapping/>
+  </p:clrMapOvr>
+</p:notes>
+</file>
+
+<file path=ppt/notesSlides/notesSlide73.xml><?xml version="1.0" encoding="utf-8"?>
+<p:notes xmlns:a="http://schemas.openxmlformats.org/drawingml/2006/main" xmlns:r="http://schemas.openxmlformats.org/officeDocument/2006/relationships" xmlns:p="http://schemas.openxmlformats.org/presentationml/2006/main">
+  <p:cSld>
+    <p:spTree>
+      <p:nvGrpSpPr>
+        <p:cNvPr id="1" name=""/>
+        <p:cNvGrpSpPr/>
+        <p:nvPr/>
+      </p:nvGrpSpPr>
+      <p:grpSpPr>
+        <a:xfrm>
+          <a:off x="0" y="0"/>
+          <a:ext cx="0" cy="0"/>
+          <a:chOff x="0" y="0"/>
+          <a:chExt cx="0" cy="0"/>
+        </a:xfrm>
+      </p:grpSpPr>
+      <p:sp>
+        <p:nvSpPr>
+          <p:cNvPr id="2" name="Slide Image Placeholder 1"/>
+          <p:cNvSpPr>
+            <a:spLocks noGrp="1" noRot="1" noChangeAspect="1"/>
+          </p:cNvSpPr>
+          <p:nvPr>
+            <p:ph type="sldImg"/>
+          </p:nvPr>
+        </p:nvSpPr>
+        <p:spPr/>
+      </p:sp>
+      <p:sp>
+        <p:nvSpPr>
+          <p:cNvPr id="3" name="Notes Placeholder 2"/>
+          <p:cNvSpPr>
+            <a:spLocks noGrp="1"/>
+          </p:cNvSpPr>
+          <p:nvPr>
+            <p:ph type="body" idx="1"/>
+          </p:nvPr>
+        </p:nvSpPr>
+        <p:spPr/>
+        <p:txBody>
+          <a:bodyPr/>
+          <a:lstStyle/>
+          <a:p>
+            <a:endParaRPr lang="en-US" dirty="0"/>
+          </a:p>
+        </p:txBody>
+      </p:sp>
+      <p:sp>
+        <p:nvSpPr>
+          <p:cNvPr id="4" name="Slide Number Placeholder 3"/>
+          <p:cNvSpPr>
+            <a:spLocks noGrp="1"/>
+          </p:cNvSpPr>
+          <p:nvPr>
+            <p:ph type="sldNum" sz="quarter" idx="5"/>
+          </p:nvPr>
+        </p:nvSpPr>
+        <p:spPr/>
+        <p:txBody>
+          <a:bodyPr/>
+          <a:lstStyle/>
+          <a:p>
+            <a:fld id="{761E6F54-D778-B04D-842E-04CB4814BFD5}" type="slidenum">
+              <a:rPr lang="en-US" smtClean="0"/>
+              <a:t>78</a:t>
+            </a:fld>
+            <a:endParaRPr lang="en-US"/>
+          </a:p>
+        </p:txBody>
+      </p:sp>
+    </p:spTree>
+    <p:extLst>
+      <p:ext uri="{BB962C8B-B14F-4D97-AF65-F5344CB8AC3E}">
+        <p14:creationId xmlns:p14="http://schemas.microsoft.com/office/powerpoint/2010/main" val="2657513626"/>
+      </p:ext>
+    </p:extLst>
+  </p:cSld>
+  <p:clrMapOvr>
+    <a:masterClrMapping/>
+  </p:clrMapOvr>
+</p:notes>
+</file>
+
+<file path=ppt/notesSlides/notesSlide74.xml><?xml version="1.0" encoding="utf-8"?>
+<p:notes xmlns:a="http://schemas.openxmlformats.org/drawingml/2006/main" xmlns:r="http://schemas.openxmlformats.org/officeDocument/2006/relationships" xmlns:p="http://schemas.openxmlformats.org/presentationml/2006/main">
+  <p:cSld>
+    <p:spTree>
+      <p:nvGrpSpPr>
+        <p:cNvPr id="1" name=""/>
+        <p:cNvGrpSpPr/>
+        <p:nvPr/>
+      </p:nvGrpSpPr>
+      <p:grpSpPr>
+        <a:xfrm>
+          <a:off x="0" y="0"/>
+          <a:ext cx="0" cy="0"/>
+          <a:chOff x="0" y="0"/>
+          <a:chExt cx="0" cy="0"/>
+        </a:xfrm>
+      </p:grpSpPr>
+      <p:sp>
+        <p:nvSpPr>
+          <p:cNvPr id="2" name="Slide Image Placeholder 1"/>
+          <p:cNvSpPr>
+            <a:spLocks noGrp="1" noRot="1" noChangeAspect="1"/>
+          </p:cNvSpPr>
+          <p:nvPr>
+            <p:ph type="sldImg"/>
+          </p:nvPr>
+        </p:nvSpPr>
+        <p:spPr/>
+      </p:sp>
+      <p:sp>
+        <p:nvSpPr>
+          <p:cNvPr id="3" name="Notes Placeholder 2"/>
+          <p:cNvSpPr>
+            <a:spLocks noGrp="1"/>
+          </p:cNvSpPr>
+          <p:nvPr>
+            <p:ph type="body" idx="1"/>
+          </p:nvPr>
+        </p:nvSpPr>
+        <p:spPr/>
+        <p:txBody>
+          <a:bodyPr/>
+          <a:lstStyle/>
+          <a:p>
+            <a:endParaRPr lang="en-US" dirty="0"/>
+          </a:p>
+        </p:txBody>
+      </p:sp>
+      <p:sp>
+        <p:nvSpPr>
+          <p:cNvPr id="4" name="Slide Number Placeholder 3"/>
+          <p:cNvSpPr>
+            <a:spLocks noGrp="1"/>
+          </p:cNvSpPr>
+          <p:nvPr>
+            <p:ph type="sldNum" sz="quarter" idx="5"/>
+          </p:nvPr>
+        </p:nvSpPr>
+        <p:spPr/>
+        <p:txBody>
+          <a:bodyPr/>
+          <a:lstStyle/>
+          <a:p>
+            <a:fld id="{761E6F54-D778-B04D-842E-04CB4814BFD5}" type="slidenum">
+              <a:rPr lang="en-US" smtClean="0"/>
+              <a:t>79</a:t>
+            </a:fld>
+            <a:endParaRPr lang="en-US"/>
+          </a:p>
+        </p:txBody>
+      </p:sp>
+    </p:spTree>
+    <p:extLst>
+      <p:ext uri="{BB962C8B-B14F-4D97-AF65-F5344CB8AC3E}">
+        <p14:creationId xmlns:p14="http://schemas.microsoft.com/office/powerpoint/2010/main" val="799061680"/>
+      </p:ext>
+    </p:extLst>
+  </p:cSld>
+  <p:clrMapOvr>
+    <a:masterClrMapping/>
+  </p:clrMapOvr>
+</p:notes>
+</file>
+
+<file path=ppt/notesSlides/notesSlide75.xml><?xml version="1.0" encoding="utf-8"?>
+<p:notes xmlns:a="http://schemas.openxmlformats.org/drawingml/2006/main" xmlns:r="http://schemas.openxmlformats.org/officeDocument/2006/relationships" xmlns:p="http://schemas.openxmlformats.org/presentationml/2006/main">
+  <p:cSld>
+    <p:spTree>
+      <p:nvGrpSpPr>
+        <p:cNvPr id="1" name=""/>
+        <p:cNvGrpSpPr/>
+        <p:nvPr/>
+      </p:nvGrpSpPr>
+      <p:grpSpPr>
+        <a:xfrm>
+          <a:off x="0" y="0"/>
+          <a:ext cx="0" cy="0"/>
+          <a:chOff x="0" y="0"/>
+          <a:chExt cx="0" cy="0"/>
+        </a:xfrm>
+      </p:grpSpPr>
+      <p:sp>
+        <p:nvSpPr>
+          <p:cNvPr id="2" name="Slide Image Placeholder 1"/>
+          <p:cNvSpPr>
+            <a:spLocks noGrp="1" noRot="1" noChangeAspect="1"/>
+          </p:cNvSpPr>
+          <p:nvPr>
+            <p:ph type="sldImg"/>
+          </p:nvPr>
+        </p:nvSpPr>
+        <p:spPr/>
+      </p:sp>
+      <p:sp>
+        <p:nvSpPr>
+          <p:cNvPr id="3" name="Notes Placeholder 2"/>
+          <p:cNvSpPr>
+            <a:spLocks noGrp="1"/>
+          </p:cNvSpPr>
+          <p:nvPr>
+            <p:ph type="body" idx="1"/>
+          </p:nvPr>
+        </p:nvSpPr>
+        <p:spPr/>
+        <p:txBody>
+          <a:bodyPr/>
+          <a:lstStyle/>
+          <a:p>
+            <a:endParaRPr lang="en-US" dirty="0"/>
+          </a:p>
+        </p:txBody>
+      </p:sp>
+      <p:sp>
+        <p:nvSpPr>
+          <p:cNvPr id="4" name="Slide Number Placeholder 3"/>
+          <p:cNvSpPr>
+            <a:spLocks noGrp="1"/>
+          </p:cNvSpPr>
+          <p:nvPr>
+            <p:ph type="sldNum" sz="quarter" idx="5"/>
+          </p:nvPr>
+        </p:nvSpPr>
+        <p:spPr/>
+        <p:txBody>
+          <a:bodyPr/>
+          <a:lstStyle/>
+          <a:p>
+            <a:fld id="{761E6F54-D778-B04D-842E-04CB4814BFD5}" type="slidenum">
+              <a:rPr lang="en-US" smtClean="0"/>
+              <a:t>80</a:t>
+            </a:fld>
+            <a:endParaRPr lang="en-US"/>
+          </a:p>
+        </p:txBody>
+      </p:sp>
+    </p:spTree>
+    <p:extLst>
+      <p:ext uri="{BB962C8B-B14F-4D97-AF65-F5344CB8AC3E}">
+        <p14:creationId xmlns:p14="http://schemas.microsoft.com/office/powerpoint/2010/main" val="2461746092"/>
+      </p:ext>
+    </p:extLst>
+  </p:cSld>
+  <p:clrMapOvr>
+    <a:masterClrMapping/>
+  </p:clrMapOvr>
+</p:notes>
+</file>
+
+<file path=ppt/notesSlides/notesSlide76.xml><?xml version="1.0" encoding="utf-8"?>
+<p:notes xmlns:a="http://schemas.openxmlformats.org/drawingml/2006/main" xmlns:r="http://schemas.openxmlformats.org/officeDocument/2006/relationships" xmlns:p="http://schemas.openxmlformats.org/presentationml/2006/main">
+  <p:cSld>
+    <p:spTree>
+      <p:nvGrpSpPr>
+        <p:cNvPr id="1" name=""/>
+        <p:cNvGrpSpPr/>
+        <p:nvPr/>
+      </p:nvGrpSpPr>
+      <p:grpSpPr>
+        <a:xfrm>
+          <a:off x="0" y="0"/>
+          <a:ext cx="0" cy="0"/>
+          <a:chOff x="0" y="0"/>
+          <a:chExt cx="0" cy="0"/>
+        </a:xfrm>
+      </p:grpSpPr>
+      <p:sp>
+        <p:nvSpPr>
+          <p:cNvPr id="2" name="Slide Image Placeholder 1"/>
+          <p:cNvSpPr>
+            <a:spLocks noGrp="1" noRot="1" noChangeAspect="1"/>
+          </p:cNvSpPr>
+          <p:nvPr>
+            <p:ph type="sldImg"/>
+          </p:nvPr>
+        </p:nvSpPr>
+        <p:spPr/>
+      </p:sp>
+      <p:sp>
+        <p:nvSpPr>
+          <p:cNvPr id="3" name="Notes Placeholder 2"/>
+          <p:cNvSpPr>
+            <a:spLocks noGrp="1"/>
+          </p:cNvSpPr>
+          <p:nvPr>
+            <p:ph type="body" idx="1"/>
+          </p:nvPr>
+        </p:nvSpPr>
+        <p:spPr/>
+        <p:txBody>
+          <a:bodyPr/>
+          <a:lstStyle/>
+          <a:p>
+            <a:endParaRPr lang="en-US" dirty="0"/>
+          </a:p>
+        </p:txBody>
+      </p:sp>
+      <p:sp>
+        <p:nvSpPr>
+          <p:cNvPr id="4" name="Slide Number Placeholder 3"/>
+          <p:cNvSpPr>
+            <a:spLocks noGrp="1"/>
+          </p:cNvSpPr>
+          <p:nvPr>
+            <p:ph type="sldNum" sz="quarter" idx="5"/>
+          </p:nvPr>
+        </p:nvSpPr>
+        <p:spPr/>
+        <p:txBody>
+          <a:bodyPr/>
+          <a:lstStyle/>
+          <a:p>
+            <a:fld id="{761E6F54-D778-B04D-842E-04CB4814BFD5}" type="slidenum">
+              <a:rPr lang="en-US" smtClean="0"/>
+              <a:t>81</a:t>
+            </a:fld>
+            <a:endParaRPr lang="en-US"/>
+          </a:p>
+        </p:txBody>
+      </p:sp>
+    </p:spTree>
+    <p:extLst>
+      <p:ext uri="{BB962C8B-B14F-4D97-AF65-F5344CB8AC3E}">
+        <p14:creationId xmlns:p14="http://schemas.microsoft.com/office/powerpoint/2010/main" val="329052362"/>
+      </p:ext>
+    </p:extLst>
+  </p:cSld>
+  <p:clrMapOvr>
+    <a:masterClrMapping/>
+  </p:clrMapOvr>
+</p:notes>
+</file>
+
+<file path=ppt/notesSlides/notesSlide77.xml><?xml version="1.0" encoding="utf-8"?>
+<p:notes xmlns:a="http://schemas.openxmlformats.org/drawingml/2006/main" xmlns:r="http://schemas.openxmlformats.org/officeDocument/2006/relationships" xmlns:p="http://schemas.openxmlformats.org/presentationml/2006/main">
+  <p:cSld>
+    <p:spTree>
+      <p:nvGrpSpPr>
+        <p:cNvPr id="1" name=""/>
+        <p:cNvGrpSpPr/>
+        <p:nvPr/>
+      </p:nvGrpSpPr>
+      <p:grpSpPr>
+        <a:xfrm>
+          <a:off x="0" y="0"/>
+          <a:ext cx="0" cy="0"/>
+          <a:chOff x="0" y="0"/>
+          <a:chExt cx="0" cy="0"/>
+        </a:xfrm>
+      </p:grpSpPr>
+      <p:sp>
+        <p:nvSpPr>
+          <p:cNvPr id="2" name="Slide Image Placeholder 1"/>
+          <p:cNvSpPr>
+            <a:spLocks noGrp="1" noRot="1" noChangeAspect="1"/>
+          </p:cNvSpPr>
+          <p:nvPr>
+            <p:ph type="sldImg"/>
+          </p:nvPr>
+        </p:nvSpPr>
+        <p:spPr/>
+      </p:sp>
+      <p:sp>
+        <p:nvSpPr>
+          <p:cNvPr id="3" name="Notes Placeholder 2"/>
+          <p:cNvSpPr>
+            <a:spLocks noGrp="1"/>
+          </p:cNvSpPr>
+          <p:nvPr>
+            <p:ph type="body" idx="1"/>
+          </p:nvPr>
+        </p:nvSpPr>
+        <p:spPr/>
+        <p:txBody>
+          <a:bodyPr/>
+          <a:lstStyle/>
+          <a:p>
+            <a:endParaRPr lang="en-US" dirty="0"/>
+          </a:p>
+        </p:txBody>
+      </p:sp>
+      <p:sp>
+        <p:nvSpPr>
+          <p:cNvPr id="4" name="Slide Number Placeholder 3"/>
+          <p:cNvSpPr>
+            <a:spLocks noGrp="1"/>
+          </p:cNvSpPr>
+          <p:nvPr>
+            <p:ph type="sldNum" sz="quarter" idx="5"/>
+          </p:nvPr>
+        </p:nvSpPr>
+        <p:spPr/>
+        <p:txBody>
+          <a:bodyPr/>
+          <a:lstStyle/>
+          <a:p>
+            <a:fld id="{761E6F54-D778-B04D-842E-04CB4814BFD5}" type="slidenum">
+              <a:rPr lang="en-US" smtClean="0"/>
+              <a:t>82</a:t>
+            </a:fld>
+            <a:endParaRPr lang="en-US"/>
+          </a:p>
+        </p:txBody>
+      </p:sp>
+    </p:spTree>
+    <p:extLst>
+      <p:ext uri="{BB962C8B-B14F-4D97-AF65-F5344CB8AC3E}">
+        <p14:creationId xmlns:p14="http://schemas.microsoft.com/office/powerpoint/2010/main" val="1618873481"/>
+      </p:ext>
+    </p:extLst>
+  </p:cSld>
+  <p:clrMapOvr>
+    <a:masterClrMapping/>
+  </p:clrMapOvr>
+</p:notes>
+</file>
+
+<file path=ppt/notesSlides/notesSlide78.xml><?xml version="1.0" encoding="utf-8"?>
+<p:notes xmlns:a="http://schemas.openxmlformats.org/drawingml/2006/main" xmlns:r="http://schemas.openxmlformats.org/officeDocument/2006/relationships" xmlns:p="http://schemas.openxmlformats.org/presentationml/2006/main">
+  <p:cSld>
+    <p:spTree>
+      <p:nvGrpSpPr>
+        <p:cNvPr id="1" name=""/>
+        <p:cNvGrpSpPr/>
+        <p:nvPr/>
+      </p:nvGrpSpPr>
+      <p:grpSpPr>
+        <a:xfrm>
+          <a:off x="0" y="0"/>
+          <a:ext cx="0" cy="0"/>
+          <a:chOff x="0" y="0"/>
+          <a:chExt cx="0" cy="0"/>
+        </a:xfrm>
+      </p:grpSpPr>
+      <p:sp>
+        <p:nvSpPr>
+          <p:cNvPr id="2" name="Slide Image Placeholder 1"/>
+          <p:cNvSpPr>
+            <a:spLocks noGrp="1" noRot="1" noChangeAspect="1"/>
+          </p:cNvSpPr>
+          <p:nvPr>
+            <p:ph type="sldImg"/>
+          </p:nvPr>
+        </p:nvSpPr>
+        <p:spPr/>
+      </p:sp>
+      <p:sp>
+        <p:nvSpPr>
+          <p:cNvPr id="3" name="Notes Placeholder 2"/>
+          <p:cNvSpPr>
+            <a:spLocks noGrp="1"/>
+          </p:cNvSpPr>
+          <p:nvPr>
+            <p:ph type="body" idx="1"/>
+          </p:nvPr>
+        </p:nvSpPr>
+        <p:spPr/>
+        <p:txBody>
+          <a:bodyPr/>
+          <a:lstStyle/>
+          <a:p>
+            <a:endParaRPr lang="en-US" dirty="0"/>
+          </a:p>
+        </p:txBody>
+      </p:sp>
+      <p:sp>
+        <p:nvSpPr>
+          <p:cNvPr id="4" name="Slide Number Placeholder 3"/>
+          <p:cNvSpPr>
+            <a:spLocks noGrp="1"/>
+          </p:cNvSpPr>
+          <p:nvPr>
+            <p:ph type="sldNum" sz="quarter" idx="5"/>
+          </p:nvPr>
+        </p:nvSpPr>
+        <p:spPr/>
+        <p:txBody>
+          <a:bodyPr/>
+          <a:lstStyle/>
+          <a:p>
+            <a:fld id="{761E6F54-D778-B04D-842E-04CB4814BFD5}" type="slidenum">
+              <a:rPr lang="en-US" smtClean="0"/>
+              <a:t>83</a:t>
+            </a:fld>
+            <a:endParaRPr lang="en-US"/>
+          </a:p>
+        </p:txBody>
+      </p:sp>
+    </p:spTree>
+    <p:extLst>
+      <p:ext uri="{BB962C8B-B14F-4D97-AF65-F5344CB8AC3E}">
+        <p14:creationId xmlns:p14="http://schemas.microsoft.com/office/powerpoint/2010/main" val="3162018279"/>
+      </p:ext>
+    </p:extLst>
+  </p:cSld>
+  <p:clrMapOvr>
+    <a:masterClrMapping/>
+  </p:clrMapOvr>
+</p:notes>
+</file>
+
+<file path=ppt/notesSlides/notesSlide79.xml><?xml version="1.0" encoding="utf-8"?>
+<p:notes xmlns:a="http://schemas.openxmlformats.org/drawingml/2006/main" xmlns:r="http://schemas.openxmlformats.org/officeDocument/2006/relationships" xmlns:p="http://schemas.openxmlformats.org/presentationml/2006/main">
+  <p:cSld>
+    <p:spTree>
+      <p:nvGrpSpPr>
+        <p:cNvPr id="1" name=""/>
+        <p:cNvGrpSpPr/>
+        <p:nvPr/>
+      </p:nvGrpSpPr>
+      <p:grpSpPr>
+        <a:xfrm>
+          <a:off x="0" y="0"/>
+          <a:ext cx="0" cy="0"/>
+          <a:chOff x="0" y="0"/>
+          <a:chExt cx="0" cy="0"/>
+        </a:xfrm>
+      </p:grpSpPr>
+      <p:sp>
+        <p:nvSpPr>
+          <p:cNvPr id="2" name="Slide Image Placeholder 1"/>
+          <p:cNvSpPr>
+            <a:spLocks noGrp="1" noRot="1" noChangeAspect="1"/>
+          </p:cNvSpPr>
+          <p:nvPr>
+            <p:ph type="sldImg"/>
+          </p:nvPr>
+        </p:nvSpPr>
+        <p:spPr/>
+      </p:sp>
+      <p:sp>
+        <p:nvSpPr>
+          <p:cNvPr id="3" name="Notes Placeholder 2"/>
+          <p:cNvSpPr>
+            <a:spLocks noGrp="1"/>
+          </p:cNvSpPr>
+          <p:nvPr>
+            <p:ph type="body" idx="1"/>
+          </p:nvPr>
+        </p:nvSpPr>
+        <p:spPr/>
+        <p:txBody>
+          <a:bodyPr/>
+          <a:lstStyle/>
+          <a:p>
+            <a:endParaRPr lang="en-US" dirty="0"/>
+          </a:p>
+        </p:txBody>
+      </p:sp>
+      <p:sp>
+        <p:nvSpPr>
+          <p:cNvPr id="4" name="Slide Number Placeholder 3"/>
+          <p:cNvSpPr>
+            <a:spLocks noGrp="1"/>
+          </p:cNvSpPr>
+          <p:nvPr>
+            <p:ph type="sldNum" sz="quarter" idx="5"/>
+          </p:nvPr>
+        </p:nvSpPr>
+        <p:spPr/>
+        <p:txBody>
+          <a:bodyPr/>
+          <a:lstStyle/>
+          <a:p>
+            <a:fld id="{761E6F54-D778-B04D-842E-04CB4814BFD5}" type="slidenum">
+              <a:rPr lang="en-US" smtClean="0"/>
+              <a:t>84</a:t>
+            </a:fld>
+            <a:endParaRPr lang="en-US"/>
+          </a:p>
+        </p:txBody>
+      </p:sp>
+    </p:spTree>
+    <p:extLst>
+      <p:ext uri="{BB962C8B-B14F-4D97-AF65-F5344CB8AC3E}">
+        <p14:creationId xmlns:p14="http://schemas.microsoft.com/office/powerpoint/2010/main" val="2274364543"/>
+      </p:ext>
+    </p:extLst>
+  </p:cSld>
+  <p:clrMapOvr>
+    <a:masterClrMapping/>
+  </p:clrMapOvr>
+</p:notes>
+</file>
+
 <file path=ppt/notesSlides/notesSlide8.xml><?xml version="1.0" encoding="utf-8"?>
 <p:notes xmlns:a="http://schemas.openxmlformats.org/drawingml/2006/main" xmlns:r="http://schemas.openxmlformats.org/officeDocument/2006/relationships" xmlns:p="http://schemas.openxmlformats.org/presentationml/2006/main">
   <p:cSld>
@@ -5916,6 +7201,846 @@
     <p:extLst>
       <p:ext uri="{BB962C8B-B14F-4D97-AF65-F5344CB8AC3E}">
         <p14:creationId xmlns:p14="http://schemas.microsoft.com/office/powerpoint/2010/main" val="2929513322"/>
+      </p:ext>
+    </p:extLst>
+  </p:cSld>
+  <p:clrMapOvr>
+    <a:masterClrMapping/>
+  </p:clrMapOvr>
+</p:notes>
+</file>
+
+<file path=ppt/notesSlides/notesSlide80.xml><?xml version="1.0" encoding="utf-8"?>
+<p:notes xmlns:a="http://schemas.openxmlformats.org/drawingml/2006/main" xmlns:r="http://schemas.openxmlformats.org/officeDocument/2006/relationships" xmlns:p="http://schemas.openxmlformats.org/presentationml/2006/main">
+  <p:cSld>
+    <p:spTree>
+      <p:nvGrpSpPr>
+        <p:cNvPr id="1" name=""/>
+        <p:cNvGrpSpPr/>
+        <p:nvPr/>
+      </p:nvGrpSpPr>
+      <p:grpSpPr>
+        <a:xfrm>
+          <a:off x="0" y="0"/>
+          <a:ext cx="0" cy="0"/>
+          <a:chOff x="0" y="0"/>
+          <a:chExt cx="0" cy="0"/>
+        </a:xfrm>
+      </p:grpSpPr>
+      <p:sp>
+        <p:nvSpPr>
+          <p:cNvPr id="2" name="Slide Image Placeholder 1"/>
+          <p:cNvSpPr>
+            <a:spLocks noGrp="1" noRot="1" noChangeAspect="1"/>
+          </p:cNvSpPr>
+          <p:nvPr>
+            <p:ph type="sldImg"/>
+          </p:nvPr>
+        </p:nvSpPr>
+        <p:spPr/>
+      </p:sp>
+      <p:sp>
+        <p:nvSpPr>
+          <p:cNvPr id="3" name="Notes Placeholder 2"/>
+          <p:cNvSpPr>
+            <a:spLocks noGrp="1"/>
+          </p:cNvSpPr>
+          <p:nvPr>
+            <p:ph type="body" idx="1"/>
+          </p:nvPr>
+        </p:nvSpPr>
+        <p:spPr/>
+        <p:txBody>
+          <a:bodyPr/>
+          <a:lstStyle/>
+          <a:p>
+            <a:endParaRPr lang="en-US" dirty="0"/>
+          </a:p>
+        </p:txBody>
+      </p:sp>
+      <p:sp>
+        <p:nvSpPr>
+          <p:cNvPr id="4" name="Slide Number Placeholder 3"/>
+          <p:cNvSpPr>
+            <a:spLocks noGrp="1"/>
+          </p:cNvSpPr>
+          <p:nvPr>
+            <p:ph type="sldNum" sz="quarter" idx="5"/>
+          </p:nvPr>
+        </p:nvSpPr>
+        <p:spPr/>
+        <p:txBody>
+          <a:bodyPr/>
+          <a:lstStyle/>
+          <a:p>
+            <a:fld id="{761E6F54-D778-B04D-842E-04CB4814BFD5}" type="slidenum">
+              <a:rPr lang="en-US" smtClean="0"/>
+              <a:t>85</a:t>
+            </a:fld>
+            <a:endParaRPr lang="en-US"/>
+          </a:p>
+        </p:txBody>
+      </p:sp>
+    </p:spTree>
+    <p:extLst>
+      <p:ext uri="{BB962C8B-B14F-4D97-AF65-F5344CB8AC3E}">
+        <p14:creationId xmlns:p14="http://schemas.microsoft.com/office/powerpoint/2010/main" val="3068146615"/>
+      </p:ext>
+    </p:extLst>
+  </p:cSld>
+  <p:clrMapOvr>
+    <a:masterClrMapping/>
+  </p:clrMapOvr>
+</p:notes>
+</file>
+
+<file path=ppt/notesSlides/notesSlide81.xml><?xml version="1.0" encoding="utf-8"?>
+<p:notes xmlns:a="http://schemas.openxmlformats.org/drawingml/2006/main" xmlns:r="http://schemas.openxmlformats.org/officeDocument/2006/relationships" xmlns:p="http://schemas.openxmlformats.org/presentationml/2006/main">
+  <p:cSld>
+    <p:spTree>
+      <p:nvGrpSpPr>
+        <p:cNvPr id="1" name=""/>
+        <p:cNvGrpSpPr/>
+        <p:nvPr/>
+      </p:nvGrpSpPr>
+      <p:grpSpPr>
+        <a:xfrm>
+          <a:off x="0" y="0"/>
+          <a:ext cx="0" cy="0"/>
+          <a:chOff x="0" y="0"/>
+          <a:chExt cx="0" cy="0"/>
+        </a:xfrm>
+      </p:grpSpPr>
+      <p:sp>
+        <p:nvSpPr>
+          <p:cNvPr id="2" name="Slide Image Placeholder 1"/>
+          <p:cNvSpPr>
+            <a:spLocks noGrp="1" noRot="1" noChangeAspect="1"/>
+          </p:cNvSpPr>
+          <p:nvPr>
+            <p:ph type="sldImg"/>
+          </p:nvPr>
+        </p:nvSpPr>
+        <p:spPr/>
+      </p:sp>
+      <p:sp>
+        <p:nvSpPr>
+          <p:cNvPr id="3" name="Notes Placeholder 2"/>
+          <p:cNvSpPr>
+            <a:spLocks noGrp="1"/>
+          </p:cNvSpPr>
+          <p:nvPr>
+            <p:ph type="body" idx="1"/>
+          </p:nvPr>
+        </p:nvSpPr>
+        <p:spPr/>
+        <p:txBody>
+          <a:bodyPr/>
+          <a:lstStyle/>
+          <a:p>
+            <a:endParaRPr lang="en-US" dirty="0"/>
+          </a:p>
+        </p:txBody>
+      </p:sp>
+      <p:sp>
+        <p:nvSpPr>
+          <p:cNvPr id="4" name="Slide Number Placeholder 3"/>
+          <p:cNvSpPr>
+            <a:spLocks noGrp="1"/>
+          </p:cNvSpPr>
+          <p:nvPr>
+            <p:ph type="sldNum" sz="quarter" idx="5"/>
+          </p:nvPr>
+        </p:nvSpPr>
+        <p:spPr/>
+        <p:txBody>
+          <a:bodyPr/>
+          <a:lstStyle/>
+          <a:p>
+            <a:fld id="{761E6F54-D778-B04D-842E-04CB4814BFD5}" type="slidenum">
+              <a:rPr lang="en-US" smtClean="0"/>
+              <a:t>86</a:t>
+            </a:fld>
+            <a:endParaRPr lang="en-US"/>
+          </a:p>
+        </p:txBody>
+      </p:sp>
+    </p:spTree>
+    <p:extLst>
+      <p:ext uri="{BB962C8B-B14F-4D97-AF65-F5344CB8AC3E}">
+        <p14:creationId xmlns:p14="http://schemas.microsoft.com/office/powerpoint/2010/main" val="190318483"/>
+      </p:ext>
+    </p:extLst>
+  </p:cSld>
+  <p:clrMapOvr>
+    <a:masterClrMapping/>
+  </p:clrMapOvr>
+</p:notes>
+</file>
+
+<file path=ppt/notesSlides/notesSlide82.xml><?xml version="1.0" encoding="utf-8"?>
+<p:notes xmlns:a="http://schemas.openxmlformats.org/drawingml/2006/main" xmlns:r="http://schemas.openxmlformats.org/officeDocument/2006/relationships" xmlns:p="http://schemas.openxmlformats.org/presentationml/2006/main">
+  <p:cSld>
+    <p:spTree>
+      <p:nvGrpSpPr>
+        <p:cNvPr id="1" name=""/>
+        <p:cNvGrpSpPr/>
+        <p:nvPr/>
+      </p:nvGrpSpPr>
+      <p:grpSpPr>
+        <a:xfrm>
+          <a:off x="0" y="0"/>
+          <a:ext cx="0" cy="0"/>
+          <a:chOff x="0" y="0"/>
+          <a:chExt cx="0" cy="0"/>
+        </a:xfrm>
+      </p:grpSpPr>
+      <p:sp>
+        <p:nvSpPr>
+          <p:cNvPr id="2" name="Slide Image Placeholder 1"/>
+          <p:cNvSpPr>
+            <a:spLocks noGrp="1" noRot="1" noChangeAspect="1"/>
+          </p:cNvSpPr>
+          <p:nvPr>
+            <p:ph type="sldImg"/>
+          </p:nvPr>
+        </p:nvSpPr>
+        <p:spPr/>
+      </p:sp>
+      <p:sp>
+        <p:nvSpPr>
+          <p:cNvPr id="3" name="Notes Placeholder 2"/>
+          <p:cNvSpPr>
+            <a:spLocks noGrp="1"/>
+          </p:cNvSpPr>
+          <p:nvPr>
+            <p:ph type="body" idx="1"/>
+          </p:nvPr>
+        </p:nvSpPr>
+        <p:spPr/>
+        <p:txBody>
+          <a:bodyPr/>
+          <a:lstStyle/>
+          <a:p>
+            <a:endParaRPr lang="en-US" dirty="0"/>
+          </a:p>
+        </p:txBody>
+      </p:sp>
+      <p:sp>
+        <p:nvSpPr>
+          <p:cNvPr id="4" name="Slide Number Placeholder 3"/>
+          <p:cNvSpPr>
+            <a:spLocks noGrp="1"/>
+          </p:cNvSpPr>
+          <p:nvPr>
+            <p:ph type="sldNum" sz="quarter" idx="5"/>
+          </p:nvPr>
+        </p:nvSpPr>
+        <p:spPr/>
+        <p:txBody>
+          <a:bodyPr/>
+          <a:lstStyle/>
+          <a:p>
+            <a:fld id="{761E6F54-D778-B04D-842E-04CB4814BFD5}" type="slidenum">
+              <a:rPr lang="en-US" smtClean="0"/>
+              <a:t>87</a:t>
+            </a:fld>
+            <a:endParaRPr lang="en-US"/>
+          </a:p>
+        </p:txBody>
+      </p:sp>
+    </p:spTree>
+    <p:extLst>
+      <p:ext uri="{BB962C8B-B14F-4D97-AF65-F5344CB8AC3E}">
+        <p14:creationId xmlns:p14="http://schemas.microsoft.com/office/powerpoint/2010/main" val="1271894240"/>
+      </p:ext>
+    </p:extLst>
+  </p:cSld>
+  <p:clrMapOvr>
+    <a:masterClrMapping/>
+  </p:clrMapOvr>
+</p:notes>
+</file>
+
+<file path=ppt/notesSlides/notesSlide83.xml><?xml version="1.0" encoding="utf-8"?>
+<p:notes xmlns:a="http://schemas.openxmlformats.org/drawingml/2006/main" xmlns:r="http://schemas.openxmlformats.org/officeDocument/2006/relationships" xmlns:p="http://schemas.openxmlformats.org/presentationml/2006/main">
+  <p:cSld>
+    <p:spTree>
+      <p:nvGrpSpPr>
+        <p:cNvPr id="1" name=""/>
+        <p:cNvGrpSpPr/>
+        <p:nvPr/>
+      </p:nvGrpSpPr>
+      <p:grpSpPr>
+        <a:xfrm>
+          <a:off x="0" y="0"/>
+          <a:ext cx="0" cy="0"/>
+          <a:chOff x="0" y="0"/>
+          <a:chExt cx="0" cy="0"/>
+        </a:xfrm>
+      </p:grpSpPr>
+      <p:sp>
+        <p:nvSpPr>
+          <p:cNvPr id="2" name="Slide Image Placeholder 1"/>
+          <p:cNvSpPr>
+            <a:spLocks noGrp="1" noRot="1" noChangeAspect="1"/>
+          </p:cNvSpPr>
+          <p:nvPr>
+            <p:ph type="sldImg"/>
+          </p:nvPr>
+        </p:nvSpPr>
+        <p:spPr/>
+      </p:sp>
+      <p:sp>
+        <p:nvSpPr>
+          <p:cNvPr id="3" name="Notes Placeholder 2"/>
+          <p:cNvSpPr>
+            <a:spLocks noGrp="1"/>
+          </p:cNvSpPr>
+          <p:nvPr>
+            <p:ph type="body" idx="1"/>
+          </p:nvPr>
+        </p:nvSpPr>
+        <p:spPr/>
+        <p:txBody>
+          <a:bodyPr/>
+          <a:lstStyle/>
+          <a:p>
+            <a:endParaRPr lang="en-US" dirty="0"/>
+          </a:p>
+        </p:txBody>
+      </p:sp>
+      <p:sp>
+        <p:nvSpPr>
+          <p:cNvPr id="4" name="Slide Number Placeholder 3"/>
+          <p:cNvSpPr>
+            <a:spLocks noGrp="1"/>
+          </p:cNvSpPr>
+          <p:nvPr>
+            <p:ph type="sldNum" sz="quarter" idx="5"/>
+          </p:nvPr>
+        </p:nvSpPr>
+        <p:spPr/>
+        <p:txBody>
+          <a:bodyPr/>
+          <a:lstStyle/>
+          <a:p>
+            <a:fld id="{761E6F54-D778-B04D-842E-04CB4814BFD5}" type="slidenum">
+              <a:rPr lang="en-US" smtClean="0"/>
+              <a:t>88</a:t>
+            </a:fld>
+            <a:endParaRPr lang="en-US"/>
+          </a:p>
+        </p:txBody>
+      </p:sp>
+    </p:spTree>
+    <p:extLst>
+      <p:ext uri="{BB962C8B-B14F-4D97-AF65-F5344CB8AC3E}">
+        <p14:creationId xmlns:p14="http://schemas.microsoft.com/office/powerpoint/2010/main" val="3613446978"/>
+      </p:ext>
+    </p:extLst>
+  </p:cSld>
+  <p:clrMapOvr>
+    <a:masterClrMapping/>
+  </p:clrMapOvr>
+</p:notes>
+</file>
+
+<file path=ppt/notesSlides/notesSlide84.xml><?xml version="1.0" encoding="utf-8"?>
+<p:notes xmlns:a="http://schemas.openxmlformats.org/drawingml/2006/main" xmlns:r="http://schemas.openxmlformats.org/officeDocument/2006/relationships" xmlns:p="http://schemas.openxmlformats.org/presentationml/2006/main">
+  <p:cSld>
+    <p:spTree>
+      <p:nvGrpSpPr>
+        <p:cNvPr id="1" name=""/>
+        <p:cNvGrpSpPr/>
+        <p:nvPr/>
+      </p:nvGrpSpPr>
+      <p:grpSpPr>
+        <a:xfrm>
+          <a:off x="0" y="0"/>
+          <a:ext cx="0" cy="0"/>
+          <a:chOff x="0" y="0"/>
+          <a:chExt cx="0" cy="0"/>
+        </a:xfrm>
+      </p:grpSpPr>
+      <p:sp>
+        <p:nvSpPr>
+          <p:cNvPr id="2" name="Slide Image Placeholder 1"/>
+          <p:cNvSpPr>
+            <a:spLocks noGrp="1" noRot="1" noChangeAspect="1"/>
+          </p:cNvSpPr>
+          <p:nvPr>
+            <p:ph type="sldImg"/>
+          </p:nvPr>
+        </p:nvSpPr>
+        <p:spPr/>
+      </p:sp>
+      <p:sp>
+        <p:nvSpPr>
+          <p:cNvPr id="3" name="Notes Placeholder 2"/>
+          <p:cNvSpPr>
+            <a:spLocks noGrp="1"/>
+          </p:cNvSpPr>
+          <p:nvPr>
+            <p:ph type="body" idx="1"/>
+          </p:nvPr>
+        </p:nvSpPr>
+        <p:spPr/>
+        <p:txBody>
+          <a:bodyPr/>
+          <a:lstStyle/>
+          <a:p>
+            <a:endParaRPr lang="en-US" dirty="0"/>
+          </a:p>
+        </p:txBody>
+      </p:sp>
+      <p:sp>
+        <p:nvSpPr>
+          <p:cNvPr id="4" name="Slide Number Placeholder 3"/>
+          <p:cNvSpPr>
+            <a:spLocks noGrp="1"/>
+          </p:cNvSpPr>
+          <p:nvPr>
+            <p:ph type="sldNum" sz="quarter" idx="5"/>
+          </p:nvPr>
+        </p:nvSpPr>
+        <p:spPr/>
+        <p:txBody>
+          <a:bodyPr/>
+          <a:lstStyle/>
+          <a:p>
+            <a:fld id="{761E6F54-D778-B04D-842E-04CB4814BFD5}" type="slidenum">
+              <a:rPr lang="en-US" smtClean="0"/>
+              <a:t>89</a:t>
+            </a:fld>
+            <a:endParaRPr lang="en-US"/>
+          </a:p>
+        </p:txBody>
+      </p:sp>
+    </p:spTree>
+    <p:extLst>
+      <p:ext uri="{BB962C8B-B14F-4D97-AF65-F5344CB8AC3E}">
+        <p14:creationId xmlns:p14="http://schemas.microsoft.com/office/powerpoint/2010/main" val="2937382867"/>
+      </p:ext>
+    </p:extLst>
+  </p:cSld>
+  <p:clrMapOvr>
+    <a:masterClrMapping/>
+  </p:clrMapOvr>
+</p:notes>
+</file>
+
+<file path=ppt/notesSlides/notesSlide85.xml><?xml version="1.0" encoding="utf-8"?>
+<p:notes xmlns:a="http://schemas.openxmlformats.org/drawingml/2006/main" xmlns:r="http://schemas.openxmlformats.org/officeDocument/2006/relationships" xmlns:p="http://schemas.openxmlformats.org/presentationml/2006/main">
+  <p:cSld>
+    <p:spTree>
+      <p:nvGrpSpPr>
+        <p:cNvPr id="1" name=""/>
+        <p:cNvGrpSpPr/>
+        <p:nvPr/>
+      </p:nvGrpSpPr>
+      <p:grpSpPr>
+        <a:xfrm>
+          <a:off x="0" y="0"/>
+          <a:ext cx="0" cy="0"/>
+          <a:chOff x="0" y="0"/>
+          <a:chExt cx="0" cy="0"/>
+        </a:xfrm>
+      </p:grpSpPr>
+      <p:sp>
+        <p:nvSpPr>
+          <p:cNvPr id="2" name="Slide Image Placeholder 1"/>
+          <p:cNvSpPr>
+            <a:spLocks noGrp="1" noRot="1" noChangeAspect="1"/>
+          </p:cNvSpPr>
+          <p:nvPr>
+            <p:ph type="sldImg"/>
+          </p:nvPr>
+        </p:nvSpPr>
+        <p:spPr/>
+      </p:sp>
+      <p:sp>
+        <p:nvSpPr>
+          <p:cNvPr id="3" name="Notes Placeholder 2"/>
+          <p:cNvSpPr>
+            <a:spLocks noGrp="1"/>
+          </p:cNvSpPr>
+          <p:nvPr>
+            <p:ph type="body" idx="1"/>
+          </p:nvPr>
+        </p:nvSpPr>
+        <p:spPr/>
+        <p:txBody>
+          <a:bodyPr/>
+          <a:lstStyle/>
+          <a:p>
+            <a:endParaRPr lang="en-US" dirty="0"/>
+          </a:p>
+        </p:txBody>
+      </p:sp>
+      <p:sp>
+        <p:nvSpPr>
+          <p:cNvPr id="4" name="Slide Number Placeholder 3"/>
+          <p:cNvSpPr>
+            <a:spLocks noGrp="1"/>
+          </p:cNvSpPr>
+          <p:nvPr>
+            <p:ph type="sldNum" sz="quarter" idx="5"/>
+          </p:nvPr>
+        </p:nvSpPr>
+        <p:spPr/>
+        <p:txBody>
+          <a:bodyPr/>
+          <a:lstStyle/>
+          <a:p>
+            <a:fld id="{761E6F54-D778-B04D-842E-04CB4814BFD5}" type="slidenum">
+              <a:rPr lang="en-US" smtClean="0"/>
+              <a:t>90</a:t>
+            </a:fld>
+            <a:endParaRPr lang="en-US"/>
+          </a:p>
+        </p:txBody>
+      </p:sp>
+    </p:spTree>
+    <p:extLst>
+      <p:ext uri="{BB962C8B-B14F-4D97-AF65-F5344CB8AC3E}">
+        <p14:creationId xmlns:p14="http://schemas.microsoft.com/office/powerpoint/2010/main" val="1886480658"/>
+      </p:ext>
+    </p:extLst>
+  </p:cSld>
+  <p:clrMapOvr>
+    <a:masterClrMapping/>
+  </p:clrMapOvr>
+</p:notes>
+</file>
+
+<file path=ppt/notesSlides/notesSlide86.xml><?xml version="1.0" encoding="utf-8"?>
+<p:notes xmlns:a="http://schemas.openxmlformats.org/drawingml/2006/main" xmlns:r="http://schemas.openxmlformats.org/officeDocument/2006/relationships" xmlns:p="http://schemas.openxmlformats.org/presentationml/2006/main">
+  <p:cSld>
+    <p:spTree>
+      <p:nvGrpSpPr>
+        <p:cNvPr id="1" name=""/>
+        <p:cNvGrpSpPr/>
+        <p:nvPr/>
+      </p:nvGrpSpPr>
+      <p:grpSpPr>
+        <a:xfrm>
+          <a:off x="0" y="0"/>
+          <a:ext cx="0" cy="0"/>
+          <a:chOff x="0" y="0"/>
+          <a:chExt cx="0" cy="0"/>
+        </a:xfrm>
+      </p:grpSpPr>
+      <p:sp>
+        <p:nvSpPr>
+          <p:cNvPr id="2" name="Slide Image Placeholder 1"/>
+          <p:cNvSpPr>
+            <a:spLocks noGrp="1" noRot="1" noChangeAspect="1"/>
+          </p:cNvSpPr>
+          <p:nvPr>
+            <p:ph type="sldImg"/>
+          </p:nvPr>
+        </p:nvSpPr>
+        <p:spPr/>
+      </p:sp>
+      <p:sp>
+        <p:nvSpPr>
+          <p:cNvPr id="3" name="Notes Placeholder 2"/>
+          <p:cNvSpPr>
+            <a:spLocks noGrp="1"/>
+          </p:cNvSpPr>
+          <p:nvPr>
+            <p:ph type="body" idx="1"/>
+          </p:nvPr>
+        </p:nvSpPr>
+        <p:spPr/>
+        <p:txBody>
+          <a:bodyPr/>
+          <a:lstStyle/>
+          <a:p>
+            <a:endParaRPr lang="en-US" dirty="0"/>
+          </a:p>
+        </p:txBody>
+      </p:sp>
+      <p:sp>
+        <p:nvSpPr>
+          <p:cNvPr id="4" name="Slide Number Placeholder 3"/>
+          <p:cNvSpPr>
+            <a:spLocks noGrp="1"/>
+          </p:cNvSpPr>
+          <p:nvPr>
+            <p:ph type="sldNum" sz="quarter" idx="5"/>
+          </p:nvPr>
+        </p:nvSpPr>
+        <p:spPr/>
+        <p:txBody>
+          <a:bodyPr/>
+          <a:lstStyle/>
+          <a:p>
+            <a:fld id="{761E6F54-D778-B04D-842E-04CB4814BFD5}" type="slidenum">
+              <a:rPr lang="en-US" smtClean="0"/>
+              <a:t>91</a:t>
+            </a:fld>
+            <a:endParaRPr lang="en-US"/>
+          </a:p>
+        </p:txBody>
+      </p:sp>
+    </p:spTree>
+    <p:extLst>
+      <p:ext uri="{BB962C8B-B14F-4D97-AF65-F5344CB8AC3E}">
+        <p14:creationId xmlns:p14="http://schemas.microsoft.com/office/powerpoint/2010/main" val="2044150911"/>
+      </p:ext>
+    </p:extLst>
+  </p:cSld>
+  <p:clrMapOvr>
+    <a:masterClrMapping/>
+  </p:clrMapOvr>
+</p:notes>
+</file>
+
+<file path=ppt/notesSlides/notesSlide87.xml><?xml version="1.0" encoding="utf-8"?>
+<p:notes xmlns:a="http://schemas.openxmlformats.org/drawingml/2006/main" xmlns:r="http://schemas.openxmlformats.org/officeDocument/2006/relationships" xmlns:p="http://schemas.openxmlformats.org/presentationml/2006/main">
+  <p:cSld>
+    <p:spTree>
+      <p:nvGrpSpPr>
+        <p:cNvPr id="1" name=""/>
+        <p:cNvGrpSpPr/>
+        <p:nvPr/>
+      </p:nvGrpSpPr>
+      <p:grpSpPr>
+        <a:xfrm>
+          <a:off x="0" y="0"/>
+          <a:ext cx="0" cy="0"/>
+          <a:chOff x="0" y="0"/>
+          <a:chExt cx="0" cy="0"/>
+        </a:xfrm>
+      </p:grpSpPr>
+      <p:sp>
+        <p:nvSpPr>
+          <p:cNvPr id="2" name="Slide Image Placeholder 1"/>
+          <p:cNvSpPr>
+            <a:spLocks noGrp="1" noRot="1" noChangeAspect="1"/>
+          </p:cNvSpPr>
+          <p:nvPr>
+            <p:ph type="sldImg"/>
+          </p:nvPr>
+        </p:nvSpPr>
+        <p:spPr/>
+      </p:sp>
+      <p:sp>
+        <p:nvSpPr>
+          <p:cNvPr id="3" name="Notes Placeholder 2"/>
+          <p:cNvSpPr>
+            <a:spLocks noGrp="1"/>
+          </p:cNvSpPr>
+          <p:nvPr>
+            <p:ph type="body" idx="1"/>
+          </p:nvPr>
+        </p:nvSpPr>
+        <p:spPr/>
+        <p:txBody>
+          <a:bodyPr/>
+          <a:lstStyle/>
+          <a:p>
+            <a:endParaRPr lang="en-US" dirty="0"/>
+          </a:p>
+        </p:txBody>
+      </p:sp>
+      <p:sp>
+        <p:nvSpPr>
+          <p:cNvPr id="4" name="Slide Number Placeholder 3"/>
+          <p:cNvSpPr>
+            <a:spLocks noGrp="1"/>
+          </p:cNvSpPr>
+          <p:nvPr>
+            <p:ph type="sldNum" sz="quarter" idx="5"/>
+          </p:nvPr>
+        </p:nvSpPr>
+        <p:spPr/>
+        <p:txBody>
+          <a:bodyPr/>
+          <a:lstStyle/>
+          <a:p>
+            <a:fld id="{761E6F54-D778-B04D-842E-04CB4814BFD5}" type="slidenum">
+              <a:rPr lang="en-US" smtClean="0"/>
+              <a:t>92</a:t>
+            </a:fld>
+            <a:endParaRPr lang="en-US"/>
+          </a:p>
+        </p:txBody>
+      </p:sp>
+    </p:spTree>
+    <p:extLst>
+      <p:ext uri="{BB962C8B-B14F-4D97-AF65-F5344CB8AC3E}">
+        <p14:creationId xmlns:p14="http://schemas.microsoft.com/office/powerpoint/2010/main" val="2670988913"/>
+      </p:ext>
+    </p:extLst>
+  </p:cSld>
+  <p:clrMapOvr>
+    <a:masterClrMapping/>
+  </p:clrMapOvr>
+</p:notes>
+</file>
+
+<file path=ppt/notesSlides/notesSlide88.xml><?xml version="1.0" encoding="utf-8"?>
+<p:notes xmlns:a="http://schemas.openxmlformats.org/drawingml/2006/main" xmlns:r="http://schemas.openxmlformats.org/officeDocument/2006/relationships" xmlns:p="http://schemas.openxmlformats.org/presentationml/2006/main">
+  <p:cSld>
+    <p:spTree>
+      <p:nvGrpSpPr>
+        <p:cNvPr id="1" name=""/>
+        <p:cNvGrpSpPr/>
+        <p:nvPr/>
+      </p:nvGrpSpPr>
+      <p:grpSpPr>
+        <a:xfrm>
+          <a:off x="0" y="0"/>
+          <a:ext cx="0" cy="0"/>
+          <a:chOff x="0" y="0"/>
+          <a:chExt cx="0" cy="0"/>
+        </a:xfrm>
+      </p:grpSpPr>
+      <p:sp>
+        <p:nvSpPr>
+          <p:cNvPr id="2" name="Slide Image Placeholder 1"/>
+          <p:cNvSpPr>
+            <a:spLocks noGrp="1" noRot="1" noChangeAspect="1"/>
+          </p:cNvSpPr>
+          <p:nvPr>
+            <p:ph type="sldImg"/>
+          </p:nvPr>
+        </p:nvSpPr>
+        <p:spPr/>
+      </p:sp>
+      <p:sp>
+        <p:nvSpPr>
+          <p:cNvPr id="3" name="Notes Placeholder 2"/>
+          <p:cNvSpPr>
+            <a:spLocks noGrp="1"/>
+          </p:cNvSpPr>
+          <p:nvPr>
+            <p:ph type="body" idx="1"/>
+          </p:nvPr>
+        </p:nvSpPr>
+        <p:spPr/>
+        <p:txBody>
+          <a:bodyPr/>
+          <a:lstStyle/>
+          <a:p>
+            <a:endParaRPr lang="en-US" dirty="0"/>
+          </a:p>
+        </p:txBody>
+      </p:sp>
+      <p:sp>
+        <p:nvSpPr>
+          <p:cNvPr id="4" name="Slide Number Placeholder 3"/>
+          <p:cNvSpPr>
+            <a:spLocks noGrp="1"/>
+          </p:cNvSpPr>
+          <p:nvPr>
+            <p:ph type="sldNum" sz="quarter" idx="5"/>
+          </p:nvPr>
+        </p:nvSpPr>
+        <p:spPr/>
+        <p:txBody>
+          <a:bodyPr/>
+          <a:lstStyle/>
+          <a:p>
+            <a:fld id="{761E6F54-D778-B04D-842E-04CB4814BFD5}" type="slidenum">
+              <a:rPr lang="en-US" smtClean="0"/>
+              <a:t>93</a:t>
+            </a:fld>
+            <a:endParaRPr lang="en-US"/>
+          </a:p>
+        </p:txBody>
+      </p:sp>
+    </p:spTree>
+    <p:extLst>
+      <p:ext uri="{BB962C8B-B14F-4D97-AF65-F5344CB8AC3E}">
+        <p14:creationId xmlns:p14="http://schemas.microsoft.com/office/powerpoint/2010/main" val="2846005091"/>
+      </p:ext>
+    </p:extLst>
+  </p:cSld>
+  <p:clrMapOvr>
+    <a:masterClrMapping/>
+  </p:clrMapOvr>
+</p:notes>
+</file>
+
+<file path=ppt/notesSlides/notesSlide89.xml><?xml version="1.0" encoding="utf-8"?>
+<p:notes xmlns:a="http://schemas.openxmlformats.org/drawingml/2006/main" xmlns:r="http://schemas.openxmlformats.org/officeDocument/2006/relationships" xmlns:p="http://schemas.openxmlformats.org/presentationml/2006/main">
+  <p:cSld>
+    <p:spTree>
+      <p:nvGrpSpPr>
+        <p:cNvPr id="1" name=""/>
+        <p:cNvGrpSpPr/>
+        <p:nvPr/>
+      </p:nvGrpSpPr>
+      <p:grpSpPr>
+        <a:xfrm>
+          <a:off x="0" y="0"/>
+          <a:ext cx="0" cy="0"/>
+          <a:chOff x="0" y="0"/>
+          <a:chExt cx="0" cy="0"/>
+        </a:xfrm>
+      </p:grpSpPr>
+      <p:sp>
+        <p:nvSpPr>
+          <p:cNvPr id="2" name="Slide Image Placeholder 1"/>
+          <p:cNvSpPr>
+            <a:spLocks noGrp="1" noRot="1" noChangeAspect="1"/>
+          </p:cNvSpPr>
+          <p:nvPr>
+            <p:ph type="sldImg"/>
+          </p:nvPr>
+        </p:nvSpPr>
+        <p:spPr/>
+      </p:sp>
+      <p:sp>
+        <p:nvSpPr>
+          <p:cNvPr id="3" name="Notes Placeholder 2"/>
+          <p:cNvSpPr>
+            <a:spLocks noGrp="1"/>
+          </p:cNvSpPr>
+          <p:nvPr>
+            <p:ph type="body" idx="1"/>
+          </p:nvPr>
+        </p:nvSpPr>
+        <p:spPr/>
+        <p:txBody>
+          <a:bodyPr/>
+          <a:lstStyle/>
+          <a:p>
+            <a:endParaRPr lang="en-US" dirty="0"/>
+          </a:p>
+        </p:txBody>
+      </p:sp>
+      <p:sp>
+        <p:nvSpPr>
+          <p:cNvPr id="4" name="Slide Number Placeholder 3"/>
+          <p:cNvSpPr>
+            <a:spLocks noGrp="1"/>
+          </p:cNvSpPr>
+          <p:nvPr>
+            <p:ph type="sldNum" sz="quarter" idx="5"/>
+          </p:nvPr>
+        </p:nvSpPr>
+        <p:spPr/>
+        <p:txBody>
+          <a:bodyPr/>
+          <a:lstStyle/>
+          <a:p>
+            <a:fld id="{761E6F54-D778-B04D-842E-04CB4814BFD5}" type="slidenum">
+              <a:rPr lang="en-US" smtClean="0"/>
+              <a:t>94</a:t>
+            </a:fld>
+            <a:endParaRPr lang="en-US"/>
+          </a:p>
+        </p:txBody>
+      </p:sp>
+    </p:spTree>
+    <p:extLst>
+      <p:ext uri="{BB962C8B-B14F-4D97-AF65-F5344CB8AC3E}">
+        <p14:creationId xmlns:p14="http://schemas.microsoft.com/office/powerpoint/2010/main" val="963237304"/>
       </p:ext>
     </p:extLst>
   </p:cSld>
@@ -23729,7 +25854,7 @@
         <p:spPr>
           <a:xfrm>
             <a:off x="758016" y="1643448"/>
-            <a:ext cx="9119804" cy="1077218"/>
+            <a:ext cx="9119804" cy="2062103"/>
           </a:xfrm>
           <a:prstGeom prst="rect">
             <a:avLst/>
@@ -23748,10 +25873,33 @@
             <a:r>
               <a:rPr lang="en-US" sz="6400" b="1" dirty="0">
                 <a:solidFill>
+                  <a:schemeClr val="bg1">
+                    <a:alpha val="30000"/>
+                  </a:schemeClr>
+                </a:solidFill>
+              </a:rPr>
+              <a:t>Find and fix issues early</a:t>
+            </a:r>
+            <a:endParaRPr lang="ar-SA" sz="6400" b="1" dirty="0">
+              <a:solidFill>
+                <a:schemeClr val="bg1">
+                  <a:alpha val="30000"/>
+                </a:schemeClr>
+              </a:solidFill>
+            </a:endParaRPr>
+          </a:p>
+          <a:p>
+            <a:pPr marL="857250" indent="-857250">
+              <a:buFont typeface="Arial" panose="020B0604020202020204" pitchFamily="34" charset="0"/>
+              <a:buChar char="•"/>
+            </a:pPr>
+            <a:r>
+              <a:rPr lang="en-US" sz="6400" b="1" dirty="0">
+                <a:solidFill>
                   <a:schemeClr val="bg1"/>
                 </a:solidFill>
               </a:rPr>
-              <a:t>Find and fix issues early</a:t>
+              <a:t>Less cost and effort</a:t>
             </a:r>
           </a:p>
         </p:txBody>
@@ -23852,8 +26000,8 @@
         </p:nvSpPr>
         <p:spPr>
           <a:xfrm>
-            <a:off x="4811033" y="616748"/>
-            <a:ext cx="2569934" cy="1077218"/>
+            <a:off x="758016" y="283115"/>
+            <a:ext cx="8980344" cy="1077218"/>
           </a:xfrm>
           <a:prstGeom prst="rect">
             <a:avLst/>
@@ -23868,20 +26016,22 @@
             <a:r>
               <a:rPr lang="en-US" sz="6400" b="1" dirty="0">
                 <a:solidFill>
-                  <a:schemeClr val="bg1"/>
-                </a:solidFill>
-              </a:rPr>
-              <a:t>Testing</a:t>
-            </a:r>
-          </a:p>
-        </p:txBody>
-      </p:sp>
-      <p:sp>
-        <p:nvSpPr>
-          <p:cNvPr id="2" name="Left Brace 1">
-            <a:extLst>
-              <a:ext uri="{FF2B5EF4-FFF2-40B4-BE49-F238E27FC236}">
-                <a16:creationId xmlns:a16="http://schemas.microsoft.com/office/drawing/2014/main" id="{504635E6-FEA2-DC41-A394-D58B00822739}"/>
+                  <a:schemeClr val="bg1">
+                    <a:alpha val="30000"/>
+                  </a:schemeClr>
+                </a:solidFill>
+              </a:rPr>
+              <a:t>Why testing is important?</a:t>
+            </a:r>
+          </a:p>
+        </p:txBody>
+      </p:sp>
+      <p:sp>
+        <p:nvSpPr>
+          <p:cNvPr id="4" name="Rectangle 3">
+            <a:extLst>
+              <a:ext uri="{FF2B5EF4-FFF2-40B4-BE49-F238E27FC236}">
+                <a16:creationId xmlns:a16="http://schemas.microsoft.com/office/drawing/2014/main" id="{45D58527-9D8C-8F45-818B-301A85542459}"/>
               </a:ext>
             </a:extLst>
           </p:cNvPr>
@@ -23889,224 +26039,54 @@
           <p:nvPr/>
         </p:nvSpPr>
         <p:spPr>
-          <a:xfrm rot="5400000">
-            <a:off x="5830329" y="-2218691"/>
-            <a:ext cx="531343" cy="8700462"/>
-          </a:xfrm>
-          <a:custGeom>
-            <a:avLst/>
-            <a:gdLst>
-              <a:gd name="connsiteX0" fmla="*/ 531343 w 531343"/>
-              <a:gd name="connsiteY0" fmla="*/ 8700462 h 8700462"/>
-              <a:gd name="connsiteX1" fmla="*/ 265671 w 531343"/>
-              <a:gd name="connsiteY1" fmla="*/ 8656185 h 8700462"/>
-              <a:gd name="connsiteX2" fmla="*/ 265672 w 531343"/>
-              <a:gd name="connsiteY2" fmla="*/ 4394508 h 8700462"/>
-              <a:gd name="connsiteX3" fmla="*/ 0 w 531343"/>
-              <a:gd name="connsiteY3" fmla="*/ 4350231 h 8700462"/>
-              <a:gd name="connsiteX4" fmla="*/ 265672 w 531343"/>
-              <a:gd name="connsiteY4" fmla="*/ 4305954 h 8700462"/>
-              <a:gd name="connsiteX5" fmla="*/ 265672 w 531343"/>
-              <a:gd name="connsiteY5" fmla="*/ 44277 h 8700462"/>
-              <a:gd name="connsiteX6" fmla="*/ 531344 w 531343"/>
-              <a:gd name="connsiteY6" fmla="*/ 0 h 8700462"/>
-              <a:gd name="connsiteX7" fmla="*/ 531343 w 531343"/>
-              <a:gd name="connsiteY7" fmla="*/ 8700462 h 8700462"/>
-              <a:gd name="connsiteX0" fmla="*/ 531343 w 531343"/>
-              <a:gd name="connsiteY0" fmla="*/ 8700462 h 8700462"/>
-              <a:gd name="connsiteX1" fmla="*/ 265671 w 531343"/>
-              <a:gd name="connsiteY1" fmla="*/ 8656185 h 8700462"/>
-              <a:gd name="connsiteX2" fmla="*/ 265672 w 531343"/>
-              <a:gd name="connsiteY2" fmla="*/ 4394508 h 8700462"/>
-              <a:gd name="connsiteX3" fmla="*/ 0 w 531343"/>
-              <a:gd name="connsiteY3" fmla="*/ 4350231 h 8700462"/>
-              <a:gd name="connsiteX4" fmla="*/ 265672 w 531343"/>
-              <a:gd name="connsiteY4" fmla="*/ 4305954 h 8700462"/>
-              <a:gd name="connsiteX5" fmla="*/ 265672 w 531343"/>
-              <a:gd name="connsiteY5" fmla="*/ 44277 h 8700462"/>
-              <a:gd name="connsiteX6" fmla="*/ 531344 w 531343"/>
-              <a:gd name="connsiteY6" fmla="*/ 0 h 8700462"/>
-            </a:gdLst>
-            <a:ahLst/>
-            <a:cxnLst>
-              <a:cxn ang="0">
-                <a:pos x="connsiteX0" y="connsiteY0"/>
-              </a:cxn>
-              <a:cxn ang="0">
-                <a:pos x="connsiteX1" y="connsiteY1"/>
-              </a:cxn>
-              <a:cxn ang="0">
-                <a:pos x="connsiteX2" y="connsiteY2"/>
-              </a:cxn>
-              <a:cxn ang="0">
-                <a:pos x="connsiteX3" y="connsiteY3"/>
-              </a:cxn>
-              <a:cxn ang="0">
-                <a:pos x="connsiteX4" y="connsiteY4"/>
-              </a:cxn>
-              <a:cxn ang="0">
-                <a:pos x="connsiteX5" y="connsiteY5"/>
-              </a:cxn>
-              <a:cxn ang="0">
-                <a:pos x="connsiteX6" y="connsiteY6"/>
-              </a:cxn>
-            </a:cxnLst>
-            <a:rect l="l" t="t" r="r" b="b"/>
-            <a:pathLst>
-              <a:path w="531343" h="8700462" stroke="0" extrusionOk="0">
-                <a:moveTo>
-                  <a:pt x="531343" y="8700462"/>
-                </a:moveTo>
-                <a:cubicBezTo>
-                  <a:pt x="383010" y="8699471"/>
-                  <a:pt x="262306" y="8681902"/>
-                  <a:pt x="265671" y="8656185"/>
-                </a:cubicBezTo>
-                <a:cubicBezTo>
-                  <a:pt x="496828" y="7284290"/>
-                  <a:pt x="171523" y="5818061"/>
-                  <a:pt x="265672" y="4394508"/>
-                </a:cubicBezTo>
-                <a:cubicBezTo>
-                  <a:pt x="249306" y="4386036"/>
-                  <a:pt x="142689" y="4372552"/>
-                  <a:pt x="0" y="4350231"/>
-                </a:cubicBezTo>
-                <a:cubicBezTo>
-                  <a:pt x="142721" y="4348039"/>
-                  <a:pt x="267164" y="4331121"/>
-                  <a:pt x="265672" y="4305954"/>
-                </a:cubicBezTo>
-                <a:cubicBezTo>
-                  <a:pt x="216139" y="2722771"/>
-                  <a:pt x="250863" y="1807663"/>
-                  <a:pt x="265672" y="44277"/>
-                </a:cubicBezTo>
-                <a:cubicBezTo>
-                  <a:pt x="260172" y="18981"/>
-                  <a:pt x="369001" y="14703"/>
-                  <a:pt x="531344" y="0"/>
-                </a:cubicBezTo>
-                <a:cubicBezTo>
-                  <a:pt x="499495" y="2596427"/>
-                  <a:pt x="493467" y="5852944"/>
-                  <a:pt x="531343" y="8700462"/>
-                </a:cubicBezTo>
-                <a:close/>
-              </a:path>
-              <a:path w="531343" h="8700462" fill="none" extrusionOk="0">
-                <a:moveTo>
-                  <a:pt x="531343" y="8700462"/>
-                </a:moveTo>
-                <a:cubicBezTo>
-                  <a:pt x="387688" y="8702182"/>
-                  <a:pt x="267300" y="8681031"/>
-                  <a:pt x="265671" y="8656185"/>
-                </a:cubicBezTo>
-                <a:cubicBezTo>
-                  <a:pt x="218267" y="7227959"/>
-                  <a:pt x="404555" y="5928647"/>
-                  <a:pt x="265672" y="4394508"/>
-                </a:cubicBezTo>
-                <a:cubicBezTo>
-                  <a:pt x="276448" y="4386095"/>
-                  <a:pt x="148152" y="4364993"/>
-                  <a:pt x="0" y="4350231"/>
-                </a:cubicBezTo>
-                <a:cubicBezTo>
-                  <a:pt x="149062" y="4353828"/>
-                  <a:pt x="266463" y="4331377"/>
-                  <a:pt x="265672" y="4305954"/>
-                </a:cubicBezTo>
-                <a:cubicBezTo>
-                  <a:pt x="416111" y="2567688"/>
-                  <a:pt x="179793" y="1184419"/>
-                  <a:pt x="265672" y="44277"/>
-                </a:cubicBezTo>
-                <a:cubicBezTo>
-                  <a:pt x="263044" y="20255"/>
-                  <a:pt x="366785" y="-12304"/>
-                  <a:pt x="531344" y="0"/>
-                </a:cubicBezTo>
-              </a:path>
-            </a:pathLst>
-          </a:custGeom>
-          <a:noFill/>
-          <a:ln w="25400">
-            <a:solidFill>
-              <a:schemeClr val="bg1"/>
-            </a:solidFill>
-            <a:extLst>
-              <a:ext uri="{C807C97D-BFC1-408E-A445-0C87EB9F89A2}">
-                <ask:lineSketchStyleProps xmlns:ask="http://schemas.microsoft.com/office/drawing/2018/sketchyshapes" sd="1219033472">
-                  <a:prstGeom prst="leftBrace">
-                    <a:avLst/>
-                  </a:prstGeom>
-                  <ask:type>
-                    <ask:lineSketchCurved/>
-                  </ask:type>
-                </ask:lineSketchStyleProps>
-              </a:ext>
-            </a:extLst>
-          </a:ln>
-        </p:spPr>
-        <p:style>
-          <a:lnRef idx="1">
-            <a:schemeClr val="accent1"/>
-          </a:lnRef>
-          <a:fillRef idx="0">
-            <a:schemeClr val="accent1"/>
-          </a:fillRef>
-          <a:effectRef idx="0">
-            <a:schemeClr val="accent1"/>
-          </a:effectRef>
-          <a:fontRef idx="minor">
-            <a:schemeClr val="tx1"/>
-          </a:fontRef>
-        </p:style>
-        <p:txBody>
-          <a:bodyPr rtlCol="0" anchor="ctr"/>
-          <a:lstStyle/>
-          <a:p>
-            <a:pPr algn="ctr"/>
-            <a:endParaRPr lang="en-US"/>
-          </a:p>
-        </p:txBody>
-      </p:sp>
-      <p:sp>
-        <p:nvSpPr>
-          <p:cNvPr id="7" name="Rectangle 6">
-            <a:extLst>
-              <a:ext uri="{FF2B5EF4-FFF2-40B4-BE49-F238E27FC236}">
-                <a16:creationId xmlns:a16="http://schemas.microsoft.com/office/drawing/2014/main" id="{B0378C8A-423F-D14A-9982-B03D0A9DBB76}"/>
-              </a:ext>
-            </a:extLst>
-          </p:cNvPr>
-          <p:cNvSpPr/>
-          <p:nvPr/>
-        </p:nvSpPr>
-        <p:spPr>
-          <a:xfrm>
-            <a:off x="289473" y="2659559"/>
-            <a:ext cx="2912592" cy="769441"/>
+          <a:xfrm>
+            <a:off x="758017" y="1643448"/>
+            <a:ext cx="9744884" cy="2062103"/>
           </a:xfrm>
           <a:prstGeom prst="rect">
             <a:avLst/>
           </a:prstGeom>
         </p:spPr>
         <p:txBody>
-          <a:bodyPr wrap="none">
+          <a:bodyPr wrap="square">
             <a:spAutoFit/>
           </a:bodyPr>
           <a:lstStyle/>
           <a:p>
-            <a:r>
-              <a:rPr lang="en-US" sz="4400" b="1" dirty="0">
+            <a:pPr marL="857250" indent="-857250">
+              <a:buFont typeface="Arial" panose="020B0604020202020204" pitchFamily="34" charset="0"/>
+              <a:buChar char="•"/>
+            </a:pPr>
+            <a:r>
+              <a:rPr lang="en-US" sz="6400" b="1" dirty="0">
+                <a:solidFill>
+                  <a:schemeClr val="bg1">
+                    <a:alpha val="30000"/>
+                  </a:schemeClr>
+                </a:solidFill>
+              </a:rPr>
+              <a:t>Find and fix issues early</a:t>
+            </a:r>
+            <a:endParaRPr lang="ar-SA" sz="6400" b="1" dirty="0">
+              <a:solidFill>
+                <a:schemeClr val="bg1">
+                  <a:alpha val="30000"/>
+                </a:schemeClr>
+              </a:solidFill>
+            </a:endParaRPr>
+          </a:p>
+          <a:p>
+            <a:pPr marL="857250" indent="-857250">
+              <a:buFont typeface="Arial" panose="020B0604020202020204" pitchFamily="34" charset="0"/>
+              <a:buChar char="•"/>
+            </a:pPr>
+            <a:r>
+              <a:rPr lang="en-US" sz="6400" b="1" dirty="0">
                 <a:solidFill>
                   <a:schemeClr val="bg1"/>
                 </a:solidFill>
               </a:rPr>
-              <a:t>Unit testing</a:t>
+              <a:t>Less cost and effort</a:t>
             </a:r>
           </a:p>
         </p:txBody>
@@ -24114,7 +26094,7 @@
     </p:spTree>
     <p:extLst>
       <p:ext uri="{BB962C8B-B14F-4D97-AF65-F5344CB8AC3E}">
-        <p14:creationId xmlns:p14="http://schemas.microsoft.com/office/powerpoint/2010/main" val="3869827342"/>
+        <p14:creationId xmlns:p14="http://schemas.microsoft.com/office/powerpoint/2010/main" val="801775915"/>
       </p:ext>
     </p:extLst>
   </p:cSld>
@@ -24188,288 +26168,48 @@
           <a:bodyPr rtlCol="0" anchor="ctr"/>
           <a:lstStyle/>
           <a:p>
-            <a:pPr algn="ctr"/>
+            <a:pPr marL="0" algn="ctr" defTabSz="914400" rtl="0" eaLnBrk="1" latinLnBrk="0" hangingPunct="1"/>
             <a:endParaRPr lang="en-US" dirty="0"/>
           </a:p>
         </p:txBody>
       </p:sp>
-      <p:sp>
-        <p:nvSpPr>
-          <p:cNvPr id="6" name="Rectangle 5">
-            <a:extLst>
-              <a:ext uri="{FF2B5EF4-FFF2-40B4-BE49-F238E27FC236}">
-                <a16:creationId xmlns:a16="http://schemas.microsoft.com/office/drawing/2014/main" id="{C8B8593E-31AC-FA49-BB23-068E5A77DF88}"/>
-              </a:ext>
-            </a:extLst>
-          </p:cNvPr>
-          <p:cNvSpPr/>
-          <p:nvPr/>
-        </p:nvSpPr>
-        <p:spPr>
-          <a:xfrm>
-            <a:off x="4811033" y="616748"/>
-            <a:ext cx="2569934" cy="1077218"/>
+      <p:pic>
+        <p:nvPicPr>
+          <p:cNvPr id="3" name="Picture 2" descr="Diagram&#10;&#10;Description automatically generated">
+            <a:extLst>
+              <a:ext uri="{FF2B5EF4-FFF2-40B4-BE49-F238E27FC236}">
+                <a16:creationId xmlns:a16="http://schemas.microsoft.com/office/drawing/2014/main" id="{192C789D-8637-F946-9E7E-BD8D0B18390C}"/>
+              </a:ext>
+            </a:extLst>
+          </p:cNvPr>
+          <p:cNvPicPr>
+            <a:picLocks noChangeAspect="1"/>
+          </p:cNvPicPr>
+          <p:nvPr/>
+        </p:nvPicPr>
+        <p:blipFill>
+          <a:blip r:embed="rId3"/>
+          <a:stretch>
+            <a:fillRect/>
+          </a:stretch>
+        </p:blipFill>
+        <p:spPr>
+          <a:xfrm>
+            <a:off x="0" y="7222"/>
+            <a:ext cx="12192000" cy="6858000"/>
           </a:xfrm>
           <a:prstGeom prst="rect">
             <a:avLst/>
           </a:prstGeom>
-        </p:spPr>
-        <p:txBody>
-          <a:bodyPr wrap="none">
-            <a:spAutoFit/>
-          </a:bodyPr>
-          <a:lstStyle/>
-          <a:p>
-            <a:r>
-              <a:rPr lang="en-US" sz="6400" b="1" dirty="0">
-                <a:solidFill>
-                  <a:schemeClr val="bg1"/>
-                </a:solidFill>
-              </a:rPr>
-              <a:t>Testing</a:t>
-            </a:r>
-          </a:p>
-        </p:txBody>
-      </p:sp>
-      <p:sp>
-        <p:nvSpPr>
-          <p:cNvPr id="2" name="Left Brace 1">
-            <a:extLst>
-              <a:ext uri="{FF2B5EF4-FFF2-40B4-BE49-F238E27FC236}">
-                <a16:creationId xmlns:a16="http://schemas.microsoft.com/office/drawing/2014/main" id="{504635E6-FEA2-DC41-A394-D58B00822739}"/>
-              </a:ext>
-            </a:extLst>
-          </p:cNvPr>
-          <p:cNvSpPr/>
-          <p:nvPr/>
-        </p:nvSpPr>
-        <p:spPr>
-          <a:xfrm rot="5400000">
-            <a:off x="5830329" y="-2218691"/>
-            <a:ext cx="531343" cy="8700462"/>
-          </a:xfrm>
-          <a:custGeom>
-            <a:avLst/>
-            <a:gdLst>
-              <a:gd name="connsiteX0" fmla="*/ 531343 w 531343"/>
-              <a:gd name="connsiteY0" fmla="*/ 8700462 h 8700462"/>
-              <a:gd name="connsiteX1" fmla="*/ 265671 w 531343"/>
-              <a:gd name="connsiteY1" fmla="*/ 8656185 h 8700462"/>
-              <a:gd name="connsiteX2" fmla="*/ 265672 w 531343"/>
-              <a:gd name="connsiteY2" fmla="*/ 4394508 h 8700462"/>
-              <a:gd name="connsiteX3" fmla="*/ 0 w 531343"/>
-              <a:gd name="connsiteY3" fmla="*/ 4350231 h 8700462"/>
-              <a:gd name="connsiteX4" fmla="*/ 265672 w 531343"/>
-              <a:gd name="connsiteY4" fmla="*/ 4305954 h 8700462"/>
-              <a:gd name="connsiteX5" fmla="*/ 265672 w 531343"/>
-              <a:gd name="connsiteY5" fmla="*/ 44277 h 8700462"/>
-              <a:gd name="connsiteX6" fmla="*/ 531344 w 531343"/>
-              <a:gd name="connsiteY6" fmla="*/ 0 h 8700462"/>
-              <a:gd name="connsiteX7" fmla="*/ 531343 w 531343"/>
-              <a:gd name="connsiteY7" fmla="*/ 8700462 h 8700462"/>
-              <a:gd name="connsiteX0" fmla="*/ 531343 w 531343"/>
-              <a:gd name="connsiteY0" fmla="*/ 8700462 h 8700462"/>
-              <a:gd name="connsiteX1" fmla="*/ 265671 w 531343"/>
-              <a:gd name="connsiteY1" fmla="*/ 8656185 h 8700462"/>
-              <a:gd name="connsiteX2" fmla="*/ 265672 w 531343"/>
-              <a:gd name="connsiteY2" fmla="*/ 4394508 h 8700462"/>
-              <a:gd name="connsiteX3" fmla="*/ 0 w 531343"/>
-              <a:gd name="connsiteY3" fmla="*/ 4350231 h 8700462"/>
-              <a:gd name="connsiteX4" fmla="*/ 265672 w 531343"/>
-              <a:gd name="connsiteY4" fmla="*/ 4305954 h 8700462"/>
-              <a:gd name="connsiteX5" fmla="*/ 265672 w 531343"/>
-              <a:gd name="connsiteY5" fmla="*/ 44277 h 8700462"/>
-              <a:gd name="connsiteX6" fmla="*/ 531344 w 531343"/>
-              <a:gd name="connsiteY6" fmla="*/ 0 h 8700462"/>
-            </a:gdLst>
-            <a:ahLst/>
-            <a:cxnLst>
-              <a:cxn ang="0">
-                <a:pos x="connsiteX0" y="connsiteY0"/>
-              </a:cxn>
-              <a:cxn ang="0">
-                <a:pos x="connsiteX1" y="connsiteY1"/>
-              </a:cxn>
-              <a:cxn ang="0">
-                <a:pos x="connsiteX2" y="connsiteY2"/>
-              </a:cxn>
-              <a:cxn ang="0">
-                <a:pos x="connsiteX3" y="connsiteY3"/>
-              </a:cxn>
-              <a:cxn ang="0">
-                <a:pos x="connsiteX4" y="connsiteY4"/>
-              </a:cxn>
-              <a:cxn ang="0">
-                <a:pos x="connsiteX5" y="connsiteY5"/>
-              </a:cxn>
-              <a:cxn ang="0">
-                <a:pos x="connsiteX6" y="connsiteY6"/>
-              </a:cxn>
-            </a:cxnLst>
-            <a:rect l="l" t="t" r="r" b="b"/>
-            <a:pathLst>
-              <a:path w="531343" h="8700462" stroke="0" extrusionOk="0">
-                <a:moveTo>
-                  <a:pt x="531343" y="8700462"/>
-                </a:moveTo>
-                <a:cubicBezTo>
-                  <a:pt x="383010" y="8699471"/>
-                  <a:pt x="262306" y="8681902"/>
-                  <a:pt x="265671" y="8656185"/>
-                </a:cubicBezTo>
-                <a:cubicBezTo>
-                  <a:pt x="496828" y="7284290"/>
-                  <a:pt x="171523" y="5818061"/>
-                  <a:pt x="265672" y="4394508"/>
-                </a:cubicBezTo>
-                <a:cubicBezTo>
-                  <a:pt x="249306" y="4386036"/>
-                  <a:pt x="142689" y="4372552"/>
-                  <a:pt x="0" y="4350231"/>
-                </a:cubicBezTo>
-                <a:cubicBezTo>
-                  <a:pt x="142721" y="4348039"/>
-                  <a:pt x="267164" y="4331121"/>
-                  <a:pt x="265672" y="4305954"/>
-                </a:cubicBezTo>
-                <a:cubicBezTo>
-                  <a:pt x="216139" y="2722771"/>
-                  <a:pt x="250863" y="1807663"/>
-                  <a:pt x="265672" y="44277"/>
-                </a:cubicBezTo>
-                <a:cubicBezTo>
-                  <a:pt x="260172" y="18981"/>
-                  <a:pt x="369001" y="14703"/>
-                  <a:pt x="531344" y="0"/>
-                </a:cubicBezTo>
-                <a:cubicBezTo>
-                  <a:pt x="499495" y="2596427"/>
-                  <a:pt x="493467" y="5852944"/>
-                  <a:pt x="531343" y="8700462"/>
-                </a:cubicBezTo>
-                <a:close/>
-              </a:path>
-              <a:path w="531343" h="8700462" fill="none" extrusionOk="0">
-                <a:moveTo>
-                  <a:pt x="531343" y="8700462"/>
-                </a:moveTo>
-                <a:cubicBezTo>
-                  <a:pt x="387688" y="8702182"/>
-                  <a:pt x="267300" y="8681031"/>
-                  <a:pt x="265671" y="8656185"/>
-                </a:cubicBezTo>
-                <a:cubicBezTo>
-                  <a:pt x="218267" y="7227959"/>
-                  <a:pt x="404555" y="5928647"/>
-                  <a:pt x="265672" y="4394508"/>
-                </a:cubicBezTo>
-                <a:cubicBezTo>
-                  <a:pt x="276448" y="4386095"/>
-                  <a:pt x="148152" y="4364993"/>
-                  <a:pt x="0" y="4350231"/>
-                </a:cubicBezTo>
-                <a:cubicBezTo>
-                  <a:pt x="149062" y="4353828"/>
-                  <a:pt x="266463" y="4331377"/>
-                  <a:pt x="265672" y="4305954"/>
-                </a:cubicBezTo>
-                <a:cubicBezTo>
-                  <a:pt x="416111" y="2567688"/>
-                  <a:pt x="179793" y="1184419"/>
-                  <a:pt x="265672" y="44277"/>
-                </a:cubicBezTo>
-                <a:cubicBezTo>
-                  <a:pt x="263044" y="20255"/>
-                  <a:pt x="366785" y="-12304"/>
-                  <a:pt x="531344" y="0"/>
-                </a:cubicBezTo>
-              </a:path>
-            </a:pathLst>
-          </a:custGeom>
-          <a:noFill/>
-          <a:ln w="25400">
-            <a:solidFill>
-              <a:schemeClr val="bg1"/>
-            </a:solidFill>
-            <a:extLst>
-              <a:ext uri="{C807C97D-BFC1-408E-A445-0C87EB9F89A2}">
-                <ask:lineSketchStyleProps xmlns:ask="http://schemas.microsoft.com/office/drawing/2018/sketchyshapes" sd="1219033472">
-                  <a:prstGeom prst="leftBrace">
-                    <a:avLst/>
-                  </a:prstGeom>
-                  <ask:type>
-                    <ask:lineSketchCurved/>
-                  </ask:type>
-                </ask:lineSketchStyleProps>
-              </a:ext>
-            </a:extLst>
-          </a:ln>
-        </p:spPr>
-        <p:style>
-          <a:lnRef idx="1">
-            <a:schemeClr val="accent1"/>
-          </a:lnRef>
-          <a:fillRef idx="0">
-            <a:schemeClr val="accent1"/>
-          </a:fillRef>
-          <a:effectRef idx="0">
-            <a:schemeClr val="accent1"/>
-          </a:effectRef>
-          <a:fontRef idx="minor">
-            <a:schemeClr val="tx1"/>
-          </a:fontRef>
-        </p:style>
-        <p:txBody>
-          <a:bodyPr rtlCol="0" anchor="ctr"/>
-          <a:lstStyle/>
-          <a:p>
-            <a:pPr algn="ctr"/>
-            <a:endParaRPr lang="en-US"/>
-          </a:p>
-        </p:txBody>
-      </p:sp>
-      <p:sp>
-        <p:nvSpPr>
-          <p:cNvPr id="7" name="Rectangle 6">
-            <a:extLst>
-              <a:ext uri="{FF2B5EF4-FFF2-40B4-BE49-F238E27FC236}">
-                <a16:creationId xmlns:a16="http://schemas.microsoft.com/office/drawing/2014/main" id="{B0378C8A-423F-D14A-9982-B03D0A9DBB76}"/>
-              </a:ext>
-            </a:extLst>
-          </p:cNvPr>
-          <p:cNvSpPr/>
-          <p:nvPr/>
-        </p:nvSpPr>
-        <p:spPr>
-          <a:xfrm>
-            <a:off x="289473" y="2659559"/>
-            <a:ext cx="2912592" cy="769441"/>
-          </a:xfrm>
-          <a:prstGeom prst="rect">
-            <a:avLst/>
-          </a:prstGeom>
-        </p:spPr>
-        <p:txBody>
-          <a:bodyPr wrap="none">
-            <a:spAutoFit/>
-          </a:bodyPr>
-          <a:lstStyle/>
-          <a:p>
-            <a:r>
-              <a:rPr lang="en-US" sz="4400" b="1" dirty="0">
-                <a:solidFill>
-                  <a:schemeClr val="bg1"/>
-                </a:solidFill>
-              </a:rPr>
-              <a:t>Unit testing</a:t>
-            </a:r>
-          </a:p>
-        </p:txBody>
-      </p:sp>
+          <a:solidFill>
+            <a:srgbClr val="00B0F0"/>
+          </a:solidFill>
+        </p:spPr>
+      </p:pic>
     </p:spTree>
     <p:extLst>
       <p:ext uri="{BB962C8B-B14F-4D97-AF65-F5344CB8AC3E}">
-        <p14:creationId xmlns:p14="http://schemas.microsoft.com/office/powerpoint/2010/main" val="1819193018"/>
+        <p14:creationId xmlns:p14="http://schemas.microsoft.com/office/powerpoint/2010/main" val="2090232618"/>
       </p:ext>
     </p:extLst>
   </p:cSld>
@@ -24547,6 +26287,3010 @@
 </p:sld>
 </file>
 
+<file path=ppt/slides/slide70.xml><?xml version="1.0" encoding="utf-8"?>
+<p:sld xmlns:a="http://schemas.openxmlformats.org/drawingml/2006/main" xmlns:r="http://schemas.openxmlformats.org/officeDocument/2006/relationships" xmlns:p="http://schemas.openxmlformats.org/presentationml/2006/main">
+  <p:cSld>
+    <p:spTree>
+      <p:nvGrpSpPr>
+        <p:cNvPr id="1" name=""/>
+        <p:cNvGrpSpPr/>
+        <p:nvPr/>
+      </p:nvGrpSpPr>
+      <p:grpSpPr>
+        <a:xfrm>
+          <a:off x="0" y="0"/>
+          <a:ext cx="0" cy="0"/>
+          <a:chOff x="0" y="0"/>
+          <a:chExt cx="0" cy="0"/>
+        </a:xfrm>
+      </p:grpSpPr>
+      <p:sp>
+        <p:nvSpPr>
+          <p:cNvPr id="5" name="Rectangle 4">
+            <a:extLst>
+              <a:ext uri="{FF2B5EF4-FFF2-40B4-BE49-F238E27FC236}">
+                <a16:creationId xmlns:a16="http://schemas.microsoft.com/office/drawing/2014/main" id="{25B0E07D-4C45-0640-99D1-FC5447FFF14E}"/>
+              </a:ext>
+            </a:extLst>
+          </p:cNvPr>
+          <p:cNvSpPr/>
+          <p:nvPr/>
+        </p:nvSpPr>
+        <p:spPr>
+          <a:xfrm>
+            <a:off x="0" y="0"/>
+            <a:ext cx="12192000" cy="6858000"/>
+          </a:xfrm>
+          <a:prstGeom prst="rect">
+            <a:avLst/>
+          </a:prstGeom>
+          <a:solidFill>
+            <a:schemeClr val="accent5"/>
+          </a:solidFill>
+          <a:ln>
+            <a:noFill/>
+          </a:ln>
+        </p:spPr>
+        <p:style>
+          <a:lnRef idx="2">
+            <a:schemeClr val="accent1">
+              <a:shade val="50000"/>
+            </a:schemeClr>
+          </a:lnRef>
+          <a:fillRef idx="1">
+            <a:schemeClr val="accent1"/>
+          </a:fillRef>
+          <a:effectRef idx="0">
+            <a:schemeClr val="accent1"/>
+          </a:effectRef>
+          <a:fontRef idx="minor">
+            <a:schemeClr val="lt1"/>
+          </a:fontRef>
+        </p:style>
+        <p:txBody>
+          <a:bodyPr rtlCol="0" anchor="ctr"/>
+          <a:lstStyle/>
+          <a:p>
+            <a:pPr algn="ctr"/>
+            <a:endParaRPr lang="en-US" dirty="0"/>
+          </a:p>
+        </p:txBody>
+      </p:sp>
+      <p:sp>
+        <p:nvSpPr>
+          <p:cNvPr id="6" name="Rectangle 5">
+            <a:extLst>
+              <a:ext uri="{FF2B5EF4-FFF2-40B4-BE49-F238E27FC236}">
+                <a16:creationId xmlns:a16="http://schemas.microsoft.com/office/drawing/2014/main" id="{C8B8593E-31AC-FA49-BB23-068E5A77DF88}"/>
+              </a:ext>
+            </a:extLst>
+          </p:cNvPr>
+          <p:cNvSpPr/>
+          <p:nvPr/>
+        </p:nvSpPr>
+        <p:spPr>
+          <a:xfrm>
+            <a:off x="3462105" y="2890391"/>
+            <a:ext cx="5267789" cy="1077218"/>
+          </a:xfrm>
+          <a:prstGeom prst="rect">
+            <a:avLst/>
+          </a:prstGeom>
+        </p:spPr>
+        <p:txBody>
+          <a:bodyPr wrap="none">
+            <a:spAutoFit/>
+          </a:bodyPr>
+          <a:lstStyle/>
+          <a:p>
+            <a:r>
+              <a:rPr lang="en-US" sz="6400" b="1" dirty="0">
+                <a:solidFill>
+                  <a:schemeClr val="bg1"/>
+                </a:solidFill>
+              </a:rPr>
+              <a:t>Type of Testing</a:t>
+            </a:r>
+          </a:p>
+        </p:txBody>
+      </p:sp>
+    </p:spTree>
+    <p:extLst>
+      <p:ext uri="{BB962C8B-B14F-4D97-AF65-F5344CB8AC3E}">
+        <p14:creationId xmlns:p14="http://schemas.microsoft.com/office/powerpoint/2010/main" val="3869827342"/>
+      </p:ext>
+    </p:extLst>
+  </p:cSld>
+  <p:clrMapOvr>
+    <a:masterClrMapping/>
+  </p:clrMapOvr>
+</p:sld>
+</file>
+
+<file path=ppt/slides/slide71.xml><?xml version="1.0" encoding="utf-8"?>
+<p:sld xmlns:a="http://schemas.openxmlformats.org/drawingml/2006/main" xmlns:r="http://schemas.openxmlformats.org/officeDocument/2006/relationships" xmlns:p="http://schemas.openxmlformats.org/presentationml/2006/main">
+  <p:cSld>
+    <p:spTree>
+      <p:nvGrpSpPr>
+        <p:cNvPr id="1" name=""/>
+        <p:cNvGrpSpPr/>
+        <p:nvPr/>
+      </p:nvGrpSpPr>
+      <p:grpSpPr>
+        <a:xfrm>
+          <a:off x="0" y="0"/>
+          <a:ext cx="0" cy="0"/>
+          <a:chOff x="0" y="0"/>
+          <a:chExt cx="0" cy="0"/>
+        </a:xfrm>
+      </p:grpSpPr>
+      <p:sp>
+        <p:nvSpPr>
+          <p:cNvPr id="5" name="Rectangle 4">
+            <a:extLst>
+              <a:ext uri="{FF2B5EF4-FFF2-40B4-BE49-F238E27FC236}">
+                <a16:creationId xmlns:a16="http://schemas.microsoft.com/office/drawing/2014/main" id="{25B0E07D-4C45-0640-99D1-FC5447FFF14E}"/>
+              </a:ext>
+            </a:extLst>
+          </p:cNvPr>
+          <p:cNvSpPr/>
+          <p:nvPr/>
+        </p:nvSpPr>
+        <p:spPr>
+          <a:xfrm>
+            <a:off x="0" y="0"/>
+            <a:ext cx="12192000" cy="6858000"/>
+          </a:xfrm>
+          <a:prstGeom prst="rect">
+            <a:avLst/>
+          </a:prstGeom>
+          <a:solidFill>
+            <a:schemeClr val="accent5"/>
+          </a:solidFill>
+          <a:ln>
+            <a:noFill/>
+          </a:ln>
+        </p:spPr>
+        <p:style>
+          <a:lnRef idx="2">
+            <a:schemeClr val="accent1">
+              <a:shade val="50000"/>
+            </a:schemeClr>
+          </a:lnRef>
+          <a:fillRef idx="1">
+            <a:schemeClr val="accent1"/>
+          </a:fillRef>
+          <a:effectRef idx="0">
+            <a:schemeClr val="accent1"/>
+          </a:effectRef>
+          <a:fontRef idx="minor">
+            <a:schemeClr val="lt1"/>
+          </a:fontRef>
+        </p:style>
+        <p:txBody>
+          <a:bodyPr rtlCol="0" anchor="ctr"/>
+          <a:lstStyle/>
+          <a:p>
+            <a:pPr algn="ctr"/>
+            <a:endParaRPr lang="en-US" dirty="0"/>
+          </a:p>
+        </p:txBody>
+      </p:sp>
+      <p:sp>
+        <p:nvSpPr>
+          <p:cNvPr id="6" name="Rectangle 5">
+            <a:extLst>
+              <a:ext uri="{FF2B5EF4-FFF2-40B4-BE49-F238E27FC236}">
+                <a16:creationId xmlns:a16="http://schemas.microsoft.com/office/drawing/2014/main" id="{C8B8593E-31AC-FA49-BB23-068E5A77DF88}"/>
+              </a:ext>
+            </a:extLst>
+          </p:cNvPr>
+          <p:cNvSpPr/>
+          <p:nvPr/>
+        </p:nvSpPr>
+        <p:spPr>
+          <a:xfrm>
+            <a:off x="3576405" y="0"/>
+            <a:ext cx="5267789" cy="1077218"/>
+          </a:xfrm>
+          <a:prstGeom prst="rect">
+            <a:avLst/>
+          </a:prstGeom>
+        </p:spPr>
+        <p:txBody>
+          <a:bodyPr wrap="none">
+            <a:spAutoFit/>
+          </a:bodyPr>
+          <a:lstStyle/>
+          <a:p>
+            <a:r>
+              <a:rPr lang="en-US" sz="6400" b="1" dirty="0">
+                <a:solidFill>
+                  <a:schemeClr val="bg1">
+                    <a:alpha val="30000"/>
+                  </a:schemeClr>
+                </a:solidFill>
+              </a:rPr>
+              <a:t>Type of Testing</a:t>
+            </a:r>
+          </a:p>
+        </p:txBody>
+      </p:sp>
+      <p:sp>
+        <p:nvSpPr>
+          <p:cNvPr id="4" name="Rectangle 3">
+            <a:extLst>
+              <a:ext uri="{FF2B5EF4-FFF2-40B4-BE49-F238E27FC236}">
+                <a16:creationId xmlns:a16="http://schemas.microsoft.com/office/drawing/2014/main" id="{5AAF5DCA-CD4E-084F-B7BA-5A2988BC4708}"/>
+              </a:ext>
+            </a:extLst>
+          </p:cNvPr>
+          <p:cNvSpPr/>
+          <p:nvPr/>
+        </p:nvSpPr>
+        <p:spPr>
+          <a:xfrm>
+            <a:off x="988333" y="1759748"/>
+            <a:ext cx="4016612" cy="1077218"/>
+          </a:xfrm>
+          <a:prstGeom prst="rect">
+            <a:avLst/>
+          </a:prstGeom>
+        </p:spPr>
+        <p:txBody>
+          <a:bodyPr wrap="none">
+            <a:spAutoFit/>
+          </a:bodyPr>
+          <a:lstStyle/>
+          <a:p>
+            <a:r>
+              <a:rPr lang="en-US" sz="6400" b="1" dirty="0">
+                <a:solidFill>
+                  <a:schemeClr val="bg1"/>
+                </a:solidFill>
+              </a:rPr>
+              <a:t>Installation</a:t>
+            </a:r>
+          </a:p>
+        </p:txBody>
+      </p:sp>
+    </p:spTree>
+    <p:extLst>
+      <p:ext uri="{BB962C8B-B14F-4D97-AF65-F5344CB8AC3E}">
+        <p14:creationId xmlns:p14="http://schemas.microsoft.com/office/powerpoint/2010/main" val="1183985765"/>
+      </p:ext>
+    </p:extLst>
+  </p:cSld>
+  <p:clrMapOvr>
+    <a:masterClrMapping/>
+  </p:clrMapOvr>
+</p:sld>
+</file>
+
+<file path=ppt/slides/slide72.xml><?xml version="1.0" encoding="utf-8"?>
+<p:sld xmlns:a="http://schemas.openxmlformats.org/drawingml/2006/main" xmlns:r="http://schemas.openxmlformats.org/officeDocument/2006/relationships" xmlns:p="http://schemas.openxmlformats.org/presentationml/2006/main">
+  <p:cSld>
+    <p:spTree>
+      <p:nvGrpSpPr>
+        <p:cNvPr id="1" name=""/>
+        <p:cNvGrpSpPr/>
+        <p:nvPr/>
+      </p:nvGrpSpPr>
+      <p:grpSpPr>
+        <a:xfrm>
+          <a:off x="0" y="0"/>
+          <a:ext cx="0" cy="0"/>
+          <a:chOff x="0" y="0"/>
+          <a:chExt cx="0" cy="0"/>
+        </a:xfrm>
+      </p:grpSpPr>
+      <p:sp>
+        <p:nvSpPr>
+          <p:cNvPr id="5" name="Rectangle 4">
+            <a:extLst>
+              <a:ext uri="{FF2B5EF4-FFF2-40B4-BE49-F238E27FC236}">
+                <a16:creationId xmlns:a16="http://schemas.microsoft.com/office/drawing/2014/main" id="{25B0E07D-4C45-0640-99D1-FC5447FFF14E}"/>
+              </a:ext>
+            </a:extLst>
+          </p:cNvPr>
+          <p:cNvSpPr/>
+          <p:nvPr/>
+        </p:nvSpPr>
+        <p:spPr>
+          <a:xfrm>
+            <a:off x="0" y="0"/>
+            <a:ext cx="12192000" cy="6858000"/>
+          </a:xfrm>
+          <a:prstGeom prst="rect">
+            <a:avLst/>
+          </a:prstGeom>
+          <a:solidFill>
+            <a:schemeClr val="accent5"/>
+          </a:solidFill>
+          <a:ln>
+            <a:noFill/>
+          </a:ln>
+        </p:spPr>
+        <p:style>
+          <a:lnRef idx="2">
+            <a:schemeClr val="accent1">
+              <a:shade val="50000"/>
+            </a:schemeClr>
+          </a:lnRef>
+          <a:fillRef idx="1">
+            <a:schemeClr val="accent1"/>
+          </a:fillRef>
+          <a:effectRef idx="0">
+            <a:schemeClr val="accent1"/>
+          </a:effectRef>
+          <a:fontRef idx="minor">
+            <a:schemeClr val="lt1"/>
+          </a:fontRef>
+        </p:style>
+        <p:txBody>
+          <a:bodyPr rtlCol="0" anchor="ctr"/>
+          <a:lstStyle/>
+          <a:p>
+            <a:pPr algn="ctr"/>
+            <a:endParaRPr lang="en-US" dirty="0"/>
+          </a:p>
+        </p:txBody>
+      </p:sp>
+      <p:sp>
+        <p:nvSpPr>
+          <p:cNvPr id="6" name="Rectangle 5">
+            <a:extLst>
+              <a:ext uri="{FF2B5EF4-FFF2-40B4-BE49-F238E27FC236}">
+                <a16:creationId xmlns:a16="http://schemas.microsoft.com/office/drawing/2014/main" id="{C8B8593E-31AC-FA49-BB23-068E5A77DF88}"/>
+              </a:ext>
+            </a:extLst>
+          </p:cNvPr>
+          <p:cNvSpPr/>
+          <p:nvPr/>
+        </p:nvSpPr>
+        <p:spPr>
+          <a:xfrm>
+            <a:off x="3576405" y="0"/>
+            <a:ext cx="5267789" cy="1077218"/>
+          </a:xfrm>
+          <a:prstGeom prst="rect">
+            <a:avLst/>
+          </a:prstGeom>
+        </p:spPr>
+        <p:txBody>
+          <a:bodyPr wrap="none">
+            <a:spAutoFit/>
+          </a:bodyPr>
+          <a:lstStyle/>
+          <a:p>
+            <a:r>
+              <a:rPr lang="en-US" sz="6400" b="1" dirty="0">
+                <a:solidFill>
+                  <a:schemeClr val="bg1">
+                    <a:alpha val="30000"/>
+                  </a:schemeClr>
+                </a:solidFill>
+              </a:rPr>
+              <a:t>Type of Testing</a:t>
+            </a:r>
+          </a:p>
+        </p:txBody>
+      </p:sp>
+      <p:sp>
+        <p:nvSpPr>
+          <p:cNvPr id="4" name="Rectangle 3">
+            <a:extLst>
+              <a:ext uri="{FF2B5EF4-FFF2-40B4-BE49-F238E27FC236}">
+                <a16:creationId xmlns:a16="http://schemas.microsoft.com/office/drawing/2014/main" id="{5AAF5DCA-CD4E-084F-B7BA-5A2988BC4708}"/>
+              </a:ext>
+            </a:extLst>
+          </p:cNvPr>
+          <p:cNvSpPr/>
+          <p:nvPr/>
+        </p:nvSpPr>
+        <p:spPr>
+          <a:xfrm>
+            <a:off x="988333" y="1759748"/>
+            <a:ext cx="4016612" cy="1077218"/>
+          </a:xfrm>
+          <a:prstGeom prst="rect">
+            <a:avLst/>
+          </a:prstGeom>
+        </p:spPr>
+        <p:txBody>
+          <a:bodyPr wrap="none">
+            <a:spAutoFit/>
+          </a:bodyPr>
+          <a:lstStyle/>
+          <a:p>
+            <a:r>
+              <a:rPr lang="en-US" sz="6400" b="1" dirty="0">
+                <a:solidFill>
+                  <a:schemeClr val="bg1">
+                    <a:alpha val="10000"/>
+                  </a:schemeClr>
+                </a:solidFill>
+              </a:rPr>
+              <a:t>Installation</a:t>
+            </a:r>
+          </a:p>
+        </p:txBody>
+      </p:sp>
+      <p:sp>
+        <p:nvSpPr>
+          <p:cNvPr id="7" name="Rectangle 6">
+            <a:extLst>
+              <a:ext uri="{FF2B5EF4-FFF2-40B4-BE49-F238E27FC236}">
+                <a16:creationId xmlns:a16="http://schemas.microsoft.com/office/drawing/2014/main" id="{FF8663A5-6FDE-3647-AD00-D5984A3DA55C}"/>
+              </a:ext>
+            </a:extLst>
+          </p:cNvPr>
+          <p:cNvSpPr/>
+          <p:nvPr/>
+        </p:nvSpPr>
+        <p:spPr>
+          <a:xfrm>
+            <a:off x="6957333" y="4287048"/>
+            <a:ext cx="4776051" cy="1077218"/>
+          </a:xfrm>
+          <a:prstGeom prst="rect">
+            <a:avLst/>
+          </a:prstGeom>
+        </p:spPr>
+        <p:txBody>
+          <a:bodyPr wrap="none">
+            <a:spAutoFit/>
+          </a:bodyPr>
+          <a:lstStyle/>
+          <a:p>
+            <a:r>
+              <a:rPr lang="en-US" sz="6400" b="1" dirty="0">
+                <a:solidFill>
+                  <a:schemeClr val="bg1"/>
+                </a:solidFill>
+              </a:rPr>
+              <a:t>Compatibility</a:t>
+            </a:r>
+          </a:p>
+        </p:txBody>
+      </p:sp>
+    </p:spTree>
+    <p:extLst>
+      <p:ext uri="{BB962C8B-B14F-4D97-AF65-F5344CB8AC3E}">
+        <p14:creationId xmlns:p14="http://schemas.microsoft.com/office/powerpoint/2010/main" val="3746720608"/>
+      </p:ext>
+    </p:extLst>
+  </p:cSld>
+  <p:clrMapOvr>
+    <a:masterClrMapping/>
+  </p:clrMapOvr>
+</p:sld>
+</file>
+
+<file path=ppt/slides/slide73.xml><?xml version="1.0" encoding="utf-8"?>
+<p:sld xmlns:a="http://schemas.openxmlformats.org/drawingml/2006/main" xmlns:r="http://schemas.openxmlformats.org/officeDocument/2006/relationships" xmlns:p="http://schemas.openxmlformats.org/presentationml/2006/main">
+  <p:cSld>
+    <p:spTree>
+      <p:nvGrpSpPr>
+        <p:cNvPr id="1" name=""/>
+        <p:cNvGrpSpPr/>
+        <p:nvPr/>
+      </p:nvGrpSpPr>
+      <p:grpSpPr>
+        <a:xfrm>
+          <a:off x="0" y="0"/>
+          <a:ext cx="0" cy="0"/>
+          <a:chOff x="0" y="0"/>
+          <a:chExt cx="0" cy="0"/>
+        </a:xfrm>
+      </p:grpSpPr>
+      <p:sp>
+        <p:nvSpPr>
+          <p:cNvPr id="5" name="Rectangle 4">
+            <a:extLst>
+              <a:ext uri="{FF2B5EF4-FFF2-40B4-BE49-F238E27FC236}">
+                <a16:creationId xmlns:a16="http://schemas.microsoft.com/office/drawing/2014/main" id="{25B0E07D-4C45-0640-99D1-FC5447FFF14E}"/>
+              </a:ext>
+            </a:extLst>
+          </p:cNvPr>
+          <p:cNvSpPr/>
+          <p:nvPr/>
+        </p:nvSpPr>
+        <p:spPr>
+          <a:xfrm>
+            <a:off x="0" y="0"/>
+            <a:ext cx="12192000" cy="6858000"/>
+          </a:xfrm>
+          <a:prstGeom prst="rect">
+            <a:avLst/>
+          </a:prstGeom>
+          <a:solidFill>
+            <a:schemeClr val="accent5"/>
+          </a:solidFill>
+          <a:ln>
+            <a:noFill/>
+          </a:ln>
+        </p:spPr>
+        <p:style>
+          <a:lnRef idx="2">
+            <a:schemeClr val="accent1">
+              <a:shade val="50000"/>
+            </a:schemeClr>
+          </a:lnRef>
+          <a:fillRef idx="1">
+            <a:schemeClr val="accent1"/>
+          </a:fillRef>
+          <a:effectRef idx="0">
+            <a:schemeClr val="accent1"/>
+          </a:effectRef>
+          <a:fontRef idx="minor">
+            <a:schemeClr val="lt1"/>
+          </a:fontRef>
+        </p:style>
+        <p:txBody>
+          <a:bodyPr rtlCol="0" anchor="ctr"/>
+          <a:lstStyle/>
+          <a:p>
+            <a:pPr algn="ctr"/>
+            <a:endParaRPr lang="en-US" dirty="0"/>
+          </a:p>
+        </p:txBody>
+      </p:sp>
+      <p:sp>
+        <p:nvSpPr>
+          <p:cNvPr id="6" name="Rectangle 5">
+            <a:extLst>
+              <a:ext uri="{FF2B5EF4-FFF2-40B4-BE49-F238E27FC236}">
+                <a16:creationId xmlns:a16="http://schemas.microsoft.com/office/drawing/2014/main" id="{C8B8593E-31AC-FA49-BB23-068E5A77DF88}"/>
+              </a:ext>
+            </a:extLst>
+          </p:cNvPr>
+          <p:cNvSpPr/>
+          <p:nvPr/>
+        </p:nvSpPr>
+        <p:spPr>
+          <a:xfrm>
+            <a:off x="3576405" y="0"/>
+            <a:ext cx="5267789" cy="1077218"/>
+          </a:xfrm>
+          <a:prstGeom prst="rect">
+            <a:avLst/>
+          </a:prstGeom>
+        </p:spPr>
+        <p:txBody>
+          <a:bodyPr wrap="none">
+            <a:spAutoFit/>
+          </a:bodyPr>
+          <a:lstStyle/>
+          <a:p>
+            <a:r>
+              <a:rPr lang="en-US" sz="6400" b="1" dirty="0">
+                <a:solidFill>
+                  <a:schemeClr val="bg1">
+                    <a:alpha val="30000"/>
+                  </a:schemeClr>
+                </a:solidFill>
+              </a:rPr>
+              <a:t>Type of Testing</a:t>
+            </a:r>
+          </a:p>
+        </p:txBody>
+      </p:sp>
+      <p:sp>
+        <p:nvSpPr>
+          <p:cNvPr id="4" name="Rectangle 3">
+            <a:extLst>
+              <a:ext uri="{FF2B5EF4-FFF2-40B4-BE49-F238E27FC236}">
+                <a16:creationId xmlns:a16="http://schemas.microsoft.com/office/drawing/2014/main" id="{5AAF5DCA-CD4E-084F-B7BA-5A2988BC4708}"/>
+              </a:ext>
+            </a:extLst>
+          </p:cNvPr>
+          <p:cNvSpPr/>
+          <p:nvPr/>
+        </p:nvSpPr>
+        <p:spPr>
+          <a:xfrm>
+            <a:off x="988333" y="1759748"/>
+            <a:ext cx="4016612" cy="1077218"/>
+          </a:xfrm>
+          <a:prstGeom prst="rect">
+            <a:avLst/>
+          </a:prstGeom>
+        </p:spPr>
+        <p:txBody>
+          <a:bodyPr wrap="none">
+            <a:spAutoFit/>
+          </a:bodyPr>
+          <a:lstStyle/>
+          <a:p>
+            <a:r>
+              <a:rPr lang="en-US" sz="6400" b="1" dirty="0">
+                <a:solidFill>
+                  <a:schemeClr val="bg1">
+                    <a:alpha val="10000"/>
+                  </a:schemeClr>
+                </a:solidFill>
+              </a:rPr>
+              <a:t>Installation</a:t>
+            </a:r>
+          </a:p>
+        </p:txBody>
+      </p:sp>
+      <p:sp>
+        <p:nvSpPr>
+          <p:cNvPr id="7" name="Rectangle 6">
+            <a:extLst>
+              <a:ext uri="{FF2B5EF4-FFF2-40B4-BE49-F238E27FC236}">
+                <a16:creationId xmlns:a16="http://schemas.microsoft.com/office/drawing/2014/main" id="{FF8663A5-6FDE-3647-AD00-D5984A3DA55C}"/>
+              </a:ext>
+            </a:extLst>
+          </p:cNvPr>
+          <p:cNvSpPr/>
+          <p:nvPr/>
+        </p:nvSpPr>
+        <p:spPr>
+          <a:xfrm>
+            <a:off x="6957333" y="4287048"/>
+            <a:ext cx="4776051" cy="1077218"/>
+          </a:xfrm>
+          <a:prstGeom prst="rect">
+            <a:avLst/>
+          </a:prstGeom>
+        </p:spPr>
+        <p:txBody>
+          <a:bodyPr wrap="none">
+            <a:spAutoFit/>
+          </a:bodyPr>
+          <a:lstStyle/>
+          <a:p>
+            <a:r>
+              <a:rPr lang="en-US" sz="6400" b="1" dirty="0">
+                <a:solidFill>
+                  <a:schemeClr val="bg1">
+                    <a:alpha val="10000"/>
+                  </a:schemeClr>
+                </a:solidFill>
+              </a:rPr>
+              <a:t>Compatibility</a:t>
+            </a:r>
+          </a:p>
+        </p:txBody>
+      </p:sp>
+      <p:sp>
+        <p:nvSpPr>
+          <p:cNvPr id="8" name="Rectangle 7">
+            <a:extLst>
+              <a:ext uri="{FF2B5EF4-FFF2-40B4-BE49-F238E27FC236}">
+                <a16:creationId xmlns:a16="http://schemas.microsoft.com/office/drawing/2014/main" id="{C5A68F88-5C17-F545-A5CD-A627198012B0}"/>
+              </a:ext>
+            </a:extLst>
+          </p:cNvPr>
+          <p:cNvSpPr/>
+          <p:nvPr/>
+        </p:nvSpPr>
+        <p:spPr>
+          <a:xfrm>
+            <a:off x="1722666" y="3209830"/>
+            <a:ext cx="4980466" cy="1077218"/>
+          </a:xfrm>
+          <a:prstGeom prst="rect">
+            <a:avLst/>
+          </a:prstGeom>
+        </p:spPr>
+        <p:txBody>
+          <a:bodyPr wrap="none">
+            <a:spAutoFit/>
+          </a:bodyPr>
+          <a:lstStyle/>
+          <a:p>
+            <a:r>
+              <a:rPr lang="en-US" sz="6400" b="1" dirty="0">
+                <a:solidFill>
+                  <a:schemeClr val="bg1"/>
+                </a:solidFill>
+              </a:rPr>
+              <a:t>User Interface</a:t>
+            </a:r>
+          </a:p>
+        </p:txBody>
+      </p:sp>
+    </p:spTree>
+    <p:extLst>
+      <p:ext uri="{BB962C8B-B14F-4D97-AF65-F5344CB8AC3E}">
+        <p14:creationId xmlns:p14="http://schemas.microsoft.com/office/powerpoint/2010/main" val="1070835204"/>
+      </p:ext>
+    </p:extLst>
+  </p:cSld>
+  <p:clrMapOvr>
+    <a:masterClrMapping/>
+  </p:clrMapOvr>
+</p:sld>
+</file>
+
+<file path=ppt/slides/slide74.xml><?xml version="1.0" encoding="utf-8"?>
+<p:sld xmlns:a="http://schemas.openxmlformats.org/drawingml/2006/main" xmlns:r="http://schemas.openxmlformats.org/officeDocument/2006/relationships" xmlns:p="http://schemas.openxmlformats.org/presentationml/2006/main">
+  <p:cSld>
+    <p:spTree>
+      <p:nvGrpSpPr>
+        <p:cNvPr id="1" name=""/>
+        <p:cNvGrpSpPr/>
+        <p:nvPr/>
+      </p:nvGrpSpPr>
+      <p:grpSpPr>
+        <a:xfrm>
+          <a:off x="0" y="0"/>
+          <a:ext cx="0" cy="0"/>
+          <a:chOff x="0" y="0"/>
+          <a:chExt cx="0" cy="0"/>
+        </a:xfrm>
+      </p:grpSpPr>
+      <p:sp>
+        <p:nvSpPr>
+          <p:cNvPr id="5" name="Rectangle 4">
+            <a:extLst>
+              <a:ext uri="{FF2B5EF4-FFF2-40B4-BE49-F238E27FC236}">
+                <a16:creationId xmlns:a16="http://schemas.microsoft.com/office/drawing/2014/main" id="{25B0E07D-4C45-0640-99D1-FC5447FFF14E}"/>
+              </a:ext>
+            </a:extLst>
+          </p:cNvPr>
+          <p:cNvSpPr/>
+          <p:nvPr/>
+        </p:nvSpPr>
+        <p:spPr>
+          <a:xfrm>
+            <a:off x="0" y="0"/>
+            <a:ext cx="12192000" cy="6858000"/>
+          </a:xfrm>
+          <a:prstGeom prst="rect">
+            <a:avLst/>
+          </a:prstGeom>
+          <a:solidFill>
+            <a:schemeClr val="accent5"/>
+          </a:solidFill>
+          <a:ln>
+            <a:noFill/>
+          </a:ln>
+        </p:spPr>
+        <p:style>
+          <a:lnRef idx="2">
+            <a:schemeClr val="accent1">
+              <a:shade val="50000"/>
+            </a:schemeClr>
+          </a:lnRef>
+          <a:fillRef idx="1">
+            <a:schemeClr val="accent1"/>
+          </a:fillRef>
+          <a:effectRef idx="0">
+            <a:schemeClr val="accent1"/>
+          </a:effectRef>
+          <a:fontRef idx="minor">
+            <a:schemeClr val="lt1"/>
+          </a:fontRef>
+        </p:style>
+        <p:txBody>
+          <a:bodyPr rtlCol="0" anchor="ctr"/>
+          <a:lstStyle/>
+          <a:p>
+            <a:pPr algn="ctr"/>
+            <a:endParaRPr lang="en-US" dirty="0"/>
+          </a:p>
+        </p:txBody>
+      </p:sp>
+      <p:sp>
+        <p:nvSpPr>
+          <p:cNvPr id="6" name="Rectangle 5">
+            <a:extLst>
+              <a:ext uri="{FF2B5EF4-FFF2-40B4-BE49-F238E27FC236}">
+                <a16:creationId xmlns:a16="http://schemas.microsoft.com/office/drawing/2014/main" id="{C8B8593E-31AC-FA49-BB23-068E5A77DF88}"/>
+              </a:ext>
+            </a:extLst>
+          </p:cNvPr>
+          <p:cNvSpPr/>
+          <p:nvPr/>
+        </p:nvSpPr>
+        <p:spPr>
+          <a:xfrm>
+            <a:off x="3576405" y="0"/>
+            <a:ext cx="5267789" cy="1077218"/>
+          </a:xfrm>
+          <a:prstGeom prst="rect">
+            <a:avLst/>
+          </a:prstGeom>
+        </p:spPr>
+        <p:txBody>
+          <a:bodyPr wrap="none">
+            <a:spAutoFit/>
+          </a:bodyPr>
+          <a:lstStyle/>
+          <a:p>
+            <a:r>
+              <a:rPr lang="en-US" sz="6400" b="1" dirty="0">
+                <a:solidFill>
+                  <a:schemeClr val="bg1">
+                    <a:alpha val="30000"/>
+                  </a:schemeClr>
+                </a:solidFill>
+              </a:rPr>
+              <a:t>Type of Testing</a:t>
+            </a:r>
+          </a:p>
+        </p:txBody>
+      </p:sp>
+      <p:sp>
+        <p:nvSpPr>
+          <p:cNvPr id="4" name="Rectangle 3">
+            <a:extLst>
+              <a:ext uri="{FF2B5EF4-FFF2-40B4-BE49-F238E27FC236}">
+                <a16:creationId xmlns:a16="http://schemas.microsoft.com/office/drawing/2014/main" id="{5AAF5DCA-CD4E-084F-B7BA-5A2988BC4708}"/>
+              </a:ext>
+            </a:extLst>
+          </p:cNvPr>
+          <p:cNvSpPr/>
+          <p:nvPr/>
+        </p:nvSpPr>
+        <p:spPr>
+          <a:xfrm>
+            <a:off x="988333" y="1759748"/>
+            <a:ext cx="4016612" cy="1077218"/>
+          </a:xfrm>
+          <a:prstGeom prst="rect">
+            <a:avLst/>
+          </a:prstGeom>
+        </p:spPr>
+        <p:txBody>
+          <a:bodyPr wrap="none">
+            <a:spAutoFit/>
+          </a:bodyPr>
+          <a:lstStyle/>
+          <a:p>
+            <a:r>
+              <a:rPr lang="en-US" sz="6400" b="1" dirty="0">
+                <a:solidFill>
+                  <a:schemeClr val="bg1">
+                    <a:alpha val="10000"/>
+                  </a:schemeClr>
+                </a:solidFill>
+              </a:rPr>
+              <a:t>Installation</a:t>
+            </a:r>
+          </a:p>
+        </p:txBody>
+      </p:sp>
+      <p:sp>
+        <p:nvSpPr>
+          <p:cNvPr id="7" name="Rectangle 6">
+            <a:extLst>
+              <a:ext uri="{FF2B5EF4-FFF2-40B4-BE49-F238E27FC236}">
+                <a16:creationId xmlns:a16="http://schemas.microsoft.com/office/drawing/2014/main" id="{FF8663A5-6FDE-3647-AD00-D5984A3DA55C}"/>
+              </a:ext>
+            </a:extLst>
+          </p:cNvPr>
+          <p:cNvSpPr/>
+          <p:nvPr/>
+        </p:nvSpPr>
+        <p:spPr>
+          <a:xfrm>
+            <a:off x="6957333" y="4287048"/>
+            <a:ext cx="4776051" cy="1077218"/>
+          </a:xfrm>
+          <a:prstGeom prst="rect">
+            <a:avLst/>
+          </a:prstGeom>
+        </p:spPr>
+        <p:txBody>
+          <a:bodyPr wrap="none">
+            <a:spAutoFit/>
+          </a:bodyPr>
+          <a:lstStyle/>
+          <a:p>
+            <a:r>
+              <a:rPr lang="en-US" sz="6400" b="1" dirty="0">
+                <a:solidFill>
+                  <a:schemeClr val="bg1">
+                    <a:alpha val="10000"/>
+                  </a:schemeClr>
+                </a:solidFill>
+              </a:rPr>
+              <a:t>Compatibility</a:t>
+            </a:r>
+          </a:p>
+        </p:txBody>
+      </p:sp>
+      <p:sp>
+        <p:nvSpPr>
+          <p:cNvPr id="8" name="Rectangle 7">
+            <a:extLst>
+              <a:ext uri="{FF2B5EF4-FFF2-40B4-BE49-F238E27FC236}">
+                <a16:creationId xmlns:a16="http://schemas.microsoft.com/office/drawing/2014/main" id="{C5A68F88-5C17-F545-A5CD-A627198012B0}"/>
+              </a:ext>
+            </a:extLst>
+          </p:cNvPr>
+          <p:cNvSpPr/>
+          <p:nvPr/>
+        </p:nvSpPr>
+        <p:spPr>
+          <a:xfrm>
+            <a:off x="1722666" y="3209830"/>
+            <a:ext cx="4980466" cy="1077218"/>
+          </a:xfrm>
+          <a:prstGeom prst="rect">
+            <a:avLst/>
+          </a:prstGeom>
+        </p:spPr>
+        <p:txBody>
+          <a:bodyPr wrap="none">
+            <a:spAutoFit/>
+          </a:bodyPr>
+          <a:lstStyle/>
+          <a:p>
+            <a:r>
+              <a:rPr lang="en-US" sz="6400" b="1" dirty="0">
+                <a:solidFill>
+                  <a:schemeClr val="bg1">
+                    <a:alpha val="10000"/>
+                  </a:schemeClr>
+                </a:solidFill>
+              </a:rPr>
+              <a:t>User Interface</a:t>
+            </a:r>
+          </a:p>
+        </p:txBody>
+      </p:sp>
+      <p:sp>
+        <p:nvSpPr>
+          <p:cNvPr id="9" name="Rectangle 8">
+            <a:extLst>
+              <a:ext uri="{FF2B5EF4-FFF2-40B4-BE49-F238E27FC236}">
+                <a16:creationId xmlns:a16="http://schemas.microsoft.com/office/drawing/2014/main" id="{9A6B1D78-8461-C54E-ABB1-42B38F0B4E13}"/>
+              </a:ext>
+            </a:extLst>
+          </p:cNvPr>
+          <p:cNvSpPr/>
+          <p:nvPr/>
+        </p:nvSpPr>
+        <p:spPr>
+          <a:xfrm>
+            <a:off x="6535966" y="1493734"/>
+            <a:ext cx="3174267" cy="1077218"/>
+          </a:xfrm>
+          <a:prstGeom prst="rect">
+            <a:avLst/>
+          </a:prstGeom>
+        </p:spPr>
+        <p:txBody>
+          <a:bodyPr wrap="none">
+            <a:spAutoFit/>
+          </a:bodyPr>
+          <a:lstStyle/>
+          <a:p>
+            <a:r>
+              <a:rPr lang="en-US" sz="6400" b="1" dirty="0">
+                <a:solidFill>
+                  <a:schemeClr val="bg1"/>
+                </a:solidFill>
+              </a:rPr>
+              <a:t>Usability</a:t>
+            </a:r>
+          </a:p>
+        </p:txBody>
+      </p:sp>
+    </p:spTree>
+    <p:extLst>
+      <p:ext uri="{BB962C8B-B14F-4D97-AF65-F5344CB8AC3E}">
+        <p14:creationId xmlns:p14="http://schemas.microsoft.com/office/powerpoint/2010/main" val="1634995628"/>
+      </p:ext>
+    </p:extLst>
+  </p:cSld>
+  <p:clrMapOvr>
+    <a:masterClrMapping/>
+  </p:clrMapOvr>
+</p:sld>
+</file>
+
+<file path=ppt/slides/slide75.xml><?xml version="1.0" encoding="utf-8"?>
+<p:sld xmlns:a="http://schemas.openxmlformats.org/drawingml/2006/main" xmlns:r="http://schemas.openxmlformats.org/officeDocument/2006/relationships" xmlns:p="http://schemas.openxmlformats.org/presentationml/2006/main">
+  <p:cSld>
+    <p:spTree>
+      <p:nvGrpSpPr>
+        <p:cNvPr id="1" name=""/>
+        <p:cNvGrpSpPr/>
+        <p:nvPr/>
+      </p:nvGrpSpPr>
+      <p:grpSpPr>
+        <a:xfrm>
+          <a:off x="0" y="0"/>
+          <a:ext cx="0" cy="0"/>
+          <a:chOff x="0" y="0"/>
+          <a:chExt cx="0" cy="0"/>
+        </a:xfrm>
+      </p:grpSpPr>
+      <p:sp>
+        <p:nvSpPr>
+          <p:cNvPr id="5" name="Rectangle 4">
+            <a:extLst>
+              <a:ext uri="{FF2B5EF4-FFF2-40B4-BE49-F238E27FC236}">
+                <a16:creationId xmlns:a16="http://schemas.microsoft.com/office/drawing/2014/main" id="{25B0E07D-4C45-0640-99D1-FC5447FFF14E}"/>
+              </a:ext>
+            </a:extLst>
+          </p:cNvPr>
+          <p:cNvSpPr/>
+          <p:nvPr/>
+        </p:nvSpPr>
+        <p:spPr>
+          <a:xfrm>
+            <a:off x="0" y="0"/>
+            <a:ext cx="12192000" cy="6858000"/>
+          </a:xfrm>
+          <a:prstGeom prst="rect">
+            <a:avLst/>
+          </a:prstGeom>
+          <a:solidFill>
+            <a:schemeClr val="accent5"/>
+          </a:solidFill>
+          <a:ln>
+            <a:noFill/>
+          </a:ln>
+        </p:spPr>
+        <p:style>
+          <a:lnRef idx="2">
+            <a:schemeClr val="accent1">
+              <a:shade val="50000"/>
+            </a:schemeClr>
+          </a:lnRef>
+          <a:fillRef idx="1">
+            <a:schemeClr val="accent1"/>
+          </a:fillRef>
+          <a:effectRef idx="0">
+            <a:schemeClr val="accent1"/>
+          </a:effectRef>
+          <a:fontRef idx="minor">
+            <a:schemeClr val="lt1"/>
+          </a:fontRef>
+        </p:style>
+        <p:txBody>
+          <a:bodyPr rtlCol="0" anchor="ctr"/>
+          <a:lstStyle/>
+          <a:p>
+            <a:pPr algn="ctr"/>
+            <a:endParaRPr lang="en-US" dirty="0"/>
+          </a:p>
+        </p:txBody>
+      </p:sp>
+      <p:sp>
+        <p:nvSpPr>
+          <p:cNvPr id="6" name="Rectangle 5">
+            <a:extLst>
+              <a:ext uri="{FF2B5EF4-FFF2-40B4-BE49-F238E27FC236}">
+                <a16:creationId xmlns:a16="http://schemas.microsoft.com/office/drawing/2014/main" id="{C8B8593E-31AC-FA49-BB23-068E5A77DF88}"/>
+              </a:ext>
+            </a:extLst>
+          </p:cNvPr>
+          <p:cNvSpPr/>
+          <p:nvPr/>
+        </p:nvSpPr>
+        <p:spPr>
+          <a:xfrm>
+            <a:off x="3576405" y="0"/>
+            <a:ext cx="5267789" cy="1077218"/>
+          </a:xfrm>
+          <a:prstGeom prst="rect">
+            <a:avLst/>
+          </a:prstGeom>
+        </p:spPr>
+        <p:txBody>
+          <a:bodyPr wrap="none">
+            <a:spAutoFit/>
+          </a:bodyPr>
+          <a:lstStyle/>
+          <a:p>
+            <a:r>
+              <a:rPr lang="en-US" sz="6400" b="1" dirty="0">
+                <a:solidFill>
+                  <a:schemeClr val="bg1">
+                    <a:alpha val="30000"/>
+                  </a:schemeClr>
+                </a:solidFill>
+              </a:rPr>
+              <a:t>Type of Testing</a:t>
+            </a:r>
+          </a:p>
+        </p:txBody>
+      </p:sp>
+      <p:sp>
+        <p:nvSpPr>
+          <p:cNvPr id="4" name="Rectangle 3">
+            <a:extLst>
+              <a:ext uri="{FF2B5EF4-FFF2-40B4-BE49-F238E27FC236}">
+                <a16:creationId xmlns:a16="http://schemas.microsoft.com/office/drawing/2014/main" id="{5AAF5DCA-CD4E-084F-B7BA-5A2988BC4708}"/>
+              </a:ext>
+            </a:extLst>
+          </p:cNvPr>
+          <p:cNvSpPr/>
+          <p:nvPr/>
+        </p:nvSpPr>
+        <p:spPr>
+          <a:xfrm>
+            <a:off x="988333" y="1759748"/>
+            <a:ext cx="4016612" cy="1077218"/>
+          </a:xfrm>
+          <a:prstGeom prst="rect">
+            <a:avLst/>
+          </a:prstGeom>
+        </p:spPr>
+        <p:txBody>
+          <a:bodyPr wrap="none">
+            <a:spAutoFit/>
+          </a:bodyPr>
+          <a:lstStyle/>
+          <a:p>
+            <a:r>
+              <a:rPr lang="en-US" sz="6400" b="1" dirty="0">
+                <a:solidFill>
+                  <a:schemeClr val="bg1">
+                    <a:alpha val="10000"/>
+                  </a:schemeClr>
+                </a:solidFill>
+              </a:rPr>
+              <a:t>Installation</a:t>
+            </a:r>
+          </a:p>
+        </p:txBody>
+      </p:sp>
+      <p:sp>
+        <p:nvSpPr>
+          <p:cNvPr id="7" name="Rectangle 6">
+            <a:extLst>
+              <a:ext uri="{FF2B5EF4-FFF2-40B4-BE49-F238E27FC236}">
+                <a16:creationId xmlns:a16="http://schemas.microsoft.com/office/drawing/2014/main" id="{FF8663A5-6FDE-3647-AD00-D5984A3DA55C}"/>
+              </a:ext>
+            </a:extLst>
+          </p:cNvPr>
+          <p:cNvSpPr/>
+          <p:nvPr/>
+        </p:nvSpPr>
+        <p:spPr>
+          <a:xfrm>
+            <a:off x="6957333" y="4287048"/>
+            <a:ext cx="4776051" cy="1077218"/>
+          </a:xfrm>
+          <a:prstGeom prst="rect">
+            <a:avLst/>
+          </a:prstGeom>
+        </p:spPr>
+        <p:txBody>
+          <a:bodyPr wrap="none">
+            <a:spAutoFit/>
+          </a:bodyPr>
+          <a:lstStyle/>
+          <a:p>
+            <a:r>
+              <a:rPr lang="en-US" sz="6400" b="1" dirty="0">
+                <a:solidFill>
+                  <a:schemeClr val="bg1">
+                    <a:alpha val="10000"/>
+                  </a:schemeClr>
+                </a:solidFill>
+              </a:rPr>
+              <a:t>Compatibility</a:t>
+            </a:r>
+          </a:p>
+        </p:txBody>
+      </p:sp>
+      <p:sp>
+        <p:nvSpPr>
+          <p:cNvPr id="8" name="Rectangle 7">
+            <a:extLst>
+              <a:ext uri="{FF2B5EF4-FFF2-40B4-BE49-F238E27FC236}">
+                <a16:creationId xmlns:a16="http://schemas.microsoft.com/office/drawing/2014/main" id="{C5A68F88-5C17-F545-A5CD-A627198012B0}"/>
+              </a:ext>
+            </a:extLst>
+          </p:cNvPr>
+          <p:cNvSpPr/>
+          <p:nvPr/>
+        </p:nvSpPr>
+        <p:spPr>
+          <a:xfrm>
+            <a:off x="1722666" y="3209830"/>
+            <a:ext cx="4980466" cy="1077218"/>
+          </a:xfrm>
+          <a:prstGeom prst="rect">
+            <a:avLst/>
+          </a:prstGeom>
+        </p:spPr>
+        <p:txBody>
+          <a:bodyPr wrap="none">
+            <a:spAutoFit/>
+          </a:bodyPr>
+          <a:lstStyle/>
+          <a:p>
+            <a:r>
+              <a:rPr lang="en-US" sz="6400" b="1" dirty="0">
+                <a:solidFill>
+                  <a:schemeClr val="bg1">
+                    <a:alpha val="10000"/>
+                  </a:schemeClr>
+                </a:solidFill>
+              </a:rPr>
+              <a:t>User Interface</a:t>
+            </a:r>
+          </a:p>
+        </p:txBody>
+      </p:sp>
+      <p:sp>
+        <p:nvSpPr>
+          <p:cNvPr id="9" name="Rectangle 8">
+            <a:extLst>
+              <a:ext uri="{FF2B5EF4-FFF2-40B4-BE49-F238E27FC236}">
+                <a16:creationId xmlns:a16="http://schemas.microsoft.com/office/drawing/2014/main" id="{9A6B1D78-8461-C54E-ABB1-42B38F0B4E13}"/>
+              </a:ext>
+            </a:extLst>
+          </p:cNvPr>
+          <p:cNvSpPr/>
+          <p:nvPr/>
+        </p:nvSpPr>
+        <p:spPr>
+          <a:xfrm>
+            <a:off x="6535966" y="1493734"/>
+            <a:ext cx="3174267" cy="1077218"/>
+          </a:xfrm>
+          <a:prstGeom prst="rect">
+            <a:avLst/>
+          </a:prstGeom>
+        </p:spPr>
+        <p:txBody>
+          <a:bodyPr wrap="none">
+            <a:spAutoFit/>
+          </a:bodyPr>
+          <a:lstStyle/>
+          <a:p>
+            <a:r>
+              <a:rPr lang="en-US" sz="6400" b="1" dirty="0">
+                <a:solidFill>
+                  <a:schemeClr val="bg1">
+                    <a:alpha val="10000"/>
+                  </a:schemeClr>
+                </a:solidFill>
+              </a:rPr>
+              <a:t>Usability</a:t>
+            </a:r>
+          </a:p>
+        </p:txBody>
+      </p:sp>
+      <p:sp>
+        <p:nvSpPr>
+          <p:cNvPr id="10" name="Rectangle 9">
+            <a:extLst>
+              <a:ext uri="{FF2B5EF4-FFF2-40B4-BE49-F238E27FC236}">
+                <a16:creationId xmlns:a16="http://schemas.microsoft.com/office/drawing/2014/main" id="{F0BFEE76-861A-6545-B2D1-23F88612D963}"/>
+              </a:ext>
+            </a:extLst>
+          </p:cNvPr>
+          <p:cNvSpPr/>
+          <p:nvPr/>
+        </p:nvSpPr>
+        <p:spPr>
+          <a:xfrm>
+            <a:off x="554266" y="4825657"/>
+            <a:ext cx="3645550" cy="1077218"/>
+          </a:xfrm>
+          <a:prstGeom prst="rect">
+            <a:avLst/>
+          </a:prstGeom>
+        </p:spPr>
+        <p:txBody>
+          <a:bodyPr wrap="none">
+            <a:spAutoFit/>
+          </a:bodyPr>
+          <a:lstStyle/>
+          <a:p>
+            <a:r>
+              <a:rPr lang="en-US" sz="6400" b="1" dirty="0">
+                <a:solidFill>
+                  <a:schemeClr val="bg1"/>
+                </a:solidFill>
+              </a:rPr>
+              <a:t>Scalability</a:t>
+            </a:r>
+          </a:p>
+        </p:txBody>
+      </p:sp>
+    </p:spTree>
+    <p:extLst>
+      <p:ext uri="{BB962C8B-B14F-4D97-AF65-F5344CB8AC3E}">
+        <p14:creationId xmlns:p14="http://schemas.microsoft.com/office/powerpoint/2010/main" val="2558851500"/>
+      </p:ext>
+    </p:extLst>
+  </p:cSld>
+  <p:clrMapOvr>
+    <a:masterClrMapping/>
+  </p:clrMapOvr>
+</p:sld>
+</file>
+
+<file path=ppt/slides/slide76.xml><?xml version="1.0" encoding="utf-8"?>
+<p:sld xmlns:a="http://schemas.openxmlformats.org/drawingml/2006/main" xmlns:r="http://schemas.openxmlformats.org/officeDocument/2006/relationships" xmlns:p="http://schemas.openxmlformats.org/presentationml/2006/main">
+  <p:cSld>
+    <p:spTree>
+      <p:nvGrpSpPr>
+        <p:cNvPr id="1" name=""/>
+        <p:cNvGrpSpPr/>
+        <p:nvPr/>
+      </p:nvGrpSpPr>
+      <p:grpSpPr>
+        <a:xfrm>
+          <a:off x="0" y="0"/>
+          <a:ext cx="0" cy="0"/>
+          <a:chOff x="0" y="0"/>
+          <a:chExt cx="0" cy="0"/>
+        </a:xfrm>
+      </p:grpSpPr>
+      <p:sp>
+        <p:nvSpPr>
+          <p:cNvPr id="5" name="Rectangle 4">
+            <a:extLst>
+              <a:ext uri="{FF2B5EF4-FFF2-40B4-BE49-F238E27FC236}">
+                <a16:creationId xmlns:a16="http://schemas.microsoft.com/office/drawing/2014/main" id="{25B0E07D-4C45-0640-99D1-FC5447FFF14E}"/>
+              </a:ext>
+            </a:extLst>
+          </p:cNvPr>
+          <p:cNvSpPr/>
+          <p:nvPr/>
+        </p:nvSpPr>
+        <p:spPr>
+          <a:xfrm>
+            <a:off x="0" y="0"/>
+            <a:ext cx="12192000" cy="6858000"/>
+          </a:xfrm>
+          <a:prstGeom prst="rect">
+            <a:avLst/>
+          </a:prstGeom>
+          <a:solidFill>
+            <a:schemeClr val="accent5"/>
+          </a:solidFill>
+          <a:ln>
+            <a:noFill/>
+          </a:ln>
+        </p:spPr>
+        <p:style>
+          <a:lnRef idx="2">
+            <a:schemeClr val="accent1">
+              <a:shade val="50000"/>
+            </a:schemeClr>
+          </a:lnRef>
+          <a:fillRef idx="1">
+            <a:schemeClr val="accent1"/>
+          </a:fillRef>
+          <a:effectRef idx="0">
+            <a:schemeClr val="accent1"/>
+          </a:effectRef>
+          <a:fontRef idx="minor">
+            <a:schemeClr val="lt1"/>
+          </a:fontRef>
+        </p:style>
+        <p:txBody>
+          <a:bodyPr rtlCol="0" anchor="ctr"/>
+          <a:lstStyle/>
+          <a:p>
+            <a:pPr algn="ctr"/>
+            <a:endParaRPr lang="en-US" dirty="0"/>
+          </a:p>
+        </p:txBody>
+      </p:sp>
+      <p:sp>
+        <p:nvSpPr>
+          <p:cNvPr id="6" name="Rectangle 5">
+            <a:extLst>
+              <a:ext uri="{FF2B5EF4-FFF2-40B4-BE49-F238E27FC236}">
+                <a16:creationId xmlns:a16="http://schemas.microsoft.com/office/drawing/2014/main" id="{C8B8593E-31AC-FA49-BB23-068E5A77DF88}"/>
+              </a:ext>
+            </a:extLst>
+          </p:cNvPr>
+          <p:cNvSpPr/>
+          <p:nvPr/>
+        </p:nvSpPr>
+        <p:spPr>
+          <a:xfrm>
+            <a:off x="3576405" y="0"/>
+            <a:ext cx="5267789" cy="1077218"/>
+          </a:xfrm>
+          <a:prstGeom prst="rect">
+            <a:avLst/>
+          </a:prstGeom>
+        </p:spPr>
+        <p:txBody>
+          <a:bodyPr wrap="none">
+            <a:spAutoFit/>
+          </a:bodyPr>
+          <a:lstStyle/>
+          <a:p>
+            <a:r>
+              <a:rPr lang="en-US" sz="6400" b="1" dirty="0">
+                <a:solidFill>
+                  <a:schemeClr val="bg1">
+                    <a:alpha val="30000"/>
+                  </a:schemeClr>
+                </a:solidFill>
+              </a:rPr>
+              <a:t>Type of Testing</a:t>
+            </a:r>
+          </a:p>
+        </p:txBody>
+      </p:sp>
+      <p:sp>
+        <p:nvSpPr>
+          <p:cNvPr id="4" name="Rectangle 3">
+            <a:extLst>
+              <a:ext uri="{FF2B5EF4-FFF2-40B4-BE49-F238E27FC236}">
+                <a16:creationId xmlns:a16="http://schemas.microsoft.com/office/drawing/2014/main" id="{5AAF5DCA-CD4E-084F-B7BA-5A2988BC4708}"/>
+              </a:ext>
+            </a:extLst>
+          </p:cNvPr>
+          <p:cNvSpPr/>
+          <p:nvPr/>
+        </p:nvSpPr>
+        <p:spPr>
+          <a:xfrm>
+            <a:off x="988333" y="1759748"/>
+            <a:ext cx="4016612" cy="1077218"/>
+          </a:xfrm>
+          <a:prstGeom prst="rect">
+            <a:avLst/>
+          </a:prstGeom>
+        </p:spPr>
+        <p:txBody>
+          <a:bodyPr wrap="none">
+            <a:spAutoFit/>
+          </a:bodyPr>
+          <a:lstStyle/>
+          <a:p>
+            <a:r>
+              <a:rPr lang="en-US" sz="6400" b="1" dirty="0">
+                <a:solidFill>
+                  <a:schemeClr val="bg1">
+                    <a:alpha val="10000"/>
+                  </a:schemeClr>
+                </a:solidFill>
+              </a:rPr>
+              <a:t>Installation</a:t>
+            </a:r>
+          </a:p>
+        </p:txBody>
+      </p:sp>
+      <p:sp>
+        <p:nvSpPr>
+          <p:cNvPr id="7" name="Rectangle 6">
+            <a:extLst>
+              <a:ext uri="{FF2B5EF4-FFF2-40B4-BE49-F238E27FC236}">
+                <a16:creationId xmlns:a16="http://schemas.microsoft.com/office/drawing/2014/main" id="{FF8663A5-6FDE-3647-AD00-D5984A3DA55C}"/>
+              </a:ext>
+            </a:extLst>
+          </p:cNvPr>
+          <p:cNvSpPr/>
+          <p:nvPr/>
+        </p:nvSpPr>
+        <p:spPr>
+          <a:xfrm>
+            <a:off x="6957333" y="4287048"/>
+            <a:ext cx="4776051" cy="1077218"/>
+          </a:xfrm>
+          <a:prstGeom prst="rect">
+            <a:avLst/>
+          </a:prstGeom>
+        </p:spPr>
+        <p:txBody>
+          <a:bodyPr wrap="none">
+            <a:spAutoFit/>
+          </a:bodyPr>
+          <a:lstStyle/>
+          <a:p>
+            <a:r>
+              <a:rPr lang="en-US" sz="6400" b="1" dirty="0">
+                <a:solidFill>
+                  <a:schemeClr val="bg1">
+                    <a:alpha val="10000"/>
+                  </a:schemeClr>
+                </a:solidFill>
+              </a:rPr>
+              <a:t>Compatibility</a:t>
+            </a:r>
+          </a:p>
+        </p:txBody>
+      </p:sp>
+      <p:sp>
+        <p:nvSpPr>
+          <p:cNvPr id="8" name="Rectangle 7">
+            <a:extLst>
+              <a:ext uri="{FF2B5EF4-FFF2-40B4-BE49-F238E27FC236}">
+                <a16:creationId xmlns:a16="http://schemas.microsoft.com/office/drawing/2014/main" id="{C5A68F88-5C17-F545-A5CD-A627198012B0}"/>
+              </a:ext>
+            </a:extLst>
+          </p:cNvPr>
+          <p:cNvSpPr/>
+          <p:nvPr/>
+        </p:nvSpPr>
+        <p:spPr>
+          <a:xfrm>
+            <a:off x="1722666" y="3209830"/>
+            <a:ext cx="4980466" cy="1077218"/>
+          </a:xfrm>
+          <a:prstGeom prst="rect">
+            <a:avLst/>
+          </a:prstGeom>
+        </p:spPr>
+        <p:txBody>
+          <a:bodyPr wrap="none">
+            <a:spAutoFit/>
+          </a:bodyPr>
+          <a:lstStyle/>
+          <a:p>
+            <a:r>
+              <a:rPr lang="en-US" sz="6400" b="1" dirty="0">
+                <a:solidFill>
+                  <a:schemeClr val="bg1">
+                    <a:alpha val="10000"/>
+                  </a:schemeClr>
+                </a:solidFill>
+              </a:rPr>
+              <a:t>User Interface</a:t>
+            </a:r>
+          </a:p>
+        </p:txBody>
+      </p:sp>
+      <p:sp>
+        <p:nvSpPr>
+          <p:cNvPr id="9" name="Rectangle 8">
+            <a:extLst>
+              <a:ext uri="{FF2B5EF4-FFF2-40B4-BE49-F238E27FC236}">
+                <a16:creationId xmlns:a16="http://schemas.microsoft.com/office/drawing/2014/main" id="{9A6B1D78-8461-C54E-ABB1-42B38F0B4E13}"/>
+              </a:ext>
+            </a:extLst>
+          </p:cNvPr>
+          <p:cNvSpPr/>
+          <p:nvPr/>
+        </p:nvSpPr>
+        <p:spPr>
+          <a:xfrm>
+            <a:off x="6535966" y="1493734"/>
+            <a:ext cx="3174267" cy="1077218"/>
+          </a:xfrm>
+          <a:prstGeom prst="rect">
+            <a:avLst/>
+          </a:prstGeom>
+        </p:spPr>
+        <p:txBody>
+          <a:bodyPr wrap="none">
+            <a:spAutoFit/>
+          </a:bodyPr>
+          <a:lstStyle/>
+          <a:p>
+            <a:r>
+              <a:rPr lang="en-US" sz="6400" b="1" dirty="0">
+                <a:solidFill>
+                  <a:schemeClr val="bg1">
+                    <a:alpha val="10000"/>
+                  </a:schemeClr>
+                </a:solidFill>
+              </a:rPr>
+              <a:t>Usability</a:t>
+            </a:r>
+          </a:p>
+        </p:txBody>
+      </p:sp>
+      <p:sp>
+        <p:nvSpPr>
+          <p:cNvPr id="10" name="Rectangle 9">
+            <a:extLst>
+              <a:ext uri="{FF2B5EF4-FFF2-40B4-BE49-F238E27FC236}">
+                <a16:creationId xmlns:a16="http://schemas.microsoft.com/office/drawing/2014/main" id="{F0BFEE76-861A-6545-B2D1-23F88612D963}"/>
+              </a:ext>
+            </a:extLst>
+          </p:cNvPr>
+          <p:cNvSpPr/>
+          <p:nvPr/>
+        </p:nvSpPr>
+        <p:spPr>
+          <a:xfrm>
+            <a:off x="554266" y="4825657"/>
+            <a:ext cx="3645550" cy="1077218"/>
+          </a:xfrm>
+          <a:prstGeom prst="rect">
+            <a:avLst/>
+          </a:prstGeom>
+        </p:spPr>
+        <p:txBody>
+          <a:bodyPr wrap="none">
+            <a:spAutoFit/>
+          </a:bodyPr>
+          <a:lstStyle/>
+          <a:p>
+            <a:r>
+              <a:rPr lang="en-US" sz="6400" b="1" dirty="0">
+                <a:solidFill>
+                  <a:schemeClr val="bg1">
+                    <a:alpha val="10000"/>
+                  </a:schemeClr>
+                </a:solidFill>
+              </a:rPr>
+              <a:t>Scalability</a:t>
+            </a:r>
+          </a:p>
+        </p:txBody>
+      </p:sp>
+      <p:sp>
+        <p:nvSpPr>
+          <p:cNvPr id="11" name="Rectangle 10">
+            <a:extLst>
+              <a:ext uri="{FF2B5EF4-FFF2-40B4-BE49-F238E27FC236}">
+                <a16:creationId xmlns:a16="http://schemas.microsoft.com/office/drawing/2014/main" id="{A6CB8275-6707-6444-9F1C-8FB8D057EB74}"/>
+              </a:ext>
+            </a:extLst>
+          </p:cNvPr>
+          <p:cNvSpPr/>
+          <p:nvPr/>
+        </p:nvSpPr>
+        <p:spPr>
+          <a:xfrm>
+            <a:off x="5490497" y="2570952"/>
+            <a:ext cx="2938625" cy="1077218"/>
+          </a:xfrm>
+          <a:prstGeom prst="rect">
+            <a:avLst/>
+          </a:prstGeom>
+        </p:spPr>
+        <p:txBody>
+          <a:bodyPr wrap="none">
+            <a:spAutoFit/>
+          </a:bodyPr>
+          <a:lstStyle/>
+          <a:p>
+            <a:r>
+              <a:rPr lang="en-US" sz="6400" b="1" dirty="0">
+                <a:solidFill>
+                  <a:schemeClr val="bg1"/>
+                </a:solidFill>
+              </a:rPr>
+              <a:t>Security</a:t>
+            </a:r>
+          </a:p>
+        </p:txBody>
+      </p:sp>
+    </p:spTree>
+    <p:extLst>
+      <p:ext uri="{BB962C8B-B14F-4D97-AF65-F5344CB8AC3E}">
+        <p14:creationId xmlns:p14="http://schemas.microsoft.com/office/powerpoint/2010/main" val="1938382357"/>
+      </p:ext>
+    </p:extLst>
+  </p:cSld>
+  <p:clrMapOvr>
+    <a:masterClrMapping/>
+  </p:clrMapOvr>
+</p:sld>
+</file>
+
+<file path=ppt/slides/slide77.xml><?xml version="1.0" encoding="utf-8"?>
+<p:sld xmlns:a="http://schemas.openxmlformats.org/drawingml/2006/main" xmlns:r="http://schemas.openxmlformats.org/officeDocument/2006/relationships" xmlns:p="http://schemas.openxmlformats.org/presentationml/2006/main">
+  <p:cSld>
+    <p:spTree>
+      <p:nvGrpSpPr>
+        <p:cNvPr id="1" name=""/>
+        <p:cNvGrpSpPr/>
+        <p:nvPr/>
+      </p:nvGrpSpPr>
+      <p:grpSpPr>
+        <a:xfrm>
+          <a:off x="0" y="0"/>
+          <a:ext cx="0" cy="0"/>
+          <a:chOff x="0" y="0"/>
+          <a:chExt cx="0" cy="0"/>
+        </a:xfrm>
+      </p:grpSpPr>
+      <p:sp>
+        <p:nvSpPr>
+          <p:cNvPr id="5" name="Rectangle 4">
+            <a:extLst>
+              <a:ext uri="{FF2B5EF4-FFF2-40B4-BE49-F238E27FC236}">
+                <a16:creationId xmlns:a16="http://schemas.microsoft.com/office/drawing/2014/main" id="{25B0E07D-4C45-0640-99D1-FC5447FFF14E}"/>
+              </a:ext>
+            </a:extLst>
+          </p:cNvPr>
+          <p:cNvSpPr/>
+          <p:nvPr/>
+        </p:nvSpPr>
+        <p:spPr>
+          <a:xfrm>
+            <a:off x="0" y="0"/>
+            <a:ext cx="12192000" cy="6858000"/>
+          </a:xfrm>
+          <a:prstGeom prst="rect">
+            <a:avLst/>
+          </a:prstGeom>
+          <a:solidFill>
+            <a:schemeClr val="accent5"/>
+          </a:solidFill>
+          <a:ln>
+            <a:noFill/>
+          </a:ln>
+        </p:spPr>
+        <p:style>
+          <a:lnRef idx="2">
+            <a:schemeClr val="accent1">
+              <a:shade val="50000"/>
+            </a:schemeClr>
+          </a:lnRef>
+          <a:fillRef idx="1">
+            <a:schemeClr val="accent1"/>
+          </a:fillRef>
+          <a:effectRef idx="0">
+            <a:schemeClr val="accent1"/>
+          </a:effectRef>
+          <a:fontRef idx="minor">
+            <a:schemeClr val="lt1"/>
+          </a:fontRef>
+        </p:style>
+        <p:txBody>
+          <a:bodyPr rtlCol="0" anchor="ctr"/>
+          <a:lstStyle/>
+          <a:p>
+            <a:pPr algn="ctr"/>
+            <a:endParaRPr lang="en-US" dirty="0"/>
+          </a:p>
+        </p:txBody>
+      </p:sp>
+      <p:sp>
+        <p:nvSpPr>
+          <p:cNvPr id="6" name="Rectangle 5">
+            <a:extLst>
+              <a:ext uri="{FF2B5EF4-FFF2-40B4-BE49-F238E27FC236}">
+                <a16:creationId xmlns:a16="http://schemas.microsoft.com/office/drawing/2014/main" id="{C8B8593E-31AC-FA49-BB23-068E5A77DF88}"/>
+              </a:ext>
+            </a:extLst>
+          </p:cNvPr>
+          <p:cNvSpPr/>
+          <p:nvPr/>
+        </p:nvSpPr>
+        <p:spPr>
+          <a:xfrm>
+            <a:off x="3576405" y="0"/>
+            <a:ext cx="5267789" cy="1077218"/>
+          </a:xfrm>
+          <a:prstGeom prst="rect">
+            <a:avLst/>
+          </a:prstGeom>
+        </p:spPr>
+        <p:txBody>
+          <a:bodyPr wrap="none">
+            <a:spAutoFit/>
+          </a:bodyPr>
+          <a:lstStyle/>
+          <a:p>
+            <a:r>
+              <a:rPr lang="en-US" sz="6400" b="1" dirty="0">
+                <a:solidFill>
+                  <a:schemeClr val="bg1">
+                    <a:alpha val="30000"/>
+                  </a:schemeClr>
+                </a:solidFill>
+              </a:rPr>
+              <a:t>Type of Testing</a:t>
+            </a:r>
+          </a:p>
+        </p:txBody>
+      </p:sp>
+      <p:sp>
+        <p:nvSpPr>
+          <p:cNvPr id="4" name="Rectangle 3">
+            <a:extLst>
+              <a:ext uri="{FF2B5EF4-FFF2-40B4-BE49-F238E27FC236}">
+                <a16:creationId xmlns:a16="http://schemas.microsoft.com/office/drawing/2014/main" id="{5AAF5DCA-CD4E-084F-B7BA-5A2988BC4708}"/>
+              </a:ext>
+            </a:extLst>
+          </p:cNvPr>
+          <p:cNvSpPr/>
+          <p:nvPr/>
+        </p:nvSpPr>
+        <p:spPr>
+          <a:xfrm>
+            <a:off x="988333" y="1759748"/>
+            <a:ext cx="4016612" cy="1077218"/>
+          </a:xfrm>
+          <a:prstGeom prst="rect">
+            <a:avLst/>
+          </a:prstGeom>
+        </p:spPr>
+        <p:txBody>
+          <a:bodyPr wrap="none">
+            <a:spAutoFit/>
+          </a:bodyPr>
+          <a:lstStyle/>
+          <a:p>
+            <a:r>
+              <a:rPr lang="en-US" sz="6400" b="1" dirty="0">
+                <a:solidFill>
+                  <a:schemeClr val="bg1">
+                    <a:alpha val="10000"/>
+                  </a:schemeClr>
+                </a:solidFill>
+              </a:rPr>
+              <a:t>Installation</a:t>
+            </a:r>
+          </a:p>
+        </p:txBody>
+      </p:sp>
+      <p:sp>
+        <p:nvSpPr>
+          <p:cNvPr id="7" name="Rectangle 6">
+            <a:extLst>
+              <a:ext uri="{FF2B5EF4-FFF2-40B4-BE49-F238E27FC236}">
+                <a16:creationId xmlns:a16="http://schemas.microsoft.com/office/drawing/2014/main" id="{FF8663A5-6FDE-3647-AD00-D5984A3DA55C}"/>
+              </a:ext>
+            </a:extLst>
+          </p:cNvPr>
+          <p:cNvSpPr/>
+          <p:nvPr/>
+        </p:nvSpPr>
+        <p:spPr>
+          <a:xfrm>
+            <a:off x="6957333" y="4287048"/>
+            <a:ext cx="4776051" cy="1077218"/>
+          </a:xfrm>
+          <a:prstGeom prst="rect">
+            <a:avLst/>
+          </a:prstGeom>
+        </p:spPr>
+        <p:txBody>
+          <a:bodyPr wrap="none">
+            <a:spAutoFit/>
+          </a:bodyPr>
+          <a:lstStyle/>
+          <a:p>
+            <a:r>
+              <a:rPr lang="en-US" sz="6400" b="1" dirty="0">
+                <a:solidFill>
+                  <a:schemeClr val="bg1">
+                    <a:alpha val="10000"/>
+                  </a:schemeClr>
+                </a:solidFill>
+              </a:rPr>
+              <a:t>Compatibility</a:t>
+            </a:r>
+          </a:p>
+        </p:txBody>
+      </p:sp>
+      <p:sp>
+        <p:nvSpPr>
+          <p:cNvPr id="8" name="Rectangle 7">
+            <a:extLst>
+              <a:ext uri="{FF2B5EF4-FFF2-40B4-BE49-F238E27FC236}">
+                <a16:creationId xmlns:a16="http://schemas.microsoft.com/office/drawing/2014/main" id="{C5A68F88-5C17-F545-A5CD-A627198012B0}"/>
+              </a:ext>
+            </a:extLst>
+          </p:cNvPr>
+          <p:cNvSpPr/>
+          <p:nvPr/>
+        </p:nvSpPr>
+        <p:spPr>
+          <a:xfrm>
+            <a:off x="1722666" y="3209830"/>
+            <a:ext cx="4980466" cy="1077218"/>
+          </a:xfrm>
+          <a:prstGeom prst="rect">
+            <a:avLst/>
+          </a:prstGeom>
+        </p:spPr>
+        <p:txBody>
+          <a:bodyPr wrap="none">
+            <a:spAutoFit/>
+          </a:bodyPr>
+          <a:lstStyle/>
+          <a:p>
+            <a:r>
+              <a:rPr lang="en-US" sz="6400" b="1" dirty="0">
+                <a:solidFill>
+                  <a:schemeClr val="bg1">
+                    <a:alpha val="10000"/>
+                  </a:schemeClr>
+                </a:solidFill>
+              </a:rPr>
+              <a:t>User Interface</a:t>
+            </a:r>
+          </a:p>
+        </p:txBody>
+      </p:sp>
+      <p:sp>
+        <p:nvSpPr>
+          <p:cNvPr id="9" name="Rectangle 8">
+            <a:extLst>
+              <a:ext uri="{FF2B5EF4-FFF2-40B4-BE49-F238E27FC236}">
+                <a16:creationId xmlns:a16="http://schemas.microsoft.com/office/drawing/2014/main" id="{9A6B1D78-8461-C54E-ABB1-42B38F0B4E13}"/>
+              </a:ext>
+            </a:extLst>
+          </p:cNvPr>
+          <p:cNvSpPr/>
+          <p:nvPr/>
+        </p:nvSpPr>
+        <p:spPr>
+          <a:xfrm>
+            <a:off x="6535966" y="1493734"/>
+            <a:ext cx="3174267" cy="1077218"/>
+          </a:xfrm>
+          <a:prstGeom prst="rect">
+            <a:avLst/>
+          </a:prstGeom>
+        </p:spPr>
+        <p:txBody>
+          <a:bodyPr wrap="none">
+            <a:spAutoFit/>
+          </a:bodyPr>
+          <a:lstStyle/>
+          <a:p>
+            <a:r>
+              <a:rPr lang="en-US" sz="6400" b="1" dirty="0">
+                <a:solidFill>
+                  <a:schemeClr val="bg1">
+                    <a:alpha val="10000"/>
+                  </a:schemeClr>
+                </a:solidFill>
+              </a:rPr>
+              <a:t>Usability</a:t>
+            </a:r>
+          </a:p>
+        </p:txBody>
+      </p:sp>
+      <p:sp>
+        <p:nvSpPr>
+          <p:cNvPr id="10" name="Rectangle 9">
+            <a:extLst>
+              <a:ext uri="{FF2B5EF4-FFF2-40B4-BE49-F238E27FC236}">
+                <a16:creationId xmlns:a16="http://schemas.microsoft.com/office/drawing/2014/main" id="{F0BFEE76-861A-6545-B2D1-23F88612D963}"/>
+              </a:ext>
+            </a:extLst>
+          </p:cNvPr>
+          <p:cNvSpPr/>
+          <p:nvPr/>
+        </p:nvSpPr>
+        <p:spPr>
+          <a:xfrm>
+            <a:off x="554266" y="4825657"/>
+            <a:ext cx="3645550" cy="1077218"/>
+          </a:xfrm>
+          <a:prstGeom prst="rect">
+            <a:avLst/>
+          </a:prstGeom>
+        </p:spPr>
+        <p:txBody>
+          <a:bodyPr wrap="none">
+            <a:spAutoFit/>
+          </a:bodyPr>
+          <a:lstStyle/>
+          <a:p>
+            <a:r>
+              <a:rPr lang="en-US" sz="6400" b="1" dirty="0">
+                <a:solidFill>
+                  <a:schemeClr val="bg1">
+                    <a:alpha val="10000"/>
+                  </a:schemeClr>
+                </a:solidFill>
+              </a:rPr>
+              <a:t>Scalability</a:t>
+            </a:r>
+          </a:p>
+        </p:txBody>
+      </p:sp>
+      <p:sp>
+        <p:nvSpPr>
+          <p:cNvPr id="11" name="Rectangle 10">
+            <a:extLst>
+              <a:ext uri="{FF2B5EF4-FFF2-40B4-BE49-F238E27FC236}">
+                <a16:creationId xmlns:a16="http://schemas.microsoft.com/office/drawing/2014/main" id="{A6CB8275-6707-6444-9F1C-8FB8D057EB74}"/>
+              </a:ext>
+            </a:extLst>
+          </p:cNvPr>
+          <p:cNvSpPr/>
+          <p:nvPr/>
+        </p:nvSpPr>
+        <p:spPr>
+          <a:xfrm>
+            <a:off x="5490497" y="2570952"/>
+            <a:ext cx="2938625" cy="1077218"/>
+          </a:xfrm>
+          <a:prstGeom prst="rect">
+            <a:avLst/>
+          </a:prstGeom>
+        </p:spPr>
+        <p:txBody>
+          <a:bodyPr wrap="none">
+            <a:spAutoFit/>
+          </a:bodyPr>
+          <a:lstStyle/>
+          <a:p>
+            <a:r>
+              <a:rPr lang="en-US" sz="6400" b="1" dirty="0">
+                <a:solidFill>
+                  <a:schemeClr val="bg1">
+                    <a:alpha val="10000"/>
+                  </a:schemeClr>
+                </a:solidFill>
+              </a:rPr>
+              <a:t>Security</a:t>
+            </a:r>
+          </a:p>
+        </p:txBody>
+      </p:sp>
+      <p:sp>
+        <p:nvSpPr>
+          <p:cNvPr id="12" name="Rectangle 11">
+            <a:extLst>
+              <a:ext uri="{FF2B5EF4-FFF2-40B4-BE49-F238E27FC236}">
+                <a16:creationId xmlns:a16="http://schemas.microsoft.com/office/drawing/2014/main" id="{CB3099AA-8639-BE4A-8B15-EBF06F9C8367}"/>
+              </a:ext>
+            </a:extLst>
+          </p:cNvPr>
+          <p:cNvSpPr/>
+          <p:nvPr/>
+        </p:nvSpPr>
+        <p:spPr>
+          <a:xfrm>
+            <a:off x="5004945" y="5242173"/>
+            <a:ext cx="4565673" cy="1077218"/>
+          </a:xfrm>
+          <a:prstGeom prst="rect">
+            <a:avLst/>
+          </a:prstGeom>
+        </p:spPr>
+        <p:txBody>
+          <a:bodyPr wrap="none">
+            <a:spAutoFit/>
+          </a:bodyPr>
+          <a:lstStyle/>
+          <a:p>
+            <a:r>
+              <a:rPr lang="en-US" sz="6400" b="1" dirty="0">
+                <a:solidFill>
+                  <a:schemeClr val="bg1"/>
+                </a:solidFill>
+              </a:rPr>
+              <a:t>Performance</a:t>
+            </a:r>
+          </a:p>
+        </p:txBody>
+      </p:sp>
+    </p:spTree>
+    <p:extLst>
+      <p:ext uri="{BB962C8B-B14F-4D97-AF65-F5344CB8AC3E}">
+        <p14:creationId xmlns:p14="http://schemas.microsoft.com/office/powerpoint/2010/main" val="2691747215"/>
+      </p:ext>
+    </p:extLst>
+  </p:cSld>
+  <p:clrMapOvr>
+    <a:masterClrMapping/>
+  </p:clrMapOvr>
+</p:sld>
+</file>
+
+<file path=ppt/slides/slide78.xml><?xml version="1.0" encoding="utf-8"?>
+<p:sld xmlns:a="http://schemas.openxmlformats.org/drawingml/2006/main" xmlns:r="http://schemas.openxmlformats.org/officeDocument/2006/relationships" xmlns:p="http://schemas.openxmlformats.org/presentationml/2006/main">
+  <p:cSld>
+    <p:spTree>
+      <p:nvGrpSpPr>
+        <p:cNvPr id="1" name=""/>
+        <p:cNvGrpSpPr/>
+        <p:nvPr/>
+      </p:nvGrpSpPr>
+      <p:grpSpPr>
+        <a:xfrm>
+          <a:off x="0" y="0"/>
+          <a:ext cx="0" cy="0"/>
+          <a:chOff x="0" y="0"/>
+          <a:chExt cx="0" cy="0"/>
+        </a:xfrm>
+      </p:grpSpPr>
+      <p:sp>
+        <p:nvSpPr>
+          <p:cNvPr id="5" name="Rectangle 4">
+            <a:extLst>
+              <a:ext uri="{FF2B5EF4-FFF2-40B4-BE49-F238E27FC236}">
+                <a16:creationId xmlns:a16="http://schemas.microsoft.com/office/drawing/2014/main" id="{25B0E07D-4C45-0640-99D1-FC5447FFF14E}"/>
+              </a:ext>
+            </a:extLst>
+          </p:cNvPr>
+          <p:cNvSpPr/>
+          <p:nvPr/>
+        </p:nvSpPr>
+        <p:spPr>
+          <a:xfrm>
+            <a:off x="0" y="0"/>
+            <a:ext cx="12192000" cy="6858000"/>
+          </a:xfrm>
+          <a:prstGeom prst="rect">
+            <a:avLst/>
+          </a:prstGeom>
+          <a:solidFill>
+            <a:schemeClr val="accent5"/>
+          </a:solidFill>
+          <a:ln>
+            <a:noFill/>
+          </a:ln>
+        </p:spPr>
+        <p:style>
+          <a:lnRef idx="2">
+            <a:schemeClr val="accent1">
+              <a:shade val="50000"/>
+            </a:schemeClr>
+          </a:lnRef>
+          <a:fillRef idx="1">
+            <a:schemeClr val="accent1"/>
+          </a:fillRef>
+          <a:effectRef idx="0">
+            <a:schemeClr val="accent1"/>
+          </a:effectRef>
+          <a:fontRef idx="minor">
+            <a:schemeClr val="lt1"/>
+          </a:fontRef>
+        </p:style>
+        <p:txBody>
+          <a:bodyPr rtlCol="0" anchor="ctr"/>
+          <a:lstStyle/>
+          <a:p>
+            <a:pPr algn="ctr"/>
+            <a:endParaRPr lang="en-US" dirty="0"/>
+          </a:p>
+        </p:txBody>
+      </p:sp>
+      <p:sp>
+        <p:nvSpPr>
+          <p:cNvPr id="6" name="Rectangle 5">
+            <a:extLst>
+              <a:ext uri="{FF2B5EF4-FFF2-40B4-BE49-F238E27FC236}">
+                <a16:creationId xmlns:a16="http://schemas.microsoft.com/office/drawing/2014/main" id="{C8B8593E-31AC-FA49-BB23-068E5A77DF88}"/>
+              </a:ext>
+            </a:extLst>
+          </p:cNvPr>
+          <p:cNvSpPr/>
+          <p:nvPr/>
+        </p:nvSpPr>
+        <p:spPr>
+          <a:xfrm>
+            <a:off x="3576405" y="0"/>
+            <a:ext cx="5267789" cy="1077218"/>
+          </a:xfrm>
+          <a:prstGeom prst="rect">
+            <a:avLst/>
+          </a:prstGeom>
+        </p:spPr>
+        <p:txBody>
+          <a:bodyPr wrap="none">
+            <a:spAutoFit/>
+          </a:bodyPr>
+          <a:lstStyle/>
+          <a:p>
+            <a:r>
+              <a:rPr lang="en-US" sz="6400" b="1" dirty="0">
+                <a:solidFill>
+                  <a:schemeClr val="bg1">
+                    <a:alpha val="30000"/>
+                  </a:schemeClr>
+                </a:solidFill>
+              </a:rPr>
+              <a:t>Type of Testing</a:t>
+            </a:r>
+          </a:p>
+        </p:txBody>
+      </p:sp>
+      <p:sp>
+        <p:nvSpPr>
+          <p:cNvPr id="4" name="Rectangle 3">
+            <a:extLst>
+              <a:ext uri="{FF2B5EF4-FFF2-40B4-BE49-F238E27FC236}">
+                <a16:creationId xmlns:a16="http://schemas.microsoft.com/office/drawing/2014/main" id="{5AAF5DCA-CD4E-084F-B7BA-5A2988BC4708}"/>
+              </a:ext>
+            </a:extLst>
+          </p:cNvPr>
+          <p:cNvSpPr/>
+          <p:nvPr/>
+        </p:nvSpPr>
+        <p:spPr>
+          <a:xfrm>
+            <a:off x="988333" y="1759748"/>
+            <a:ext cx="4016612" cy="1077218"/>
+          </a:xfrm>
+          <a:prstGeom prst="rect">
+            <a:avLst/>
+          </a:prstGeom>
+        </p:spPr>
+        <p:txBody>
+          <a:bodyPr wrap="none">
+            <a:spAutoFit/>
+          </a:bodyPr>
+          <a:lstStyle/>
+          <a:p>
+            <a:r>
+              <a:rPr lang="en-US" sz="6400" b="1" dirty="0">
+                <a:solidFill>
+                  <a:schemeClr val="bg1">
+                    <a:alpha val="10000"/>
+                  </a:schemeClr>
+                </a:solidFill>
+              </a:rPr>
+              <a:t>Installation</a:t>
+            </a:r>
+          </a:p>
+        </p:txBody>
+      </p:sp>
+      <p:sp>
+        <p:nvSpPr>
+          <p:cNvPr id="7" name="Rectangle 6">
+            <a:extLst>
+              <a:ext uri="{FF2B5EF4-FFF2-40B4-BE49-F238E27FC236}">
+                <a16:creationId xmlns:a16="http://schemas.microsoft.com/office/drawing/2014/main" id="{FF8663A5-6FDE-3647-AD00-D5984A3DA55C}"/>
+              </a:ext>
+            </a:extLst>
+          </p:cNvPr>
+          <p:cNvSpPr/>
+          <p:nvPr/>
+        </p:nvSpPr>
+        <p:spPr>
+          <a:xfrm>
+            <a:off x="6957333" y="4287048"/>
+            <a:ext cx="4776051" cy="1077218"/>
+          </a:xfrm>
+          <a:prstGeom prst="rect">
+            <a:avLst/>
+          </a:prstGeom>
+        </p:spPr>
+        <p:txBody>
+          <a:bodyPr wrap="none">
+            <a:spAutoFit/>
+          </a:bodyPr>
+          <a:lstStyle/>
+          <a:p>
+            <a:r>
+              <a:rPr lang="en-US" sz="6400" b="1" dirty="0">
+                <a:solidFill>
+                  <a:schemeClr val="bg1">
+                    <a:alpha val="10000"/>
+                  </a:schemeClr>
+                </a:solidFill>
+              </a:rPr>
+              <a:t>Compatibility</a:t>
+            </a:r>
+          </a:p>
+        </p:txBody>
+      </p:sp>
+      <p:sp>
+        <p:nvSpPr>
+          <p:cNvPr id="8" name="Rectangle 7">
+            <a:extLst>
+              <a:ext uri="{FF2B5EF4-FFF2-40B4-BE49-F238E27FC236}">
+                <a16:creationId xmlns:a16="http://schemas.microsoft.com/office/drawing/2014/main" id="{C5A68F88-5C17-F545-A5CD-A627198012B0}"/>
+              </a:ext>
+            </a:extLst>
+          </p:cNvPr>
+          <p:cNvSpPr/>
+          <p:nvPr/>
+        </p:nvSpPr>
+        <p:spPr>
+          <a:xfrm>
+            <a:off x="1722666" y="3209830"/>
+            <a:ext cx="4980466" cy="1077218"/>
+          </a:xfrm>
+          <a:prstGeom prst="rect">
+            <a:avLst/>
+          </a:prstGeom>
+        </p:spPr>
+        <p:txBody>
+          <a:bodyPr wrap="none">
+            <a:spAutoFit/>
+          </a:bodyPr>
+          <a:lstStyle/>
+          <a:p>
+            <a:r>
+              <a:rPr lang="en-US" sz="6400" b="1" dirty="0">
+                <a:solidFill>
+                  <a:schemeClr val="bg1">
+                    <a:alpha val="10000"/>
+                  </a:schemeClr>
+                </a:solidFill>
+              </a:rPr>
+              <a:t>User Interface</a:t>
+            </a:r>
+          </a:p>
+        </p:txBody>
+      </p:sp>
+      <p:sp>
+        <p:nvSpPr>
+          <p:cNvPr id="9" name="Rectangle 8">
+            <a:extLst>
+              <a:ext uri="{FF2B5EF4-FFF2-40B4-BE49-F238E27FC236}">
+                <a16:creationId xmlns:a16="http://schemas.microsoft.com/office/drawing/2014/main" id="{9A6B1D78-8461-C54E-ABB1-42B38F0B4E13}"/>
+              </a:ext>
+            </a:extLst>
+          </p:cNvPr>
+          <p:cNvSpPr/>
+          <p:nvPr/>
+        </p:nvSpPr>
+        <p:spPr>
+          <a:xfrm>
+            <a:off x="6535966" y="1493734"/>
+            <a:ext cx="3174267" cy="1077218"/>
+          </a:xfrm>
+          <a:prstGeom prst="rect">
+            <a:avLst/>
+          </a:prstGeom>
+        </p:spPr>
+        <p:txBody>
+          <a:bodyPr wrap="none">
+            <a:spAutoFit/>
+          </a:bodyPr>
+          <a:lstStyle/>
+          <a:p>
+            <a:r>
+              <a:rPr lang="en-US" sz="6400" b="1" dirty="0">
+                <a:solidFill>
+                  <a:schemeClr val="bg1">
+                    <a:alpha val="10000"/>
+                  </a:schemeClr>
+                </a:solidFill>
+              </a:rPr>
+              <a:t>Usability</a:t>
+            </a:r>
+          </a:p>
+        </p:txBody>
+      </p:sp>
+      <p:sp>
+        <p:nvSpPr>
+          <p:cNvPr id="10" name="Rectangle 9">
+            <a:extLst>
+              <a:ext uri="{FF2B5EF4-FFF2-40B4-BE49-F238E27FC236}">
+                <a16:creationId xmlns:a16="http://schemas.microsoft.com/office/drawing/2014/main" id="{F0BFEE76-861A-6545-B2D1-23F88612D963}"/>
+              </a:ext>
+            </a:extLst>
+          </p:cNvPr>
+          <p:cNvSpPr/>
+          <p:nvPr/>
+        </p:nvSpPr>
+        <p:spPr>
+          <a:xfrm>
+            <a:off x="554266" y="4825657"/>
+            <a:ext cx="3645550" cy="1077218"/>
+          </a:xfrm>
+          <a:prstGeom prst="rect">
+            <a:avLst/>
+          </a:prstGeom>
+        </p:spPr>
+        <p:txBody>
+          <a:bodyPr wrap="none">
+            <a:spAutoFit/>
+          </a:bodyPr>
+          <a:lstStyle/>
+          <a:p>
+            <a:r>
+              <a:rPr lang="en-US" sz="6400" b="1" dirty="0">
+                <a:solidFill>
+                  <a:schemeClr val="bg1">
+                    <a:alpha val="10000"/>
+                  </a:schemeClr>
+                </a:solidFill>
+              </a:rPr>
+              <a:t>Scalability</a:t>
+            </a:r>
+          </a:p>
+        </p:txBody>
+      </p:sp>
+      <p:sp>
+        <p:nvSpPr>
+          <p:cNvPr id="11" name="Rectangle 10">
+            <a:extLst>
+              <a:ext uri="{FF2B5EF4-FFF2-40B4-BE49-F238E27FC236}">
+                <a16:creationId xmlns:a16="http://schemas.microsoft.com/office/drawing/2014/main" id="{A6CB8275-6707-6444-9F1C-8FB8D057EB74}"/>
+              </a:ext>
+            </a:extLst>
+          </p:cNvPr>
+          <p:cNvSpPr/>
+          <p:nvPr/>
+        </p:nvSpPr>
+        <p:spPr>
+          <a:xfrm>
+            <a:off x="5490497" y="2570952"/>
+            <a:ext cx="2938625" cy="1077218"/>
+          </a:xfrm>
+          <a:prstGeom prst="rect">
+            <a:avLst/>
+          </a:prstGeom>
+        </p:spPr>
+        <p:txBody>
+          <a:bodyPr wrap="none">
+            <a:spAutoFit/>
+          </a:bodyPr>
+          <a:lstStyle/>
+          <a:p>
+            <a:r>
+              <a:rPr lang="en-US" sz="6400" b="1" dirty="0">
+                <a:solidFill>
+                  <a:schemeClr val="bg1">
+                    <a:alpha val="10000"/>
+                  </a:schemeClr>
+                </a:solidFill>
+              </a:rPr>
+              <a:t>Security</a:t>
+            </a:r>
+          </a:p>
+        </p:txBody>
+      </p:sp>
+      <p:sp>
+        <p:nvSpPr>
+          <p:cNvPr id="12" name="Rectangle 11">
+            <a:extLst>
+              <a:ext uri="{FF2B5EF4-FFF2-40B4-BE49-F238E27FC236}">
+                <a16:creationId xmlns:a16="http://schemas.microsoft.com/office/drawing/2014/main" id="{CB3099AA-8639-BE4A-8B15-EBF06F9C8367}"/>
+              </a:ext>
+            </a:extLst>
+          </p:cNvPr>
+          <p:cNvSpPr/>
+          <p:nvPr/>
+        </p:nvSpPr>
+        <p:spPr>
+          <a:xfrm>
+            <a:off x="5004945" y="5242173"/>
+            <a:ext cx="4565673" cy="1077218"/>
+          </a:xfrm>
+          <a:prstGeom prst="rect">
+            <a:avLst/>
+          </a:prstGeom>
+        </p:spPr>
+        <p:txBody>
+          <a:bodyPr wrap="none">
+            <a:spAutoFit/>
+          </a:bodyPr>
+          <a:lstStyle/>
+          <a:p>
+            <a:r>
+              <a:rPr lang="en-US" sz="6400" b="1" dirty="0">
+                <a:solidFill>
+                  <a:schemeClr val="bg1">
+                    <a:alpha val="10000"/>
+                  </a:schemeClr>
+                </a:solidFill>
+              </a:rPr>
+              <a:t>Performance</a:t>
+            </a:r>
+          </a:p>
+        </p:txBody>
+      </p:sp>
+      <p:sp>
+        <p:nvSpPr>
+          <p:cNvPr id="13" name="Rectangle 12">
+            <a:extLst>
+              <a:ext uri="{FF2B5EF4-FFF2-40B4-BE49-F238E27FC236}">
+                <a16:creationId xmlns:a16="http://schemas.microsoft.com/office/drawing/2014/main" id="{50D69423-1FDF-034B-9278-8E9F242DDED6}"/>
+              </a:ext>
+            </a:extLst>
+          </p:cNvPr>
+          <p:cNvSpPr/>
+          <p:nvPr/>
+        </p:nvSpPr>
+        <p:spPr>
+          <a:xfrm>
+            <a:off x="6786841" y="3331923"/>
+            <a:ext cx="3956532" cy="1077218"/>
+          </a:xfrm>
+          <a:prstGeom prst="rect">
+            <a:avLst/>
+          </a:prstGeom>
+        </p:spPr>
+        <p:txBody>
+          <a:bodyPr wrap="none">
+            <a:spAutoFit/>
+          </a:bodyPr>
+          <a:lstStyle/>
+          <a:p>
+            <a:r>
+              <a:rPr lang="en-US" sz="6400" b="1" dirty="0">
+                <a:solidFill>
+                  <a:schemeClr val="bg1">
+                    <a:alpha val="99000"/>
+                  </a:schemeClr>
+                </a:solidFill>
+              </a:rPr>
+              <a:t>Integration</a:t>
+            </a:r>
+          </a:p>
+        </p:txBody>
+      </p:sp>
+    </p:spTree>
+    <p:extLst>
+      <p:ext uri="{BB962C8B-B14F-4D97-AF65-F5344CB8AC3E}">
+        <p14:creationId xmlns:p14="http://schemas.microsoft.com/office/powerpoint/2010/main" val="2068746581"/>
+      </p:ext>
+    </p:extLst>
+  </p:cSld>
+  <p:clrMapOvr>
+    <a:masterClrMapping/>
+  </p:clrMapOvr>
+</p:sld>
+</file>
+
+<file path=ppt/slides/slide79.xml><?xml version="1.0" encoding="utf-8"?>
+<p:sld xmlns:a="http://schemas.openxmlformats.org/drawingml/2006/main" xmlns:r="http://schemas.openxmlformats.org/officeDocument/2006/relationships" xmlns:p="http://schemas.openxmlformats.org/presentationml/2006/main">
+  <p:cSld>
+    <p:spTree>
+      <p:nvGrpSpPr>
+        <p:cNvPr id="1" name=""/>
+        <p:cNvGrpSpPr/>
+        <p:nvPr/>
+      </p:nvGrpSpPr>
+      <p:grpSpPr>
+        <a:xfrm>
+          <a:off x="0" y="0"/>
+          <a:ext cx="0" cy="0"/>
+          <a:chOff x="0" y="0"/>
+          <a:chExt cx="0" cy="0"/>
+        </a:xfrm>
+      </p:grpSpPr>
+      <p:sp>
+        <p:nvSpPr>
+          <p:cNvPr id="5" name="Rectangle 4">
+            <a:extLst>
+              <a:ext uri="{FF2B5EF4-FFF2-40B4-BE49-F238E27FC236}">
+                <a16:creationId xmlns:a16="http://schemas.microsoft.com/office/drawing/2014/main" id="{25B0E07D-4C45-0640-99D1-FC5447FFF14E}"/>
+              </a:ext>
+            </a:extLst>
+          </p:cNvPr>
+          <p:cNvSpPr/>
+          <p:nvPr/>
+        </p:nvSpPr>
+        <p:spPr>
+          <a:xfrm>
+            <a:off x="0" y="0"/>
+            <a:ext cx="12192000" cy="6858000"/>
+          </a:xfrm>
+          <a:prstGeom prst="rect">
+            <a:avLst/>
+          </a:prstGeom>
+          <a:solidFill>
+            <a:schemeClr val="accent5"/>
+          </a:solidFill>
+          <a:ln>
+            <a:noFill/>
+          </a:ln>
+        </p:spPr>
+        <p:style>
+          <a:lnRef idx="2">
+            <a:schemeClr val="accent1">
+              <a:shade val="50000"/>
+            </a:schemeClr>
+          </a:lnRef>
+          <a:fillRef idx="1">
+            <a:schemeClr val="accent1"/>
+          </a:fillRef>
+          <a:effectRef idx="0">
+            <a:schemeClr val="accent1"/>
+          </a:effectRef>
+          <a:fontRef idx="minor">
+            <a:schemeClr val="lt1"/>
+          </a:fontRef>
+        </p:style>
+        <p:txBody>
+          <a:bodyPr rtlCol="0" anchor="ctr"/>
+          <a:lstStyle/>
+          <a:p>
+            <a:pPr algn="ctr"/>
+            <a:endParaRPr lang="en-US" dirty="0"/>
+          </a:p>
+        </p:txBody>
+      </p:sp>
+      <p:sp>
+        <p:nvSpPr>
+          <p:cNvPr id="6" name="Rectangle 5">
+            <a:extLst>
+              <a:ext uri="{FF2B5EF4-FFF2-40B4-BE49-F238E27FC236}">
+                <a16:creationId xmlns:a16="http://schemas.microsoft.com/office/drawing/2014/main" id="{C8B8593E-31AC-FA49-BB23-068E5A77DF88}"/>
+              </a:ext>
+            </a:extLst>
+          </p:cNvPr>
+          <p:cNvSpPr/>
+          <p:nvPr/>
+        </p:nvSpPr>
+        <p:spPr>
+          <a:xfrm>
+            <a:off x="3576405" y="0"/>
+            <a:ext cx="5267789" cy="1077218"/>
+          </a:xfrm>
+          <a:prstGeom prst="rect">
+            <a:avLst/>
+          </a:prstGeom>
+        </p:spPr>
+        <p:txBody>
+          <a:bodyPr wrap="none">
+            <a:spAutoFit/>
+          </a:bodyPr>
+          <a:lstStyle/>
+          <a:p>
+            <a:r>
+              <a:rPr lang="en-US" sz="6400" b="1" dirty="0">
+                <a:solidFill>
+                  <a:schemeClr val="bg1">
+                    <a:alpha val="30000"/>
+                  </a:schemeClr>
+                </a:solidFill>
+              </a:rPr>
+              <a:t>Type of Testing</a:t>
+            </a:r>
+          </a:p>
+        </p:txBody>
+      </p:sp>
+      <p:sp>
+        <p:nvSpPr>
+          <p:cNvPr id="4" name="Rectangle 3">
+            <a:extLst>
+              <a:ext uri="{FF2B5EF4-FFF2-40B4-BE49-F238E27FC236}">
+                <a16:creationId xmlns:a16="http://schemas.microsoft.com/office/drawing/2014/main" id="{5AAF5DCA-CD4E-084F-B7BA-5A2988BC4708}"/>
+              </a:ext>
+            </a:extLst>
+          </p:cNvPr>
+          <p:cNvSpPr/>
+          <p:nvPr/>
+        </p:nvSpPr>
+        <p:spPr>
+          <a:xfrm>
+            <a:off x="988333" y="1759748"/>
+            <a:ext cx="4016612" cy="1077218"/>
+          </a:xfrm>
+          <a:prstGeom prst="rect">
+            <a:avLst/>
+          </a:prstGeom>
+        </p:spPr>
+        <p:txBody>
+          <a:bodyPr wrap="none">
+            <a:spAutoFit/>
+          </a:bodyPr>
+          <a:lstStyle/>
+          <a:p>
+            <a:r>
+              <a:rPr lang="en-US" sz="6400" b="1" dirty="0">
+                <a:solidFill>
+                  <a:schemeClr val="bg1">
+                    <a:alpha val="10000"/>
+                  </a:schemeClr>
+                </a:solidFill>
+              </a:rPr>
+              <a:t>Installation</a:t>
+            </a:r>
+          </a:p>
+        </p:txBody>
+      </p:sp>
+      <p:sp>
+        <p:nvSpPr>
+          <p:cNvPr id="7" name="Rectangle 6">
+            <a:extLst>
+              <a:ext uri="{FF2B5EF4-FFF2-40B4-BE49-F238E27FC236}">
+                <a16:creationId xmlns:a16="http://schemas.microsoft.com/office/drawing/2014/main" id="{FF8663A5-6FDE-3647-AD00-D5984A3DA55C}"/>
+              </a:ext>
+            </a:extLst>
+          </p:cNvPr>
+          <p:cNvSpPr/>
+          <p:nvPr/>
+        </p:nvSpPr>
+        <p:spPr>
+          <a:xfrm>
+            <a:off x="6957333" y="4287048"/>
+            <a:ext cx="4776051" cy="1077218"/>
+          </a:xfrm>
+          <a:prstGeom prst="rect">
+            <a:avLst/>
+          </a:prstGeom>
+        </p:spPr>
+        <p:txBody>
+          <a:bodyPr wrap="none">
+            <a:spAutoFit/>
+          </a:bodyPr>
+          <a:lstStyle/>
+          <a:p>
+            <a:r>
+              <a:rPr lang="en-US" sz="6400" b="1" dirty="0">
+                <a:solidFill>
+                  <a:schemeClr val="bg1">
+                    <a:alpha val="10000"/>
+                  </a:schemeClr>
+                </a:solidFill>
+              </a:rPr>
+              <a:t>Compatibility</a:t>
+            </a:r>
+          </a:p>
+        </p:txBody>
+      </p:sp>
+      <p:sp>
+        <p:nvSpPr>
+          <p:cNvPr id="8" name="Rectangle 7">
+            <a:extLst>
+              <a:ext uri="{FF2B5EF4-FFF2-40B4-BE49-F238E27FC236}">
+                <a16:creationId xmlns:a16="http://schemas.microsoft.com/office/drawing/2014/main" id="{C5A68F88-5C17-F545-A5CD-A627198012B0}"/>
+              </a:ext>
+            </a:extLst>
+          </p:cNvPr>
+          <p:cNvSpPr/>
+          <p:nvPr/>
+        </p:nvSpPr>
+        <p:spPr>
+          <a:xfrm>
+            <a:off x="1722666" y="3209830"/>
+            <a:ext cx="4980466" cy="1077218"/>
+          </a:xfrm>
+          <a:prstGeom prst="rect">
+            <a:avLst/>
+          </a:prstGeom>
+        </p:spPr>
+        <p:txBody>
+          <a:bodyPr wrap="none">
+            <a:spAutoFit/>
+          </a:bodyPr>
+          <a:lstStyle/>
+          <a:p>
+            <a:r>
+              <a:rPr lang="en-US" sz="6400" b="1" dirty="0">
+                <a:solidFill>
+                  <a:schemeClr val="bg1">
+                    <a:alpha val="10000"/>
+                  </a:schemeClr>
+                </a:solidFill>
+              </a:rPr>
+              <a:t>User Interface</a:t>
+            </a:r>
+          </a:p>
+        </p:txBody>
+      </p:sp>
+      <p:sp>
+        <p:nvSpPr>
+          <p:cNvPr id="9" name="Rectangle 8">
+            <a:extLst>
+              <a:ext uri="{FF2B5EF4-FFF2-40B4-BE49-F238E27FC236}">
+                <a16:creationId xmlns:a16="http://schemas.microsoft.com/office/drawing/2014/main" id="{9A6B1D78-8461-C54E-ABB1-42B38F0B4E13}"/>
+              </a:ext>
+            </a:extLst>
+          </p:cNvPr>
+          <p:cNvSpPr/>
+          <p:nvPr/>
+        </p:nvSpPr>
+        <p:spPr>
+          <a:xfrm>
+            <a:off x="6535966" y="1493734"/>
+            <a:ext cx="3174267" cy="1077218"/>
+          </a:xfrm>
+          <a:prstGeom prst="rect">
+            <a:avLst/>
+          </a:prstGeom>
+        </p:spPr>
+        <p:txBody>
+          <a:bodyPr wrap="none">
+            <a:spAutoFit/>
+          </a:bodyPr>
+          <a:lstStyle/>
+          <a:p>
+            <a:r>
+              <a:rPr lang="en-US" sz="6400" b="1" dirty="0">
+                <a:solidFill>
+                  <a:schemeClr val="bg1">
+                    <a:alpha val="10000"/>
+                  </a:schemeClr>
+                </a:solidFill>
+              </a:rPr>
+              <a:t>Usability</a:t>
+            </a:r>
+          </a:p>
+        </p:txBody>
+      </p:sp>
+      <p:sp>
+        <p:nvSpPr>
+          <p:cNvPr id="10" name="Rectangle 9">
+            <a:extLst>
+              <a:ext uri="{FF2B5EF4-FFF2-40B4-BE49-F238E27FC236}">
+                <a16:creationId xmlns:a16="http://schemas.microsoft.com/office/drawing/2014/main" id="{F0BFEE76-861A-6545-B2D1-23F88612D963}"/>
+              </a:ext>
+            </a:extLst>
+          </p:cNvPr>
+          <p:cNvSpPr/>
+          <p:nvPr/>
+        </p:nvSpPr>
+        <p:spPr>
+          <a:xfrm>
+            <a:off x="554266" y="4825657"/>
+            <a:ext cx="3645550" cy="1077218"/>
+          </a:xfrm>
+          <a:prstGeom prst="rect">
+            <a:avLst/>
+          </a:prstGeom>
+        </p:spPr>
+        <p:txBody>
+          <a:bodyPr wrap="none">
+            <a:spAutoFit/>
+          </a:bodyPr>
+          <a:lstStyle/>
+          <a:p>
+            <a:r>
+              <a:rPr lang="en-US" sz="6400" b="1" dirty="0">
+                <a:solidFill>
+                  <a:schemeClr val="bg1">
+                    <a:alpha val="10000"/>
+                  </a:schemeClr>
+                </a:solidFill>
+              </a:rPr>
+              <a:t>Scalability</a:t>
+            </a:r>
+          </a:p>
+        </p:txBody>
+      </p:sp>
+      <p:sp>
+        <p:nvSpPr>
+          <p:cNvPr id="11" name="Rectangle 10">
+            <a:extLst>
+              <a:ext uri="{FF2B5EF4-FFF2-40B4-BE49-F238E27FC236}">
+                <a16:creationId xmlns:a16="http://schemas.microsoft.com/office/drawing/2014/main" id="{A6CB8275-6707-6444-9F1C-8FB8D057EB74}"/>
+              </a:ext>
+            </a:extLst>
+          </p:cNvPr>
+          <p:cNvSpPr/>
+          <p:nvPr/>
+        </p:nvSpPr>
+        <p:spPr>
+          <a:xfrm>
+            <a:off x="5490497" y="2570952"/>
+            <a:ext cx="2938625" cy="1077218"/>
+          </a:xfrm>
+          <a:prstGeom prst="rect">
+            <a:avLst/>
+          </a:prstGeom>
+        </p:spPr>
+        <p:txBody>
+          <a:bodyPr wrap="none">
+            <a:spAutoFit/>
+          </a:bodyPr>
+          <a:lstStyle/>
+          <a:p>
+            <a:r>
+              <a:rPr lang="en-US" sz="6400" b="1" dirty="0">
+                <a:solidFill>
+                  <a:schemeClr val="bg1">
+                    <a:alpha val="10000"/>
+                  </a:schemeClr>
+                </a:solidFill>
+              </a:rPr>
+              <a:t>Security</a:t>
+            </a:r>
+          </a:p>
+        </p:txBody>
+      </p:sp>
+      <p:sp>
+        <p:nvSpPr>
+          <p:cNvPr id="12" name="Rectangle 11">
+            <a:extLst>
+              <a:ext uri="{FF2B5EF4-FFF2-40B4-BE49-F238E27FC236}">
+                <a16:creationId xmlns:a16="http://schemas.microsoft.com/office/drawing/2014/main" id="{CB3099AA-8639-BE4A-8B15-EBF06F9C8367}"/>
+              </a:ext>
+            </a:extLst>
+          </p:cNvPr>
+          <p:cNvSpPr/>
+          <p:nvPr/>
+        </p:nvSpPr>
+        <p:spPr>
+          <a:xfrm>
+            <a:off x="5004945" y="5242173"/>
+            <a:ext cx="4565673" cy="1077218"/>
+          </a:xfrm>
+          <a:prstGeom prst="rect">
+            <a:avLst/>
+          </a:prstGeom>
+        </p:spPr>
+        <p:txBody>
+          <a:bodyPr wrap="none">
+            <a:spAutoFit/>
+          </a:bodyPr>
+          <a:lstStyle/>
+          <a:p>
+            <a:r>
+              <a:rPr lang="en-US" sz="6400" b="1" dirty="0">
+                <a:solidFill>
+                  <a:schemeClr val="bg1">
+                    <a:alpha val="10000"/>
+                  </a:schemeClr>
+                </a:solidFill>
+              </a:rPr>
+              <a:t>Performance</a:t>
+            </a:r>
+          </a:p>
+        </p:txBody>
+      </p:sp>
+      <p:sp>
+        <p:nvSpPr>
+          <p:cNvPr id="13" name="Rectangle 12">
+            <a:extLst>
+              <a:ext uri="{FF2B5EF4-FFF2-40B4-BE49-F238E27FC236}">
+                <a16:creationId xmlns:a16="http://schemas.microsoft.com/office/drawing/2014/main" id="{50D69423-1FDF-034B-9278-8E9F242DDED6}"/>
+              </a:ext>
+            </a:extLst>
+          </p:cNvPr>
+          <p:cNvSpPr/>
+          <p:nvPr/>
+        </p:nvSpPr>
+        <p:spPr>
+          <a:xfrm>
+            <a:off x="6786841" y="3331923"/>
+            <a:ext cx="3956532" cy="1077218"/>
+          </a:xfrm>
+          <a:prstGeom prst="rect">
+            <a:avLst/>
+          </a:prstGeom>
+        </p:spPr>
+        <p:txBody>
+          <a:bodyPr wrap="none">
+            <a:spAutoFit/>
+          </a:bodyPr>
+          <a:lstStyle/>
+          <a:p>
+            <a:r>
+              <a:rPr lang="en-US" sz="6400" b="1" dirty="0">
+                <a:solidFill>
+                  <a:schemeClr val="bg1">
+                    <a:alpha val="10000"/>
+                  </a:schemeClr>
+                </a:solidFill>
+              </a:rPr>
+              <a:t>Integration</a:t>
+            </a:r>
+          </a:p>
+        </p:txBody>
+      </p:sp>
+      <p:sp>
+        <p:nvSpPr>
+          <p:cNvPr id="14" name="Rectangle 13">
+            <a:extLst>
+              <a:ext uri="{FF2B5EF4-FFF2-40B4-BE49-F238E27FC236}">
+                <a16:creationId xmlns:a16="http://schemas.microsoft.com/office/drawing/2014/main" id="{293E53CE-AB0E-C746-9BB2-EF123053D7AC}"/>
+              </a:ext>
+            </a:extLst>
+          </p:cNvPr>
+          <p:cNvSpPr/>
+          <p:nvPr/>
+        </p:nvSpPr>
+        <p:spPr>
+          <a:xfrm>
+            <a:off x="2024607" y="3956697"/>
+            <a:ext cx="4182940" cy="1077218"/>
+          </a:xfrm>
+          <a:prstGeom prst="rect">
+            <a:avLst/>
+          </a:prstGeom>
+        </p:spPr>
+        <p:txBody>
+          <a:bodyPr wrap="none">
+            <a:spAutoFit/>
+          </a:bodyPr>
+          <a:lstStyle/>
+          <a:p>
+            <a:r>
+              <a:rPr lang="en-US" sz="6400" b="1" dirty="0">
+                <a:solidFill>
+                  <a:schemeClr val="bg1">
+                    <a:alpha val="99000"/>
+                  </a:schemeClr>
+                </a:solidFill>
+              </a:rPr>
+              <a:t>Component</a:t>
+            </a:r>
+          </a:p>
+        </p:txBody>
+      </p:sp>
+    </p:spTree>
+    <p:extLst>
+      <p:ext uri="{BB962C8B-B14F-4D97-AF65-F5344CB8AC3E}">
+        <p14:creationId xmlns:p14="http://schemas.microsoft.com/office/powerpoint/2010/main" val="2503197142"/>
+      </p:ext>
+    </p:extLst>
+  </p:cSld>
+  <p:clrMapOvr>
+    <a:masterClrMapping/>
+  </p:clrMapOvr>
+</p:sld>
+</file>
+
 <file path=ppt/slides/slide8.xml><?xml version="1.0" encoding="utf-8"?>
 <p:sld xmlns:a="http://schemas.openxmlformats.org/drawingml/2006/main" xmlns:r="http://schemas.openxmlformats.org/officeDocument/2006/relationships" xmlns:p="http://schemas.openxmlformats.org/presentationml/2006/main">
   <p:cSld>
@@ -24650,6 +29394,2910 @@
     <p:extLst>
       <p:ext uri="{BB962C8B-B14F-4D97-AF65-F5344CB8AC3E}">
         <p14:creationId xmlns:p14="http://schemas.microsoft.com/office/powerpoint/2010/main" val="1072016987"/>
+      </p:ext>
+    </p:extLst>
+  </p:cSld>
+  <p:clrMapOvr>
+    <a:masterClrMapping/>
+  </p:clrMapOvr>
+</p:sld>
+</file>
+
+<file path=ppt/slides/slide80.xml><?xml version="1.0" encoding="utf-8"?>
+<p:sld xmlns:a="http://schemas.openxmlformats.org/drawingml/2006/main" xmlns:r="http://schemas.openxmlformats.org/officeDocument/2006/relationships" xmlns:p="http://schemas.openxmlformats.org/presentationml/2006/main">
+  <p:cSld>
+    <p:spTree>
+      <p:nvGrpSpPr>
+        <p:cNvPr id="1" name=""/>
+        <p:cNvGrpSpPr/>
+        <p:nvPr/>
+      </p:nvGrpSpPr>
+      <p:grpSpPr>
+        <a:xfrm>
+          <a:off x="0" y="0"/>
+          <a:ext cx="0" cy="0"/>
+          <a:chOff x="0" y="0"/>
+          <a:chExt cx="0" cy="0"/>
+        </a:xfrm>
+      </p:grpSpPr>
+      <p:sp>
+        <p:nvSpPr>
+          <p:cNvPr id="5" name="Rectangle 4">
+            <a:extLst>
+              <a:ext uri="{FF2B5EF4-FFF2-40B4-BE49-F238E27FC236}">
+                <a16:creationId xmlns:a16="http://schemas.microsoft.com/office/drawing/2014/main" id="{25B0E07D-4C45-0640-99D1-FC5447FFF14E}"/>
+              </a:ext>
+            </a:extLst>
+          </p:cNvPr>
+          <p:cNvSpPr/>
+          <p:nvPr/>
+        </p:nvSpPr>
+        <p:spPr>
+          <a:xfrm>
+            <a:off x="0" y="0"/>
+            <a:ext cx="12192000" cy="6858000"/>
+          </a:xfrm>
+          <a:prstGeom prst="rect">
+            <a:avLst/>
+          </a:prstGeom>
+          <a:solidFill>
+            <a:schemeClr val="accent5"/>
+          </a:solidFill>
+          <a:ln>
+            <a:noFill/>
+          </a:ln>
+        </p:spPr>
+        <p:style>
+          <a:lnRef idx="2">
+            <a:schemeClr val="accent1">
+              <a:shade val="50000"/>
+            </a:schemeClr>
+          </a:lnRef>
+          <a:fillRef idx="1">
+            <a:schemeClr val="accent1"/>
+          </a:fillRef>
+          <a:effectRef idx="0">
+            <a:schemeClr val="accent1"/>
+          </a:effectRef>
+          <a:fontRef idx="minor">
+            <a:schemeClr val="lt1"/>
+          </a:fontRef>
+        </p:style>
+        <p:txBody>
+          <a:bodyPr rtlCol="0" anchor="ctr"/>
+          <a:lstStyle/>
+          <a:p>
+            <a:pPr algn="ctr"/>
+            <a:endParaRPr lang="en-US" dirty="0"/>
+          </a:p>
+        </p:txBody>
+      </p:sp>
+      <p:sp>
+        <p:nvSpPr>
+          <p:cNvPr id="6" name="Rectangle 5">
+            <a:extLst>
+              <a:ext uri="{FF2B5EF4-FFF2-40B4-BE49-F238E27FC236}">
+                <a16:creationId xmlns:a16="http://schemas.microsoft.com/office/drawing/2014/main" id="{C8B8593E-31AC-FA49-BB23-068E5A77DF88}"/>
+              </a:ext>
+            </a:extLst>
+          </p:cNvPr>
+          <p:cNvSpPr/>
+          <p:nvPr/>
+        </p:nvSpPr>
+        <p:spPr>
+          <a:xfrm>
+            <a:off x="3576405" y="0"/>
+            <a:ext cx="5267789" cy="1077218"/>
+          </a:xfrm>
+          <a:prstGeom prst="rect">
+            <a:avLst/>
+          </a:prstGeom>
+        </p:spPr>
+        <p:txBody>
+          <a:bodyPr wrap="none">
+            <a:spAutoFit/>
+          </a:bodyPr>
+          <a:lstStyle/>
+          <a:p>
+            <a:r>
+              <a:rPr lang="en-US" sz="6400" b="1" dirty="0">
+                <a:solidFill>
+                  <a:schemeClr val="bg1">
+                    <a:alpha val="30000"/>
+                  </a:schemeClr>
+                </a:solidFill>
+              </a:rPr>
+              <a:t>Type of Testing</a:t>
+            </a:r>
+          </a:p>
+        </p:txBody>
+      </p:sp>
+      <p:sp>
+        <p:nvSpPr>
+          <p:cNvPr id="4" name="Rectangle 3">
+            <a:extLst>
+              <a:ext uri="{FF2B5EF4-FFF2-40B4-BE49-F238E27FC236}">
+                <a16:creationId xmlns:a16="http://schemas.microsoft.com/office/drawing/2014/main" id="{5AAF5DCA-CD4E-084F-B7BA-5A2988BC4708}"/>
+              </a:ext>
+            </a:extLst>
+          </p:cNvPr>
+          <p:cNvSpPr/>
+          <p:nvPr/>
+        </p:nvSpPr>
+        <p:spPr>
+          <a:xfrm>
+            <a:off x="988333" y="1759748"/>
+            <a:ext cx="4016612" cy="1077218"/>
+          </a:xfrm>
+          <a:prstGeom prst="rect">
+            <a:avLst/>
+          </a:prstGeom>
+        </p:spPr>
+        <p:txBody>
+          <a:bodyPr wrap="none">
+            <a:spAutoFit/>
+          </a:bodyPr>
+          <a:lstStyle/>
+          <a:p>
+            <a:r>
+              <a:rPr lang="en-US" sz="6400" b="1" dirty="0">
+                <a:solidFill>
+                  <a:schemeClr val="bg1">
+                    <a:alpha val="10000"/>
+                  </a:schemeClr>
+                </a:solidFill>
+              </a:rPr>
+              <a:t>Installation</a:t>
+            </a:r>
+          </a:p>
+        </p:txBody>
+      </p:sp>
+      <p:sp>
+        <p:nvSpPr>
+          <p:cNvPr id="7" name="Rectangle 6">
+            <a:extLst>
+              <a:ext uri="{FF2B5EF4-FFF2-40B4-BE49-F238E27FC236}">
+                <a16:creationId xmlns:a16="http://schemas.microsoft.com/office/drawing/2014/main" id="{FF8663A5-6FDE-3647-AD00-D5984A3DA55C}"/>
+              </a:ext>
+            </a:extLst>
+          </p:cNvPr>
+          <p:cNvSpPr/>
+          <p:nvPr/>
+        </p:nvSpPr>
+        <p:spPr>
+          <a:xfrm>
+            <a:off x="6957333" y="4287048"/>
+            <a:ext cx="4776051" cy="1077218"/>
+          </a:xfrm>
+          <a:prstGeom prst="rect">
+            <a:avLst/>
+          </a:prstGeom>
+        </p:spPr>
+        <p:txBody>
+          <a:bodyPr wrap="none">
+            <a:spAutoFit/>
+          </a:bodyPr>
+          <a:lstStyle/>
+          <a:p>
+            <a:r>
+              <a:rPr lang="en-US" sz="6400" b="1" dirty="0">
+                <a:solidFill>
+                  <a:schemeClr val="bg1">
+                    <a:alpha val="10000"/>
+                  </a:schemeClr>
+                </a:solidFill>
+              </a:rPr>
+              <a:t>Compatibility</a:t>
+            </a:r>
+          </a:p>
+        </p:txBody>
+      </p:sp>
+      <p:sp>
+        <p:nvSpPr>
+          <p:cNvPr id="8" name="Rectangle 7">
+            <a:extLst>
+              <a:ext uri="{FF2B5EF4-FFF2-40B4-BE49-F238E27FC236}">
+                <a16:creationId xmlns:a16="http://schemas.microsoft.com/office/drawing/2014/main" id="{C5A68F88-5C17-F545-A5CD-A627198012B0}"/>
+              </a:ext>
+            </a:extLst>
+          </p:cNvPr>
+          <p:cNvSpPr/>
+          <p:nvPr/>
+        </p:nvSpPr>
+        <p:spPr>
+          <a:xfrm>
+            <a:off x="1722666" y="3209830"/>
+            <a:ext cx="4980466" cy="1077218"/>
+          </a:xfrm>
+          <a:prstGeom prst="rect">
+            <a:avLst/>
+          </a:prstGeom>
+        </p:spPr>
+        <p:txBody>
+          <a:bodyPr wrap="none">
+            <a:spAutoFit/>
+          </a:bodyPr>
+          <a:lstStyle/>
+          <a:p>
+            <a:r>
+              <a:rPr lang="en-US" sz="6400" b="1" dirty="0">
+                <a:solidFill>
+                  <a:schemeClr val="bg1">
+                    <a:alpha val="10000"/>
+                  </a:schemeClr>
+                </a:solidFill>
+              </a:rPr>
+              <a:t>User Interface</a:t>
+            </a:r>
+          </a:p>
+        </p:txBody>
+      </p:sp>
+      <p:sp>
+        <p:nvSpPr>
+          <p:cNvPr id="9" name="Rectangle 8">
+            <a:extLst>
+              <a:ext uri="{FF2B5EF4-FFF2-40B4-BE49-F238E27FC236}">
+                <a16:creationId xmlns:a16="http://schemas.microsoft.com/office/drawing/2014/main" id="{9A6B1D78-8461-C54E-ABB1-42B38F0B4E13}"/>
+              </a:ext>
+            </a:extLst>
+          </p:cNvPr>
+          <p:cNvSpPr/>
+          <p:nvPr/>
+        </p:nvSpPr>
+        <p:spPr>
+          <a:xfrm>
+            <a:off x="6535966" y="1493734"/>
+            <a:ext cx="3174267" cy="1077218"/>
+          </a:xfrm>
+          <a:prstGeom prst="rect">
+            <a:avLst/>
+          </a:prstGeom>
+        </p:spPr>
+        <p:txBody>
+          <a:bodyPr wrap="none">
+            <a:spAutoFit/>
+          </a:bodyPr>
+          <a:lstStyle/>
+          <a:p>
+            <a:r>
+              <a:rPr lang="en-US" sz="6400" b="1" dirty="0">
+                <a:solidFill>
+                  <a:schemeClr val="bg1">
+                    <a:alpha val="10000"/>
+                  </a:schemeClr>
+                </a:solidFill>
+              </a:rPr>
+              <a:t>Usability</a:t>
+            </a:r>
+          </a:p>
+        </p:txBody>
+      </p:sp>
+      <p:sp>
+        <p:nvSpPr>
+          <p:cNvPr id="10" name="Rectangle 9">
+            <a:extLst>
+              <a:ext uri="{FF2B5EF4-FFF2-40B4-BE49-F238E27FC236}">
+                <a16:creationId xmlns:a16="http://schemas.microsoft.com/office/drawing/2014/main" id="{F0BFEE76-861A-6545-B2D1-23F88612D963}"/>
+              </a:ext>
+            </a:extLst>
+          </p:cNvPr>
+          <p:cNvSpPr/>
+          <p:nvPr/>
+        </p:nvSpPr>
+        <p:spPr>
+          <a:xfrm>
+            <a:off x="554266" y="4825657"/>
+            <a:ext cx="3645550" cy="1077218"/>
+          </a:xfrm>
+          <a:prstGeom prst="rect">
+            <a:avLst/>
+          </a:prstGeom>
+        </p:spPr>
+        <p:txBody>
+          <a:bodyPr wrap="none">
+            <a:spAutoFit/>
+          </a:bodyPr>
+          <a:lstStyle/>
+          <a:p>
+            <a:r>
+              <a:rPr lang="en-US" sz="6400" b="1" dirty="0">
+                <a:solidFill>
+                  <a:schemeClr val="bg1">
+                    <a:alpha val="10000"/>
+                  </a:schemeClr>
+                </a:solidFill>
+              </a:rPr>
+              <a:t>Scalability</a:t>
+            </a:r>
+          </a:p>
+        </p:txBody>
+      </p:sp>
+      <p:sp>
+        <p:nvSpPr>
+          <p:cNvPr id="11" name="Rectangle 10">
+            <a:extLst>
+              <a:ext uri="{FF2B5EF4-FFF2-40B4-BE49-F238E27FC236}">
+                <a16:creationId xmlns:a16="http://schemas.microsoft.com/office/drawing/2014/main" id="{A6CB8275-6707-6444-9F1C-8FB8D057EB74}"/>
+              </a:ext>
+            </a:extLst>
+          </p:cNvPr>
+          <p:cNvSpPr/>
+          <p:nvPr/>
+        </p:nvSpPr>
+        <p:spPr>
+          <a:xfrm>
+            <a:off x="5490497" y="2570952"/>
+            <a:ext cx="2938625" cy="1077218"/>
+          </a:xfrm>
+          <a:prstGeom prst="rect">
+            <a:avLst/>
+          </a:prstGeom>
+        </p:spPr>
+        <p:txBody>
+          <a:bodyPr wrap="none">
+            <a:spAutoFit/>
+          </a:bodyPr>
+          <a:lstStyle/>
+          <a:p>
+            <a:r>
+              <a:rPr lang="en-US" sz="6400" b="1" dirty="0">
+                <a:solidFill>
+                  <a:schemeClr val="bg1">
+                    <a:alpha val="10000"/>
+                  </a:schemeClr>
+                </a:solidFill>
+              </a:rPr>
+              <a:t>Security</a:t>
+            </a:r>
+          </a:p>
+        </p:txBody>
+      </p:sp>
+      <p:sp>
+        <p:nvSpPr>
+          <p:cNvPr id="12" name="Rectangle 11">
+            <a:extLst>
+              <a:ext uri="{FF2B5EF4-FFF2-40B4-BE49-F238E27FC236}">
+                <a16:creationId xmlns:a16="http://schemas.microsoft.com/office/drawing/2014/main" id="{CB3099AA-8639-BE4A-8B15-EBF06F9C8367}"/>
+              </a:ext>
+            </a:extLst>
+          </p:cNvPr>
+          <p:cNvSpPr/>
+          <p:nvPr/>
+        </p:nvSpPr>
+        <p:spPr>
+          <a:xfrm>
+            <a:off x="5004945" y="5242173"/>
+            <a:ext cx="4565673" cy="1077218"/>
+          </a:xfrm>
+          <a:prstGeom prst="rect">
+            <a:avLst/>
+          </a:prstGeom>
+        </p:spPr>
+        <p:txBody>
+          <a:bodyPr wrap="none">
+            <a:spAutoFit/>
+          </a:bodyPr>
+          <a:lstStyle/>
+          <a:p>
+            <a:r>
+              <a:rPr lang="en-US" sz="6400" b="1" dirty="0">
+                <a:solidFill>
+                  <a:schemeClr val="bg1">
+                    <a:alpha val="10000"/>
+                  </a:schemeClr>
+                </a:solidFill>
+              </a:rPr>
+              <a:t>Performance</a:t>
+            </a:r>
+          </a:p>
+        </p:txBody>
+      </p:sp>
+      <p:sp>
+        <p:nvSpPr>
+          <p:cNvPr id="13" name="Rectangle 12">
+            <a:extLst>
+              <a:ext uri="{FF2B5EF4-FFF2-40B4-BE49-F238E27FC236}">
+                <a16:creationId xmlns:a16="http://schemas.microsoft.com/office/drawing/2014/main" id="{50D69423-1FDF-034B-9278-8E9F242DDED6}"/>
+              </a:ext>
+            </a:extLst>
+          </p:cNvPr>
+          <p:cNvSpPr/>
+          <p:nvPr/>
+        </p:nvSpPr>
+        <p:spPr>
+          <a:xfrm>
+            <a:off x="6786841" y="3331923"/>
+            <a:ext cx="3956532" cy="1077218"/>
+          </a:xfrm>
+          <a:prstGeom prst="rect">
+            <a:avLst/>
+          </a:prstGeom>
+        </p:spPr>
+        <p:txBody>
+          <a:bodyPr wrap="none">
+            <a:spAutoFit/>
+          </a:bodyPr>
+          <a:lstStyle/>
+          <a:p>
+            <a:r>
+              <a:rPr lang="en-US" sz="6400" b="1" dirty="0">
+                <a:solidFill>
+                  <a:schemeClr val="bg1">
+                    <a:alpha val="10000"/>
+                  </a:schemeClr>
+                </a:solidFill>
+              </a:rPr>
+              <a:t>Integration</a:t>
+            </a:r>
+          </a:p>
+        </p:txBody>
+      </p:sp>
+      <p:sp>
+        <p:nvSpPr>
+          <p:cNvPr id="14" name="Rectangle 13">
+            <a:extLst>
+              <a:ext uri="{FF2B5EF4-FFF2-40B4-BE49-F238E27FC236}">
+                <a16:creationId xmlns:a16="http://schemas.microsoft.com/office/drawing/2014/main" id="{293E53CE-AB0E-C746-9BB2-EF123053D7AC}"/>
+              </a:ext>
+            </a:extLst>
+          </p:cNvPr>
+          <p:cNvSpPr/>
+          <p:nvPr/>
+        </p:nvSpPr>
+        <p:spPr>
+          <a:xfrm>
+            <a:off x="2024607" y="3956697"/>
+            <a:ext cx="4182940" cy="1077218"/>
+          </a:xfrm>
+          <a:prstGeom prst="rect">
+            <a:avLst/>
+          </a:prstGeom>
+        </p:spPr>
+        <p:txBody>
+          <a:bodyPr wrap="none">
+            <a:spAutoFit/>
+          </a:bodyPr>
+          <a:lstStyle/>
+          <a:p>
+            <a:r>
+              <a:rPr lang="en-US" sz="6400" b="1" dirty="0">
+                <a:solidFill>
+                  <a:schemeClr val="bg1">
+                    <a:alpha val="10000"/>
+                  </a:schemeClr>
+                </a:solidFill>
+              </a:rPr>
+              <a:t>Component</a:t>
+            </a:r>
+          </a:p>
+        </p:txBody>
+      </p:sp>
+      <p:sp>
+        <p:nvSpPr>
+          <p:cNvPr id="15" name="Rectangle 14">
+            <a:extLst>
+              <a:ext uri="{FF2B5EF4-FFF2-40B4-BE49-F238E27FC236}">
+                <a16:creationId xmlns:a16="http://schemas.microsoft.com/office/drawing/2014/main" id="{D0A57ACE-8397-0E4D-9842-BA2674176082}"/>
+              </a:ext>
+            </a:extLst>
+          </p:cNvPr>
+          <p:cNvSpPr/>
+          <p:nvPr/>
+        </p:nvSpPr>
+        <p:spPr>
+          <a:xfrm>
+            <a:off x="822005" y="5615607"/>
+            <a:ext cx="3871124" cy="1077218"/>
+          </a:xfrm>
+          <a:prstGeom prst="rect">
+            <a:avLst/>
+          </a:prstGeom>
+        </p:spPr>
+        <p:txBody>
+          <a:bodyPr wrap="none">
+            <a:spAutoFit/>
+          </a:bodyPr>
+          <a:lstStyle/>
+          <a:p>
+            <a:r>
+              <a:rPr lang="en-US" sz="6400" b="1" dirty="0">
+                <a:solidFill>
+                  <a:schemeClr val="bg1">
+                    <a:alpha val="99000"/>
+                  </a:schemeClr>
+                </a:solidFill>
+              </a:rPr>
+              <a:t>Regression</a:t>
+            </a:r>
+          </a:p>
+        </p:txBody>
+      </p:sp>
+    </p:spTree>
+    <p:extLst>
+      <p:ext uri="{BB962C8B-B14F-4D97-AF65-F5344CB8AC3E}">
+        <p14:creationId xmlns:p14="http://schemas.microsoft.com/office/powerpoint/2010/main" val="3722305963"/>
+      </p:ext>
+    </p:extLst>
+  </p:cSld>
+  <p:clrMapOvr>
+    <a:masterClrMapping/>
+  </p:clrMapOvr>
+</p:sld>
+</file>
+
+<file path=ppt/slides/slide81.xml><?xml version="1.0" encoding="utf-8"?>
+<p:sld xmlns:a="http://schemas.openxmlformats.org/drawingml/2006/main" xmlns:r="http://schemas.openxmlformats.org/officeDocument/2006/relationships" xmlns:p="http://schemas.openxmlformats.org/presentationml/2006/main">
+  <p:cSld>
+    <p:spTree>
+      <p:nvGrpSpPr>
+        <p:cNvPr id="1" name=""/>
+        <p:cNvGrpSpPr/>
+        <p:nvPr/>
+      </p:nvGrpSpPr>
+      <p:grpSpPr>
+        <a:xfrm>
+          <a:off x="0" y="0"/>
+          <a:ext cx="0" cy="0"/>
+          <a:chOff x="0" y="0"/>
+          <a:chExt cx="0" cy="0"/>
+        </a:xfrm>
+      </p:grpSpPr>
+      <p:sp>
+        <p:nvSpPr>
+          <p:cNvPr id="5" name="Rectangle 4">
+            <a:extLst>
+              <a:ext uri="{FF2B5EF4-FFF2-40B4-BE49-F238E27FC236}">
+                <a16:creationId xmlns:a16="http://schemas.microsoft.com/office/drawing/2014/main" id="{25B0E07D-4C45-0640-99D1-FC5447FFF14E}"/>
+              </a:ext>
+            </a:extLst>
+          </p:cNvPr>
+          <p:cNvSpPr/>
+          <p:nvPr/>
+        </p:nvSpPr>
+        <p:spPr>
+          <a:xfrm>
+            <a:off x="0" y="0"/>
+            <a:ext cx="12192000" cy="6858000"/>
+          </a:xfrm>
+          <a:prstGeom prst="rect">
+            <a:avLst/>
+          </a:prstGeom>
+          <a:solidFill>
+            <a:schemeClr val="accent5"/>
+          </a:solidFill>
+          <a:ln>
+            <a:noFill/>
+          </a:ln>
+        </p:spPr>
+        <p:style>
+          <a:lnRef idx="2">
+            <a:schemeClr val="accent1">
+              <a:shade val="50000"/>
+            </a:schemeClr>
+          </a:lnRef>
+          <a:fillRef idx="1">
+            <a:schemeClr val="accent1"/>
+          </a:fillRef>
+          <a:effectRef idx="0">
+            <a:schemeClr val="accent1"/>
+          </a:effectRef>
+          <a:fontRef idx="minor">
+            <a:schemeClr val="lt1"/>
+          </a:fontRef>
+        </p:style>
+        <p:txBody>
+          <a:bodyPr rtlCol="0" anchor="ctr"/>
+          <a:lstStyle/>
+          <a:p>
+            <a:pPr algn="ctr"/>
+            <a:endParaRPr lang="en-US" dirty="0"/>
+          </a:p>
+        </p:txBody>
+      </p:sp>
+      <p:sp>
+        <p:nvSpPr>
+          <p:cNvPr id="6" name="Rectangle 5">
+            <a:extLst>
+              <a:ext uri="{FF2B5EF4-FFF2-40B4-BE49-F238E27FC236}">
+                <a16:creationId xmlns:a16="http://schemas.microsoft.com/office/drawing/2014/main" id="{C8B8593E-31AC-FA49-BB23-068E5A77DF88}"/>
+              </a:ext>
+            </a:extLst>
+          </p:cNvPr>
+          <p:cNvSpPr/>
+          <p:nvPr/>
+        </p:nvSpPr>
+        <p:spPr>
+          <a:xfrm>
+            <a:off x="3576405" y="0"/>
+            <a:ext cx="5267789" cy="1077218"/>
+          </a:xfrm>
+          <a:prstGeom prst="rect">
+            <a:avLst/>
+          </a:prstGeom>
+        </p:spPr>
+        <p:txBody>
+          <a:bodyPr wrap="none">
+            <a:spAutoFit/>
+          </a:bodyPr>
+          <a:lstStyle/>
+          <a:p>
+            <a:r>
+              <a:rPr lang="en-US" sz="6400" b="1" dirty="0">
+                <a:solidFill>
+                  <a:schemeClr val="bg1">
+                    <a:alpha val="30000"/>
+                  </a:schemeClr>
+                </a:solidFill>
+              </a:rPr>
+              <a:t>Type of Testing</a:t>
+            </a:r>
+          </a:p>
+        </p:txBody>
+      </p:sp>
+      <p:sp>
+        <p:nvSpPr>
+          <p:cNvPr id="4" name="Rectangle 3">
+            <a:extLst>
+              <a:ext uri="{FF2B5EF4-FFF2-40B4-BE49-F238E27FC236}">
+                <a16:creationId xmlns:a16="http://schemas.microsoft.com/office/drawing/2014/main" id="{5AAF5DCA-CD4E-084F-B7BA-5A2988BC4708}"/>
+              </a:ext>
+            </a:extLst>
+          </p:cNvPr>
+          <p:cNvSpPr/>
+          <p:nvPr/>
+        </p:nvSpPr>
+        <p:spPr>
+          <a:xfrm>
+            <a:off x="988333" y="1759748"/>
+            <a:ext cx="4016612" cy="1077218"/>
+          </a:xfrm>
+          <a:prstGeom prst="rect">
+            <a:avLst/>
+          </a:prstGeom>
+        </p:spPr>
+        <p:txBody>
+          <a:bodyPr wrap="none">
+            <a:spAutoFit/>
+          </a:bodyPr>
+          <a:lstStyle/>
+          <a:p>
+            <a:r>
+              <a:rPr lang="en-US" sz="6400" b="1" dirty="0">
+                <a:solidFill>
+                  <a:schemeClr val="bg1">
+                    <a:alpha val="10000"/>
+                  </a:schemeClr>
+                </a:solidFill>
+              </a:rPr>
+              <a:t>Installation</a:t>
+            </a:r>
+          </a:p>
+        </p:txBody>
+      </p:sp>
+      <p:sp>
+        <p:nvSpPr>
+          <p:cNvPr id="7" name="Rectangle 6">
+            <a:extLst>
+              <a:ext uri="{FF2B5EF4-FFF2-40B4-BE49-F238E27FC236}">
+                <a16:creationId xmlns:a16="http://schemas.microsoft.com/office/drawing/2014/main" id="{FF8663A5-6FDE-3647-AD00-D5984A3DA55C}"/>
+              </a:ext>
+            </a:extLst>
+          </p:cNvPr>
+          <p:cNvSpPr/>
+          <p:nvPr/>
+        </p:nvSpPr>
+        <p:spPr>
+          <a:xfrm>
+            <a:off x="6957333" y="4287048"/>
+            <a:ext cx="4776051" cy="1077218"/>
+          </a:xfrm>
+          <a:prstGeom prst="rect">
+            <a:avLst/>
+          </a:prstGeom>
+        </p:spPr>
+        <p:txBody>
+          <a:bodyPr wrap="none">
+            <a:spAutoFit/>
+          </a:bodyPr>
+          <a:lstStyle/>
+          <a:p>
+            <a:r>
+              <a:rPr lang="en-US" sz="6400" b="1" dirty="0">
+                <a:solidFill>
+                  <a:schemeClr val="bg1">
+                    <a:alpha val="10000"/>
+                  </a:schemeClr>
+                </a:solidFill>
+              </a:rPr>
+              <a:t>Compatibility</a:t>
+            </a:r>
+          </a:p>
+        </p:txBody>
+      </p:sp>
+      <p:sp>
+        <p:nvSpPr>
+          <p:cNvPr id="8" name="Rectangle 7">
+            <a:extLst>
+              <a:ext uri="{FF2B5EF4-FFF2-40B4-BE49-F238E27FC236}">
+                <a16:creationId xmlns:a16="http://schemas.microsoft.com/office/drawing/2014/main" id="{C5A68F88-5C17-F545-A5CD-A627198012B0}"/>
+              </a:ext>
+            </a:extLst>
+          </p:cNvPr>
+          <p:cNvSpPr/>
+          <p:nvPr/>
+        </p:nvSpPr>
+        <p:spPr>
+          <a:xfrm>
+            <a:off x="1722666" y="3209830"/>
+            <a:ext cx="4980466" cy="1077218"/>
+          </a:xfrm>
+          <a:prstGeom prst="rect">
+            <a:avLst/>
+          </a:prstGeom>
+        </p:spPr>
+        <p:txBody>
+          <a:bodyPr wrap="none">
+            <a:spAutoFit/>
+          </a:bodyPr>
+          <a:lstStyle/>
+          <a:p>
+            <a:r>
+              <a:rPr lang="en-US" sz="6400" b="1" dirty="0">
+                <a:solidFill>
+                  <a:schemeClr val="bg1">
+                    <a:alpha val="10000"/>
+                  </a:schemeClr>
+                </a:solidFill>
+              </a:rPr>
+              <a:t>User Interface</a:t>
+            </a:r>
+          </a:p>
+        </p:txBody>
+      </p:sp>
+      <p:sp>
+        <p:nvSpPr>
+          <p:cNvPr id="9" name="Rectangle 8">
+            <a:extLst>
+              <a:ext uri="{FF2B5EF4-FFF2-40B4-BE49-F238E27FC236}">
+                <a16:creationId xmlns:a16="http://schemas.microsoft.com/office/drawing/2014/main" id="{9A6B1D78-8461-C54E-ABB1-42B38F0B4E13}"/>
+              </a:ext>
+            </a:extLst>
+          </p:cNvPr>
+          <p:cNvSpPr/>
+          <p:nvPr/>
+        </p:nvSpPr>
+        <p:spPr>
+          <a:xfrm>
+            <a:off x="6535966" y="1493734"/>
+            <a:ext cx="3174267" cy="1077218"/>
+          </a:xfrm>
+          <a:prstGeom prst="rect">
+            <a:avLst/>
+          </a:prstGeom>
+        </p:spPr>
+        <p:txBody>
+          <a:bodyPr wrap="none">
+            <a:spAutoFit/>
+          </a:bodyPr>
+          <a:lstStyle/>
+          <a:p>
+            <a:r>
+              <a:rPr lang="en-US" sz="6400" b="1" dirty="0">
+                <a:solidFill>
+                  <a:schemeClr val="bg1">
+                    <a:alpha val="10000"/>
+                  </a:schemeClr>
+                </a:solidFill>
+              </a:rPr>
+              <a:t>Usability</a:t>
+            </a:r>
+          </a:p>
+        </p:txBody>
+      </p:sp>
+      <p:sp>
+        <p:nvSpPr>
+          <p:cNvPr id="10" name="Rectangle 9">
+            <a:extLst>
+              <a:ext uri="{FF2B5EF4-FFF2-40B4-BE49-F238E27FC236}">
+                <a16:creationId xmlns:a16="http://schemas.microsoft.com/office/drawing/2014/main" id="{F0BFEE76-861A-6545-B2D1-23F88612D963}"/>
+              </a:ext>
+            </a:extLst>
+          </p:cNvPr>
+          <p:cNvSpPr/>
+          <p:nvPr/>
+        </p:nvSpPr>
+        <p:spPr>
+          <a:xfrm>
+            <a:off x="554266" y="4825657"/>
+            <a:ext cx="3645550" cy="1077218"/>
+          </a:xfrm>
+          <a:prstGeom prst="rect">
+            <a:avLst/>
+          </a:prstGeom>
+        </p:spPr>
+        <p:txBody>
+          <a:bodyPr wrap="none">
+            <a:spAutoFit/>
+          </a:bodyPr>
+          <a:lstStyle/>
+          <a:p>
+            <a:r>
+              <a:rPr lang="en-US" sz="6400" b="1" dirty="0">
+                <a:solidFill>
+                  <a:schemeClr val="bg1">
+                    <a:alpha val="10000"/>
+                  </a:schemeClr>
+                </a:solidFill>
+              </a:rPr>
+              <a:t>Scalability</a:t>
+            </a:r>
+          </a:p>
+        </p:txBody>
+      </p:sp>
+      <p:sp>
+        <p:nvSpPr>
+          <p:cNvPr id="11" name="Rectangle 10">
+            <a:extLst>
+              <a:ext uri="{FF2B5EF4-FFF2-40B4-BE49-F238E27FC236}">
+                <a16:creationId xmlns:a16="http://schemas.microsoft.com/office/drawing/2014/main" id="{A6CB8275-6707-6444-9F1C-8FB8D057EB74}"/>
+              </a:ext>
+            </a:extLst>
+          </p:cNvPr>
+          <p:cNvSpPr/>
+          <p:nvPr/>
+        </p:nvSpPr>
+        <p:spPr>
+          <a:xfrm>
+            <a:off x="5490497" y="2570952"/>
+            <a:ext cx="2938625" cy="1077218"/>
+          </a:xfrm>
+          <a:prstGeom prst="rect">
+            <a:avLst/>
+          </a:prstGeom>
+        </p:spPr>
+        <p:txBody>
+          <a:bodyPr wrap="none">
+            <a:spAutoFit/>
+          </a:bodyPr>
+          <a:lstStyle/>
+          <a:p>
+            <a:r>
+              <a:rPr lang="en-US" sz="6400" b="1" dirty="0">
+                <a:solidFill>
+                  <a:schemeClr val="bg1">
+                    <a:alpha val="10000"/>
+                  </a:schemeClr>
+                </a:solidFill>
+              </a:rPr>
+              <a:t>Security</a:t>
+            </a:r>
+          </a:p>
+        </p:txBody>
+      </p:sp>
+      <p:sp>
+        <p:nvSpPr>
+          <p:cNvPr id="12" name="Rectangle 11">
+            <a:extLst>
+              <a:ext uri="{FF2B5EF4-FFF2-40B4-BE49-F238E27FC236}">
+                <a16:creationId xmlns:a16="http://schemas.microsoft.com/office/drawing/2014/main" id="{CB3099AA-8639-BE4A-8B15-EBF06F9C8367}"/>
+              </a:ext>
+            </a:extLst>
+          </p:cNvPr>
+          <p:cNvSpPr/>
+          <p:nvPr/>
+        </p:nvSpPr>
+        <p:spPr>
+          <a:xfrm>
+            <a:off x="5004945" y="5242173"/>
+            <a:ext cx="4565673" cy="1077218"/>
+          </a:xfrm>
+          <a:prstGeom prst="rect">
+            <a:avLst/>
+          </a:prstGeom>
+        </p:spPr>
+        <p:txBody>
+          <a:bodyPr wrap="none">
+            <a:spAutoFit/>
+          </a:bodyPr>
+          <a:lstStyle/>
+          <a:p>
+            <a:r>
+              <a:rPr lang="en-US" sz="6400" b="1" dirty="0">
+                <a:solidFill>
+                  <a:schemeClr val="bg1">
+                    <a:alpha val="10000"/>
+                  </a:schemeClr>
+                </a:solidFill>
+              </a:rPr>
+              <a:t>Performance</a:t>
+            </a:r>
+          </a:p>
+        </p:txBody>
+      </p:sp>
+      <p:sp>
+        <p:nvSpPr>
+          <p:cNvPr id="13" name="Rectangle 12">
+            <a:extLst>
+              <a:ext uri="{FF2B5EF4-FFF2-40B4-BE49-F238E27FC236}">
+                <a16:creationId xmlns:a16="http://schemas.microsoft.com/office/drawing/2014/main" id="{50D69423-1FDF-034B-9278-8E9F242DDED6}"/>
+              </a:ext>
+            </a:extLst>
+          </p:cNvPr>
+          <p:cNvSpPr/>
+          <p:nvPr/>
+        </p:nvSpPr>
+        <p:spPr>
+          <a:xfrm>
+            <a:off x="6786841" y="3331923"/>
+            <a:ext cx="3956532" cy="1077218"/>
+          </a:xfrm>
+          <a:prstGeom prst="rect">
+            <a:avLst/>
+          </a:prstGeom>
+        </p:spPr>
+        <p:txBody>
+          <a:bodyPr wrap="none">
+            <a:spAutoFit/>
+          </a:bodyPr>
+          <a:lstStyle/>
+          <a:p>
+            <a:r>
+              <a:rPr lang="en-US" sz="6400" b="1" dirty="0">
+                <a:solidFill>
+                  <a:schemeClr val="bg1">
+                    <a:alpha val="10000"/>
+                  </a:schemeClr>
+                </a:solidFill>
+              </a:rPr>
+              <a:t>Integration</a:t>
+            </a:r>
+          </a:p>
+        </p:txBody>
+      </p:sp>
+      <p:sp>
+        <p:nvSpPr>
+          <p:cNvPr id="14" name="Rectangle 13">
+            <a:extLst>
+              <a:ext uri="{FF2B5EF4-FFF2-40B4-BE49-F238E27FC236}">
+                <a16:creationId xmlns:a16="http://schemas.microsoft.com/office/drawing/2014/main" id="{293E53CE-AB0E-C746-9BB2-EF123053D7AC}"/>
+              </a:ext>
+            </a:extLst>
+          </p:cNvPr>
+          <p:cNvSpPr/>
+          <p:nvPr/>
+        </p:nvSpPr>
+        <p:spPr>
+          <a:xfrm>
+            <a:off x="2024607" y="3956697"/>
+            <a:ext cx="4182940" cy="1077218"/>
+          </a:xfrm>
+          <a:prstGeom prst="rect">
+            <a:avLst/>
+          </a:prstGeom>
+        </p:spPr>
+        <p:txBody>
+          <a:bodyPr wrap="none">
+            <a:spAutoFit/>
+          </a:bodyPr>
+          <a:lstStyle/>
+          <a:p>
+            <a:r>
+              <a:rPr lang="en-US" sz="6400" b="1" dirty="0">
+                <a:solidFill>
+                  <a:schemeClr val="bg1">
+                    <a:alpha val="10000"/>
+                  </a:schemeClr>
+                </a:solidFill>
+              </a:rPr>
+              <a:t>Component</a:t>
+            </a:r>
+          </a:p>
+        </p:txBody>
+      </p:sp>
+      <p:sp>
+        <p:nvSpPr>
+          <p:cNvPr id="15" name="Rectangle 14">
+            <a:extLst>
+              <a:ext uri="{FF2B5EF4-FFF2-40B4-BE49-F238E27FC236}">
+                <a16:creationId xmlns:a16="http://schemas.microsoft.com/office/drawing/2014/main" id="{D0A57ACE-8397-0E4D-9842-BA2674176082}"/>
+              </a:ext>
+            </a:extLst>
+          </p:cNvPr>
+          <p:cNvSpPr/>
+          <p:nvPr/>
+        </p:nvSpPr>
+        <p:spPr>
+          <a:xfrm>
+            <a:off x="822005" y="5615607"/>
+            <a:ext cx="3871124" cy="1077218"/>
+          </a:xfrm>
+          <a:prstGeom prst="rect">
+            <a:avLst/>
+          </a:prstGeom>
+        </p:spPr>
+        <p:txBody>
+          <a:bodyPr wrap="none">
+            <a:spAutoFit/>
+          </a:bodyPr>
+          <a:lstStyle/>
+          <a:p>
+            <a:r>
+              <a:rPr lang="en-US" sz="6400" b="1" dirty="0">
+                <a:solidFill>
+                  <a:schemeClr val="bg1">
+                    <a:alpha val="10000"/>
+                  </a:schemeClr>
+                </a:solidFill>
+              </a:rPr>
+              <a:t>Regression</a:t>
+            </a:r>
+          </a:p>
+        </p:txBody>
+      </p:sp>
+      <p:sp>
+        <p:nvSpPr>
+          <p:cNvPr id="16" name="Rectangle 15">
+            <a:extLst>
+              <a:ext uri="{FF2B5EF4-FFF2-40B4-BE49-F238E27FC236}">
+                <a16:creationId xmlns:a16="http://schemas.microsoft.com/office/drawing/2014/main" id="{5EAD0023-A899-6242-8C49-00E48780EAB8}"/>
+              </a:ext>
+            </a:extLst>
+          </p:cNvPr>
+          <p:cNvSpPr/>
+          <p:nvPr/>
+        </p:nvSpPr>
+        <p:spPr>
+          <a:xfrm>
+            <a:off x="61254" y="2462963"/>
+            <a:ext cx="4099199" cy="1077218"/>
+          </a:xfrm>
+          <a:prstGeom prst="rect">
+            <a:avLst/>
+          </a:prstGeom>
+        </p:spPr>
+        <p:txBody>
+          <a:bodyPr wrap="none">
+            <a:spAutoFit/>
+          </a:bodyPr>
+          <a:lstStyle/>
+          <a:p>
+            <a:r>
+              <a:rPr lang="en-US" sz="6400" b="1" dirty="0">
+                <a:solidFill>
+                  <a:schemeClr val="bg1">
+                    <a:alpha val="99000"/>
+                  </a:schemeClr>
+                </a:solidFill>
+              </a:rPr>
+              <a:t>Acceptance</a:t>
+            </a:r>
+          </a:p>
+        </p:txBody>
+      </p:sp>
+    </p:spTree>
+    <p:extLst>
+      <p:ext uri="{BB962C8B-B14F-4D97-AF65-F5344CB8AC3E}">
+        <p14:creationId xmlns:p14="http://schemas.microsoft.com/office/powerpoint/2010/main" val="2373155031"/>
+      </p:ext>
+    </p:extLst>
+  </p:cSld>
+  <p:clrMapOvr>
+    <a:masterClrMapping/>
+  </p:clrMapOvr>
+</p:sld>
+</file>
+
+<file path=ppt/slides/slide82.xml><?xml version="1.0" encoding="utf-8"?>
+<p:sld xmlns:a="http://schemas.openxmlformats.org/drawingml/2006/main" xmlns:r="http://schemas.openxmlformats.org/officeDocument/2006/relationships" xmlns:p="http://schemas.openxmlformats.org/presentationml/2006/main">
+  <p:cSld>
+    <p:spTree>
+      <p:nvGrpSpPr>
+        <p:cNvPr id="1" name=""/>
+        <p:cNvGrpSpPr/>
+        <p:nvPr/>
+      </p:nvGrpSpPr>
+      <p:grpSpPr>
+        <a:xfrm>
+          <a:off x="0" y="0"/>
+          <a:ext cx="0" cy="0"/>
+          <a:chOff x="0" y="0"/>
+          <a:chExt cx="0" cy="0"/>
+        </a:xfrm>
+      </p:grpSpPr>
+      <p:sp>
+        <p:nvSpPr>
+          <p:cNvPr id="5" name="Rectangle 4">
+            <a:extLst>
+              <a:ext uri="{FF2B5EF4-FFF2-40B4-BE49-F238E27FC236}">
+                <a16:creationId xmlns:a16="http://schemas.microsoft.com/office/drawing/2014/main" id="{25B0E07D-4C45-0640-99D1-FC5447FFF14E}"/>
+              </a:ext>
+            </a:extLst>
+          </p:cNvPr>
+          <p:cNvSpPr/>
+          <p:nvPr/>
+        </p:nvSpPr>
+        <p:spPr>
+          <a:xfrm>
+            <a:off x="0" y="0"/>
+            <a:ext cx="12192000" cy="6858000"/>
+          </a:xfrm>
+          <a:prstGeom prst="rect">
+            <a:avLst/>
+          </a:prstGeom>
+          <a:solidFill>
+            <a:schemeClr val="accent5"/>
+          </a:solidFill>
+          <a:ln>
+            <a:noFill/>
+          </a:ln>
+        </p:spPr>
+        <p:style>
+          <a:lnRef idx="2">
+            <a:schemeClr val="accent1">
+              <a:shade val="50000"/>
+            </a:schemeClr>
+          </a:lnRef>
+          <a:fillRef idx="1">
+            <a:schemeClr val="accent1"/>
+          </a:fillRef>
+          <a:effectRef idx="0">
+            <a:schemeClr val="accent1"/>
+          </a:effectRef>
+          <a:fontRef idx="minor">
+            <a:schemeClr val="lt1"/>
+          </a:fontRef>
+        </p:style>
+        <p:txBody>
+          <a:bodyPr rtlCol="0" anchor="ctr"/>
+          <a:lstStyle/>
+          <a:p>
+            <a:pPr algn="ctr"/>
+            <a:endParaRPr lang="en-US" dirty="0"/>
+          </a:p>
+        </p:txBody>
+      </p:sp>
+      <p:sp>
+        <p:nvSpPr>
+          <p:cNvPr id="6" name="Rectangle 5">
+            <a:extLst>
+              <a:ext uri="{FF2B5EF4-FFF2-40B4-BE49-F238E27FC236}">
+                <a16:creationId xmlns:a16="http://schemas.microsoft.com/office/drawing/2014/main" id="{C8B8593E-31AC-FA49-BB23-068E5A77DF88}"/>
+              </a:ext>
+            </a:extLst>
+          </p:cNvPr>
+          <p:cNvSpPr/>
+          <p:nvPr/>
+        </p:nvSpPr>
+        <p:spPr>
+          <a:xfrm>
+            <a:off x="3576405" y="0"/>
+            <a:ext cx="5267789" cy="1077218"/>
+          </a:xfrm>
+          <a:prstGeom prst="rect">
+            <a:avLst/>
+          </a:prstGeom>
+        </p:spPr>
+        <p:txBody>
+          <a:bodyPr wrap="none">
+            <a:spAutoFit/>
+          </a:bodyPr>
+          <a:lstStyle/>
+          <a:p>
+            <a:r>
+              <a:rPr lang="en-US" sz="6400" b="1" dirty="0">
+                <a:solidFill>
+                  <a:schemeClr val="bg1">
+                    <a:alpha val="30000"/>
+                  </a:schemeClr>
+                </a:solidFill>
+              </a:rPr>
+              <a:t>Type of Testing</a:t>
+            </a:r>
+          </a:p>
+        </p:txBody>
+      </p:sp>
+      <p:sp>
+        <p:nvSpPr>
+          <p:cNvPr id="4" name="Rectangle 3">
+            <a:extLst>
+              <a:ext uri="{FF2B5EF4-FFF2-40B4-BE49-F238E27FC236}">
+                <a16:creationId xmlns:a16="http://schemas.microsoft.com/office/drawing/2014/main" id="{5AAF5DCA-CD4E-084F-B7BA-5A2988BC4708}"/>
+              </a:ext>
+            </a:extLst>
+          </p:cNvPr>
+          <p:cNvSpPr/>
+          <p:nvPr/>
+        </p:nvSpPr>
+        <p:spPr>
+          <a:xfrm>
+            <a:off x="988333" y="1759748"/>
+            <a:ext cx="4016612" cy="1077218"/>
+          </a:xfrm>
+          <a:prstGeom prst="rect">
+            <a:avLst/>
+          </a:prstGeom>
+        </p:spPr>
+        <p:txBody>
+          <a:bodyPr wrap="none">
+            <a:spAutoFit/>
+          </a:bodyPr>
+          <a:lstStyle/>
+          <a:p>
+            <a:r>
+              <a:rPr lang="en-US" sz="6400" b="1" dirty="0">
+                <a:solidFill>
+                  <a:schemeClr val="bg1">
+                    <a:alpha val="10000"/>
+                  </a:schemeClr>
+                </a:solidFill>
+              </a:rPr>
+              <a:t>Installation</a:t>
+            </a:r>
+          </a:p>
+        </p:txBody>
+      </p:sp>
+      <p:sp>
+        <p:nvSpPr>
+          <p:cNvPr id="7" name="Rectangle 6">
+            <a:extLst>
+              <a:ext uri="{FF2B5EF4-FFF2-40B4-BE49-F238E27FC236}">
+                <a16:creationId xmlns:a16="http://schemas.microsoft.com/office/drawing/2014/main" id="{FF8663A5-6FDE-3647-AD00-D5984A3DA55C}"/>
+              </a:ext>
+            </a:extLst>
+          </p:cNvPr>
+          <p:cNvSpPr/>
+          <p:nvPr/>
+        </p:nvSpPr>
+        <p:spPr>
+          <a:xfrm>
+            <a:off x="6957333" y="4287048"/>
+            <a:ext cx="4776051" cy="1077218"/>
+          </a:xfrm>
+          <a:prstGeom prst="rect">
+            <a:avLst/>
+          </a:prstGeom>
+        </p:spPr>
+        <p:txBody>
+          <a:bodyPr wrap="none">
+            <a:spAutoFit/>
+          </a:bodyPr>
+          <a:lstStyle/>
+          <a:p>
+            <a:r>
+              <a:rPr lang="en-US" sz="6400" b="1" dirty="0">
+                <a:solidFill>
+                  <a:schemeClr val="bg1">
+                    <a:alpha val="10000"/>
+                  </a:schemeClr>
+                </a:solidFill>
+              </a:rPr>
+              <a:t>Compatibility</a:t>
+            </a:r>
+          </a:p>
+        </p:txBody>
+      </p:sp>
+      <p:sp>
+        <p:nvSpPr>
+          <p:cNvPr id="8" name="Rectangle 7">
+            <a:extLst>
+              <a:ext uri="{FF2B5EF4-FFF2-40B4-BE49-F238E27FC236}">
+                <a16:creationId xmlns:a16="http://schemas.microsoft.com/office/drawing/2014/main" id="{C5A68F88-5C17-F545-A5CD-A627198012B0}"/>
+              </a:ext>
+            </a:extLst>
+          </p:cNvPr>
+          <p:cNvSpPr/>
+          <p:nvPr/>
+        </p:nvSpPr>
+        <p:spPr>
+          <a:xfrm>
+            <a:off x="1722666" y="3209830"/>
+            <a:ext cx="4980466" cy="1077218"/>
+          </a:xfrm>
+          <a:prstGeom prst="rect">
+            <a:avLst/>
+          </a:prstGeom>
+        </p:spPr>
+        <p:txBody>
+          <a:bodyPr wrap="none">
+            <a:spAutoFit/>
+          </a:bodyPr>
+          <a:lstStyle/>
+          <a:p>
+            <a:r>
+              <a:rPr lang="en-US" sz="6400" b="1" dirty="0">
+                <a:solidFill>
+                  <a:schemeClr val="bg1">
+                    <a:alpha val="10000"/>
+                  </a:schemeClr>
+                </a:solidFill>
+              </a:rPr>
+              <a:t>User Interface</a:t>
+            </a:r>
+          </a:p>
+        </p:txBody>
+      </p:sp>
+      <p:sp>
+        <p:nvSpPr>
+          <p:cNvPr id="9" name="Rectangle 8">
+            <a:extLst>
+              <a:ext uri="{FF2B5EF4-FFF2-40B4-BE49-F238E27FC236}">
+                <a16:creationId xmlns:a16="http://schemas.microsoft.com/office/drawing/2014/main" id="{9A6B1D78-8461-C54E-ABB1-42B38F0B4E13}"/>
+              </a:ext>
+            </a:extLst>
+          </p:cNvPr>
+          <p:cNvSpPr/>
+          <p:nvPr/>
+        </p:nvSpPr>
+        <p:spPr>
+          <a:xfrm>
+            <a:off x="6535966" y="1493734"/>
+            <a:ext cx="3174267" cy="1077218"/>
+          </a:xfrm>
+          <a:prstGeom prst="rect">
+            <a:avLst/>
+          </a:prstGeom>
+        </p:spPr>
+        <p:txBody>
+          <a:bodyPr wrap="none">
+            <a:spAutoFit/>
+          </a:bodyPr>
+          <a:lstStyle/>
+          <a:p>
+            <a:r>
+              <a:rPr lang="en-US" sz="6400" b="1" dirty="0">
+                <a:solidFill>
+                  <a:schemeClr val="bg1">
+                    <a:alpha val="10000"/>
+                  </a:schemeClr>
+                </a:solidFill>
+              </a:rPr>
+              <a:t>Usability</a:t>
+            </a:r>
+          </a:p>
+        </p:txBody>
+      </p:sp>
+      <p:sp>
+        <p:nvSpPr>
+          <p:cNvPr id="10" name="Rectangle 9">
+            <a:extLst>
+              <a:ext uri="{FF2B5EF4-FFF2-40B4-BE49-F238E27FC236}">
+                <a16:creationId xmlns:a16="http://schemas.microsoft.com/office/drawing/2014/main" id="{F0BFEE76-861A-6545-B2D1-23F88612D963}"/>
+              </a:ext>
+            </a:extLst>
+          </p:cNvPr>
+          <p:cNvSpPr/>
+          <p:nvPr/>
+        </p:nvSpPr>
+        <p:spPr>
+          <a:xfrm>
+            <a:off x="554266" y="4825657"/>
+            <a:ext cx="3645550" cy="1077218"/>
+          </a:xfrm>
+          <a:prstGeom prst="rect">
+            <a:avLst/>
+          </a:prstGeom>
+        </p:spPr>
+        <p:txBody>
+          <a:bodyPr wrap="none">
+            <a:spAutoFit/>
+          </a:bodyPr>
+          <a:lstStyle/>
+          <a:p>
+            <a:r>
+              <a:rPr lang="en-US" sz="6400" b="1" dirty="0">
+                <a:solidFill>
+                  <a:schemeClr val="bg1">
+                    <a:alpha val="10000"/>
+                  </a:schemeClr>
+                </a:solidFill>
+              </a:rPr>
+              <a:t>Scalability</a:t>
+            </a:r>
+          </a:p>
+        </p:txBody>
+      </p:sp>
+      <p:sp>
+        <p:nvSpPr>
+          <p:cNvPr id="11" name="Rectangle 10">
+            <a:extLst>
+              <a:ext uri="{FF2B5EF4-FFF2-40B4-BE49-F238E27FC236}">
+                <a16:creationId xmlns:a16="http://schemas.microsoft.com/office/drawing/2014/main" id="{A6CB8275-6707-6444-9F1C-8FB8D057EB74}"/>
+              </a:ext>
+            </a:extLst>
+          </p:cNvPr>
+          <p:cNvSpPr/>
+          <p:nvPr/>
+        </p:nvSpPr>
+        <p:spPr>
+          <a:xfrm>
+            <a:off x="5490497" y="2570952"/>
+            <a:ext cx="2938625" cy="1077218"/>
+          </a:xfrm>
+          <a:prstGeom prst="rect">
+            <a:avLst/>
+          </a:prstGeom>
+        </p:spPr>
+        <p:txBody>
+          <a:bodyPr wrap="none">
+            <a:spAutoFit/>
+          </a:bodyPr>
+          <a:lstStyle/>
+          <a:p>
+            <a:r>
+              <a:rPr lang="en-US" sz="6400" b="1" dirty="0">
+                <a:solidFill>
+                  <a:schemeClr val="bg1">
+                    <a:alpha val="10000"/>
+                  </a:schemeClr>
+                </a:solidFill>
+              </a:rPr>
+              <a:t>Security</a:t>
+            </a:r>
+          </a:p>
+        </p:txBody>
+      </p:sp>
+      <p:sp>
+        <p:nvSpPr>
+          <p:cNvPr id="12" name="Rectangle 11">
+            <a:extLst>
+              <a:ext uri="{FF2B5EF4-FFF2-40B4-BE49-F238E27FC236}">
+                <a16:creationId xmlns:a16="http://schemas.microsoft.com/office/drawing/2014/main" id="{CB3099AA-8639-BE4A-8B15-EBF06F9C8367}"/>
+              </a:ext>
+            </a:extLst>
+          </p:cNvPr>
+          <p:cNvSpPr/>
+          <p:nvPr/>
+        </p:nvSpPr>
+        <p:spPr>
+          <a:xfrm>
+            <a:off x="5004945" y="5242173"/>
+            <a:ext cx="4565673" cy="1077218"/>
+          </a:xfrm>
+          <a:prstGeom prst="rect">
+            <a:avLst/>
+          </a:prstGeom>
+        </p:spPr>
+        <p:txBody>
+          <a:bodyPr wrap="none">
+            <a:spAutoFit/>
+          </a:bodyPr>
+          <a:lstStyle/>
+          <a:p>
+            <a:r>
+              <a:rPr lang="en-US" sz="6400" b="1" dirty="0">
+                <a:solidFill>
+                  <a:schemeClr val="bg1">
+                    <a:alpha val="10000"/>
+                  </a:schemeClr>
+                </a:solidFill>
+              </a:rPr>
+              <a:t>Performance</a:t>
+            </a:r>
+          </a:p>
+        </p:txBody>
+      </p:sp>
+      <p:sp>
+        <p:nvSpPr>
+          <p:cNvPr id="13" name="Rectangle 12">
+            <a:extLst>
+              <a:ext uri="{FF2B5EF4-FFF2-40B4-BE49-F238E27FC236}">
+                <a16:creationId xmlns:a16="http://schemas.microsoft.com/office/drawing/2014/main" id="{50D69423-1FDF-034B-9278-8E9F242DDED6}"/>
+              </a:ext>
+            </a:extLst>
+          </p:cNvPr>
+          <p:cNvSpPr/>
+          <p:nvPr/>
+        </p:nvSpPr>
+        <p:spPr>
+          <a:xfrm>
+            <a:off x="6786841" y="3331923"/>
+            <a:ext cx="3956532" cy="1077218"/>
+          </a:xfrm>
+          <a:prstGeom prst="rect">
+            <a:avLst/>
+          </a:prstGeom>
+        </p:spPr>
+        <p:txBody>
+          <a:bodyPr wrap="none">
+            <a:spAutoFit/>
+          </a:bodyPr>
+          <a:lstStyle/>
+          <a:p>
+            <a:r>
+              <a:rPr lang="en-US" sz="6400" b="1" dirty="0">
+                <a:solidFill>
+                  <a:schemeClr val="bg1">
+                    <a:alpha val="10000"/>
+                  </a:schemeClr>
+                </a:solidFill>
+              </a:rPr>
+              <a:t>Integration</a:t>
+            </a:r>
+          </a:p>
+        </p:txBody>
+      </p:sp>
+      <p:sp>
+        <p:nvSpPr>
+          <p:cNvPr id="14" name="Rectangle 13">
+            <a:extLst>
+              <a:ext uri="{FF2B5EF4-FFF2-40B4-BE49-F238E27FC236}">
+                <a16:creationId xmlns:a16="http://schemas.microsoft.com/office/drawing/2014/main" id="{293E53CE-AB0E-C746-9BB2-EF123053D7AC}"/>
+              </a:ext>
+            </a:extLst>
+          </p:cNvPr>
+          <p:cNvSpPr/>
+          <p:nvPr/>
+        </p:nvSpPr>
+        <p:spPr>
+          <a:xfrm>
+            <a:off x="2024607" y="3956697"/>
+            <a:ext cx="4182940" cy="1077218"/>
+          </a:xfrm>
+          <a:prstGeom prst="rect">
+            <a:avLst/>
+          </a:prstGeom>
+        </p:spPr>
+        <p:txBody>
+          <a:bodyPr wrap="none">
+            <a:spAutoFit/>
+          </a:bodyPr>
+          <a:lstStyle/>
+          <a:p>
+            <a:r>
+              <a:rPr lang="en-US" sz="6400" b="1" dirty="0">
+                <a:solidFill>
+                  <a:schemeClr val="bg1">
+                    <a:alpha val="10000"/>
+                  </a:schemeClr>
+                </a:solidFill>
+              </a:rPr>
+              <a:t>Component</a:t>
+            </a:r>
+          </a:p>
+        </p:txBody>
+      </p:sp>
+      <p:sp>
+        <p:nvSpPr>
+          <p:cNvPr id="15" name="Rectangle 14">
+            <a:extLst>
+              <a:ext uri="{FF2B5EF4-FFF2-40B4-BE49-F238E27FC236}">
+                <a16:creationId xmlns:a16="http://schemas.microsoft.com/office/drawing/2014/main" id="{D0A57ACE-8397-0E4D-9842-BA2674176082}"/>
+              </a:ext>
+            </a:extLst>
+          </p:cNvPr>
+          <p:cNvSpPr/>
+          <p:nvPr/>
+        </p:nvSpPr>
+        <p:spPr>
+          <a:xfrm>
+            <a:off x="822005" y="5615607"/>
+            <a:ext cx="3871124" cy="1077218"/>
+          </a:xfrm>
+          <a:prstGeom prst="rect">
+            <a:avLst/>
+          </a:prstGeom>
+        </p:spPr>
+        <p:txBody>
+          <a:bodyPr wrap="none">
+            <a:spAutoFit/>
+          </a:bodyPr>
+          <a:lstStyle/>
+          <a:p>
+            <a:r>
+              <a:rPr lang="en-US" sz="6400" b="1" dirty="0">
+                <a:solidFill>
+                  <a:schemeClr val="bg1">
+                    <a:alpha val="10000"/>
+                  </a:schemeClr>
+                </a:solidFill>
+              </a:rPr>
+              <a:t>Regression</a:t>
+            </a:r>
+          </a:p>
+        </p:txBody>
+      </p:sp>
+      <p:sp>
+        <p:nvSpPr>
+          <p:cNvPr id="16" name="Rectangle 15">
+            <a:extLst>
+              <a:ext uri="{FF2B5EF4-FFF2-40B4-BE49-F238E27FC236}">
+                <a16:creationId xmlns:a16="http://schemas.microsoft.com/office/drawing/2014/main" id="{5EAD0023-A899-6242-8C49-00E48780EAB8}"/>
+              </a:ext>
+            </a:extLst>
+          </p:cNvPr>
+          <p:cNvSpPr/>
+          <p:nvPr/>
+        </p:nvSpPr>
+        <p:spPr>
+          <a:xfrm>
+            <a:off x="61254" y="2462963"/>
+            <a:ext cx="4099199" cy="1077218"/>
+          </a:xfrm>
+          <a:prstGeom prst="rect">
+            <a:avLst/>
+          </a:prstGeom>
+        </p:spPr>
+        <p:txBody>
+          <a:bodyPr wrap="none">
+            <a:spAutoFit/>
+          </a:bodyPr>
+          <a:lstStyle/>
+          <a:p>
+            <a:r>
+              <a:rPr lang="en-US" sz="6400" b="1" dirty="0">
+                <a:solidFill>
+                  <a:schemeClr val="bg1">
+                    <a:alpha val="10000"/>
+                  </a:schemeClr>
+                </a:solidFill>
+              </a:rPr>
+              <a:t>Acceptance</a:t>
+            </a:r>
+          </a:p>
+        </p:txBody>
+      </p:sp>
+      <p:sp>
+        <p:nvSpPr>
+          <p:cNvPr id="17" name="Rectangle 16">
+            <a:extLst>
+              <a:ext uri="{FF2B5EF4-FFF2-40B4-BE49-F238E27FC236}">
+                <a16:creationId xmlns:a16="http://schemas.microsoft.com/office/drawing/2014/main" id="{25FFDDA7-F37E-474B-9B6B-96E5941C3842}"/>
+              </a:ext>
+            </a:extLst>
+          </p:cNvPr>
+          <p:cNvSpPr/>
+          <p:nvPr/>
+        </p:nvSpPr>
+        <p:spPr>
+          <a:xfrm>
+            <a:off x="3747230" y="3367953"/>
+            <a:ext cx="5201296" cy="1077218"/>
+          </a:xfrm>
+          <a:prstGeom prst="rect">
+            <a:avLst/>
+          </a:prstGeom>
+        </p:spPr>
+        <p:txBody>
+          <a:bodyPr wrap="none">
+            <a:spAutoFit/>
+          </a:bodyPr>
+          <a:lstStyle/>
+          <a:p>
+            <a:r>
+              <a:rPr lang="en-US" sz="6400" b="1" dirty="0">
+                <a:solidFill>
+                  <a:schemeClr val="bg1">
+                    <a:alpha val="99000"/>
+                  </a:schemeClr>
+                </a:solidFill>
+              </a:rPr>
+              <a:t>And so many…</a:t>
+            </a:r>
+          </a:p>
+        </p:txBody>
+      </p:sp>
+    </p:spTree>
+    <p:extLst>
+      <p:ext uri="{BB962C8B-B14F-4D97-AF65-F5344CB8AC3E}">
+        <p14:creationId xmlns:p14="http://schemas.microsoft.com/office/powerpoint/2010/main" val="650499144"/>
+      </p:ext>
+    </p:extLst>
+  </p:cSld>
+  <p:clrMapOvr>
+    <a:masterClrMapping/>
+  </p:clrMapOvr>
+</p:sld>
+</file>
+
+<file path=ppt/slides/slide83.xml><?xml version="1.0" encoding="utf-8"?>
+<p:sld xmlns:a="http://schemas.openxmlformats.org/drawingml/2006/main" xmlns:r="http://schemas.openxmlformats.org/officeDocument/2006/relationships" xmlns:p="http://schemas.openxmlformats.org/presentationml/2006/main">
+  <p:cSld>
+    <p:spTree>
+      <p:nvGrpSpPr>
+        <p:cNvPr id="1" name=""/>
+        <p:cNvGrpSpPr/>
+        <p:nvPr/>
+      </p:nvGrpSpPr>
+      <p:grpSpPr>
+        <a:xfrm>
+          <a:off x="0" y="0"/>
+          <a:ext cx="0" cy="0"/>
+          <a:chOff x="0" y="0"/>
+          <a:chExt cx="0" cy="0"/>
+        </a:xfrm>
+      </p:grpSpPr>
+      <p:sp>
+        <p:nvSpPr>
+          <p:cNvPr id="5" name="Rectangle 4">
+            <a:extLst>
+              <a:ext uri="{FF2B5EF4-FFF2-40B4-BE49-F238E27FC236}">
+                <a16:creationId xmlns:a16="http://schemas.microsoft.com/office/drawing/2014/main" id="{25B0E07D-4C45-0640-99D1-FC5447FFF14E}"/>
+              </a:ext>
+            </a:extLst>
+          </p:cNvPr>
+          <p:cNvSpPr/>
+          <p:nvPr/>
+        </p:nvSpPr>
+        <p:spPr>
+          <a:xfrm>
+            <a:off x="0" y="0"/>
+            <a:ext cx="12192000" cy="6858000"/>
+          </a:xfrm>
+          <a:prstGeom prst="rect">
+            <a:avLst/>
+          </a:prstGeom>
+          <a:solidFill>
+            <a:schemeClr val="accent5"/>
+          </a:solidFill>
+          <a:ln>
+            <a:noFill/>
+          </a:ln>
+        </p:spPr>
+        <p:style>
+          <a:lnRef idx="2">
+            <a:schemeClr val="accent1">
+              <a:shade val="50000"/>
+            </a:schemeClr>
+          </a:lnRef>
+          <a:fillRef idx="1">
+            <a:schemeClr val="accent1"/>
+          </a:fillRef>
+          <a:effectRef idx="0">
+            <a:schemeClr val="accent1"/>
+          </a:effectRef>
+          <a:fontRef idx="minor">
+            <a:schemeClr val="lt1"/>
+          </a:fontRef>
+        </p:style>
+        <p:txBody>
+          <a:bodyPr rtlCol="0" anchor="ctr"/>
+          <a:lstStyle/>
+          <a:p>
+            <a:pPr algn="ctr"/>
+            <a:endParaRPr lang="en-US" dirty="0"/>
+          </a:p>
+        </p:txBody>
+      </p:sp>
+      <p:sp>
+        <p:nvSpPr>
+          <p:cNvPr id="6" name="Rectangle 5">
+            <a:extLst>
+              <a:ext uri="{FF2B5EF4-FFF2-40B4-BE49-F238E27FC236}">
+                <a16:creationId xmlns:a16="http://schemas.microsoft.com/office/drawing/2014/main" id="{C8B8593E-31AC-FA49-BB23-068E5A77DF88}"/>
+              </a:ext>
+            </a:extLst>
+          </p:cNvPr>
+          <p:cNvSpPr/>
+          <p:nvPr/>
+        </p:nvSpPr>
+        <p:spPr>
+          <a:xfrm>
+            <a:off x="3376537" y="356197"/>
+            <a:ext cx="5438925" cy="1077218"/>
+          </a:xfrm>
+          <a:prstGeom prst="rect">
+            <a:avLst/>
+          </a:prstGeom>
+        </p:spPr>
+        <p:txBody>
+          <a:bodyPr wrap="none">
+            <a:spAutoFit/>
+          </a:bodyPr>
+          <a:lstStyle/>
+          <a:p>
+            <a:r>
+              <a:rPr lang="en-US" sz="6400" b="1" dirty="0">
+                <a:solidFill>
+                  <a:schemeClr val="bg1">
+                    <a:alpha val="99000"/>
+                  </a:schemeClr>
+                </a:solidFill>
+              </a:rPr>
+              <a:t>Android testing</a:t>
+            </a:r>
+          </a:p>
+        </p:txBody>
+      </p:sp>
+    </p:spTree>
+    <p:extLst>
+      <p:ext uri="{BB962C8B-B14F-4D97-AF65-F5344CB8AC3E}">
+        <p14:creationId xmlns:p14="http://schemas.microsoft.com/office/powerpoint/2010/main" val="1259629477"/>
+      </p:ext>
+    </p:extLst>
+  </p:cSld>
+  <p:clrMapOvr>
+    <a:masterClrMapping/>
+  </p:clrMapOvr>
+</p:sld>
+</file>
+
+<file path=ppt/slides/slide84.xml><?xml version="1.0" encoding="utf-8"?>
+<p:sld xmlns:a="http://schemas.openxmlformats.org/drawingml/2006/main" xmlns:r="http://schemas.openxmlformats.org/officeDocument/2006/relationships" xmlns:p="http://schemas.openxmlformats.org/presentationml/2006/main">
+  <p:cSld>
+    <p:spTree>
+      <p:nvGrpSpPr>
+        <p:cNvPr id="1" name=""/>
+        <p:cNvGrpSpPr/>
+        <p:nvPr/>
+      </p:nvGrpSpPr>
+      <p:grpSpPr>
+        <a:xfrm>
+          <a:off x="0" y="0"/>
+          <a:ext cx="0" cy="0"/>
+          <a:chOff x="0" y="0"/>
+          <a:chExt cx="0" cy="0"/>
+        </a:xfrm>
+      </p:grpSpPr>
+      <p:sp>
+        <p:nvSpPr>
+          <p:cNvPr id="5" name="Rectangle 4">
+            <a:extLst>
+              <a:ext uri="{FF2B5EF4-FFF2-40B4-BE49-F238E27FC236}">
+                <a16:creationId xmlns:a16="http://schemas.microsoft.com/office/drawing/2014/main" id="{25B0E07D-4C45-0640-99D1-FC5447FFF14E}"/>
+              </a:ext>
+            </a:extLst>
+          </p:cNvPr>
+          <p:cNvSpPr/>
+          <p:nvPr/>
+        </p:nvSpPr>
+        <p:spPr>
+          <a:xfrm>
+            <a:off x="0" y="0"/>
+            <a:ext cx="12192000" cy="6858000"/>
+          </a:xfrm>
+          <a:prstGeom prst="rect">
+            <a:avLst/>
+          </a:prstGeom>
+          <a:solidFill>
+            <a:schemeClr val="accent5"/>
+          </a:solidFill>
+          <a:ln>
+            <a:noFill/>
+          </a:ln>
+        </p:spPr>
+        <p:style>
+          <a:lnRef idx="2">
+            <a:schemeClr val="accent1">
+              <a:shade val="50000"/>
+            </a:schemeClr>
+          </a:lnRef>
+          <a:fillRef idx="1">
+            <a:schemeClr val="accent1"/>
+          </a:fillRef>
+          <a:effectRef idx="0">
+            <a:schemeClr val="accent1"/>
+          </a:effectRef>
+          <a:fontRef idx="minor">
+            <a:schemeClr val="lt1"/>
+          </a:fontRef>
+        </p:style>
+        <p:txBody>
+          <a:bodyPr rtlCol="0" anchor="ctr"/>
+          <a:lstStyle/>
+          <a:p>
+            <a:pPr algn="ctr"/>
+            <a:endParaRPr lang="en-US" dirty="0"/>
+          </a:p>
+        </p:txBody>
+      </p:sp>
+      <p:sp>
+        <p:nvSpPr>
+          <p:cNvPr id="6" name="Rectangle 5">
+            <a:extLst>
+              <a:ext uri="{FF2B5EF4-FFF2-40B4-BE49-F238E27FC236}">
+                <a16:creationId xmlns:a16="http://schemas.microsoft.com/office/drawing/2014/main" id="{C8B8593E-31AC-FA49-BB23-068E5A77DF88}"/>
+              </a:ext>
+            </a:extLst>
+          </p:cNvPr>
+          <p:cNvSpPr/>
+          <p:nvPr/>
+        </p:nvSpPr>
+        <p:spPr>
+          <a:xfrm>
+            <a:off x="3376537" y="356197"/>
+            <a:ext cx="5438925" cy="1077218"/>
+          </a:xfrm>
+          <a:prstGeom prst="rect">
+            <a:avLst/>
+          </a:prstGeom>
+        </p:spPr>
+        <p:txBody>
+          <a:bodyPr wrap="none">
+            <a:spAutoFit/>
+          </a:bodyPr>
+          <a:lstStyle/>
+          <a:p>
+            <a:r>
+              <a:rPr lang="en-US" sz="6400" b="1" dirty="0">
+                <a:solidFill>
+                  <a:schemeClr val="bg1">
+                    <a:alpha val="30000"/>
+                  </a:schemeClr>
+                </a:solidFill>
+              </a:rPr>
+              <a:t>Android</a:t>
+            </a:r>
+            <a:r>
+              <a:rPr lang="en-US" sz="6400" b="1" dirty="0">
+                <a:solidFill>
+                  <a:schemeClr val="bg1">
+                    <a:alpha val="99000"/>
+                  </a:schemeClr>
+                </a:solidFill>
+              </a:rPr>
+              <a:t> </a:t>
+            </a:r>
+            <a:r>
+              <a:rPr lang="en-US" sz="6400" b="1" dirty="0">
+                <a:solidFill>
+                  <a:schemeClr val="bg1">
+                    <a:alpha val="30000"/>
+                  </a:schemeClr>
+                </a:solidFill>
+              </a:rPr>
+              <a:t>testing</a:t>
+            </a:r>
+          </a:p>
+        </p:txBody>
+      </p:sp>
+      <p:sp>
+        <p:nvSpPr>
+          <p:cNvPr id="8" name="Rectangle 7">
+            <a:extLst>
+              <a:ext uri="{FF2B5EF4-FFF2-40B4-BE49-F238E27FC236}">
+                <a16:creationId xmlns:a16="http://schemas.microsoft.com/office/drawing/2014/main" id="{576E9984-6AA6-B149-AD49-B46FD4EC0EDE}"/>
+              </a:ext>
+            </a:extLst>
+          </p:cNvPr>
+          <p:cNvSpPr/>
+          <p:nvPr/>
+        </p:nvSpPr>
+        <p:spPr>
+          <a:xfrm>
+            <a:off x="643769" y="2648338"/>
+            <a:ext cx="8658011" cy="923330"/>
+          </a:xfrm>
+          <a:prstGeom prst="rect">
+            <a:avLst/>
+          </a:prstGeom>
+        </p:spPr>
+        <p:txBody>
+          <a:bodyPr wrap="none">
+            <a:spAutoFit/>
+          </a:bodyPr>
+          <a:lstStyle/>
+          <a:p>
+            <a:pPr marL="857250" indent="-857250" fontAlgn="base">
+              <a:buFont typeface="Arial" panose="020B0604020202020204" pitchFamily="34" charset="0"/>
+              <a:buChar char="•"/>
+            </a:pPr>
+            <a:r>
+              <a:rPr lang="en-US" sz="5400" b="1" dirty="0">
+                <a:solidFill>
+                  <a:schemeClr val="bg1">
+                    <a:alpha val="99000"/>
+                  </a:schemeClr>
+                </a:solidFill>
+              </a:rPr>
+              <a:t>main—code and resources</a:t>
+            </a:r>
+          </a:p>
+        </p:txBody>
+      </p:sp>
+    </p:spTree>
+    <p:extLst>
+      <p:ext uri="{BB962C8B-B14F-4D97-AF65-F5344CB8AC3E}">
+        <p14:creationId xmlns:p14="http://schemas.microsoft.com/office/powerpoint/2010/main" val="255857120"/>
+      </p:ext>
+    </p:extLst>
+  </p:cSld>
+  <p:clrMapOvr>
+    <a:masterClrMapping/>
+  </p:clrMapOvr>
+</p:sld>
+</file>
+
+<file path=ppt/slides/slide85.xml><?xml version="1.0" encoding="utf-8"?>
+<p:sld xmlns:a="http://schemas.openxmlformats.org/drawingml/2006/main" xmlns:r="http://schemas.openxmlformats.org/officeDocument/2006/relationships" xmlns:p="http://schemas.openxmlformats.org/presentationml/2006/main">
+  <p:cSld>
+    <p:spTree>
+      <p:nvGrpSpPr>
+        <p:cNvPr id="1" name=""/>
+        <p:cNvGrpSpPr/>
+        <p:nvPr/>
+      </p:nvGrpSpPr>
+      <p:grpSpPr>
+        <a:xfrm>
+          <a:off x="0" y="0"/>
+          <a:ext cx="0" cy="0"/>
+          <a:chOff x="0" y="0"/>
+          <a:chExt cx="0" cy="0"/>
+        </a:xfrm>
+      </p:grpSpPr>
+      <p:sp>
+        <p:nvSpPr>
+          <p:cNvPr id="5" name="Rectangle 4">
+            <a:extLst>
+              <a:ext uri="{FF2B5EF4-FFF2-40B4-BE49-F238E27FC236}">
+                <a16:creationId xmlns:a16="http://schemas.microsoft.com/office/drawing/2014/main" id="{25B0E07D-4C45-0640-99D1-FC5447FFF14E}"/>
+              </a:ext>
+            </a:extLst>
+          </p:cNvPr>
+          <p:cNvSpPr/>
+          <p:nvPr/>
+        </p:nvSpPr>
+        <p:spPr>
+          <a:xfrm>
+            <a:off x="0" y="0"/>
+            <a:ext cx="12192000" cy="6858000"/>
+          </a:xfrm>
+          <a:prstGeom prst="rect">
+            <a:avLst/>
+          </a:prstGeom>
+          <a:solidFill>
+            <a:schemeClr val="accent5"/>
+          </a:solidFill>
+          <a:ln>
+            <a:noFill/>
+          </a:ln>
+        </p:spPr>
+        <p:style>
+          <a:lnRef idx="2">
+            <a:schemeClr val="accent1">
+              <a:shade val="50000"/>
+            </a:schemeClr>
+          </a:lnRef>
+          <a:fillRef idx="1">
+            <a:schemeClr val="accent1"/>
+          </a:fillRef>
+          <a:effectRef idx="0">
+            <a:schemeClr val="accent1"/>
+          </a:effectRef>
+          <a:fontRef idx="minor">
+            <a:schemeClr val="lt1"/>
+          </a:fontRef>
+        </p:style>
+        <p:txBody>
+          <a:bodyPr rtlCol="0" anchor="ctr"/>
+          <a:lstStyle/>
+          <a:p>
+            <a:pPr algn="ctr"/>
+            <a:endParaRPr lang="en-US" dirty="0"/>
+          </a:p>
+        </p:txBody>
+      </p:sp>
+      <p:sp>
+        <p:nvSpPr>
+          <p:cNvPr id="8" name="Rectangle 7">
+            <a:extLst>
+              <a:ext uri="{FF2B5EF4-FFF2-40B4-BE49-F238E27FC236}">
+                <a16:creationId xmlns:a16="http://schemas.microsoft.com/office/drawing/2014/main" id="{576E9984-6AA6-B149-AD49-B46FD4EC0EDE}"/>
+              </a:ext>
+            </a:extLst>
+          </p:cNvPr>
+          <p:cNvSpPr/>
+          <p:nvPr/>
+        </p:nvSpPr>
+        <p:spPr>
+          <a:xfrm>
+            <a:off x="643769" y="2648338"/>
+            <a:ext cx="8658011" cy="1754326"/>
+          </a:xfrm>
+          <a:prstGeom prst="rect">
+            <a:avLst/>
+          </a:prstGeom>
+        </p:spPr>
+        <p:txBody>
+          <a:bodyPr wrap="none">
+            <a:spAutoFit/>
+          </a:bodyPr>
+          <a:lstStyle/>
+          <a:p>
+            <a:pPr marL="857250" indent="-857250" fontAlgn="base">
+              <a:buFont typeface="Arial" panose="020B0604020202020204" pitchFamily="34" charset="0"/>
+              <a:buChar char="•"/>
+            </a:pPr>
+            <a:r>
+              <a:rPr lang="en-US" sz="5400" b="1" dirty="0">
+                <a:solidFill>
+                  <a:schemeClr val="bg1">
+                    <a:alpha val="30000"/>
+                  </a:schemeClr>
+                </a:solidFill>
+              </a:rPr>
+              <a:t>main—code and resources</a:t>
+            </a:r>
+          </a:p>
+          <a:p>
+            <a:pPr marL="857250" indent="-857250" fontAlgn="base">
+              <a:buFont typeface="Arial" panose="020B0604020202020204" pitchFamily="34" charset="0"/>
+              <a:buChar char="•"/>
+            </a:pPr>
+            <a:r>
+              <a:rPr lang="en-US" sz="5400" b="1" dirty="0">
+                <a:solidFill>
+                  <a:schemeClr val="bg1">
+                    <a:alpha val="99000"/>
+                  </a:schemeClr>
+                </a:solidFill>
+              </a:rPr>
+              <a:t>(test)—local unit tests</a:t>
+            </a:r>
+          </a:p>
+        </p:txBody>
+      </p:sp>
+      <p:sp>
+        <p:nvSpPr>
+          <p:cNvPr id="7" name="Rectangle 6">
+            <a:extLst>
+              <a:ext uri="{FF2B5EF4-FFF2-40B4-BE49-F238E27FC236}">
+                <a16:creationId xmlns:a16="http://schemas.microsoft.com/office/drawing/2014/main" id="{43EBC97C-B938-B44B-BD2F-74F2450883DC}"/>
+              </a:ext>
+            </a:extLst>
+          </p:cNvPr>
+          <p:cNvSpPr/>
+          <p:nvPr/>
+        </p:nvSpPr>
+        <p:spPr>
+          <a:xfrm>
+            <a:off x="3376537" y="356197"/>
+            <a:ext cx="5438925" cy="1077218"/>
+          </a:xfrm>
+          <a:prstGeom prst="rect">
+            <a:avLst/>
+          </a:prstGeom>
+        </p:spPr>
+        <p:txBody>
+          <a:bodyPr wrap="none">
+            <a:spAutoFit/>
+          </a:bodyPr>
+          <a:lstStyle/>
+          <a:p>
+            <a:r>
+              <a:rPr lang="en-US" sz="6400" b="1" dirty="0">
+                <a:solidFill>
+                  <a:schemeClr val="bg1">
+                    <a:alpha val="30000"/>
+                  </a:schemeClr>
+                </a:solidFill>
+              </a:rPr>
+              <a:t>Android</a:t>
+            </a:r>
+            <a:r>
+              <a:rPr lang="en-US" sz="6400" b="1" dirty="0">
+                <a:solidFill>
+                  <a:schemeClr val="bg1">
+                    <a:alpha val="99000"/>
+                  </a:schemeClr>
+                </a:solidFill>
+              </a:rPr>
+              <a:t> </a:t>
+            </a:r>
+            <a:r>
+              <a:rPr lang="en-US" sz="6400" b="1" dirty="0">
+                <a:solidFill>
+                  <a:schemeClr val="bg1">
+                    <a:alpha val="30000"/>
+                  </a:schemeClr>
+                </a:solidFill>
+              </a:rPr>
+              <a:t>testing</a:t>
+            </a:r>
+          </a:p>
+        </p:txBody>
+      </p:sp>
+    </p:spTree>
+    <p:extLst>
+      <p:ext uri="{BB962C8B-B14F-4D97-AF65-F5344CB8AC3E}">
+        <p14:creationId xmlns:p14="http://schemas.microsoft.com/office/powerpoint/2010/main" val="3835725869"/>
+      </p:ext>
+    </p:extLst>
+  </p:cSld>
+  <p:clrMapOvr>
+    <a:masterClrMapping/>
+  </p:clrMapOvr>
+</p:sld>
+</file>
+
+<file path=ppt/slides/slide86.xml><?xml version="1.0" encoding="utf-8"?>
+<p:sld xmlns:a="http://schemas.openxmlformats.org/drawingml/2006/main" xmlns:r="http://schemas.openxmlformats.org/officeDocument/2006/relationships" xmlns:p="http://schemas.openxmlformats.org/presentationml/2006/main">
+  <p:cSld>
+    <p:spTree>
+      <p:nvGrpSpPr>
+        <p:cNvPr id="1" name=""/>
+        <p:cNvGrpSpPr/>
+        <p:nvPr/>
+      </p:nvGrpSpPr>
+      <p:grpSpPr>
+        <a:xfrm>
+          <a:off x="0" y="0"/>
+          <a:ext cx="0" cy="0"/>
+          <a:chOff x="0" y="0"/>
+          <a:chExt cx="0" cy="0"/>
+        </a:xfrm>
+      </p:grpSpPr>
+      <p:sp>
+        <p:nvSpPr>
+          <p:cNvPr id="5" name="Rectangle 4">
+            <a:extLst>
+              <a:ext uri="{FF2B5EF4-FFF2-40B4-BE49-F238E27FC236}">
+                <a16:creationId xmlns:a16="http://schemas.microsoft.com/office/drawing/2014/main" id="{25B0E07D-4C45-0640-99D1-FC5447FFF14E}"/>
+              </a:ext>
+            </a:extLst>
+          </p:cNvPr>
+          <p:cNvSpPr/>
+          <p:nvPr/>
+        </p:nvSpPr>
+        <p:spPr>
+          <a:xfrm>
+            <a:off x="0" y="0"/>
+            <a:ext cx="12192000" cy="6858000"/>
+          </a:xfrm>
+          <a:prstGeom prst="rect">
+            <a:avLst/>
+          </a:prstGeom>
+          <a:solidFill>
+            <a:schemeClr val="accent5"/>
+          </a:solidFill>
+          <a:ln>
+            <a:noFill/>
+          </a:ln>
+        </p:spPr>
+        <p:style>
+          <a:lnRef idx="2">
+            <a:schemeClr val="accent1">
+              <a:shade val="50000"/>
+            </a:schemeClr>
+          </a:lnRef>
+          <a:fillRef idx="1">
+            <a:schemeClr val="accent1"/>
+          </a:fillRef>
+          <a:effectRef idx="0">
+            <a:schemeClr val="accent1"/>
+          </a:effectRef>
+          <a:fontRef idx="minor">
+            <a:schemeClr val="lt1"/>
+          </a:fontRef>
+        </p:style>
+        <p:txBody>
+          <a:bodyPr rtlCol="0" anchor="ctr"/>
+          <a:lstStyle/>
+          <a:p>
+            <a:pPr algn="ctr"/>
+            <a:endParaRPr lang="en-US" dirty="0"/>
+          </a:p>
+        </p:txBody>
+      </p:sp>
+      <p:sp>
+        <p:nvSpPr>
+          <p:cNvPr id="8" name="Rectangle 7">
+            <a:extLst>
+              <a:ext uri="{FF2B5EF4-FFF2-40B4-BE49-F238E27FC236}">
+                <a16:creationId xmlns:a16="http://schemas.microsoft.com/office/drawing/2014/main" id="{576E9984-6AA6-B149-AD49-B46FD4EC0EDE}"/>
+              </a:ext>
+            </a:extLst>
+          </p:cNvPr>
+          <p:cNvSpPr/>
+          <p:nvPr/>
+        </p:nvSpPr>
+        <p:spPr>
+          <a:xfrm>
+            <a:off x="643769" y="2648338"/>
+            <a:ext cx="10904460" cy="2585323"/>
+          </a:xfrm>
+          <a:prstGeom prst="rect">
+            <a:avLst/>
+          </a:prstGeom>
+        </p:spPr>
+        <p:txBody>
+          <a:bodyPr wrap="none">
+            <a:spAutoFit/>
+          </a:bodyPr>
+          <a:lstStyle/>
+          <a:p>
+            <a:pPr marL="857250" indent="-857250" fontAlgn="base">
+              <a:buFont typeface="Arial" panose="020B0604020202020204" pitchFamily="34" charset="0"/>
+              <a:buChar char="•"/>
+            </a:pPr>
+            <a:r>
+              <a:rPr lang="en-US" sz="5400" b="1" dirty="0">
+                <a:solidFill>
+                  <a:schemeClr val="bg1">
+                    <a:alpha val="30000"/>
+                  </a:schemeClr>
+                </a:solidFill>
+              </a:rPr>
+              <a:t>main—code and resources</a:t>
+            </a:r>
+          </a:p>
+          <a:p>
+            <a:pPr marL="857250" indent="-857250" fontAlgn="base">
+              <a:buFont typeface="Arial" panose="020B0604020202020204" pitchFamily="34" charset="0"/>
+              <a:buChar char="•"/>
+            </a:pPr>
+            <a:r>
+              <a:rPr lang="en-US" sz="5400" b="1" dirty="0">
+                <a:solidFill>
+                  <a:schemeClr val="bg1">
+                    <a:alpha val="30000"/>
+                  </a:schemeClr>
+                </a:solidFill>
+              </a:rPr>
+              <a:t>(test)—local unit tests</a:t>
+            </a:r>
+          </a:p>
+          <a:p>
+            <a:pPr marL="857250" indent="-857250">
+              <a:buFont typeface="Arial" panose="020B0604020202020204" pitchFamily="34" charset="0"/>
+              <a:buChar char="•"/>
+            </a:pPr>
+            <a:r>
+              <a:rPr lang="en-US" sz="5400" b="1" dirty="0">
+                <a:solidFill>
+                  <a:schemeClr val="bg1">
+                    <a:alpha val="99000"/>
+                  </a:schemeClr>
+                </a:solidFill>
+              </a:rPr>
+              <a:t>(</a:t>
+            </a:r>
+            <a:r>
+              <a:rPr lang="en-US" sz="5400" b="1" dirty="0" err="1">
+                <a:solidFill>
+                  <a:schemeClr val="bg1">
+                    <a:alpha val="99000"/>
+                  </a:schemeClr>
+                </a:solidFill>
+              </a:rPr>
+              <a:t>androidTest</a:t>
+            </a:r>
+            <a:r>
+              <a:rPr lang="en-US" sz="5400" b="1" dirty="0">
+                <a:solidFill>
+                  <a:schemeClr val="bg1">
+                    <a:alpha val="99000"/>
+                  </a:schemeClr>
+                </a:solidFill>
+              </a:rPr>
+              <a:t>)—instrumented tests</a:t>
+            </a:r>
+          </a:p>
+        </p:txBody>
+      </p:sp>
+      <p:sp>
+        <p:nvSpPr>
+          <p:cNvPr id="7" name="Rectangle 6">
+            <a:extLst>
+              <a:ext uri="{FF2B5EF4-FFF2-40B4-BE49-F238E27FC236}">
+                <a16:creationId xmlns:a16="http://schemas.microsoft.com/office/drawing/2014/main" id="{C4C40CE8-6AB1-B742-9999-046EE5BEC566}"/>
+              </a:ext>
+            </a:extLst>
+          </p:cNvPr>
+          <p:cNvSpPr/>
+          <p:nvPr/>
+        </p:nvSpPr>
+        <p:spPr>
+          <a:xfrm>
+            <a:off x="3376537" y="356197"/>
+            <a:ext cx="5438925" cy="1077218"/>
+          </a:xfrm>
+          <a:prstGeom prst="rect">
+            <a:avLst/>
+          </a:prstGeom>
+        </p:spPr>
+        <p:txBody>
+          <a:bodyPr wrap="none">
+            <a:spAutoFit/>
+          </a:bodyPr>
+          <a:lstStyle/>
+          <a:p>
+            <a:r>
+              <a:rPr lang="en-US" sz="6400" b="1" dirty="0">
+                <a:solidFill>
+                  <a:schemeClr val="bg1">
+                    <a:alpha val="30000"/>
+                  </a:schemeClr>
+                </a:solidFill>
+              </a:rPr>
+              <a:t>Android</a:t>
+            </a:r>
+            <a:r>
+              <a:rPr lang="en-US" sz="6400" b="1" dirty="0">
+                <a:solidFill>
+                  <a:schemeClr val="bg1">
+                    <a:alpha val="99000"/>
+                  </a:schemeClr>
+                </a:solidFill>
+              </a:rPr>
+              <a:t> </a:t>
+            </a:r>
+            <a:r>
+              <a:rPr lang="en-US" sz="6400" b="1" dirty="0">
+                <a:solidFill>
+                  <a:schemeClr val="bg1">
+                    <a:alpha val="30000"/>
+                  </a:schemeClr>
+                </a:solidFill>
+              </a:rPr>
+              <a:t>testing</a:t>
+            </a:r>
+          </a:p>
+        </p:txBody>
+      </p:sp>
+    </p:spTree>
+    <p:extLst>
+      <p:ext uri="{BB962C8B-B14F-4D97-AF65-F5344CB8AC3E}">
+        <p14:creationId xmlns:p14="http://schemas.microsoft.com/office/powerpoint/2010/main" val="4058235305"/>
+      </p:ext>
+    </p:extLst>
+  </p:cSld>
+  <p:clrMapOvr>
+    <a:masterClrMapping/>
+  </p:clrMapOvr>
+</p:sld>
+</file>
+
+<file path=ppt/slides/slide87.xml><?xml version="1.0" encoding="utf-8"?>
+<p:sld xmlns:a="http://schemas.openxmlformats.org/drawingml/2006/main" xmlns:r="http://schemas.openxmlformats.org/officeDocument/2006/relationships" xmlns:p="http://schemas.openxmlformats.org/presentationml/2006/main">
+  <p:cSld>
+    <p:spTree>
+      <p:nvGrpSpPr>
+        <p:cNvPr id="1" name=""/>
+        <p:cNvGrpSpPr/>
+        <p:nvPr/>
+      </p:nvGrpSpPr>
+      <p:grpSpPr>
+        <a:xfrm>
+          <a:off x="0" y="0"/>
+          <a:ext cx="0" cy="0"/>
+          <a:chOff x="0" y="0"/>
+          <a:chExt cx="0" cy="0"/>
+        </a:xfrm>
+      </p:grpSpPr>
+      <p:sp>
+        <p:nvSpPr>
+          <p:cNvPr id="5" name="Rectangle 4">
+            <a:extLst>
+              <a:ext uri="{FF2B5EF4-FFF2-40B4-BE49-F238E27FC236}">
+                <a16:creationId xmlns:a16="http://schemas.microsoft.com/office/drawing/2014/main" id="{25B0E07D-4C45-0640-99D1-FC5447FFF14E}"/>
+              </a:ext>
+            </a:extLst>
+          </p:cNvPr>
+          <p:cNvSpPr/>
+          <p:nvPr/>
+        </p:nvSpPr>
+        <p:spPr>
+          <a:xfrm>
+            <a:off x="0" y="0"/>
+            <a:ext cx="12192000" cy="6858000"/>
+          </a:xfrm>
+          <a:prstGeom prst="rect">
+            <a:avLst/>
+          </a:prstGeom>
+          <a:solidFill>
+            <a:schemeClr val="accent5"/>
+          </a:solidFill>
+          <a:ln>
+            <a:noFill/>
+          </a:ln>
+        </p:spPr>
+        <p:style>
+          <a:lnRef idx="2">
+            <a:schemeClr val="accent1">
+              <a:shade val="50000"/>
+            </a:schemeClr>
+          </a:lnRef>
+          <a:fillRef idx="1">
+            <a:schemeClr val="accent1"/>
+          </a:fillRef>
+          <a:effectRef idx="0">
+            <a:schemeClr val="accent1"/>
+          </a:effectRef>
+          <a:fontRef idx="minor">
+            <a:schemeClr val="lt1"/>
+          </a:fontRef>
+        </p:style>
+        <p:txBody>
+          <a:bodyPr rtlCol="0" anchor="ctr"/>
+          <a:lstStyle/>
+          <a:p>
+            <a:pPr algn="ctr"/>
+            <a:endParaRPr lang="en-US" dirty="0"/>
+          </a:p>
+        </p:txBody>
+      </p:sp>
+      <p:sp>
+        <p:nvSpPr>
+          <p:cNvPr id="6" name="Rectangle 5">
+            <a:extLst>
+              <a:ext uri="{FF2B5EF4-FFF2-40B4-BE49-F238E27FC236}">
+                <a16:creationId xmlns:a16="http://schemas.microsoft.com/office/drawing/2014/main" id="{C8B8593E-31AC-FA49-BB23-068E5A77DF88}"/>
+              </a:ext>
+            </a:extLst>
+          </p:cNvPr>
+          <p:cNvSpPr/>
+          <p:nvPr/>
+        </p:nvSpPr>
+        <p:spPr>
+          <a:xfrm>
+            <a:off x="4532911" y="2890391"/>
+            <a:ext cx="3126177" cy="1077218"/>
+          </a:xfrm>
+          <a:prstGeom prst="rect">
+            <a:avLst/>
+          </a:prstGeom>
+        </p:spPr>
+        <p:txBody>
+          <a:bodyPr wrap="none">
+            <a:spAutoFit/>
+          </a:bodyPr>
+          <a:lstStyle/>
+          <a:p>
+            <a:r>
+              <a:rPr lang="en-US" sz="6400" b="1" dirty="0">
+                <a:solidFill>
+                  <a:schemeClr val="bg1">
+                    <a:alpha val="99000"/>
+                  </a:schemeClr>
+                </a:solidFill>
+              </a:rPr>
+              <a:t>Unit test</a:t>
+            </a:r>
+          </a:p>
+        </p:txBody>
+      </p:sp>
+    </p:spTree>
+    <p:extLst>
+      <p:ext uri="{BB962C8B-B14F-4D97-AF65-F5344CB8AC3E}">
+        <p14:creationId xmlns:p14="http://schemas.microsoft.com/office/powerpoint/2010/main" val="776372663"/>
+      </p:ext>
+    </p:extLst>
+  </p:cSld>
+  <p:clrMapOvr>
+    <a:masterClrMapping/>
+  </p:clrMapOvr>
+</p:sld>
+</file>
+
+<file path=ppt/slides/slide88.xml><?xml version="1.0" encoding="utf-8"?>
+<p:sld xmlns:a="http://schemas.openxmlformats.org/drawingml/2006/main" xmlns:r="http://schemas.openxmlformats.org/officeDocument/2006/relationships" xmlns:p="http://schemas.openxmlformats.org/presentationml/2006/main">
+  <p:cSld>
+    <p:spTree>
+      <p:nvGrpSpPr>
+        <p:cNvPr id="1" name=""/>
+        <p:cNvGrpSpPr/>
+        <p:nvPr/>
+      </p:nvGrpSpPr>
+      <p:grpSpPr>
+        <a:xfrm>
+          <a:off x="0" y="0"/>
+          <a:ext cx="0" cy="0"/>
+          <a:chOff x="0" y="0"/>
+          <a:chExt cx="0" cy="0"/>
+        </a:xfrm>
+      </p:grpSpPr>
+      <p:sp>
+        <p:nvSpPr>
+          <p:cNvPr id="5" name="Rectangle 4">
+            <a:extLst>
+              <a:ext uri="{FF2B5EF4-FFF2-40B4-BE49-F238E27FC236}">
+                <a16:creationId xmlns:a16="http://schemas.microsoft.com/office/drawing/2014/main" id="{25B0E07D-4C45-0640-99D1-FC5447FFF14E}"/>
+              </a:ext>
+            </a:extLst>
+          </p:cNvPr>
+          <p:cNvSpPr/>
+          <p:nvPr/>
+        </p:nvSpPr>
+        <p:spPr>
+          <a:xfrm>
+            <a:off x="0" y="0"/>
+            <a:ext cx="12192000" cy="6858000"/>
+          </a:xfrm>
+          <a:prstGeom prst="rect">
+            <a:avLst/>
+          </a:prstGeom>
+          <a:solidFill>
+            <a:schemeClr val="accent5"/>
+          </a:solidFill>
+          <a:ln>
+            <a:noFill/>
+          </a:ln>
+        </p:spPr>
+        <p:style>
+          <a:lnRef idx="2">
+            <a:schemeClr val="accent1">
+              <a:shade val="50000"/>
+            </a:schemeClr>
+          </a:lnRef>
+          <a:fillRef idx="1">
+            <a:schemeClr val="accent1"/>
+          </a:fillRef>
+          <a:effectRef idx="0">
+            <a:schemeClr val="accent1"/>
+          </a:effectRef>
+          <a:fontRef idx="minor">
+            <a:schemeClr val="lt1"/>
+          </a:fontRef>
+        </p:style>
+        <p:txBody>
+          <a:bodyPr rtlCol="0" anchor="ctr"/>
+          <a:lstStyle/>
+          <a:p>
+            <a:pPr algn="ctr"/>
+            <a:endParaRPr lang="en-US" dirty="0"/>
+          </a:p>
+        </p:txBody>
+      </p:sp>
+      <p:sp>
+        <p:nvSpPr>
+          <p:cNvPr id="6" name="Rectangle 5">
+            <a:extLst>
+              <a:ext uri="{FF2B5EF4-FFF2-40B4-BE49-F238E27FC236}">
+                <a16:creationId xmlns:a16="http://schemas.microsoft.com/office/drawing/2014/main" id="{C8B8593E-31AC-FA49-BB23-068E5A77DF88}"/>
+              </a:ext>
+            </a:extLst>
+          </p:cNvPr>
+          <p:cNvSpPr/>
+          <p:nvPr/>
+        </p:nvSpPr>
+        <p:spPr>
+          <a:xfrm>
+            <a:off x="4376156" y="290882"/>
+            <a:ext cx="3126177" cy="1077218"/>
+          </a:xfrm>
+          <a:prstGeom prst="rect">
+            <a:avLst/>
+          </a:prstGeom>
+        </p:spPr>
+        <p:txBody>
+          <a:bodyPr wrap="none">
+            <a:spAutoFit/>
+          </a:bodyPr>
+          <a:lstStyle/>
+          <a:p>
+            <a:r>
+              <a:rPr lang="en-US" sz="6400" b="1" dirty="0">
+                <a:solidFill>
+                  <a:schemeClr val="bg1">
+                    <a:alpha val="30000"/>
+                  </a:schemeClr>
+                </a:solidFill>
+              </a:rPr>
+              <a:t>Unit test</a:t>
+            </a:r>
+          </a:p>
+        </p:txBody>
+      </p:sp>
+      <p:sp>
+        <p:nvSpPr>
+          <p:cNvPr id="4" name="Rectangle 3">
+            <a:extLst>
+              <a:ext uri="{FF2B5EF4-FFF2-40B4-BE49-F238E27FC236}">
+                <a16:creationId xmlns:a16="http://schemas.microsoft.com/office/drawing/2014/main" id="{19F6A5CB-F80D-5940-B0BA-E91CEC295432}"/>
+              </a:ext>
+            </a:extLst>
+          </p:cNvPr>
+          <p:cNvSpPr/>
+          <p:nvPr/>
+        </p:nvSpPr>
+        <p:spPr>
+          <a:xfrm>
+            <a:off x="457084" y="2219831"/>
+            <a:ext cx="11277831" cy="1077218"/>
+          </a:xfrm>
+          <a:prstGeom prst="rect">
+            <a:avLst/>
+          </a:prstGeom>
+        </p:spPr>
+        <p:txBody>
+          <a:bodyPr wrap="none">
+            <a:spAutoFit/>
+          </a:bodyPr>
+          <a:lstStyle/>
+          <a:p>
+            <a:pPr marL="857250" indent="-857250">
+              <a:buFont typeface="Arial" panose="020B0604020202020204" pitchFamily="34" charset="0"/>
+              <a:buChar char="•"/>
+            </a:pPr>
+            <a:r>
+              <a:rPr lang="en-US" sz="6400" b="1" dirty="0">
+                <a:solidFill>
+                  <a:schemeClr val="bg1">
+                    <a:alpha val="99000"/>
+                  </a:schemeClr>
+                </a:solidFill>
+              </a:rPr>
+              <a:t>Test the smallest testable part</a:t>
+            </a:r>
+          </a:p>
+        </p:txBody>
+      </p:sp>
+    </p:spTree>
+    <p:extLst>
+      <p:ext uri="{BB962C8B-B14F-4D97-AF65-F5344CB8AC3E}">
+        <p14:creationId xmlns:p14="http://schemas.microsoft.com/office/powerpoint/2010/main" val="4070330415"/>
+      </p:ext>
+    </p:extLst>
+  </p:cSld>
+  <p:clrMapOvr>
+    <a:masterClrMapping/>
+  </p:clrMapOvr>
+</p:sld>
+</file>
+
+<file path=ppt/slides/slide89.xml><?xml version="1.0" encoding="utf-8"?>
+<p:sld xmlns:a="http://schemas.openxmlformats.org/drawingml/2006/main" xmlns:r="http://schemas.openxmlformats.org/officeDocument/2006/relationships" xmlns:p="http://schemas.openxmlformats.org/presentationml/2006/main">
+  <p:cSld>
+    <p:spTree>
+      <p:nvGrpSpPr>
+        <p:cNvPr id="1" name=""/>
+        <p:cNvGrpSpPr/>
+        <p:nvPr/>
+      </p:nvGrpSpPr>
+      <p:grpSpPr>
+        <a:xfrm>
+          <a:off x="0" y="0"/>
+          <a:ext cx="0" cy="0"/>
+          <a:chOff x="0" y="0"/>
+          <a:chExt cx="0" cy="0"/>
+        </a:xfrm>
+      </p:grpSpPr>
+      <p:sp>
+        <p:nvSpPr>
+          <p:cNvPr id="5" name="Rectangle 4">
+            <a:extLst>
+              <a:ext uri="{FF2B5EF4-FFF2-40B4-BE49-F238E27FC236}">
+                <a16:creationId xmlns:a16="http://schemas.microsoft.com/office/drawing/2014/main" id="{25B0E07D-4C45-0640-99D1-FC5447FFF14E}"/>
+              </a:ext>
+            </a:extLst>
+          </p:cNvPr>
+          <p:cNvSpPr/>
+          <p:nvPr/>
+        </p:nvSpPr>
+        <p:spPr>
+          <a:xfrm>
+            <a:off x="0" y="0"/>
+            <a:ext cx="12192000" cy="6858000"/>
+          </a:xfrm>
+          <a:prstGeom prst="rect">
+            <a:avLst/>
+          </a:prstGeom>
+          <a:solidFill>
+            <a:schemeClr val="accent5"/>
+          </a:solidFill>
+          <a:ln>
+            <a:noFill/>
+          </a:ln>
+        </p:spPr>
+        <p:style>
+          <a:lnRef idx="2">
+            <a:schemeClr val="accent1">
+              <a:shade val="50000"/>
+            </a:schemeClr>
+          </a:lnRef>
+          <a:fillRef idx="1">
+            <a:schemeClr val="accent1"/>
+          </a:fillRef>
+          <a:effectRef idx="0">
+            <a:schemeClr val="accent1"/>
+          </a:effectRef>
+          <a:fontRef idx="minor">
+            <a:schemeClr val="lt1"/>
+          </a:fontRef>
+        </p:style>
+        <p:txBody>
+          <a:bodyPr rtlCol="0" anchor="ctr"/>
+          <a:lstStyle/>
+          <a:p>
+            <a:pPr algn="ctr"/>
+            <a:endParaRPr lang="en-US" dirty="0"/>
+          </a:p>
+        </p:txBody>
+      </p:sp>
+      <p:sp>
+        <p:nvSpPr>
+          <p:cNvPr id="6" name="Rectangle 5">
+            <a:extLst>
+              <a:ext uri="{FF2B5EF4-FFF2-40B4-BE49-F238E27FC236}">
+                <a16:creationId xmlns:a16="http://schemas.microsoft.com/office/drawing/2014/main" id="{C8B8593E-31AC-FA49-BB23-068E5A77DF88}"/>
+              </a:ext>
+            </a:extLst>
+          </p:cNvPr>
+          <p:cNvSpPr/>
+          <p:nvPr/>
+        </p:nvSpPr>
+        <p:spPr>
+          <a:xfrm>
+            <a:off x="4376156" y="290882"/>
+            <a:ext cx="3126177" cy="1077218"/>
+          </a:xfrm>
+          <a:prstGeom prst="rect">
+            <a:avLst/>
+          </a:prstGeom>
+        </p:spPr>
+        <p:txBody>
+          <a:bodyPr wrap="none">
+            <a:spAutoFit/>
+          </a:bodyPr>
+          <a:lstStyle/>
+          <a:p>
+            <a:r>
+              <a:rPr lang="en-US" sz="6400" b="1" dirty="0">
+                <a:solidFill>
+                  <a:schemeClr val="bg1">
+                    <a:alpha val="30000"/>
+                  </a:schemeClr>
+                </a:solidFill>
+              </a:rPr>
+              <a:t>Unit test</a:t>
+            </a:r>
+          </a:p>
+        </p:txBody>
+      </p:sp>
+      <p:sp>
+        <p:nvSpPr>
+          <p:cNvPr id="4" name="Rectangle 3">
+            <a:extLst>
+              <a:ext uri="{FF2B5EF4-FFF2-40B4-BE49-F238E27FC236}">
+                <a16:creationId xmlns:a16="http://schemas.microsoft.com/office/drawing/2014/main" id="{19F6A5CB-F80D-5940-B0BA-E91CEC295432}"/>
+              </a:ext>
+            </a:extLst>
+          </p:cNvPr>
+          <p:cNvSpPr/>
+          <p:nvPr/>
+        </p:nvSpPr>
+        <p:spPr>
+          <a:xfrm>
+            <a:off x="457084" y="2219831"/>
+            <a:ext cx="11277831" cy="2062103"/>
+          </a:xfrm>
+          <a:prstGeom prst="rect">
+            <a:avLst/>
+          </a:prstGeom>
+        </p:spPr>
+        <p:txBody>
+          <a:bodyPr wrap="none">
+            <a:spAutoFit/>
+          </a:bodyPr>
+          <a:lstStyle/>
+          <a:p>
+            <a:pPr marL="857250" indent="-857250">
+              <a:buFont typeface="Arial" panose="020B0604020202020204" pitchFamily="34" charset="0"/>
+              <a:buChar char="•"/>
+            </a:pPr>
+            <a:r>
+              <a:rPr lang="en-US" sz="6400" b="1" dirty="0">
+                <a:solidFill>
+                  <a:schemeClr val="bg1">
+                    <a:alpha val="30000"/>
+                  </a:schemeClr>
+                </a:solidFill>
+              </a:rPr>
+              <a:t>Test the smallest testable part</a:t>
+            </a:r>
+          </a:p>
+          <a:p>
+            <a:pPr marL="857250" indent="-857250">
+              <a:buFont typeface="Arial" panose="020B0604020202020204" pitchFamily="34" charset="0"/>
+              <a:buChar char="•"/>
+            </a:pPr>
+            <a:r>
+              <a:rPr lang="en-US" sz="6400" b="1" dirty="0">
+                <a:solidFill>
+                  <a:schemeClr val="bg1">
+                    <a:alpha val="99000"/>
+                  </a:schemeClr>
+                </a:solidFill>
+              </a:rPr>
+              <a:t>Isolate each component</a:t>
+            </a:r>
+          </a:p>
+        </p:txBody>
+      </p:sp>
+    </p:spTree>
+    <p:extLst>
+      <p:ext uri="{BB962C8B-B14F-4D97-AF65-F5344CB8AC3E}">
+        <p14:creationId xmlns:p14="http://schemas.microsoft.com/office/powerpoint/2010/main" val="4127779679"/>
       </p:ext>
     </p:extLst>
   </p:cSld>
@@ -24778,6 +32426,788 @@
     <p:extLst>
       <p:ext uri="{BB962C8B-B14F-4D97-AF65-F5344CB8AC3E}">
         <p14:creationId xmlns:p14="http://schemas.microsoft.com/office/powerpoint/2010/main" val="3082327715"/>
+      </p:ext>
+    </p:extLst>
+  </p:cSld>
+  <p:clrMapOvr>
+    <a:masterClrMapping/>
+  </p:clrMapOvr>
+</p:sld>
+</file>
+
+<file path=ppt/slides/slide90.xml><?xml version="1.0" encoding="utf-8"?>
+<p:sld xmlns:a="http://schemas.openxmlformats.org/drawingml/2006/main" xmlns:r="http://schemas.openxmlformats.org/officeDocument/2006/relationships" xmlns:p="http://schemas.openxmlformats.org/presentationml/2006/main">
+  <p:cSld>
+    <p:spTree>
+      <p:nvGrpSpPr>
+        <p:cNvPr id="1" name=""/>
+        <p:cNvGrpSpPr/>
+        <p:nvPr/>
+      </p:nvGrpSpPr>
+      <p:grpSpPr>
+        <a:xfrm>
+          <a:off x="0" y="0"/>
+          <a:ext cx="0" cy="0"/>
+          <a:chOff x="0" y="0"/>
+          <a:chExt cx="0" cy="0"/>
+        </a:xfrm>
+      </p:grpSpPr>
+      <p:sp>
+        <p:nvSpPr>
+          <p:cNvPr id="5" name="Rectangle 4">
+            <a:extLst>
+              <a:ext uri="{FF2B5EF4-FFF2-40B4-BE49-F238E27FC236}">
+                <a16:creationId xmlns:a16="http://schemas.microsoft.com/office/drawing/2014/main" id="{25B0E07D-4C45-0640-99D1-FC5447FFF14E}"/>
+              </a:ext>
+            </a:extLst>
+          </p:cNvPr>
+          <p:cNvSpPr/>
+          <p:nvPr/>
+        </p:nvSpPr>
+        <p:spPr>
+          <a:xfrm>
+            <a:off x="0" y="0"/>
+            <a:ext cx="12192000" cy="6858000"/>
+          </a:xfrm>
+          <a:prstGeom prst="rect">
+            <a:avLst/>
+          </a:prstGeom>
+          <a:solidFill>
+            <a:schemeClr val="accent5"/>
+          </a:solidFill>
+          <a:ln>
+            <a:noFill/>
+          </a:ln>
+        </p:spPr>
+        <p:style>
+          <a:lnRef idx="2">
+            <a:schemeClr val="accent1">
+              <a:shade val="50000"/>
+            </a:schemeClr>
+          </a:lnRef>
+          <a:fillRef idx="1">
+            <a:schemeClr val="accent1"/>
+          </a:fillRef>
+          <a:effectRef idx="0">
+            <a:schemeClr val="accent1"/>
+          </a:effectRef>
+          <a:fontRef idx="minor">
+            <a:schemeClr val="lt1"/>
+          </a:fontRef>
+        </p:style>
+        <p:txBody>
+          <a:bodyPr rtlCol="0" anchor="ctr"/>
+          <a:lstStyle/>
+          <a:p>
+            <a:pPr algn="ctr"/>
+            <a:endParaRPr lang="en-US" dirty="0"/>
+          </a:p>
+        </p:txBody>
+      </p:sp>
+      <p:sp>
+        <p:nvSpPr>
+          <p:cNvPr id="6" name="Rectangle 5">
+            <a:extLst>
+              <a:ext uri="{FF2B5EF4-FFF2-40B4-BE49-F238E27FC236}">
+                <a16:creationId xmlns:a16="http://schemas.microsoft.com/office/drawing/2014/main" id="{C8B8593E-31AC-FA49-BB23-068E5A77DF88}"/>
+              </a:ext>
+            </a:extLst>
+          </p:cNvPr>
+          <p:cNvSpPr/>
+          <p:nvPr/>
+        </p:nvSpPr>
+        <p:spPr>
+          <a:xfrm>
+            <a:off x="1692647" y="172611"/>
+            <a:ext cx="8992655" cy="1077218"/>
+          </a:xfrm>
+          <a:prstGeom prst="rect">
+            <a:avLst/>
+          </a:prstGeom>
+        </p:spPr>
+        <p:txBody>
+          <a:bodyPr wrap="none">
+            <a:spAutoFit/>
+          </a:bodyPr>
+          <a:lstStyle/>
+          <a:p>
+            <a:r>
+              <a:rPr lang="en-US" sz="6400" b="1" dirty="0">
+                <a:solidFill>
+                  <a:schemeClr val="bg1">
+                    <a:alpha val="99000"/>
+                  </a:schemeClr>
+                </a:solidFill>
+              </a:rPr>
+              <a:t>Test-Driven Development</a:t>
+            </a:r>
+          </a:p>
+        </p:txBody>
+      </p:sp>
+    </p:spTree>
+    <p:extLst>
+      <p:ext uri="{BB962C8B-B14F-4D97-AF65-F5344CB8AC3E}">
+        <p14:creationId xmlns:p14="http://schemas.microsoft.com/office/powerpoint/2010/main" val="2607771842"/>
+      </p:ext>
+    </p:extLst>
+  </p:cSld>
+  <p:clrMapOvr>
+    <a:masterClrMapping/>
+  </p:clrMapOvr>
+</p:sld>
+</file>
+
+<file path=ppt/slides/slide91.xml><?xml version="1.0" encoding="utf-8"?>
+<p:sld xmlns:a="http://schemas.openxmlformats.org/drawingml/2006/main" xmlns:r="http://schemas.openxmlformats.org/officeDocument/2006/relationships" xmlns:p="http://schemas.openxmlformats.org/presentationml/2006/main">
+  <p:cSld>
+    <p:spTree>
+      <p:nvGrpSpPr>
+        <p:cNvPr id="1" name=""/>
+        <p:cNvGrpSpPr/>
+        <p:nvPr/>
+      </p:nvGrpSpPr>
+      <p:grpSpPr>
+        <a:xfrm>
+          <a:off x="0" y="0"/>
+          <a:ext cx="0" cy="0"/>
+          <a:chOff x="0" y="0"/>
+          <a:chExt cx="0" cy="0"/>
+        </a:xfrm>
+      </p:grpSpPr>
+      <p:sp>
+        <p:nvSpPr>
+          <p:cNvPr id="5" name="Rectangle 4">
+            <a:extLst>
+              <a:ext uri="{FF2B5EF4-FFF2-40B4-BE49-F238E27FC236}">
+                <a16:creationId xmlns:a16="http://schemas.microsoft.com/office/drawing/2014/main" id="{25B0E07D-4C45-0640-99D1-FC5447FFF14E}"/>
+              </a:ext>
+            </a:extLst>
+          </p:cNvPr>
+          <p:cNvSpPr/>
+          <p:nvPr/>
+        </p:nvSpPr>
+        <p:spPr>
+          <a:xfrm>
+            <a:off x="0" y="0"/>
+            <a:ext cx="12192000" cy="6858000"/>
+          </a:xfrm>
+          <a:prstGeom prst="rect">
+            <a:avLst/>
+          </a:prstGeom>
+          <a:solidFill>
+            <a:schemeClr val="accent5"/>
+          </a:solidFill>
+          <a:ln>
+            <a:noFill/>
+          </a:ln>
+        </p:spPr>
+        <p:style>
+          <a:lnRef idx="2">
+            <a:schemeClr val="accent1">
+              <a:shade val="50000"/>
+            </a:schemeClr>
+          </a:lnRef>
+          <a:fillRef idx="1">
+            <a:schemeClr val="accent1"/>
+          </a:fillRef>
+          <a:effectRef idx="0">
+            <a:schemeClr val="accent1"/>
+          </a:effectRef>
+          <a:fontRef idx="minor">
+            <a:schemeClr val="lt1"/>
+          </a:fontRef>
+        </p:style>
+        <p:txBody>
+          <a:bodyPr rtlCol="0" anchor="ctr"/>
+          <a:lstStyle/>
+          <a:p>
+            <a:pPr algn="ctr"/>
+            <a:endParaRPr lang="en-US" dirty="0"/>
+          </a:p>
+        </p:txBody>
+      </p:sp>
+      <p:sp>
+        <p:nvSpPr>
+          <p:cNvPr id="6" name="Rectangle 5">
+            <a:extLst>
+              <a:ext uri="{FF2B5EF4-FFF2-40B4-BE49-F238E27FC236}">
+                <a16:creationId xmlns:a16="http://schemas.microsoft.com/office/drawing/2014/main" id="{C8B8593E-31AC-FA49-BB23-068E5A77DF88}"/>
+              </a:ext>
+            </a:extLst>
+          </p:cNvPr>
+          <p:cNvSpPr/>
+          <p:nvPr/>
+        </p:nvSpPr>
+        <p:spPr>
+          <a:xfrm>
+            <a:off x="1692647" y="172611"/>
+            <a:ext cx="8806706" cy="1077218"/>
+          </a:xfrm>
+          <a:prstGeom prst="rect">
+            <a:avLst/>
+          </a:prstGeom>
+        </p:spPr>
+        <p:txBody>
+          <a:bodyPr wrap="none">
+            <a:spAutoFit/>
+          </a:bodyPr>
+          <a:lstStyle/>
+          <a:p>
+            <a:r>
+              <a:rPr lang="en-US" sz="6400" b="1" dirty="0">
+                <a:solidFill>
+                  <a:schemeClr val="bg1">
+                    <a:alpha val="30000"/>
+                  </a:schemeClr>
+                </a:solidFill>
+              </a:rPr>
+              <a:t>Test-Driven Development</a:t>
+            </a:r>
+          </a:p>
+        </p:txBody>
+      </p:sp>
+      <p:sp>
+        <p:nvSpPr>
+          <p:cNvPr id="7" name="Rectangle 6">
+            <a:extLst>
+              <a:ext uri="{FF2B5EF4-FFF2-40B4-BE49-F238E27FC236}">
+                <a16:creationId xmlns:a16="http://schemas.microsoft.com/office/drawing/2014/main" id="{F91A45C2-9A97-924F-9ABA-7CC09E59DCD5}"/>
+              </a:ext>
+            </a:extLst>
+          </p:cNvPr>
+          <p:cNvSpPr/>
+          <p:nvPr/>
+        </p:nvSpPr>
+        <p:spPr>
+          <a:xfrm>
+            <a:off x="421196" y="1605171"/>
+            <a:ext cx="6920869" cy="1077218"/>
+          </a:xfrm>
+          <a:prstGeom prst="rect">
+            <a:avLst/>
+          </a:prstGeom>
+        </p:spPr>
+        <p:txBody>
+          <a:bodyPr wrap="none">
+            <a:spAutoFit/>
+          </a:bodyPr>
+          <a:lstStyle/>
+          <a:p>
+            <a:pPr marL="857250" indent="-857250">
+              <a:buFont typeface="Arial" panose="020B0604020202020204" pitchFamily="34" charset="0"/>
+              <a:buChar char="•"/>
+            </a:pPr>
+            <a:r>
+              <a:rPr lang="en-US" sz="6400" b="1" dirty="0">
+                <a:solidFill>
+                  <a:schemeClr val="bg1"/>
+                </a:solidFill>
+              </a:rPr>
+              <a:t>Define a use case</a:t>
+            </a:r>
+          </a:p>
+        </p:txBody>
+      </p:sp>
+    </p:spTree>
+    <p:extLst>
+      <p:ext uri="{BB962C8B-B14F-4D97-AF65-F5344CB8AC3E}">
+        <p14:creationId xmlns:p14="http://schemas.microsoft.com/office/powerpoint/2010/main" val="1960994913"/>
+      </p:ext>
+    </p:extLst>
+  </p:cSld>
+  <p:clrMapOvr>
+    <a:masterClrMapping/>
+  </p:clrMapOvr>
+</p:sld>
+</file>
+
+<file path=ppt/slides/slide92.xml><?xml version="1.0" encoding="utf-8"?>
+<p:sld xmlns:a="http://schemas.openxmlformats.org/drawingml/2006/main" xmlns:r="http://schemas.openxmlformats.org/officeDocument/2006/relationships" xmlns:p="http://schemas.openxmlformats.org/presentationml/2006/main">
+  <p:cSld>
+    <p:spTree>
+      <p:nvGrpSpPr>
+        <p:cNvPr id="1" name=""/>
+        <p:cNvGrpSpPr/>
+        <p:nvPr/>
+      </p:nvGrpSpPr>
+      <p:grpSpPr>
+        <a:xfrm>
+          <a:off x="0" y="0"/>
+          <a:ext cx="0" cy="0"/>
+          <a:chOff x="0" y="0"/>
+          <a:chExt cx="0" cy="0"/>
+        </a:xfrm>
+      </p:grpSpPr>
+      <p:sp>
+        <p:nvSpPr>
+          <p:cNvPr id="5" name="Rectangle 4">
+            <a:extLst>
+              <a:ext uri="{FF2B5EF4-FFF2-40B4-BE49-F238E27FC236}">
+                <a16:creationId xmlns:a16="http://schemas.microsoft.com/office/drawing/2014/main" id="{25B0E07D-4C45-0640-99D1-FC5447FFF14E}"/>
+              </a:ext>
+            </a:extLst>
+          </p:cNvPr>
+          <p:cNvSpPr/>
+          <p:nvPr/>
+        </p:nvSpPr>
+        <p:spPr>
+          <a:xfrm>
+            <a:off x="0" y="0"/>
+            <a:ext cx="12192000" cy="6858000"/>
+          </a:xfrm>
+          <a:prstGeom prst="rect">
+            <a:avLst/>
+          </a:prstGeom>
+          <a:solidFill>
+            <a:schemeClr val="accent5"/>
+          </a:solidFill>
+          <a:ln>
+            <a:noFill/>
+          </a:ln>
+        </p:spPr>
+        <p:style>
+          <a:lnRef idx="2">
+            <a:schemeClr val="accent1">
+              <a:shade val="50000"/>
+            </a:schemeClr>
+          </a:lnRef>
+          <a:fillRef idx="1">
+            <a:schemeClr val="accent1"/>
+          </a:fillRef>
+          <a:effectRef idx="0">
+            <a:schemeClr val="accent1"/>
+          </a:effectRef>
+          <a:fontRef idx="minor">
+            <a:schemeClr val="lt1"/>
+          </a:fontRef>
+        </p:style>
+        <p:txBody>
+          <a:bodyPr rtlCol="0" anchor="ctr"/>
+          <a:lstStyle/>
+          <a:p>
+            <a:pPr algn="ctr"/>
+            <a:endParaRPr lang="en-US" dirty="0"/>
+          </a:p>
+        </p:txBody>
+      </p:sp>
+      <p:sp>
+        <p:nvSpPr>
+          <p:cNvPr id="6" name="Rectangle 5">
+            <a:extLst>
+              <a:ext uri="{FF2B5EF4-FFF2-40B4-BE49-F238E27FC236}">
+                <a16:creationId xmlns:a16="http://schemas.microsoft.com/office/drawing/2014/main" id="{C8B8593E-31AC-FA49-BB23-068E5A77DF88}"/>
+              </a:ext>
+            </a:extLst>
+          </p:cNvPr>
+          <p:cNvSpPr/>
+          <p:nvPr/>
+        </p:nvSpPr>
+        <p:spPr>
+          <a:xfrm>
+            <a:off x="1692647" y="172611"/>
+            <a:ext cx="8806706" cy="1077218"/>
+          </a:xfrm>
+          <a:prstGeom prst="rect">
+            <a:avLst/>
+          </a:prstGeom>
+        </p:spPr>
+        <p:txBody>
+          <a:bodyPr wrap="none">
+            <a:spAutoFit/>
+          </a:bodyPr>
+          <a:lstStyle/>
+          <a:p>
+            <a:r>
+              <a:rPr lang="en-US" sz="6400" b="1" dirty="0">
+                <a:solidFill>
+                  <a:schemeClr val="bg1">
+                    <a:alpha val="30000"/>
+                  </a:schemeClr>
+                </a:solidFill>
+              </a:rPr>
+              <a:t>Test-Driven Development</a:t>
+            </a:r>
+          </a:p>
+        </p:txBody>
+      </p:sp>
+      <p:sp>
+        <p:nvSpPr>
+          <p:cNvPr id="7" name="Rectangle 6">
+            <a:extLst>
+              <a:ext uri="{FF2B5EF4-FFF2-40B4-BE49-F238E27FC236}">
+                <a16:creationId xmlns:a16="http://schemas.microsoft.com/office/drawing/2014/main" id="{F91A45C2-9A97-924F-9ABA-7CC09E59DCD5}"/>
+              </a:ext>
+            </a:extLst>
+          </p:cNvPr>
+          <p:cNvSpPr/>
+          <p:nvPr/>
+        </p:nvSpPr>
+        <p:spPr>
+          <a:xfrm>
+            <a:off x="421196" y="1605171"/>
+            <a:ext cx="6920869" cy="2062103"/>
+          </a:xfrm>
+          <a:prstGeom prst="rect">
+            <a:avLst/>
+          </a:prstGeom>
+        </p:spPr>
+        <p:txBody>
+          <a:bodyPr wrap="none">
+            <a:spAutoFit/>
+          </a:bodyPr>
+          <a:lstStyle/>
+          <a:p>
+            <a:pPr marL="857250" indent="-857250">
+              <a:buFont typeface="Arial" panose="020B0604020202020204" pitchFamily="34" charset="0"/>
+              <a:buChar char="•"/>
+            </a:pPr>
+            <a:r>
+              <a:rPr lang="en-US" sz="6400" b="1" dirty="0">
+                <a:solidFill>
+                  <a:schemeClr val="bg1">
+                    <a:alpha val="30000"/>
+                  </a:schemeClr>
+                </a:solidFill>
+              </a:rPr>
+              <a:t>Define a use case</a:t>
+            </a:r>
+          </a:p>
+          <a:p>
+            <a:pPr marL="857250" indent="-857250">
+              <a:buFont typeface="Arial" panose="020B0604020202020204" pitchFamily="34" charset="0"/>
+              <a:buChar char="•"/>
+            </a:pPr>
+            <a:r>
+              <a:rPr lang="en-US" sz="6400" b="1" dirty="0">
+                <a:solidFill>
+                  <a:schemeClr val="bg1"/>
+                </a:solidFill>
+              </a:rPr>
+              <a:t>Write test code</a:t>
+            </a:r>
+          </a:p>
+        </p:txBody>
+      </p:sp>
+    </p:spTree>
+    <p:extLst>
+      <p:ext uri="{BB962C8B-B14F-4D97-AF65-F5344CB8AC3E}">
+        <p14:creationId xmlns:p14="http://schemas.microsoft.com/office/powerpoint/2010/main" val="333399995"/>
+      </p:ext>
+    </p:extLst>
+  </p:cSld>
+  <p:clrMapOvr>
+    <a:masterClrMapping/>
+  </p:clrMapOvr>
+</p:sld>
+</file>
+
+<file path=ppt/slides/slide93.xml><?xml version="1.0" encoding="utf-8"?>
+<p:sld xmlns:a="http://schemas.openxmlformats.org/drawingml/2006/main" xmlns:r="http://schemas.openxmlformats.org/officeDocument/2006/relationships" xmlns:p="http://schemas.openxmlformats.org/presentationml/2006/main">
+  <p:cSld>
+    <p:spTree>
+      <p:nvGrpSpPr>
+        <p:cNvPr id="1" name=""/>
+        <p:cNvGrpSpPr/>
+        <p:nvPr/>
+      </p:nvGrpSpPr>
+      <p:grpSpPr>
+        <a:xfrm>
+          <a:off x="0" y="0"/>
+          <a:ext cx="0" cy="0"/>
+          <a:chOff x="0" y="0"/>
+          <a:chExt cx="0" cy="0"/>
+        </a:xfrm>
+      </p:grpSpPr>
+      <p:sp>
+        <p:nvSpPr>
+          <p:cNvPr id="5" name="Rectangle 4">
+            <a:extLst>
+              <a:ext uri="{FF2B5EF4-FFF2-40B4-BE49-F238E27FC236}">
+                <a16:creationId xmlns:a16="http://schemas.microsoft.com/office/drawing/2014/main" id="{25B0E07D-4C45-0640-99D1-FC5447FFF14E}"/>
+              </a:ext>
+            </a:extLst>
+          </p:cNvPr>
+          <p:cNvSpPr/>
+          <p:nvPr/>
+        </p:nvSpPr>
+        <p:spPr>
+          <a:xfrm>
+            <a:off x="0" y="0"/>
+            <a:ext cx="12192000" cy="6858000"/>
+          </a:xfrm>
+          <a:prstGeom prst="rect">
+            <a:avLst/>
+          </a:prstGeom>
+          <a:solidFill>
+            <a:schemeClr val="accent5"/>
+          </a:solidFill>
+          <a:ln>
+            <a:noFill/>
+          </a:ln>
+        </p:spPr>
+        <p:style>
+          <a:lnRef idx="2">
+            <a:schemeClr val="accent1">
+              <a:shade val="50000"/>
+            </a:schemeClr>
+          </a:lnRef>
+          <a:fillRef idx="1">
+            <a:schemeClr val="accent1"/>
+          </a:fillRef>
+          <a:effectRef idx="0">
+            <a:schemeClr val="accent1"/>
+          </a:effectRef>
+          <a:fontRef idx="minor">
+            <a:schemeClr val="lt1"/>
+          </a:fontRef>
+        </p:style>
+        <p:txBody>
+          <a:bodyPr rtlCol="0" anchor="ctr"/>
+          <a:lstStyle/>
+          <a:p>
+            <a:pPr algn="ctr"/>
+            <a:endParaRPr lang="en-US" dirty="0"/>
+          </a:p>
+        </p:txBody>
+      </p:sp>
+      <p:sp>
+        <p:nvSpPr>
+          <p:cNvPr id="6" name="Rectangle 5">
+            <a:extLst>
+              <a:ext uri="{FF2B5EF4-FFF2-40B4-BE49-F238E27FC236}">
+                <a16:creationId xmlns:a16="http://schemas.microsoft.com/office/drawing/2014/main" id="{C8B8593E-31AC-FA49-BB23-068E5A77DF88}"/>
+              </a:ext>
+            </a:extLst>
+          </p:cNvPr>
+          <p:cNvSpPr/>
+          <p:nvPr/>
+        </p:nvSpPr>
+        <p:spPr>
+          <a:xfrm>
+            <a:off x="1692647" y="172611"/>
+            <a:ext cx="8806706" cy="1077218"/>
+          </a:xfrm>
+          <a:prstGeom prst="rect">
+            <a:avLst/>
+          </a:prstGeom>
+        </p:spPr>
+        <p:txBody>
+          <a:bodyPr wrap="none">
+            <a:spAutoFit/>
+          </a:bodyPr>
+          <a:lstStyle/>
+          <a:p>
+            <a:r>
+              <a:rPr lang="en-US" sz="6400" b="1" dirty="0">
+                <a:solidFill>
+                  <a:schemeClr val="bg1">
+                    <a:alpha val="30000"/>
+                  </a:schemeClr>
+                </a:solidFill>
+              </a:rPr>
+              <a:t>Test-Driven Development</a:t>
+            </a:r>
+          </a:p>
+        </p:txBody>
+      </p:sp>
+      <p:sp>
+        <p:nvSpPr>
+          <p:cNvPr id="7" name="Rectangle 6">
+            <a:extLst>
+              <a:ext uri="{FF2B5EF4-FFF2-40B4-BE49-F238E27FC236}">
+                <a16:creationId xmlns:a16="http://schemas.microsoft.com/office/drawing/2014/main" id="{F91A45C2-9A97-924F-9ABA-7CC09E59DCD5}"/>
+              </a:ext>
+            </a:extLst>
+          </p:cNvPr>
+          <p:cNvSpPr/>
+          <p:nvPr/>
+        </p:nvSpPr>
+        <p:spPr>
+          <a:xfrm>
+            <a:off x="421196" y="1605171"/>
+            <a:ext cx="6920869" cy="3046988"/>
+          </a:xfrm>
+          <a:prstGeom prst="rect">
+            <a:avLst/>
+          </a:prstGeom>
+        </p:spPr>
+        <p:txBody>
+          <a:bodyPr wrap="none">
+            <a:spAutoFit/>
+          </a:bodyPr>
+          <a:lstStyle/>
+          <a:p>
+            <a:pPr marL="857250" indent="-857250">
+              <a:buFont typeface="Arial" panose="020B0604020202020204" pitchFamily="34" charset="0"/>
+              <a:buChar char="•"/>
+            </a:pPr>
+            <a:r>
+              <a:rPr lang="en-US" sz="6400" b="1" dirty="0">
+                <a:solidFill>
+                  <a:schemeClr val="bg1">
+                    <a:alpha val="30000"/>
+                  </a:schemeClr>
+                </a:solidFill>
+              </a:rPr>
+              <a:t>Define a use case</a:t>
+            </a:r>
+          </a:p>
+          <a:p>
+            <a:pPr marL="857250" indent="-857250">
+              <a:buFont typeface="Arial" panose="020B0604020202020204" pitchFamily="34" charset="0"/>
+              <a:buChar char="•"/>
+            </a:pPr>
+            <a:r>
+              <a:rPr lang="en-US" sz="6400" b="1" dirty="0">
+                <a:solidFill>
+                  <a:schemeClr val="bg1">
+                    <a:alpha val="30000"/>
+                  </a:schemeClr>
+                </a:solidFill>
+              </a:rPr>
+              <a:t>Write test code</a:t>
+            </a:r>
+          </a:p>
+          <a:p>
+            <a:pPr marL="857250" indent="-857250">
+              <a:buFont typeface="Arial" panose="020B0604020202020204" pitchFamily="34" charset="0"/>
+              <a:buChar char="•"/>
+            </a:pPr>
+            <a:r>
+              <a:rPr lang="en-US" sz="6400" b="1" dirty="0">
+                <a:solidFill>
+                  <a:schemeClr val="bg1"/>
+                </a:solidFill>
+              </a:rPr>
+              <a:t>Repeat</a:t>
+            </a:r>
+          </a:p>
+        </p:txBody>
+      </p:sp>
+    </p:spTree>
+    <p:extLst>
+      <p:ext uri="{BB962C8B-B14F-4D97-AF65-F5344CB8AC3E}">
+        <p14:creationId xmlns:p14="http://schemas.microsoft.com/office/powerpoint/2010/main" val="2907291816"/>
+      </p:ext>
+    </p:extLst>
+  </p:cSld>
+  <p:clrMapOvr>
+    <a:masterClrMapping/>
+  </p:clrMapOvr>
+</p:sld>
+</file>
+
+<file path=ppt/slides/slide94.xml><?xml version="1.0" encoding="utf-8"?>
+<p:sld xmlns:a="http://schemas.openxmlformats.org/drawingml/2006/main" xmlns:r="http://schemas.openxmlformats.org/officeDocument/2006/relationships" xmlns:p="http://schemas.openxmlformats.org/presentationml/2006/main">
+  <p:cSld>
+    <p:spTree>
+      <p:nvGrpSpPr>
+        <p:cNvPr id="1" name=""/>
+        <p:cNvGrpSpPr/>
+        <p:nvPr/>
+      </p:nvGrpSpPr>
+      <p:grpSpPr>
+        <a:xfrm>
+          <a:off x="0" y="0"/>
+          <a:ext cx="0" cy="0"/>
+          <a:chOff x="0" y="0"/>
+          <a:chExt cx="0" cy="0"/>
+        </a:xfrm>
+      </p:grpSpPr>
+      <p:sp>
+        <p:nvSpPr>
+          <p:cNvPr id="5" name="Rectangle 4">
+            <a:extLst>
+              <a:ext uri="{FF2B5EF4-FFF2-40B4-BE49-F238E27FC236}">
+                <a16:creationId xmlns:a16="http://schemas.microsoft.com/office/drawing/2014/main" id="{25B0E07D-4C45-0640-99D1-FC5447FFF14E}"/>
+              </a:ext>
+            </a:extLst>
+          </p:cNvPr>
+          <p:cNvSpPr/>
+          <p:nvPr/>
+        </p:nvSpPr>
+        <p:spPr>
+          <a:xfrm>
+            <a:off x="0" y="0"/>
+            <a:ext cx="12192000" cy="6858000"/>
+          </a:xfrm>
+          <a:prstGeom prst="rect">
+            <a:avLst/>
+          </a:prstGeom>
+          <a:solidFill>
+            <a:schemeClr val="accent5"/>
+          </a:solidFill>
+          <a:ln>
+            <a:noFill/>
+          </a:ln>
+        </p:spPr>
+        <p:style>
+          <a:lnRef idx="2">
+            <a:schemeClr val="accent1">
+              <a:shade val="50000"/>
+            </a:schemeClr>
+          </a:lnRef>
+          <a:fillRef idx="1">
+            <a:schemeClr val="accent1"/>
+          </a:fillRef>
+          <a:effectRef idx="0">
+            <a:schemeClr val="accent1"/>
+          </a:effectRef>
+          <a:fontRef idx="minor">
+            <a:schemeClr val="lt1"/>
+          </a:fontRef>
+        </p:style>
+        <p:txBody>
+          <a:bodyPr rtlCol="0" anchor="ctr"/>
+          <a:lstStyle/>
+          <a:p>
+            <a:pPr algn="ctr"/>
+            <a:endParaRPr lang="en-US" dirty="0"/>
+          </a:p>
+        </p:txBody>
+      </p:sp>
+      <p:sp>
+        <p:nvSpPr>
+          <p:cNvPr id="6" name="Rectangle 5">
+            <a:extLst>
+              <a:ext uri="{FF2B5EF4-FFF2-40B4-BE49-F238E27FC236}">
+                <a16:creationId xmlns:a16="http://schemas.microsoft.com/office/drawing/2014/main" id="{C8B8593E-31AC-FA49-BB23-068E5A77DF88}"/>
+              </a:ext>
+            </a:extLst>
+          </p:cNvPr>
+          <p:cNvSpPr/>
+          <p:nvPr/>
+        </p:nvSpPr>
+        <p:spPr>
+          <a:xfrm>
+            <a:off x="4811033" y="616748"/>
+            <a:ext cx="2569934" cy="1077218"/>
+          </a:xfrm>
+          <a:prstGeom prst="rect">
+            <a:avLst/>
+          </a:prstGeom>
+        </p:spPr>
+        <p:txBody>
+          <a:bodyPr wrap="none">
+            <a:spAutoFit/>
+          </a:bodyPr>
+          <a:lstStyle/>
+          <a:p>
+            <a:r>
+              <a:rPr lang="en-US" sz="6400" b="1" dirty="0">
+                <a:solidFill>
+                  <a:schemeClr val="bg1"/>
+                </a:solidFill>
+              </a:rPr>
+              <a:t>Testing</a:t>
+            </a:r>
+          </a:p>
+        </p:txBody>
+      </p:sp>
+    </p:spTree>
+    <p:extLst>
+      <p:ext uri="{BB962C8B-B14F-4D97-AF65-F5344CB8AC3E}">
+        <p14:creationId xmlns:p14="http://schemas.microsoft.com/office/powerpoint/2010/main" val="4202698530"/>
       </p:ext>
     </p:extLst>
   </p:cSld>

--- a/1-Get-started/AB-03.01-The-debugger/Debugging.pptx
+++ b/1-Get-started/AB-03.01-The-debugger/Debugging.pptx
@@ -5,7 +5,7 @@
     <p:sldMasterId id="2147483648" r:id="rId1"/>
   </p:sldMasterIdLst>
   <p:notesMasterIdLst>
-    <p:notesMasterId r:id="rId96"/>
+    <p:notesMasterId r:id="rId97"/>
   </p:notesMasterIdLst>
   <p:sldIdLst>
     <p:sldId id="256" r:id="rId2"/>
@@ -37,45 +37,45 @@
     <p:sldId id="303" r:id="rId28"/>
     <p:sldId id="301" r:id="rId29"/>
     <p:sldId id="304" r:id="rId30"/>
-    <p:sldId id="307" r:id="rId31"/>
-    <p:sldId id="308" r:id="rId32"/>
-    <p:sldId id="309" r:id="rId33"/>
-    <p:sldId id="310" r:id="rId34"/>
-    <p:sldId id="311" r:id="rId35"/>
-    <p:sldId id="312" r:id="rId36"/>
-    <p:sldId id="313" r:id="rId37"/>
-    <p:sldId id="314" r:id="rId38"/>
-    <p:sldId id="331" r:id="rId39"/>
-    <p:sldId id="315" r:id="rId40"/>
-    <p:sldId id="316" r:id="rId41"/>
-    <p:sldId id="319" r:id="rId42"/>
-    <p:sldId id="318" r:id="rId43"/>
-    <p:sldId id="320" r:id="rId44"/>
-    <p:sldId id="321" r:id="rId45"/>
-    <p:sldId id="322" r:id="rId46"/>
-    <p:sldId id="305" r:id="rId47"/>
-    <p:sldId id="323" r:id="rId48"/>
-    <p:sldId id="325" r:id="rId49"/>
-    <p:sldId id="326" r:id="rId50"/>
-    <p:sldId id="329" r:id="rId51"/>
-    <p:sldId id="330" r:id="rId52"/>
-    <p:sldId id="333" r:id="rId53"/>
-    <p:sldId id="332" r:id="rId54"/>
-    <p:sldId id="335" r:id="rId55"/>
-    <p:sldId id="334" r:id="rId56"/>
-    <p:sldId id="336" r:id="rId57"/>
-    <p:sldId id="337" r:id="rId58"/>
-    <p:sldId id="338" r:id="rId59"/>
-    <p:sldId id="339" r:id="rId60"/>
-    <p:sldId id="340" r:id="rId61"/>
-    <p:sldId id="341" r:id="rId62"/>
-    <p:sldId id="343" r:id="rId63"/>
-    <p:sldId id="344" r:id="rId64"/>
-    <p:sldId id="277" r:id="rId65"/>
-    <p:sldId id="280" r:id="rId66"/>
-    <p:sldId id="281" r:id="rId67"/>
-    <p:sldId id="282" r:id="rId68"/>
-    <p:sldId id="346" r:id="rId69"/>
+    <p:sldId id="373" r:id="rId31"/>
+    <p:sldId id="307" r:id="rId32"/>
+    <p:sldId id="308" r:id="rId33"/>
+    <p:sldId id="309" r:id="rId34"/>
+    <p:sldId id="310" r:id="rId35"/>
+    <p:sldId id="311" r:id="rId36"/>
+    <p:sldId id="312" r:id="rId37"/>
+    <p:sldId id="313" r:id="rId38"/>
+    <p:sldId id="314" r:id="rId39"/>
+    <p:sldId id="331" r:id="rId40"/>
+    <p:sldId id="315" r:id="rId41"/>
+    <p:sldId id="316" r:id="rId42"/>
+    <p:sldId id="319" r:id="rId43"/>
+    <p:sldId id="318" r:id="rId44"/>
+    <p:sldId id="320" r:id="rId45"/>
+    <p:sldId id="321" r:id="rId46"/>
+    <p:sldId id="322" r:id="rId47"/>
+    <p:sldId id="305" r:id="rId48"/>
+    <p:sldId id="323" r:id="rId49"/>
+    <p:sldId id="325" r:id="rId50"/>
+    <p:sldId id="326" r:id="rId51"/>
+    <p:sldId id="329" r:id="rId52"/>
+    <p:sldId id="330" r:id="rId53"/>
+    <p:sldId id="333" r:id="rId54"/>
+    <p:sldId id="332" r:id="rId55"/>
+    <p:sldId id="335" r:id="rId56"/>
+    <p:sldId id="334" r:id="rId57"/>
+    <p:sldId id="336" r:id="rId58"/>
+    <p:sldId id="337" r:id="rId59"/>
+    <p:sldId id="338" r:id="rId60"/>
+    <p:sldId id="339" r:id="rId61"/>
+    <p:sldId id="340" r:id="rId62"/>
+    <p:sldId id="341" r:id="rId63"/>
+    <p:sldId id="343" r:id="rId64"/>
+    <p:sldId id="344" r:id="rId65"/>
+    <p:sldId id="277" r:id="rId66"/>
+    <p:sldId id="280" r:id="rId67"/>
+    <p:sldId id="281" r:id="rId68"/>
+    <p:sldId id="282" r:id="rId69"/>
     <p:sldId id="347" r:id="rId70"/>
     <p:sldId id="278" r:id="rId71"/>
     <p:sldId id="350" r:id="rId72"/>
@@ -101,7 +101,8 @@
     <p:sldId id="363" r:id="rId92"/>
     <p:sldId id="364" r:id="rId93"/>
     <p:sldId id="365" r:id="rId94"/>
-    <p:sldId id="362" r:id="rId95"/>
+    <p:sldId id="374" r:id="rId95"/>
+    <p:sldId id="362" r:id="rId96"/>
   </p:sldIdLst>
   <p:sldSz cx="12192000" cy="6858000"/>
   <p:notesSz cx="6858000" cy="9144000"/>
@@ -200,6 +201,11 @@
       </a:defRPr>
     </a:lvl9pPr>
   </p:defaultTextStyle>
+  <p:extLst>
+    <p:ext uri="{EFAFB233-063F-42B5-8137-9DF3F51BA10A}">
+      <p15:sldGuideLst xmlns:p15="http://schemas.microsoft.com/office/powerpoint/2012/main"/>
+    </p:ext>
+  </p:extLst>
 </p:presentation>
 </file>
 
@@ -285,7 +291,7 @@
           <a:p>
             <a:fld id="{A5975C35-71A5-9043-87EB-AE7160D6AEDF}" type="datetimeFigureOut">
               <a:rPr lang="en-US" smtClean="0"/>
-              <a:t>1/1/21</a:t>
+              <a:t>1/3/21</a:t>
             </a:fld>
             <a:endParaRPr lang="en-US"/>
           </a:p>
@@ -2558,7 +2564,7 @@
     </p:spTree>
     <p:extLst>
       <p:ext uri="{BB962C8B-B14F-4D97-AF65-F5344CB8AC3E}">
-        <p14:creationId xmlns:p14="http://schemas.microsoft.com/office/powerpoint/2010/main" val="3958352528"/>
+        <p14:creationId xmlns:p14="http://schemas.microsoft.com/office/powerpoint/2010/main" val="1553084835"/>
       </p:ext>
     </p:extLst>
   </p:cSld>
@@ -2642,7 +2648,7 @@
     </p:spTree>
     <p:extLst>
       <p:ext uri="{BB962C8B-B14F-4D97-AF65-F5344CB8AC3E}">
-        <p14:creationId xmlns:p14="http://schemas.microsoft.com/office/powerpoint/2010/main" val="2482484956"/>
+        <p14:creationId xmlns:p14="http://schemas.microsoft.com/office/powerpoint/2010/main" val="3958352528"/>
       </p:ext>
     </p:extLst>
   </p:cSld>
@@ -2726,7 +2732,7 @@
     </p:spTree>
     <p:extLst>
       <p:ext uri="{BB962C8B-B14F-4D97-AF65-F5344CB8AC3E}">
-        <p14:creationId xmlns:p14="http://schemas.microsoft.com/office/powerpoint/2010/main" val="87392721"/>
+        <p14:creationId xmlns:p14="http://schemas.microsoft.com/office/powerpoint/2010/main" val="2482484956"/>
       </p:ext>
     </p:extLst>
   </p:cSld>
@@ -2810,7 +2816,7 @@
     </p:spTree>
     <p:extLst>
       <p:ext uri="{BB962C8B-B14F-4D97-AF65-F5344CB8AC3E}">
-        <p14:creationId xmlns:p14="http://schemas.microsoft.com/office/powerpoint/2010/main" val="343663417"/>
+        <p14:creationId xmlns:p14="http://schemas.microsoft.com/office/powerpoint/2010/main" val="87392721"/>
       </p:ext>
     </p:extLst>
   </p:cSld>
@@ -2894,7 +2900,7 @@
     </p:spTree>
     <p:extLst>
       <p:ext uri="{BB962C8B-B14F-4D97-AF65-F5344CB8AC3E}">
-        <p14:creationId xmlns:p14="http://schemas.microsoft.com/office/powerpoint/2010/main" val="2188510732"/>
+        <p14:creationId xmlns:p14="http://schemas.microsoft.com/office/powerpoint/2010/main" val="343663417"/>
       </p:ext>
     </p:extLst>
   </p:cSld>
@@ -2978,7 +2984,7 @@
     </p:spTree>
     <p:extLst>
       <p:ext uri="{BB962C8B-B14F-4D97-AF65-F5344CB8AC3E}">
-        <p14:creationId xmlns:p14="http://schemas.microsoft.com/office/powerpoint/2010/main" val="1483594491"/>
+        <p14:creationId xmlns:p14="http://schemas.microsoft.com/office/powerpoint/2010/main" val="2188510732"/>
       </p:ext>
     </p:extLst>
   </p:cSld>
@@ -3062,7 +3068,7 @@
     </p:spTree>
     <p:extLst>
       <p:ext uri="{BB962C8B-B14F-4D97-AF65-F5344CB8AC3E}">
-        <p14:creationId xmlns:p14="http://schemas.microsoft.com/office/powerpoint/2010/main" val="3393282481"/>
+        <p14:creationId xmlns:p14="http://schemas.microsoft.com/office/powerpoint/2010/main" val="1483594491"/>
       </p:ext>
     </p:extLst>
   </p:cSld>
@@ -3146,7 +3152,7 @@
     </p:spTree>
     <p:extLst>
       <p:ext uri="{BB962C8B-B14F-4D97-AF65-F5344CB8AC3E}">
-        <p14:creationId xmlns:p14="http://schemas.microsoft.com/office/powerpoint/2010/main" val="3837527970"/>
+        <p14:creationId xmlns:p14="http://schemas.microsoft.com/office/powerpoint/2010/main" val="3393282481"/>
       </p:ext>
     </p:extLst>
   </p:cSld>
@@ -3230,7 +3236,7 @@
     </p:spTree>
     <p:extLst>
       <p:ext uri="{BB962C8B-B14F-4D97-AF65-F5344CB8AC3E}">
-        <p14:creationId xmlns:p14="http://schemas.microsoft.com/office/powerpoint/2010/main" val="370483763"/>
+        <p14:creationId xmlns:p14="http://schemas.microsoft.com/office/powerpoint/2010/main" val="3837527970"/>
       </p:ext>
     </p:extLst>
   </p:cSld>
@@ -3314,7 +3320,7 @@
     </p:spTree>
     <p:extLst>
       <p:ext uri="{BB962C8B-B14F-4D97-AF65-F5344CB8AC3E}">
-        <p14:creationId xmlns:p14="http://schemas.microsoft.com/office/powerpoint/2010/main" val="277289910"/>
+        <p14:creationId xmlns:p14="http://schemas.microsoft.com/office/powerpoint/2010/main" val="370483763"/>
       </p:ext>
     </p:extLst>
   </p:cSld>
@@ -3482,7 +3488,7 @@
     </p:spTree>
     <p:extLst>
       <p:ext uri="{BB962C8B-B14F-4D97-AF65-F5344CB8AC3E}">
-        <p14:creationId xmlns:p14="http://schemas.microsoft.com/office/powerpoint/2010/main" val="2844875138"/>
+        <p14:creationId xmlns:p14="http://schemas.microsoft.com/office/powerpoint/2010/main" val="277289910"/>
       </p:ext>
     </p:extLst>
   </p:cSld>
@@ -3566,7 +3572,7 @@
     </p:spTree>
     <p:extLst>
       <p:ext uri="{BB962C8B-B14F-4D97-AF65-F5344CB8AC3E}">
-        <p14:creationId xmlns:p14="http://schemas.microsoft.com/office/powerpoint/2010/main" val="2056468023"/>
+        <p14:creationId xmlns:p14="http://schemas.microsoft.com/office/powerpoint/2010/main" val="2844875138"/>
       </p:ext>
     </p:extLst>
   </p:cSld>
@@ -3650,7 +3656,7 @@
     </p:spTree>
     <p:extLst>
       <p:ext uri="{BB962C8B-B14F-4D97-AF65-F5344CB8AC3E}">
-        <p14:creationId xmlns:p14="http://schemas.microsoft.com/office/powerpoint/2010/main" val="287740727"/>
+        <p14:creationId xmlns:p14="http://schemas.microsoft.com/office/powerpoint/2010/main" val="2056468023"/>
       </p:ext>
     </p:extLst>
   </p:cSld>
@@ -3734,7 +3740,7 @@
     </p:spTree>
     <p:extLst>
       <p:ext uri="{BB962C8B-B14F-4D97-AF65-F5344CB8AC3E}">
-        <p14:creationId xmlns:p14="http://schemas.microsoft.com/office/powerpoint/2010/main" val="2508983220"/>
+        <p14:creationId xmlns:p14="http://schemas.microsoft.com/office/powerpoint/2010/main" val="287740727"/>
       </p:ext>
     </p:extLst>
   </p:cSld>
@@ -3818,7 +3824,7 @@
     </p:spTree>
     <p:extLst>
       <p:ext uri="{BB962C8B-B14F-4D97-AF65-F5344CB8AC3E}">
-        <p14:creationId xmlns:p14="http://schemas.microsoft.com/office/powerpoint/2010/main" val="3507659522"/>
+        <p14:creationId xmlns:p14="http://schemas.microsoft.com/office/powerpoint/2010/main" val="2508983220"/>
       </p:ext>
     </p:extLst>
   </p:cSld>
@@ -3902,7 +3908,7 @@
     </p:spTree>
     <p:extLst>
       <p:ext uri="{BB962C8B-B14F-4D97-AF65-F5344CB8AC3E}">
-        <p14:creationId xmlns:p14="http://schemas.microsoft.com/office/powerpoint/2010/main" val="3671314358"/>
+        <p14:creationId xmlns:p14="http://schemas.microsoft.com/office/powerpoint/2010/main" val="3507659522"/>
       </p:ext>
     </p:extLst>
   </p:cSld>
@@ -3956,24 +3962,6 @@
           <a:bodyPr/>
           <a:lstStyle/>
           <a:p>
-            <a:r>
-              <a:rPr lang="en-US" sz="1200" b="1" dirty="0">
-                <a:solidFill>
-                  <a:schemeClr val="accent6"/>
-                </a:solidFill>
-              </a:rPr>
-              <a:t>Verbose = words more than needed</a:t>
-            </a:r>
-          </a:p>
-          <a:p>
-            <a:r>
-              <a:rPr lang="en-US" sz="1200" b="1" dirty="0">
-                <a:solidFill>
-                  <a:schemeClr val="accent6"/>
-                </a:solidFill>
-              </a:rPr>
-              <a:t>Wtf = what a terrible failure	</a:t>
-            </a:r>
             <a:endParaRPr lang="en-US" dirty="0"/>
           </a:p>
         </p:txBody>
@@ -4004,7 +3992,7 @@
     </p:spTree>
     <p:extLst>
       <p:ext uri="{BB962C8B-B14F-4D97-AF65-F5344CB8AC3E}">
-        <p14:creationId xmlns:p14="http://schemas.microsoft.com/office/powerpoint/2010/main" val="1777731042"/>
+        <p14:creationId xmlns:p14="http://schemas.microsoft.com/office/powerpoint/2010/main" val="3671314358"/>
       </p:ext>
     </p:extLst>
   </p:cSld>
@@ -4066,6 +4054,16 @@
               </a:rPr>
               <a:t>Verbose = words more than needed</a:t>
             </a:r>
+          </a:p>
+          <a:p>
+            <a:r>
+              <a:rPr lang="en-US" sz="1200" b="1" dirty="0">
+                <a:solidFill>
+                  <a:schemeClr val="accent6"/>
+                </a:solidFill>
+              </a:rPr>
+              <a:t>Wtf = what a terrible failure	</a:t>
+            </a:r>
             <a:endParaRPr lang="en-US" dirty="0"/>
           </a:p>
         </p:txBody>
@@ -4096,7 +4094,7 @@
     </p:spTree>
     <p:extLst>
       <p:ext uri="{BB962C8B-B14F-4D97-AF65-F5344CB8AC3E}">
-        <p14:creationId xmlns:p14="http://schemas.microsoft.com/office/powerpoint/2010/main" val="2650631588"/>
+        <p14:creationId xmlns:p14="http://schemas.microsoft.com/office/powerpoint/2010/main" val="1777731042"/>
       </p:ext>
     </p:extLst>
   </p:cSld>
@@ -4150,14 +4148,6 @@
           <a:bodyPr/>
           <a:lstStyle/>
           <a:p>
-            <a:r>
-              <a:rPr lang="en-US" sz="1200" b="1" dirty="0">
-                <a:solidFill>
-                  <a:schemeClr val="accent6"/>
-                </a:solidFill>
-              </a:rPr>
-              <a:t>Verbose = words more than needed</a:t>
-            </a:r>
             <a:endParaRPr lang="en-US" dirty="0"/>
           </a:p>
         </p:txBody>
@@ -4188,7 +4178,7 @@
     </p:spTree>
     <p:extLst>
       <p:ext uri="{BB962C8B-B14F-4D97-AF65-F5344CB8AC3E}">
-        <p14:creationId xmlns:p14="http://schemas.microsoft.com/office/powerpoint/2010/main" val="1756949262"/>
+        <p14:creationId xmlns:p14="http://schemas.microsoft.com/office/powerpoint/2010/main" val="2650631588"/>
       </p:ext>
     </p:extLst>
   </p:cSld>
@@ -4280,7 +4270,7 @@
     </p:spTree>
     <p:extLst>
       <p:ext uri="{BB962C8B-B14F-4D97-AF65-F5344CB8AC3E}">
-        <p14:creationId xmlns:p14="http://schemas.microsoft.com/office/powerpoint/2010/main" val="1200229554"/>
+        <p14:creationId xmlns:p14="http://schemas.microsoft.com/office/powerpoint/2010/main" val="1756949262"/>
       </p:ext>
     </p:extLst>
   </p:cSld>
@@ -4418,6 +4408,14 @@
           <a:bodyPr/>
           <a:lstStyle/>
           <a:p>
+            <a:r>
+              <a:rPr lang="en-US" sz="1200" b="1" dirty="0">
+                <a:solidFill>
+                  <a:schemeClr val="accent6"/>
+                </a:solidFill>
+              </a:rPr>
+              <a:t>Verbose = words more than needed</a:t>
+            </a:r>
             <a:endParaRPr lang="en-US" dirty="0"/>
           </a:p>
         </p:txBody>
@@ -4448,7 +4446,7 @@
     </p:spTree>
     <p:extLst>
       <p:ext uri="{BB962C8B-B14F-4D97-AF65-F5344CB8AC3E}">
-        <p14:creationId xmlns:p14="http://schemas.microsoft.com/office/powerpoint/2010/main" val="66818795"/>
+        <p14:creationId xmlns:p14="http://schemas.microsoft.com/office/powerpoint/2010/main" val="1200229554"/>
       </p:ext>
     </p:extLst>
   </p:cSld>
@@ -4502,14 +4500,6 @@
           <a:bodyPr/>
           <a:lstStyle/>
           <a:p>
-            <a:r>
-              <a:rPr lang="en-US" sz="1200" b="1" dirty="0">
-                <a:solidFill>
-                  <a:schemeClr val="accent6"/>
-                </a:solidFill>
-              </a:rPr>
-              <a:t>Verbose = words more than needed</a:t>
-            </a:r>
             <a:endParaRPr lang="en-US" dirty="0"/>
           </a:p>
         </p:txBody>
@@ -4540,7 +4530,7 @@
     </p:spTree>
     <p:extLst>
       <p:ext uri="{BB962C8B-B14F-4D97-AF65-F5344CB8AC3E}">
-        <p14:creationId xmlns:p14="http://schemas.microsoft.com/office/powerpoint/2010/main" val="4225997392"/>
+        <p14:creationId xmlns:p14="http://schemas.microsoft.com/office/powerpoint/2010/main" val="66818795"/>
       </p:ext>
     </p:extLst>
   </p:cSld>
@@ -4632,7 +4622,7 @@
     </p:spTree>
     <p:extLst>
       <p:ext uri="{BB962C8B-B14F-4D97-AF65-F5344CB8AC3E}">
-        <p14:creationId xmlns:p14="http://schemas.microsoft.com/office/powerpoint/2010/main" val="948267490"/>
+        <p14:creationId xmlns:p14="http://schemas.microsoft.com/office/powerpoint/2010/main" val="4225997392"/>
       </p:ext>
     </p:extLst>
   </p:cSld>
@@ -4724,7 +4714,7 @@
     </p:spTree>
     <p:extLst>
       <p:ext uri="{BB962C8B-B14F-4D97-AF65-F5344CB8AC3E}">
-        <p14:creationId xmlns:p14="http://schemas.microsoft.com/office/powerpoint/2010/main" val="3940864155"/>
+        <p14:creationId xmlns:p14="http://schemas.microsoft.com/office/powerpoint/2010/main" val="948267490"/>
       </p:ext>
     </p:extLst>
   </p:cSld>
@@ -4816,7 +4806,7 @@
     </p:spTree>
     <p:extLst>
       <p:ext uri="{BB962C8B-B14F-4D97-AF65-F5344CB8AC3E}">
-        <p14:creationId xmlns:p14="http://schemas.microsoft.com/office/powerpoint/2010/main" val="100300670"/>
+        <p14:creationId xmlns:p14="http://schemas.microsoft.com/office/powerpoint/2010/main" val="3940864155"/>
       </p:ext>
     </p:extLst>
   </p:cSld>
@@ -4908,7 +4898,7 @@
     </p:spTree>
     <p:extLst>
       <p:ext uri="{BB962C8B-B14F-4D97-AF65-F5344CB8AC3E}">
-        <p14:creationId xmlns:p14="http://schemas.microsoft.com/office/powerpoint/2010/main" val="1092528995"/>
+        <p14:creationId xmlns:p14="http://schemas.microsoft.com/office/powerpoint/2010/main" val="100300670"/>
       </p:ext>
     </p:extLst>
   </p:cSld>
@@ -5000,7 +4990,7 @@
     </p:spTree>
     <p:extLst>
       <p:ext uri="{BB962C8B-B14F-4D97-AF65-F5344CB8AC3E}">
-        <p14:creationId xmlns:p14="http://schemas.microsoft.com/office/powerpoint/2010/main" val="2685152676"/>
+        <p14:creationId xmlns:p14="http://schemas.microsoft.com/office/powerpoint/2010/main" val="1092528995"/>
       </p:ext>
     </p:extLst>
   </p:cSld>
@@ -5092,7 +5082,7 @@
     </p:spTree>
     <p:extLst>
       <p:ext uri="{BB962C8B-B14F-4D97-AF65-F5344CB8AC3E}">
-        <p14:creationId xmlns:p14="http://schemas.microsoft.com/office/powerpoint/2010/main" val="906037983"/>
+        <p14:creationId xmlns:p14="http://schemas.microsoft.com/office/powerpoint/2010/main" val="2685152676"/>
       </p:ext>
     </p:extLst>
   </p:cSld>
@@ -5184,7 +5174,7 @@
     </p:spTree>
     <p:extLst>
       <p:ext uri="{BB962C8B-B14F-4D97-AF65-F5344CB8AC3E}">
-        <p14:creationId xmlns:p14="http://schemas.microsoft.com/office/powerpoint/2010/main" val="2427399851"/>
+        <p14:creationId xmlns:p14="http://schemas.microsoft.com/office/powerpoint/2010/main" val="906037983"/>
       </p:ext>
     </p:extLst>
   </p:cSld>
@@ -5238,6 +5228,14 @@
           <a:bodyPr/>
           <a:lstStyle/>
           <a:p>
+            <a:r>
+              <a:rPr lang="en-US" sz="1200" b="1" dirty="0">
+                <a:solidFill>
+                  <a:schemeClr val="accent6"/>
+                </a:solidFill>
+              </a:rPr>
+              <a:t>Verbose = words more than needed</a:t>
+            </a:r>
             <a:endParaRPr lang="en-US" dirty="0"/>
           </a:p>
         </p:txBody>
@@ -5259,7 +5257,7 @@
           <a:p>
             <a:fld id="{761E6F54-D778-B04D-842E-04CB4814BFD5}" type="slidenum">
               <a:rPr lang="en-US" smtClean="0"/>
-              <a:t>64</a:t>
+              <a:t>59</a:t>
             </a:fld>
             <a:endParaRPr lang="en-US"/>
           </a:p>
@@ -5268,7 +5266,7 @@
     </p:spTree>
     <p:extLst>
       <p:ext uri="{BB962C8B-B14F-4D97-AF65-F5344CB8AC3E}">
-        <p14:creationId xmlns:p14="http://schemas.microsoft.com/office/powerpoint/2010/main" val="1981304581"/>
+        <p14:creationId xmlns:p14="http://schemas.microsoft.com/office/powerpoint/2010/main" val="2427399851"/>
       </p:ext>
     </p:extLst>
   </p:cSld>
@@ -5436,7 +5434,7 @@
     </p:spTree>
     <p:extLst>
       <p:ext uri="{BB962C8B-B14F-4D97-AF65-F5344CB8AC3E}">
-        <p14:creationId xmlns:p14="http://schemas.microsoft.com/office/powerpoint/2010/main" val="535455317"/>
+        <p14:creationId xmlns:p14="http://schemas.microsoft.com/office/powerpoint/2010/main" val="1981304581"/>
       </p:ext>
     </p:extLst>
   </p:cSld>
@@ -5520,7 +5518,7 @@
     </p:spTree>
     <p:extLst>
       <p:ext uri="{BB962C8B-B14F-4D97-AF65-F5344CB8AC3E}">
-        <p14:creationId xmlns:p14="http://schemas.microsoft.com/office/powerpoint/2010/main" val="3443358470"/>
+        <p14:creationId xmlns:p14="http://schemas.microsoft.com/office/powerpoint/2010/main" val="535455317"/>
       </p:ext>
     </p:extLst>
   </p:cSld>
@@ -5604,7 +5602,7 @@
     </p:spTree>
     <p:extLst>
       <p:ext uri="{BB962C8B-B14F-4D97-AF65-F5344CB8AC3E}">
-        <p14:creationId xmlns:p14="http://schemas.microsoft.com/office/powerpoint/2010/main" val="1948313523"/>
+        <p14:creationId xmlns:p14="http://schemas.microsoft.com/office/powerpoint/2010/main" val="3443358470"/>
       </p:ext>
     </p:extLst>
   </p:cSld>
@@ -5688,7 +5686,7 @@
     </p:spTree>
     <p:extLst>
       <p:ext uri="{BB962C8B-B14F-4D97-AF65-F5344CB8AC3E}">
-        <p14:creationId xmlns:p14="http://schemas.microsoft.com/office/powerpoint/2010/main" val="2909386738"/>
+        <p14:creationId xmlns:p14="http://schemas.microsoft.com/office/powerpoint/2010/main" val="1948313523"/>
       </p:ext>
     </p:extLst>
   </p:cSld>
@@ -8040,7 +8038,7 @@
     </p:spTree>
     <p:extLst>
       <p:ext uri="{BB962C8B-B14F-4D97-AF65-F5344CB8AC3E}">
-        <p14:creationId xmlns:p14="http://schemas.microsoft.com/office/powerpoint/2010/main" val="963237304"/>
+        <p14:creationId xmlns:p14="http://schemas.microsoft.com/office/powerpoint/2010/main" val="1864084252"/>
       </p:ext>
     </p:extLst>
   </p:cSld>
@@ -8125,6 +8123,90 @@
     <p:extLst>
       <p:ext uri="{BB962C8B-B14F-4D97-AF65-F5344CB8AC3E}">
         <p14:creationId xmlns:p14="http://schemas.microsoft.com/office/powerpoint/2010/main" val="3409553781"/>
+      </p:ext>
+    </p:extLst>
+  </p:cSld>
+  <p:clrMapOvr>
+    <a:masterClrMapping/>
+  </p:clrMapOvr>
+</p:notes>
+</file>
+
+<file path=ppt/notesSlides/notesSlide90.xml><?xml version="1.0" encoding="utf-8"?>
+<p:notes xmlns:a="http://schemas.openxmlformats.org/drawingml/2006/main" xmlns:r="http://schemas.openxmlformats.org/officeDocument/2006/relationships" xmlns:p="http://schemas.openxmlformats.org/presentationml/2006/main">
+  <p:cSld>
+    <p:spTree>
+      <p:nvGrpSpPr>
+        <p:cNvPr id="1" name=""/>
+        <p:cNvGrpSpPr/>
+        <p:nvPr/>
+      </p:nvGrpSpPr>
+      <p:grpSpPr>
+        <a:xfrm>
+          <a:off x="0" y="0"/>
+          <a:ext cx="0" cy="0"/>
+          <a:chOff x="0" y="0"/>
+          <a:chExt cx="0" cy="0"/>
+        </a:xfrm>
+      </p:grpSpPr>
+      <p:sp>
+        <p:nvSpPr>
+          <p:cNvPr id="2" name="Slide Image Placeholder 1"/>
+          <p:cNvSpPr>
+            <a:spLocks noGrp="1" noRot="1" noChangeAspect="1"/>
+          </p:cNvSpPr>
+          <p:nvPr>
+            <p:ph type="sldImg"/>
+          </p:nvPr>
+        </p:nvSpPr>
+        <p:spPr/>
+      </p:sp>
+      <p:sp>
+        <p:nvSpPr>
+          <p:cNvPr id="3" name="Notes Placeholder 2"/>
+          <p:cNvSpPr>
+            <a:spLocks noGrp="1"/>
+          </p:cNvSpPr>
+          <p:nvPr>
+            <p:ph type="body" idx="1"/>
+          </p:nvPr>
+        </p:nvSpPr>
+        <p:spPr/>
+        <p:txBody>
+          <a:bodyPr/>
+          <a:lstStyle/>
+          <a:p>
+            <a:endParaRPr lang="en-US" dirty="0"/>
+          </a:p>
+        </p:txBody>
+      </p:sp>
+      <p:sp>
+        <p:nvSpPr>
+          <p:cNvPr id="4" name="Slide Number Placeholder 3"/>
+          <p:cNvSpPr>
+            <a:spLocks noGrp="1"/>
+          </p:cNvSpPr>
+          <p:nvPr>
+            <p:ph type="sldNum" sz="quarter" idx="5"/>
+          </p:nvPr>
+        </p:nvSpPr>
+        <p:spPr/>
+        <p:txBody>
+          <a:bodyPr/>
+          <a:lstStyle/>
+          <a:p>
+            <a:fld id="{761E6F54-D778-B04D-842E-04CB4814BFD5}" type="slidenum">
+              <a:rPr lang="en-US" smtClean="0"/>
+              <a:t>95</a:t>
+            </a:fld>
+            <a:endParaRPr lang="en-US"/>
+          </a:p>
+        </p:txBody>
+      </p:sp>
+    </p:spTree>
+    <p:extLst>
+      <p:ext uri="{BB962C8B-B14F-4D97-AF65-F5344CB8AC3E}">
+        <p14:creationId xmlns:p14="http://schemas.microsoft.com/office/powerpoint/2010/main" val="963237304"/>
       </p:ext>
     </p:extLst>
   </p:cSld>
@@ -8281,7 +8363,7 @@
           <a:p>
             <a:fld id="{C1606A0B-003B-554F-9018-D3E6A625ECD0}" type="datetimeFigureOut">
               <a:rPr lang="en-US" smtClean="0"/>
-              <a:t>1/1/21</a:t>
+              <a:t>1/3/21</a:t>
             </a:fld>
             <a:endParaRPr lang="en-US"/>
           </a:p>
@@ -8479,7 +8561,7 @@
           <a:p>
             <a:fld id="{C1606A0B-003B-554F-9018-D3E6A625ECD0}" type="datetimeFigureOut">
               <a:rPr lang="en-US" smtClean="0"/>
-              <a:t>1/1/21</a:t>
+              <a:t>1/3/21</a:t>
             </a:fld>
             <a:endParaRPr lang="en-US"/>
           </a:p>
@@ -8687,7 +8769,7 @@
           <a:p>
             <a:fld id="{C1606A0B-003B-554F-9018-D3E6A625ECD0}" type="datetimeFigureOut">
               <a:rPr lang="en-US" smtClean="0"/>
-              <a:t>1/1/21</a:t>
+              <a:t>1/3/21</a:t>
             </a:fld>
             <a:endParaRPr lang="en-US"/>
           </a:p>
@@ -8885,7 +8967,7 @@
           <a:p>
             <a:fld id="{C1606A0B-003B-554F-9018-D3E6A625ECD0}" type="datetimeFigureOut">
               <a:rPr lang="en-US" smtClean="0"/>
-              <a:t>1/1/21</a:t>
+              <a:t>1/3/21</a:t>
             </a:fld>
             <a:endParaRPr lang="en-US"/>
           </a:p>
@@ -9160,7 +9242,7 @@
           <a:p>
             <a:fld id="{C1606A0B-003B-554F-9018-D3E6A625ECD0}" type="datetimeFigureOut">
               <a:rPr lang="en-US" smtClean="0"/>
-              <a:t>1/1/21</a:t>
+              <a:t>1/3/21</a:t>
             </a:fld>
             <a:endParaRPr lang="en-US"/>
           </a:p>
@@ -9425,7 +9507,7 @@
           <a:p>
             <a:fld id="{C1606A0B-003B-554F-9018-D3E6A625ECD0}" type="datetimeFigureOut">
               <a:rPr lang="en-US" smtClean="0"/>
-              <a:t>1/1/21</a:t>
+              <a:t>1/3/21</a:t>
             </a:fld>
             <a:endParaRPr lang="en-US"/>
           </a:p>
@@ -9837,7 +9919,7 @@
           <a:p>
             <a:fld id="{C1606A0B-003B-554F-9018-D3E6A625ECD0}" type="datetimeFigureOut">
               <a:rPr lang="en-US" smtClean="0"/>
-              <a:t>1/1/21</a:t>
+              <a:t>1/3/21</a:t>
             </a:fld>
             <a:endParaRPr lang="en-US"/>
           </a:p>
@@ -9978,7 +10060,7 @@
           <a:p>
             <a:fld id="{C1606A0B-003B-554F-9018-D3E6A625ECD0}" type="datetimeFigureOut">
               <a:rPr lang="en-US" smtClean="0"/>
-              <a:t>1/1/21</a:t>
+              <a:t>1/3/21</a:t>
             </a:fld>
             <a:endParaRPr lang="en-US"/>
           </a:p>
@@ -10091,7 +10173,7 @@
           <a:p>
             <a:fld id="{C1606A0B-003B-554F-9018-D3E6A625ECD0}" type="datetimeFigureOut">
               <a:rPr lang="en-US" smtClean="0"/>
-              <a:t>1/1/21</a:t>
+              <a:t>1/3/21</a:t>
             </a:fld>
             <a:endParaRPr lang="en-US"/>
           </a:p>
@@ -10402,7 +10484,7 @@
           <a:p>
             <a:fld id="{C1606A0B-003B-554F-9018-D3E6A625ECD0}" type="datetimeFigureOut">
               <a:rPr lang="en-US" smtClean="0"/>
-              <a:t>1/1/21</a:t>
+              <a:t>1/3/21</a:t>
             </a:fld>
             <a:endParaRPr lang="en-US"/>
           </a:p>
@@ -10690,7 +10772,7 @@
           <a:p>
             <a:fld id="{C1606A0B-003B-554F-9018-D3E6A625ECD0}" type="datetimeFigureOut">
               <a:rPr lang="en-US" smtClean="0"/>
-              <a:t>1/1/21</a:t>
+              <a:t>1/3/21</a:t>
             </a:fld>
             <a:endParaRPr lang="en-US"/>
           </a:p>
@@ -10931,7 +11013,7 @@
           <a:p>
             <a:fld id="{C1606A0B-003B-554F-9018-D3E6A625ECD0}" type="datetimeFigureOut">
               <a:rPr lang="en-US" smtClean="0"/>
-              <a:t>1/1/21</a:t>
+              <a:t>1/3/21</a:t>
             </a:fld>
             <a:endParaRPr lang="en-US"/>
           </a:p>
@@ -16769,8 +16851,8 @@
         </p:nvSpPr>
         <p:spPr>
           <a:xfrm>
-            <a:off x="681871" y="2025418"/>
-            <a:ext cx="11081761" cy="1631216"/>
+            <a:off x="728113" y="2551837"/>
+            <a:ext cx="11081761" cy="1754326"/>
           </a:xfrm>
           <a:prstGeom prst="rect">
             <a:avLst/>
@@ -16783,17 +16865,14 @@
           <a:lstStyle/>
           <a:p>
             <a:r>
-              <a:rPr lang="en-US" sz="3600" b="1" dirty="0">
+              <a:rPr lang="en-US" sz="5400" b="1" dirty="0">
                 <a:solidFill>
                   <a:schemeClr val="accent6"/>
                 </a:solidFill>
               </a:rPr>
-              <a:t>Log</a:t>
-            </a:r>
-            <a:br>
-              <a:rPr lang="en-US" sz="6600" dirty="0"/>
-            </a:br>
-            <a:endParaRPr lang="en-US" sz="6400" b="1" dirty="0">
+              <a:t>Something we write to understand code’s behavior</a:t>
+            </a:r>
+            <a:endParaRPr lang="en-US" sz="8800" b="1" dirty="0">
               <a:solidFill>
                 <a:schemeClr val="accent6"/>
               </a:solidFill>
@@ -16954,7 +17033,7 @@
         <p:spPr>
           <a:xfrm>
             <a:off x="681871" y="2025418"/>
-            <a:ext cx="11378324" cy="1631216"/>
+            <a:ext cx="11081761" cy="1631216"/>
           </a:xfrm>
           <a:prstGeom prst="rect">
             <a:avLst/>
@@ -16973,22 +17052,6 @@
                 </a:solidFill>
               </a:rPr>
               <a:t>Log</a:t>
-            </a:r>
-            <a:r>
-              <a:rPr lang="ar-SA" sz="3600" b="1" dirty="0">
-                <a:solidFill>
-                  <a:schemeClr val="accent6"/>
-                </a:solidFill>
-              </a:rPr>
-              <a:t>		</a:t>
-            </a:r>
-            <a:r>
-              <a:rPr lang="en-US" sz="3600" b="1" dirty="0">
-                <a:solidFill>
-                  <a:schemeClr val="accent6"/>
-                </a:solidFill>
-              </a:rPr>
-              <a:t>&lt;log-level&gt;</a:t>
             </a:r>
             <a:br>
               <a:rPr lang="en-US" sz="6600" dirty="0"/>
@@ -17004,7 +17067,7 @@
     </p:spTree>
     <p:extLst>
       <p:ext uri="{BB962C8B-B14F-4D97-AF65-F5344CB8AC3E}">
-        <p14:creationId xmlns:p14="http://schemas.microsoft.com/office/powerpoint/2010/main" val="774685425"/>
+        <p14:creationId xmlns:p14="http://schemas.microsoft.com/office/powerpoint/2010/main" val="71918849"/>
       </p:ext>
     </p:extLst>
   </p:cSld>
@@ -17120,7 +17183,7 @@
                   <a:schemeClr val="accent6"/>
                 </a:solidFill>
               </a:rPr>
-              <a:t>&lt;log-level&gt;		TAG</a:t>
+              <a:t>&lt;log-level&gt;</a:t>
             </a:r>
             <a:br>
               <a:rPr lang="en-US" sz="6600" dirty="0"/>
@@ -17136,7 +17199,7 @@
     </p:spTree>
     <p:extLst>
       <p:ext uri="{BB962C8B-B14F-4D97-AF65-F5344CB8AC3E}">
-        <p14:creationId xmlns:p14="http://schemas.microsoft.com/office/powerpoint/2010/main" val="1556091072"/>
+        <p14:creationId xmlns:p14="http://schemas.microsoft.com/office/powerpoint/2010/main" val="774685425"/>
       </p:ext>
     </p:extLst>
   </p:cSld>
@@ -17218,7 +17281,7 @@
         <p:spPr>
           <a:xfrm>
             <a:off x="681871" y="2025418"/>
-            <a:ext cx="11378324" cy="646331"/>
+            <a:ext cx="11378324" cy="1631216"/>
           </a:xfrm>
           <a:prstGeom prst="rect">
             <a:avLst/>
@@ -17252,8 +17315,11 @@
                   <a:schemeClr val="accent6"/>
                 </a:solidFill>
               </a:rPr>
-              <a:t>&lt;log-level&gt;		TAG			Message</a:t>
-            </a:r>
+              <a:t>&lt;log-level&gt;		TAG</a:t>
+            </a:r>
+            <a:br>
+              <a:rPr lang="en-US" sz="6600" dirty="0"/>
+            </a:br>
             <a:endParaRPr lang="en-US" sz="6400" b="1" dirty="0">
               <a:solidFill>
                 <a:schemeClr val="accent6"/>
@@ -17265,7 +17331,7 @@
     </p:spTree>
     <p:extLst>
       <p:ext uri="{BB962C8B-B14F-4D97-AF65-F5344CB8AC3E}">
-        <p14:creationId xmlns:p14="http://schemas.microsoft.com/office/powerpoint/2010/main" val="3664278036"/>
+        <p14:creationId xmlns:p14="http://schemas.microsoft.com/office/powerpoint/2010/main" val="1556091072"/>
       </p:ext>
     </p:extLst>
   </p:cSld>
@@ -17347,7 +17413,7 @@
         <p:spPr>
           <a:xfrm>
             <a:off x="681871" y="2025418"/>
-            <a:ext cx="11378324" cy="1754326"/>
+            <a:ext cx="11378324" cy="646331"/>
           </a:xfrm>
           <a:prstGeom prst="rect">
             <a:avLst/>
@@ -17362,9 +17428,7 @@
             <a:r>
               <a:rPr lang="en-US" sz="3600" b="1" dirty="0">
                 <a:solidFill>
-                  <a:schemeClr val="accent6">
-                    <a:alpha val="30000"/>
-                  </a:schemeClr>
+                  <a:schemeClr val="accent6"/>
                 </a:solidFill>
               </a:rPr>
               <a:t>Log</a:t>
@@ -17383,45 +17447,20 @@
                   <a:schemeClr val="accent6"/>
                 </a:solidFill>
               </a:rPr>
-              <a:t>&lt;log-level&gt;		</a:t>
-            </a:r>
-            <a:r>
-              <a:rPr lang="en-US" sz="3600" b="1" dirty="0">
-                <a:solidFill>
-                  <a:schemeClr val="accent6">
-                    <a:alpha val="30000"/>
-                  </a:schemeClr>
-                </a:solidFill>
-              </a:rPr>
-              <a:t>TAG			Message</a:t>
-            </a:r>
-          </a:p>
-          <a:p>
-            <a:r>
-              <a:rPr lang="en-US" sz="3600" b="1" dirty="0">
-                <a:solidFill>
-                  <a:schemeClr val="accent6"/>
-                </a:solidFill>
-              </a:rPr>
-              <a:t>			</a:t>
-            </a:r>
-          </a:p>
-          <a:p>
-            <a:r>
-              <a:rPr lang="en-US" sz="3600" b="1" dirty="0">
-                <a:solidFill>
-                  <a:schemeClr val="accent6"/>
-                </a:solidFill>
-              </a:rPr>
-              <a:t>			v</a:t>
-            </a:r>
+              <a:t>&lt;log-level&gt;		TAG			Message</a:t>
+            </a:r>
+            <a:endParaRPr lang="en-US" sz="6400" b="1" dirty="0">
+              <a:solidFill>
+                <a:schemeClr val="accent6"/>
+              </a:solidFill>
+            </a:endParaRPr>
           </a:p>
         </p:txBody>
       </p:sp>
     </p:spTree>
     <p:extLst>
       <p:ext uri="{BB962C8B-B14F-4D97-AF65-F5344CB8AC3E}">
-        <p14:creationId xmlns:p14="http://schemas.microsoft.com/office/powerpoint/2010/main" val="1685684522"/>
+        <p14:creationId xmlns:p14="http://schemas.microsoft.com/office/powerpoint/2010/main" val="3664278036"/>
       </p:ext>
     </p:extLst>
   </p:cSld>
@@ -17503,7 +17542,7 @@
         <p:spPr>
           <a:xfrm>
             <a:off x="681871" y="2025418"/>
-            <a:ext cx="11378324" cy="2862322"/>
+            <a:ext cx="11378324" cy="1754326"/>
           </a:xfrm>
           <a:prstGeom prst="rect">
             <a:avLst/>
@@ -17572,32 +17611,12 @@
               <a:t>			v</a:t>
             </a:r>
           </a:p>
-          <a:p>
-            <a:r>
-              <a:rPr lang="en-US" sz="3600" b="1" dirty="0">
-                <a:solidFill>
-                  <a:schemeClr val="accent6"/>
-                </a:solidFill>
-              </a:rPr>
-              <a:t>			d</a:t>
-            </a:r>
-          </a:p>
-          <a:p>
-            <a:r>
-              <a:rPr lang="en-US" sz="3600" b="1" dirty="0">
-                <a:solidFill>
-                  <a:schemeClr val="accent6"/>
-                </a:solidFill>
-              </a:rPr>
-              <a:t>			</a:t>
-            </a:r>
-          </a:p>
         </p:txBody>
       </p:sp>
     </p:spTree>
     <p:extLst>
       <p:ext uri="{BB962C8B-B14F-4D97-AF65-F5344CB8AC3E}">
-        <p14:creationId xmlns:p14="http://schemas.microsoft.com/office/powerpoint/2010/main" val="918079366"/>
+        <p14:creationId xmlns:p14="http://schemas.microsoft.com/office/powerpoint/2010/main" val="1685684522"/>
       </p:ext>
     </p:extLst>
   </p:cSld>
@@ -17679,7 +17698,7 @@
         <p:spPr>
           <a:xfrm>
             <a:off x="681871" y="2025418"/>
-            <a:ext cx="11378324" cy="3416320"/>
+            <a:ext cx="11378324" cy="2862322"/>
           </a:xfrm>
           <a:prstGeom prst="rect">
             <a:avLst/>
@@ -17767,36 +17786,13 @@
               </a:rPr>
               <a:t>			</a:t>
             </a:r>
-            <a:r>
-              <a:rPr lang="en-US" sz="3600" b="1" dirty="0" err="1">
-                <a:solidFill>
-                  <a:schemeClr val="accent6"/>
-                </a:solidFill>
-              </a:rPr>
-              <a:t>i</a:t>
-            </a:r>
-            <a:endParaRPr lang="en-US" sz="3600" b="1" dirty="0">
-              <a:solidFill>
-                <a:schemeClr val="accent6"/>
-              </a:solidFill>
-            </a:endParaRPr>
-          </a:p>
-          <a:p>
-            <a:r>
-              <a:rPr lang="en-US" sz="3600" b="1" dirty="0">
-                <a:solidFill>
-                  <a:schemeClr val="accent6"/>
-                </a:solidFill>
-              </a:rPr>
-              <a:t>			</a:t>
-            </a:r>
           </a:p>
         </p:txBody>
       </p:sp>
     </p:spTree>
     <p:extLst>
       <p:ext uri="{BB962C8B-B14F-4D97-AF65-F5344CB8AC3E}">
-        <p14:creationId xmlns:p14="http://schemas.microsoft.com/office/powerpoint/2010/main" val="535092944"/>
+        <p14:creationId xmlns:p14="http://schemas.microsoft.com/office/powerpoint/2010/main" val="918079366"/>
       </p:ext>
     </p:extLst>
   </p:cSld>
@@ -17878,7 +17874,7 @@
         <p:spPr>
           <a:xfrm>
             <a:off x="681871" y="2025418"/>
-            <a:ext cx="11378324" cy="3970318"/>
+            <a:ext cx="11378324" cy="3416320"/>
           </a:xfrm>
           <a:prstGeom prst="rect">
             <a:avLst/>
@@ -17964,18 +17960,21 @@
                   <a:schemeClr val="accent6"/>
                 </a:solidFill>
               </a:rPr>
-              <a:t>			i</a:t>
-            </a:r>
-          </a:p>
-          <a:p>
-            <a:r>
-              <a:rPr lang="en-US" sz="3600" b="1" dirty="0">
+              <a:t>			</a:t>
+            </a:r>
+            <a:r>
+              <a:rPr lang="en-US" sz="3600" b="1" dirty="0" err="1">
                 <a:solidFill>
                   <a:schemeClr val="accent6"/>
                 </a:solidFill>
               </a:rPr>
-              <a:t>			w</a:t>
-            </a:r>
+              <a:t>i</a:t>
+            </a:r>
+            <a:endParaRPr lang="en-US" sz="3600" b="1" dirty="0">
+              <a:solidFill>
+                <a:schemeClr val="accent6"/>
+              </a:solidFill>
+            </a:endParaRPr>
           </a:p>
           <a:p>
             <a:r>
@@ -17992,7 +17991,7 @@
     </p:spTree>
     <p:extLst>
       <p:ext uri="{BB962C8B-B14F-4D97-AF65-F5344CB8AC3E}">
-        <p14:creationId xmlns:p14="http://schemas.microsoft.com/office/powerpoint/2010/main" val="4254602186"/>
+        <p14:creationId xmlns:p14="http://schemas.microsoft.com/office/powerpoint/2010/main" val="535092944"/>
       </p:ext>
     </p:extLst>
   </p:cSld>
@@ -18074,7 +18073,7 @@
         <p:spPr>
           <a:xfrm>
             <a:off x="681871" y="2025418"/>
-            <a:ext cx="11378324" cy="4524315"/>
+            <a:ext cx="11378324" cy="3970318"/>
           </a:xfrm>
           <a:prstGeom prst="rect">
             <a:avLst/>
@@ -18180,16 +18179,6 @@
                   <a:schemeClr val="accent6"/>
                 </a:solidFill>
               </a:rPr>
-              <a:t>			e</a:t>
-            </a:r>
-          </a:p>
-          <a:p>
-            <a:r>
-              <a:rPr lang="en-US" sz="3600" b="1" dirty="0">
-                <a:solidFill>
-                  <a:schemeClr val="accent6"/>
-                </a:solidFill>
-              </a:rPr>
               <a:t>			</a:t>
             </a:r>
           </a:p>
@@ -18198,7 +18187,7 @@
     </p:spTree>
     <p:extLst>
       <p:ext uri="{BB962C8B-B14F-4D97-AF65-F5344CB8AC3E}">
-        <p14:creationId xmlns:p14="http://schemas.microsoft.com/office/powerpoint/2010/main" val="1800133340"/>
+        <p14:creationId xmlns:p14="http://schemas.microsoft.com/office/powerpoint/2010/main" val="4254602186"/>
       </p:ext>
     </p:extLst>
   </p:cSld>
@@ -18280,7 +18269,7 @@
         <p:spPr>
           <a:xfrm>
             <a:off x="681871" y="2025418"/>
-            <a:ext cx="11378324" cy="5078313"/>
+            <a:ext cx="11378324" cy="4524315"/>
           </a:xfrm>
           <a:prstGeom prst="rect">
             <a:avLst/>
@@ -18396,16 +18385,6 @@
                   <a:schemeClr val="accent6"/>
                 </a:solidFill>
               </a:rPr>
-              <a:t>			a</a:t>
-            </a:r>
-          </a:p>
-          <a:p>
-            <a:r>
-              <a:rPr lang="en-US" sz="3600" b="1" dirty="0">
-                <a:solidFill>
-                  <a:schemeClr val="accent6"/>
-                </a:solidFill>
-              </a:rPr>
               <a:t>			</a:t>
             </a:r>
           </a:p>
@@ -18414,7 +18393,7 @@
     </p:spTree>
     <p:extLst>
       <p:ext uri="{BB962C8B-B14F-4D97-AF65-F5344CB8AC3E}">
-        <p14:creationId xmlns:p14="http://schemas.microsoft.com/office/powerpoint/2010/main" val="3163429231"/>
+        <p14:creationId xmlns:p14="http://schemas.microsoft.com/office/powerpoint/2010/main" val="1800133340"/>
       </p:ext>
     </p:extLst>
   </p:cSld>
@@ -18529,12 +18508,20 @@
             <a:r>
               <a:rPr lang="en-US" sz="3600" b="1" dirty="0">
                 <a:solidFill>
+                  <a:schemeClr val="accent6"/>
+                </a:solidFill>
+              </a:rPr>
+              <a:t>&lt;log-level&gt;		</a:t>
+            </a:r>
+            <a:r>
+              <a:rPr lang="en-US" sz="3600" b="1" dirty="0">
+                <a:solidFill>
                   <a:schemeClr val="accent6">
                     <a:alpha val="30000"/>
                   </a:schemeClr>
                 </a:solidFill>
               </a:rPr>
-              <a:t>&lt;log-level&gt;		TAG			Message</a:t>
+              <a:t>TAG			Message</a:t>
             </a:r>
           </a:p>
           <a:p>
@@ -18554,74 +18541,54 @@
                   <a:schemeClr val="accent6"/>
                 </a:solidFill>
               </a:rPr>
-              <a:t>Log.			</a:t>
-            </a:r>
+              <a:t>			v</a:t>
+            </a:r>
+          </a:p>
+          <a:p>
             <a:r>
               <a:rPr lang="en-US" sz="3600" b="1" dirty="0">
                 <a:solidFill>
-                  <a:schemeClr val="accent6">
-                    <a:alpha val="30000"/>
-                  </a:schemeClr>
-                </a:solidFill>
-              </a:rPr>
-              <a:t>v</a:t>
+                  <a:schemeClr val="accent6"/>
+                </a:solidFill>
+              </a:rPr>
+              <a:t>			d</a:t>
             </a:r>
           </a:p>
           <a:p>
             <a:r>
               <a:rPr lang="en-US" sz="3600" b="1" dirty="0">
                 <a:solidFill>
-                  <a:schemeClr val="accent6">
-                    <a:alpha val="30000"/>
-                  </a:schemeClr>
-                </a:solidFill>
-              </a:rPr>
-              <a:t>			d</a:t>
+                  <a:schemeClr val="accent6"/>
+                </a:solidFill>
+              </a:rPr>
+              <a:t>			i</a:t>
             </a:r>
           </a:p>
           <a:p>
             <a:r>
               <a:rPr lang="en-US" sz="3600" b="1" dirty="0">
                 <a:solidFill>
-                  <a:schemeClr val="accent6">
-                    <a:alpha val="30000"/>
-                  </a:schemeClr>
-                </a:solidFill>
-              </a:rPr>
-              <a:t>			i</a:t>
+                  <a:schemeClr val="accent6"/>
+                </a:solidFill>
+              </a:rPr>
+              <a:t>			w</a:t>
             </a:r>
           </a:p>
           <a:p>
             <a:r>
               <a:rPr lang="en-US" sz="3600" b="1" dirty="0">
                 <a:solidFill>
-                  <a:schemeClr val="accent6">
-                    <a:alpha val="30000"/>
-                  </a:schemeClr>
-                </a:solidFill>
-              </a:rPr>
-              <a:t>			w</a:t>
+                  <a:schemeClr val="accent6"/>
+                </a:solidFill>
+              </a:rPr>
+              <a:t>			e</a:t>
             </a:r>
           </a:p>
           <a:p>
             <a:r>
               <a:rPr lang="en-US" sz="3600" b="1" dirty="0">
                 <a:solidFill>
-                  <a:schemeClr val="accent6">
-                    <a:alpha val="30000"/>
-                  </a:schemeClr>
-                </a:solidFill>
-              </a:rPr>
-              <a:t>			e</a:t>
-            </a:r>
-          </a:p>
-          <a:p>
-            <a:r>
-              <a:rPr lang="en-US" sz="3600" b="1" dirty="0">
-                <a:solidFill>
-                  <a:schemeClr val="accent6">
-                    <a:alpha val="30000"/>
-                  </a:schemeClr>
+                  <a:schemeClr val="accent6"/>
                 </a:solidFill>
               </a:rPr>
               <a:t>			a</a:t>
@@ -18642,7 +18609,7 @@
     </p:spTree>
     <p:extLst>
       <p:ext uri="{BB962C8B-B14F-4D97-AF65-F5344CB8AC3E}">
-        <p14:creationId xmlns:p14="http://schemas.microsoft.com/office/powerpoint/2010/main" val="1293669317"/>
+        <p14:creationId xmlns:p14="http://schemas.microsoft.com/office/powerpoint/2010/main" val="3163429231"/>
       </p:ext>
     </p:extLst>
   </p:cSld>
@@ -18896,7 +18863,7 @@
               <a:rPr lang="en-US" sz="3600" b="1" dirty="0">
                 <a:solidFill>
                   <a:schemeClr val="accent6">
-                    <a:alpha val="99000"/>
+                    <a:alpha val="30000"/>
                   </a:schemeClr>
                 </a:solidFill>
               </a:rPr>
@@ -18908,7 +18875,7 @@
               <a:rPr lang="en-US" sz="3600" b="1" dirty="0">
                 <a:solidFill>
                   <a:schemeClr val="accent6">
-                    <a:alpha val="99000"/>
+                    <a:alpha val="30000"/>
                   </a:schemeClr>
                 </a:solidFill>
               </a:rPr>
@@ -18920,7 +18887,7 @@
               <a:rPr lang="en-US" sz="3600" b="1" dirty="0">
                 <a:solidFill>
                   <a:schemeClr val="accent6">
-                    <a:alpha val="99000"/>
+                    <a:alpha val="30000"/>
                   </a:schemeClr>
                 </a:solidFill>
               </a:rPr>
@@ -18932,7 +18899,7 @@
               <a:rPr lang="en-US" sz="3600" b="1" dirty="0">
                 <a:solidFill>
                   <a:schemeClr val="accent6">
-                    <a:alpha val="99000"/>
+                    <a:alpha val="30000"/>
                   </a:schemeClr>
                 </a:solidFill>
               </a:rPr>
@@ -18944,7 +18911,7 @@
               <a:rPr lang="en-US" sz="3600" b="1" dirty="0">
                 <a:solidFill>
                   <a:schemeClr val="accent6">
-                    <a:alpha val="99000"/>
+                    <a:alpha val="30000"/>
                   </a:schemeClr>
                 </a:solidFill>
               </a:rPr>
@@ -18956,7 +18923,7 @@
               <a:rPr lang="en-US" sz="3600" b="1" dirty="0">
                 <a:solidFill>
                   <a:schemeClr val="accent6">
-                    <a:alpha val="99000"/>
+                    <a:alpha val="30000"/>
                   </a:schemeClr>
                 </a:solidFill>
               </a:rPr>
@@ -18978,7 +18945,7 @@
     </p:spTree>
     <p:extLst>
       <p:ext uri="{BB962C8B-B14F-4D97-AF65-F5344CB8AC3E}">
-        <p14:creationId xmlns:p14="http://schemas.microsoft.com/office/powerpoint/2010/main" val="4020819256"/>
+        <p14:creationId xmlns:p14="http://schemas.microsoft.com/office/powerpoint/2010/main" val="1293669317"/>
       </p:ext>
     </p:extLst>
   </p:cSld>
@@ -19128,7 +19095,7 @@
                   </a:schemeClr>
                 </a:solidFill>
               </a:rPr>
-              <a:t>v		     ”any string”							d</a:t>
+              <a:t>v</a:t>
             </a:r>
           </a:p>
           <a:p>
@@ -19140,7 +19107,7 @@
                   </a:schemeClr>
                 </a:solidFill>
               </a:rPr>
-              <a:t>			i</a:t>
+              <a:t>			d</a:t>
             </a:r>
           </a:p>
           <a:p>
@@ -19152,7 +19119,7 @@
                   </a:schemeClr>
                 </a:solidFill>
               </a:rPr>
-              <a:t>			w</a:t>
+              <a:t>			i</a:t>
             </a:r>
           </a:p>
           <a:p>
@@ -19164,7 +19131,7 @@
                   </a:schemeClr>
                 </a:solidFill>
               </a:rPr>
-              <a:t>			e</a:t>
+              <a:t>			w</a:t>
             </a:r>
           </a:p>
           <a:p>
@@ -19176,6 +19143,18 @@
                   </a:schemeClr>
                 </a:solidFill>
               </a:rPr>
+              <a:t>			e</a:t>
+            </a:r>
+          </a:p>
+          <a:p>
+            <a:r>
+              <a:rPr lang="en-US" sz="3600" b="1" dirty="0">
+                <a:solidFill>
+                  <a:schemeClr val="accent6">
+                    <a:alpha val="99000"/>
+                  </a:schemeClr>
+                </a:solidFill>
+              </a:rPr>
               <a:t>			a</a:t>
             </a:r>
           </a:p>
@@ -19194,7 +19173,7 @@
     </p:spTree>
     <p:extLst>
       <p:ext uri="{BB962C8B-B14F-4D97-AF65-F5344CB8AC3E}">
-        <p14:creationId xmlns:p14="http://schemas.microsoft.com/office/powerpoint/2010/main" val="3771018511"/>
+        <p14:creationId xmlns:p14="http://schemas.microsoft.com/office/powerpoint/2010/main" val="4020819256"/>
       </p:ext>
     </p:extLst>
   </p:cSld>
@@ -19344,7 +19323,7 @@
                   </a:schemeClr>
                 </a:solidFill>
               </a:rPr>
-              <a:t>v		     ”any string”	“any string”</a:t>
+              <a:t>v		     ”any string”							d</a:t>
             </a:r>
           </a:p>
           <a:p>
@@ -19356,7 +19335,7 @@
                   </a:schemeClr>
                 </a:solidFill>
               </a:rPr>
-              <a:t>			d</a:t>
+              <a:t>			i</a:t>
             </a:r>
           </a:p>
           <a:p>
@@ -19368,7 +19347,7 @@
                   </a:schemeClr>
                 </a:solidFill>
               </a:rPr>
-              <a:t>			i</a:t>
+              <a:t>			w</a:t>
             </a:r>
           </a:p>
           <a:p>
@@ -19380,7 +19359,7 @@
                   </a:schemeClr>
                 </a:solidFill>
               </a:rPr>
-              <a:t>			w</a:t>
+              <a:t>			e</a:t>
             </a:r>
           </a:p>
           <a:p>
@@ -19392,18 +19371,6 @@
                   </a:schemeClr>
                 </a:solidFill>
               </a:rPr>
-              <a:t>			e</a:t>
-            </a:r>
-          </a:p>
-          <a:p>
-            <a:r>
-              <a:rPr lang="en-US" sz="3600" b="1" dirty="0">
-                <a:solidFill>
-                  <a:schemeClr val="accent6">
-                    <a:alpha val="99000"/>
-                  </a:schemeClr>
-                </a:solidFill>
-              </a:rPr>
               <a:t>			a</a:t>
             </a:r>
           </a:p>
@@ -19422,7 +19389,7 @@
     </p:spTree>
     <p:extLst>
       <p:ext uri="{BB962C8B-B14F-4D97-AF65-F5344CB8AC3E}">
-        <p14:creationId xmlns:p14="http://schemas.microsoft.com/office/powerpoint/2010/main" val="2328496162"/>
+        <p14:creationId xmlns:p14="http://schemas.microsoft.com/office/powerpoint/2010/main" val="3771018511"/>
       </p:ext>
     </p:extLst>
   </p:cSld>
@@ -19504,7 +19471,7 @@
         <p:spPr>
           <a:xfrm>
             <a:off x="681871" y="2025418"/>
-            <a:ext cx="10828257" cy="707886"/>
+            <a:ext cx="11378324" cy="5078313"/>
           </a:xfrm>
           <a:prstGeom prst="rect">
             <a:avLst/>
@@ -19517,12 +19484,132 @@
           <a:lstStyle/>
           <a:p>
             <a:r>
-              <a:rPr lang="en-US" sz="4000" b="1" dirty="0">
+              <a:rPr lang="en-US" sz="3600" b="1" dirty="0">
+                <a:solidFill>
+                  <a:schemeClr val="accent6">
+                    <a:alpha val="30000"/>
+                  </a:schemeClr>
+                </a:solidFill>
+              </a:rPr>
+              <a:t>Log</a:t>
+            </a:r>
+            <a:r>
+              <a:rPr lang="ar-SA" sz="3600" b="1" dirty="0">
                 <a:solidFill>
                   <a:schemeClr val="accent6"/>
                 </a:solidFill>
               </a:rPr>
-              <a:t>Log.&lt;log-level&gt;(TAG, "Message");</a:t>
+              <a:t>		</a:t>
+            </a:r>
+            <a:r>
+              <a:rPr lang="en-US" sz="3600" b="1" dirty="0">
+                <a:solidFill>
+                  <a:schemeClr val="accent6">
+                    <a:alpha val="30000"/>
+                  </a:schemeClr>
+                </a:solidFill>
+              </a:rPr>
+              <a:t>&lt;log-level&gt;		TAG			Message</a:t>
+            </a:r>
+          </a:p>
+          <a:p>
+            <a:r>
+              <a:rPr lang="en-US" sz="3600" b="1" dirty="0">
+                <a:solidFill>
+                  <a:schemeClr val="accent6"/>
+                </a:solidFill>
+              </a:rPr>
+              <a:t>			</a:t>
+            </a:r>
+          </a:p>
+          <a:p>
+            <a:r>
+              <a:rPr lang="en-US" sz="3600" b="1" dirty="0">
+                <a:solidFill>
+                  <a:schemeClr val="accent6"/>
+                </a:solidFill>
+              </a:rPr>
+              <a:t>Log.			</a:t>
+            </a:r>
+            <a:r>
+              <a:rPr lang="en-US" sz="3600" b="1" dirty="0">
+                <a:solidFill>
+                  <a:schemeClr val="accent6">
+                    <a:alpha val="99000"/>
+                  </a:schemeClr>
+                </a:solidFill>
+              </a:rPr>
+              <a:t>v		     ”any string”	“any string”</a:t>
+            </a:r>
+          </a:p>
+          <a:p>
+            <a:r>
+              <a:rPr lang="en-US" sz="3600" b="1" dirty="0">
+                <a:solidFill>
+                  <a:schemeClr val="accent6">
+                    <a:alpha val="99000"/>
+                  </a:schemeClr>
+                </a:solidFill>
+              </a:rPr>
+              <a:t>			d</a:t>
+            </a:r>
+          </a:p>
+          <a:p>
+            <a:r>
+              <a:rPr lang="en-US" sz="3600" b="1" dirty="0">
+                <a:solidFill>
+                  <a:schemeClr val="accent6">
+                    <a:alpha val="99000"/>
+                  </a:schemeClr>
+                </a:solidFill>
+              </a:rPr>
+              <a:t>			i</a:t>
+            </a:r>
+          </a:p>
+          <a:p>
+            <a:r>
+              <a:rPr lang="en-US" sz="3600" b="1" dirty="0">
+                <a:solidFill>
+                  <a:schemeClr val="accent6">
+                    <a:alpha val="99000"/>
+                  </a:schemeClr>
+                </a:solidFill>
+              </a:rPr>
+              <a:t>			w</a:t>
+            </a:r>
+          </a:p>
+          <a:p>
+            <a:r>
+              <a:rPr lang="en-US" sz="3600" b="1" dirty="0">
+                <a:solidFill>
+                  <a:schemeClr val="accent6">
+                    <a:alpha val="99000"/>
+                  </a:schemeClr>
+                </a:solidFill>
+              </a:rPr>
+              <a:t>			e</a:t>
+            </a:r>
+          </a:p>
+          <a:p>
+            <a:r>
+              <a:rPr lang="en-US" sz="3600" b="1" dirty="0">
+                <a:solidFill>
+                  <a:schemeClr val="accent6">
+                    <a:alpha val="99000"/>
+                  </a:schemeClr>
+                </a:solidFill>
+              </a:rPr>
+              <a:t>			a</a:t>
+            </a:r>
+          </a:p>
+          <a:p>
+            <a:r>
+              <a:rPr lang="en-US" sz="3600" b="1" dirty="0">
+                <a:solidFill>
+                  <a:schemeClr val="accent6"/>
+                </a:solidFill>
+              </a:rPr>
+              <a:t>			</a:t>
             </a:r>
           </a:p>
         </p:txBody>
@@ -19530,7 +19617,7 @@
     </p:spTree>
     <p:extLst>
       <p:ext uri="{BB962C8B-B14F-4D97-AF65-F5344CB8AC3E}">
-        <p14:creationId xmlns:p14="http://schemas.microsoft.com/office/powerpoint/2010/main" val="2905309047"/>
+        <p14:creationId xmlns:p14="http://schemas.microsoft.com/office/powerpoint/2010/main" val="2328496162"/>
       </p:ext>
     </p:extLst>
   </p:cSld>
@@ -19612,7 +19699,7 @@
         <p:spPr>
           <a:xfrm>
             <a:off x="681871" y="2025418"/>
-            <a:ext cx="10828257" cy="1938992"/>
+            <a:ext cx="10828257" cy="707886"/>
           </a:xfrm>
           <a:prstGeom prst="rect">
             <a:avLst/>
@@ -19627,37 +19714,10 @@
             <a:r>
               <a:rPr lang="en-US" sz="4000" b="1" dirty="0">
                 <a:solidFill>
-                  <a:schemeClr val="accent6">
-                    <a:alpha val="30000"/>
-                  </a:schemeClr>
+                  <a:schemeClr val="accent6"/>
                 </a:solidFill>
               </a:rPr>
               <a:t>Log.&lt;log-level&gt;(TAG, "Message");</a:t>
-            </a:r>
-          </a:p>
-          <a:p>
-            <a:endParaRPr lang="en-US" sz="4000" b="1" dirty="0">
-              <a:solidFill>
-                <a:schemeClr val="accent6"/>
-              </a:solidFill>
-            </a:endParaRPr>
-          </a:p>
-          <a:p>
-            <a:r>
-              <a:rPr lang="en-US" sz="4000" b="1" dirty="0" err="1">
-                <a:solidFill>
-                  <a:schemeClr val="accent6"/>
-                </a:solidFill>
-              </a:rPr>
-              <a:t>Log.d</a:t>
-            </a:r>
-            <a:r>
-              <a:rPr lang="en-US" sz="4000" b="1" dirty="0">
-                <a:solidFill>
-                  <a:schemeClr val="accent6"/>
-                </a:solidFill>
-              </a:rPr>
-              <a:t>(“Bassam”, “Bassam”);</a:t>
             </a:r>
           </a:p>
         </p:txBody>
@@ -19665,7 +19725,7 @@
     </p:spTree>
     <p:extLst>
       <p:ext uri="{BB962C8B-B14F-4D97-AF65-F5344CB8AC3E}">
-        <p14:creationId xmlns:p14="http://schemas.microsoft.com/office/powerpoint/2010/main" val="1469345395"/>
+        <p14:creationId xmlns:p14="http://schemas.microsoft.com/office/powerpoint/2010/main" val="2905309047"/>
       </p:ext>
     </p:extLst>
   </p:cSld>
@@ -19747,7 +19807,7 @@
         <p:spPr>
           <a:xfrm>
             <a:off x="681871" y="2025418"/>
-            <a:ext cx="10828257" cy="3600986"/>
+            <a:ext cx="10828257" cy="1938992"/>
           </a:xfrm>
           <a:prstGeom prst="rect">
             <a:avLst/>
@@ -19781,9 +19841,7 @@
             <a:r>
               <a:rPr lang="en-US" sz="4000" b="1" dirty="0" err="1">
                 <a:solidFill>
-                  <a:schemeClr val="accent6">
-                    <a:alpha val="30000"/>
-                  </a:schemeClr>
+                  <a:schemeClr val="accent6"/>
                 </a:solidFill>
               </a:rPr>
               <a:t>Log.d</a:t>
@@ -19791,74 +19849,18 @@
             <a:r>
               <a:rPr lang="en-US" sz="4000" b="1" dirty="0">
                 <a:solidFill>
-                  <a:schemeClr val="accent6">
-                    <a:alpha val="30000"/>
-                  </a:schemeClr>
+                  <a:schemeClr val="accent6"/>
                 </a:solidFill>
               </a:rPr>
               <a:t>(“Bassam”, “Bassam”);</a:t>
             </a:r>
-          </a:p>
-          <a:p>
-            <a:endParaRPr lang="en-US" sz="4000" b="1" dirty="0">
-              <a:solidFill>
-                <a:schemeClr val="accent6"/>
-              </a:solidFill>
-            </a:endParaRPr>
-          </a:p>
-          <a:p>
-            <a:r>
-              <a:rPr lang="en-US" sz="2800" b="1" dirty="0" err="1">
-                <a:solidFill>
-                  <a:schemeClr val="accent6">
-                    <a:alpha val="30000"/>
-                  </a:schemeClr>
-                </a:solidFill>
-              </a:rPr>
-              <a:t>Log.d</a:t>
-            </a:r>
-            <a:r>
-              <a:rPr lang="en-US" sz="2800" b="1" dirty="0">
-                <a:solidFill>
-                  <a:schemeClr val="accent6">
-                    <a:alpha val="30000"/>
-                  </a:schemeClr>
-                </a:solidFill>
-              </a:rPr>
-              <a:t>(</a:t>
-            </a:r>
-            <a:r>
-              <a:rPr lang="en-US" sz="2800" b="1" dirty="0">
-                <a:solidFill>
-                  <a:schemeClr val="accent6"/>
-                </a:solidFill>
-              </a:rPr>
-              <a:t>“ Class name “, “ Method name + what do you want to know “ </a:t>
-            </a:r>
-            <a:r>
-              <a:rPr lang="en-US" sz="2800" b="1" dirty="0">
-                <a:solidFill>
-                  <a:schemeClr val="accent6">
-                    <a:alpha val="30000"/>
-                  </a:schemeClr>
-                </a:solidFill>
-              </a:rPr>
-              <a:t>);</a:t>
-            </a:r>
-          </a:p>
-          <a:p>
-            <a:endParaRPr lang="en-US" sz="4000" b="1" dirty="0">
-              <a:solidFill>
-                <a:schemeClr val="accent6"/>
-              </a:solidFill>
-            </a:endParaRPr>
           </a:p>
         </p:txBody>
       </p:sp>
     </p:spTree>
     <p:extLst>
       <p:ext uri="{BB962C8B-B14F-4D97-AF65-F5344CB8AC3E}">
-        <p14:creationId xmlns:p14="http://schemas.microsoft.com/office/powerpoint/2010/main" val="4136227772"/>
+        <p14:creationId xmlns:p14="http://schemas.microsoft.com/office/powerpoint/2010/main" val="1469345395"/>
       </p:ext>
     </p:extLst>
   </p:cSld>
@@ -19927,10 +19929,10 @@
       </p:sp>
       <p:sp>
         <p:nvSpPr>
-          <p:cNvPr id="2" name="Rectangle 1">
-            <a:extLst>
-              <a:ext uri="{FF2B5EF4-FFF2-40B4-BE49-F238E27FC236}">
-                <a16:creationId xmlns:a16="http://schemas.microsoft.com/office/drawing/2014/main" id="{7AE415B8-15BC-E84B-A0F7-60EC18047CA3}"/>
+          <p:cNvPr id="5" name="Rectangle 4">
+            <a:extLst>
+              <a:ext uri="{FF2B5EF4-FFF2-40B4-BE49-F238E27FC236}">
+                <a16:creationId xmlns:a16="http://schemas.microsoft.com/office/drawing/2014/main" id="{11304733-72E3-8848-B28B-C60B5873F76F}"/>
               </a:ext>
             </a:extLst>
           </p:cNvPr>
@@ -19939,8 +19941,8 @@
         </p:nvSpPr>
         <p:spPr>
           <a:xfrm>
-            <a:off x="502698" y="2240933"/>
-            <a:ext cx="11532592" cy="4396716"/>
+            <a:off x="681871" y="2025418"/>
+            <a:ext cx="10828257" cy="3600986"/>
           </a:xfrm>
           <a:prstGeom prst="rect">
             <a:avLst/>
@@ -19952,122 +19954,106 @@
           </a:bodyPr>
           <a:lstStyle/>
           <a:p>
-            <a:pPr marL="457200" indent="-457200" fontAlgn="base">
-              <a:spcBef>
-                <a:spcPts val="1000"/>
-              </a:spcBef>
-              <a:spcAft>
-                <a:spcPts val="1100"/>
-              </a:spcAft>
-              <a:buFont typeface="Arial" panose="020B0604020202020204" pitchFamily="34" charset="0"/>
-              <a:buChar char="•"/>
-            </a:pPr>
-            <a:r>
-              <a:rPr lang="en-US" sz="3200" b="1" dirty="0">
+            <a:r>
+              <a:rPr lang="en-US" sz="4000" b="1" dirty="0">
+                <a:solidFill>
+                  <a:schemeClr val="accent6">
+                    <a:alpha val="30000"/>
+                  </a:schemeClr>
+                </a:solidFill>
+              </a:rPr>
+              <a:t>Log.&lt;log-level&gt;(TAG, "Message");</a:t>
+            </a:r>
+          </a:p>
+          <a:p>
+            <a:endParaRPr lang="en-US" sz="4000" b="1" dirty="0">
+              <a:solidFill>
+                <a:schemeClr val="accent6"/>
+              </a:solidFill>
+            </a:endParaRPr>
+          </a:p>
+          <a:p>
+            <a:r>
+              <a:rPr lang="en-US" sz="4000" b="1" dirty="0" err="1">
+                <a:solidFill>
+                  <a:schemeClr val="accent6">
+                    <a:alpha val="30000"/>
+                  </a:schemeClr>
+                </a:solidFill>
+              </a:rPr>
+              <a:t>Log.d</a:t>
+            </a:r>
+            <a:r>
+              <a:rPr lang="en-US" sz="4000" b="1" dirty="0">
+                <a:solidFill>
+                  <a:schemeClr val="accent6">
+                    <a:alpha val="30000"/>
+                  </a:schemeClr>
+                </a:solidFill>
+              </a:rPr>
+              <a:t>(“Bassam”, “Bassam”);</a:t>
+            </a:r>
+          </a:p>
+          <a:p>
+            <a:endParaRPr lang="en-US" sz="4000" b="1" dirty="0">
+              <a:solidFill>
+                <a:schemeClr val="accent6"/>
+              </a:solidFill>
+            </a:endParaRPr>
+          </a:p>
+          <a:p>
+            <a:r>
+              <a:rPr lang="en-US" sz="2800" b="1" dirty="0" err="1">
+                <a:solidFill>
+                  <a:schemeClr val="accent6">
+                    <a:alpha val="30000"/>
+                  </a:schemeClr>
+                </a:solidFill>
+              </a:rPr>
+              <a:t>Log.d</a:t>
+            </a:r>
+            <a:r>
+              <a:rPr lang="en-US" sz="2800" b="1" dirty="0">
+                <a:solidFill>
+                  <a:schemeClr val="accent6">
+                    <a:alpha val="30000"/>
+                  </a:schemeClr>
+                </a:solidFill>
+              </a:rPr>
+              <a:t>(</a:t>
+            </a:r>
+            <a:r>
+              <a:rPr lang="en-US" sz="2800" b="1" dirty="0">
                 <a:solidFill>
                   <a:schemeClr val="accent6"/>
                 </a:solidFill>
               </a:rPr>
-              <a:t>Verbose - All system logs</a:t>
-            </a:r>
-          </a:p>
-          <a:p>
-            <a:pPr marL="457200" indent="-457200" fontAlgn="base">
-              <a:spcBef>
-                <a:spcPts val="1000"/>
-              </a:spcBef>
-              <a:spcAft>
-                <a:spcPts val="1700"/>
-              </a:spcAft>
-              <a:buFont typeface="Arial" panose="020B0604020202020204" pitchFamily="34" charset="0"/>
-              <a:buChar char="•"/>
-            </a:pPr>
-            <a:r>
-              <a:rPr lang="en-US" sz="3200" b="1" dirty="0">
-                <a:solidFill>
-                  <a:schemeClr val="accent6"/>
-                </a:solidFill>
-              </a:rPr>
-              <a:t>Debug - All debug logs, variable values, debugging notes</a:t>
-            </a:r>
-          </a:p>
-          <a:p>
-            <a:pPr marL="457200" indent="-457200" fontAlgn="base">
-              <a:spcBef>
-                <a:spcPts val="1000"/>
-              </a:spcBef>
-              <a:spcAft>
-                <a:spcPts val="1700"/>
-              </a:spcAft>
-              <a:buFont typeface="Arial" panose="020B0604020202020204" pitchFamily="34" charset="0"/>
-              <a:buChar char="•"/>
-            </a:pPr>
-            <a:r>
-              <a:rPr lang="en-US" sz="3200" b="1" dirty="0">
-                <a:solidFill>
-                  <a:schemeClr val="accent6"/>
-                </a:solidFill>
-              </a:rPr>
-              <a:t>Info - Status info,  such as database connection</a:t>
-            </a:r>
-          </a:p>
-          <a:p>
-            <a:pPr marL="457200" indent="-457200" fontAlgn="base">
-              <a:spcBef>
-                <a:spcPts val="1000"/>
-              </a:spcBef>
-              <a:spcAft>
-                <a:spcPts val="1700"/>
-              </a:spcAft>
-              <a:buFont typeface="Arial" panose="020B0604020202020204" pitchFamily="34" charset="0"/>
-              <a:buChar char="•"/>
-            </a:pPr>
-            <a:r>
-              <a:rPr lang="en-US" sz="3200" b="1" dirty="0">
-                <a:solidFill>
-                  <a:schemeClr val="accent6"/>
-                </a:solidFill>
-              </a:rPr>
-              <a:t>Warning - Unexpected behavior, non-fatal issues</a:t>
-            </a:r>
-          </a:p>
-          <a:p>
-            <a:pPr marL="457200" indent="-457200">
-              <a:buFont typeface="Arial" panose="020B0604020202020204" pitchFamily="34" charset="0"/>
-              <a:buChar char="•"/>
-            </a:pPr>
-            <a:r>
-              <a:rPr lang="en-US" sz="3200" b="1" dirty="0">
-                <a:solidFill>
-                  <a:schemeClr val="accent6"/>
-                </a:solidFill>
-              </a:rPr>
-              <a:t>Error - Serious error conditions, exceptions, crashes only</a:t>
-            </a:r>
-          </a:p>
-          <a:p>
-            <a:pPr marL="457200" indent="-457200">
-              <a:lnSpc>
-                <a:spcPct val="150000"/>
-              </a:lnSpc>
-              <a:buFont typeface="Arial" panose="020B0604020202020204" pitchFamily="34" charset="0"/>
-              <a:buChar char="•"/>
-            </a:pPr>
-            <a:r>
-              <a:rPr lang="en-US" sz="3200" b="1" dirty="0">
-                <a:solidFill>
-                  <a:schemeClr val="accent6"/>
-                </a:solidFill>
-              </a:rPr>
-              <a:t>Assert – wtf (should never happen)</a:t>
-            </a:r>
+              <a:t>“ Class name “, “ Method name + what do you want to know “ </a:t>
+            </a:r>
+            <a:r>
+              <a:rPr lang="en-US" sz="2800" b="1" dirty="0">
+                <a:solidFill>
+                  <a:schemeClr val="accent6">
+                    <a:alpha val="30000"/>
+                  </a:schemeClr>
+                </a:solidFill>
+              </a:rPr>
+              <a:t>);</a:t>
+            </a:r>
+          </a:p>
+          <a:p>
+            <a:endParaRPr lang="en-US" sz="4000" b="1" dirty="0">
+              <a:solidFill>
+                <a:schemeClr val="accent6"/>
+              </a:solidFill>
+            </a:endParaRPr>
           </a:p>
         </p:txBody>
       </p:sp>
     </p:spTree>
     <p:extLst>
       <p:ext uri="{BB962C8B-B14F-4D97-AF65-F5344CB8AC3E}">
-        <p14:creationId xmlns:p14="http://schemas.microsoft.com/office/powerpoint/2010/main" val="3007652809"/>
+        <p14:creationId xmlns:p14="http://schemas.microsoft.com/office/powerpoint/2010/main" val="4136227772"/>
       </p:ext>
     </p:extLst>
   </p:cSld>
@@ -20094,225 +20080,189 @@
           <a:chExt cx="0" cy="0"/>
         </a:xfrm>
       </p:grpSpPr>
-      <p:pic>
-        <p:nvPicPr>
-          <p:cNvPr id="1028" name="Picture 4">
-            <a:extLst>
-              <a:ext uri="{FF2B5EF4-FFF2-40B4-BE49-F238E27FC236}">
-                <a16:creationId xmlns:a16="http://schemas.microsoft.com/office/drawing/2014/main" id="{3A33F79A-0128-DA45-8A12-7D472675EB08}"/>
-              </a:ext>
-            </a:extLst>
-          </p:cNvPr>
-          <p:cNvPicPr>
-            <a:picLocks noChangeAspect="1" noChangeArrowheads="1"/>
-          </p:cNvPicPr>
-          <p:nvPr/>
-        </p:nvPicPr>
-        <p:blipFill>
-          <a:blip r:embed="rId3">
-            <a:extLst>
-              <a:ext uri="{28A0092B-C50C-407E-A947-70E740481C1C}">
-                <a14:useLocalDpi xmlns:a14="http://schemas.microsoft.com/office/drawing/2010/main" val="0"/>
-              </a:ext>
-            </a:extLst>
-          </a:blip>
-          <a:srcRect/>
-          <a:stretch>
-            <a:fillRect/>
-          </a:stretch>
-        </p:blipFill>
-        <p:spPr bwMode="auto">
-          <a:xfrm>
-            <a:off x="1293509" y="0"/>
-            <a:ext cx="10898491" cy="6858000"/>
+      <p:sp>
+        <p:nvSpPr>
+          <p:cNvPr id="6" name="Rectangle 5">
+            <a:extLst>
+              <a:ext uri="{FF2B5EF4-FFF2-40B4-BE49-F238E27FC236}">
+                <a16:creationId xmlns:a16="http://schemas.microsoft.com/office/drawing/2014/main" id="{C8B8593E-31AC-FA49-BB23-068E5A77DF88}"/>
+              </a:ext>
+            </a:extLst>
+          </p:cNvPr>
+          <p:cNvSpPr/>
+          <p:nvPr/>
+        </p:nvSpPr>
+        <p:spPr>
+          <a:xfrm>
+            <a:off x="3740359" y="98854"/>
+            <a:ext cx="5057270" cy="1077218"/>
           </a:xfrm>
           <a:prstGeom prst="rect">
             <a:avLst/>
           </a:prstGeom>
-          <a:noFill/>
-          <a:extLst>
-            <a:ext uri="{909E8E84-426E-40DD-AFC4-6F175D3DCCD1}">
-              <a14:hiddenFill xmlns:a14="http://schemas.microsoft.com/office/drawing/2010/main">
-                <a:solidFill>
-                  <a:srgbClr val="FFFFFF"/>
-                </a:solidFill>
-              </a14:hiddenFill>
-            </a:ext>
-          </a:extLst>
-        </p:spPr>
-      </p:pic>
-      <p:sp>
-        <p:nvSpPr>
-          <p:cNvPr id="5" name="TextBox 4">
-            <a:extLst>
-              <a:ext uri="{FF2B5EF4-FFF2-40B4-BE49-F238E27FC236}">
-                <a16:creationId xmlns:a16="http://schemas.microsoft.com/office/drawing/2014/main" id="{C4C5FD88-7A04-BB4D-B498-20A0F304CED1}"/>
-              </a:ext>
-            </a:extLst>
-          </p:cNvPr>
-          <p:cNvSpPr txBox="1"/>
-          <p:nvPr/>
-        </p:nvSpPr>
-        <p:spPr>
-          <a:xfrm>
-            <a:off x="-22300" y="4631961"/>
-            <a:ext cx="1315809" cy="369332"/>
-          </a:xfrm>
-          <a:prstGeom prst="rect">
-            <a:avLst/>
-          </a:prstGeom>
-          <a:noFill/>
-        </p:spPr>
-        <p:txBody>
-          <a:bodyPr wrap="none" rtlCol="0">
+        </p:spPr>
+        <p:txBody>
+          <a:bodyPr wrap="square">
             <a:spAutoFit/>
           </a:bodyPr>
           <a:lstStyle/>
           <a:p>
             <a:r>
-              <a:rPr lang="en-US" dirty="0"/>
-              <a:t>Logcat pane</a:t>
-            </a:r>
-          </a:p>
-        </p:txBody>
-      </p:sp>
-      <p:sp>
-        <p:nvSpPr>
-          <p:cNvPr id="9" name="TextBox 8">
-            <a:extLst>
-              <a:ext uri="{FF2B5EF4-FFF2-40B4-BE49-F238E27FC236}">
-                <a16:creationId xmlns:a16="http://schemas.microsoft.com/office/drawing/2014/main" id="{EB80FC56-B281-0047-ABE9-0C0B333B831C}"/>
-              </a:ext>
-            </a:extLst>
-          </p:cNvPr>
-          <p:cNvSpPr txBox="1"/>
-          <p:nvPr/>
-        </p:nvSpPr>
-        <p:spPr>
-          <a:xfrm>
-            <a:off x="59261" y="6343339"/>
-            <a:ext cx="1152688" cy="369332"/>
+              <a:rPr lang="en-US" sz="6400" b="1" dirty="0">
+                <a:solidFill>
+                  <a:schemeClr val="accent6">
+                    <a:alpha val="30000"/>
+                  </a:schemeClr>
+                </a:solidFill>
+              </a:rPr>
+              <a:t>Log messages</a:t>
+            </a:r>
+          </a:p>
+        </p:txBody>
+      </p:sp>
+      <p:sp>
+        <p:nvSpPr>
+          <p:cNvPr id="2" name="Rectangle 1">
+            <a:extLst>
+              <a:ext uri="{FF2B5EF4-FFF2-40B4-BE49-F238E27FC236}">
+                <a16:creationId xmlns:a16="http://schemas.microsoft.com/office/drawing/2014/main" id="{7AE415B8-15BC-E84B-A0F7-60EC18047CA3}"/>
+              </a:ext>
+            </a:extLst>
+          </p:cNvPr>
+          <p:cNvSpPr/>
+          <p:nvPr/>
+        </p:nvSpPr>
+        <p:spPr>
+          <a:xfrm>
+            <a:off x="502698" y="2240933"/>
+            <a:ext cx="11532592" cy="4396716"/>
           </a:xfrm>
           <a:prstGeom prst="rect">
             <a:avLst/>
           </a:prstGeom>
-          <a:noFill/>
-        </p:spPr>
-        <p:txBody>
-          <a:bodyPr wrap="none" rtlCol="0">
+        </p:spPr>
+        <p:txBody>
+          <a:bodyPr wrap="square">
             <a:spAutoFit/>
           </a:bodyPr>
           <a:lstStyle/>
           <a:p>
-            <a:r>
-              <a:rPr lang="en-US" dirty="0"/>
-              <a:t>Logcat tab</a:t>
-            </a:r>
-          </a:p>
-        </p:txBody>
-      </p:sp>
-      <p:sp>
-        <p:nvSpPr>
-          <p:cNvPr id="7" name="Right Arrow 6">
-            <a:extLst>
-              <a:ext uri="{FF2B5EF4-FFF2-40B4-BE49-F238E27FC236}">
-                <a16:creationId xmlns:a16="http://schemas.microsoft.com/office/drawing/2014/main" id="{A85C15B7-DE23-FB40-ABA4-7A8F19BA25C0}"/>
-              </a:ext>
-            </a:extLst>
-          </p:cNvPr>
-          <p:cNvSpPr/>
-          <p:nvPr/>
-        </p:nvSpPr>
-        <p:spPr>
-          <a:xfrm>
-            <a:off x="1211949" y="6374646"/>
-            <a:ext cx="706792" cy="350093"/>
-          </a:xfrm>
-          <a:prstGeom prst="rightArrow">
-            <a:avLst/>
-          </a:prstGeom>
-          <a:solidFill>
-            <a:srgbClr val="C00000"/>
-          </a:solidFill>
-        </p:spPr>
-        <p:style>
-          <a:lnRef idx="2">
-            <a:schemeClr val="accent1">
-              <a:shade val="50000"/>
-            </a:schemeClr>
-          </a:lnRef>
-          <a:fillRef idx="1">
-            <a:schemeClr val="accent1"/>
-          </a:fillRef>
-          <a:effectRef idx="0">
-            <a:schemeClr val="accent1"/>
-          </a:effectRef>
-          <a:fontRef idx="minor">
-            <a:schemeClr val="lt1"/>
-          </a:fontRef>
-        </p:style>
-        <p:txBody>
-          <a:bodyPr rtlCol="0" anchor="ctr"/>
-          <a:lstStyle/>
-          <a:p>
-            <a:pPr algn="ctr"/>
-            <a:endParaRPr lang="en-US"/>
-          </a:p>
-        </p:txBody>
-      </p:sp>
-      <p:sp>
-        <p:nvSpPr>
-          <p:cNvPr id="11" name="Right Arrow 10">
-            <a:extLst>
-              <a:ext uri="{FF2B5EF4-FFF2-40B4-BE49-F238E27FC236}">
-                <a16:creationId xmlns:a16="http://schemas.microsoft.com/office/drawing/2014/main" id="{14690954-4953-CD4F-B74E-12EE6DED2787}"/>
-              </a:ext>
-            </a:extLst>
-          </p:cNvPr>
-          <p:cNvSpPr/>
-          <p:nvPr/>
-        </p:nvSpPr>
-        <p:spPr>
-          <a:xfrm>
-            <a:off x="1276506" y="4655210"/>
-            <a:ext cx="2321133" cy="346083"/>
-          </a:xfrm>
-          <a:prstGeom prst="rightArrow">
-            <a:avLst/>
-          </a:prstGeom>
-          <a:solidFill>
-            <a:srgbClr val="C00000"/>
-          </a:solidFill>
-        </p:spPr>
-        <p:style>
-          <a:lnRef idx="2">
-            <a:schemeClr val="accent1">
-              <a:shade val="50000"/>
-            </a:schemeClr>
-          </a:lnRef>
-          <a:fillRef idx="1">
-            <a:schemeClr val="accent1"/>
-          </a:fillRef>
-          <a:effectRef idx="0">
-            <a:schemeClr val="accent1"/>
-          </a:effectRef>
-          <a:fontRef idx="minor">
-            <a:schemeClr val="lt1"/>
-          </a:fontRef>
-        </p:style>
-        <p:txBody>
-          <a:bodyPr rtlCol="0" anchor="ctr"/>
-          <a:lstStyle/>
-          <a:p>
-            <a:pPr algn="ctr"/>
-            <a:endParaRPr lang="en-US"/>
+            <a:pPr marL="457200" indent="-457200" fontAlgn="base">
+              <a:spcBef>
+                <a:spcPts val="1000"/>
+              </a:spcBef>
+              <a:spcAft>
+                <a:spcPts val="1100"/>
+              </a:spcAft>
+              <a:buFont typeface="Arial" panose="020B0604020202020204" pitchFamily="34" charset="0"/>
+              <a:buChar char="•"/>
+            </a:pPr>
+            <a:r>
+              <a:rPr lang="en-US" sz="3200" b="1" dirty="0">
+                <a:solidFill>
+                  <a:schemeClr val="accent6"/>
+                </a:solidFill>
+              </a:rPr>
+              <a:t>Verbose - All system logs</a:t>
+            </a:r>
+          </a:p>
+          <a:p>
+            <a:pPr marL="457200" indent="-457200" fontAlgn="base">
+              <a:spcBef>
+                <a:spcPts val="1000"/>
+              </a:spcBef>
+              <a:spcAft>
+                <a:spcPts val="1700"/>
+              </a:spcAft>
+              <a:buFont typeface="Arial" panose="020B0604020202020204" pitchFamily="34" charset="0"/>
+              <a:buChar char="•"/>
+            </a:pPr>
+            <a:r>
+              <a:rPr lang="en-US" sz="3200" b="1" dirty="0">
+                <a:solidFill>
+                  <a:schemeClr val="accent6"/>
+                </a:solidFill>
+              </a:rPr>
+              <a:t>Debug - All debug logs, variable values, debugging notes</a:t>
+            </a:r>
+          </a:p>
+          <a:p>
+            <a:pPr marL="457200" indent="-457200" fontAlgn="base">
+              <a:spcBef>
+                <a:spcPts val="1000"/>
+              </a:spcBef>
+              <a:spcAft>
+                <a:spcPts val="1700"/>
+              </a:spcAft>
+              <a:buFont typeface="Arial" panose="020B0604020202020204" pitchFamily="34" charset="0"/>
+              <a:buChar char="•"/>
+            </a:pPr>
+            <a:r>
+              <a:rPr lang="en-US" sz="3200" b="1" dirty="0">
+                <a:solidFill>
+                  <a:schemeClr val="accent6"/>
+                </a:solidFill>
+              </a:rPr>
+              <a:t>Info - Status info,  such as database connection</a:t>
+            </a:r>
+          </a:p>
+          <a:p>
+            <a:pPr marL="457200" indent="-457200" fontAlgn="base">
+              <a:spcBef>
+                <a:spcPts val="1000"/>
+              </a:spcBef>
+              <a:spcAft>
+                <a:spcPts val="1700"/>
+              </a:spcAft>
+              <a:buFont typeface="Arial" panose="020B0604020202020204" pitchFamily="34" charset="0"/>
+              <a:buChar char="•"/>
+            </a:pPr>
+            <a:r>
+              <a:rPr lang="en-US" sz="3200" b="1" dirty="0">
+                <a:solidFill>
+                  <a:schemeClr val="accent6"/>
+                </a:solidFill>
+              </a:rPr>
+              <a:t>Warning - Unexpected behavior, non-fatal issues</a:t>
+            </a:r>
+          </a:p>
+          <a:p>
+            <a:pPr marL="457200" indent="-457200">
+              <a:buFont typeface="Arial" panose="020B0604020202020204" pitchFamily="34" charset="0"/>
+              <a:buChar char="•"/>
+            </a:pPr>
+            <a:r>
+              <a:rPr lang="en-US" sz="3200" b="1" dirty="0">
+                <a:solidFill>
+                  <a:schemeClr val="accent6"/>
+                </a:solidFill>
+              </a:rPr>
+              <a:t>Error - Serious error conditions, exceptions, crashes only</a:t>
+            </a:r>
+          </a:p>
+          <a:p>
+            <a:pPr marL="457200" indent="-457200">
+              <a:lnSpc>
+                <a:spcPct val="150000"/>
+              </a:lnSpc>
+              <a:buFont typeface="Arial" panose="020B0604020202020204" pitchFamily="34" charset="0"/>
+              <a:buChar char="•"/>
+            </a:pPr>
+            <a:r>
+              <a:rPr lang="en-US" sz="3200" b="1" dirty="0">
+                <a:solidFill>
+                  <a:schemeClr val="accent6"/>
+                </a:solidFill>
+              </a:rPr>
+              <a:t>Assert – wtf (should never happen)</a:t>
+            </a:r>
           </a:p>
         </p:txBody>
       </p:sp>
     </p:spTree>
     <p:extLst>
       <p:ext uri="{BB962C8B-B14F-4D97-AF65-F5344CB8AC3E}">
-        <p14:creationId xmlns:p14="http://schemas.microsoft.com/office/powerpoint/2010/main" val="1137189163"/>
+        <p14:creationId xmlns:p14="http://schemas.microsoft.com/office/powerpoint/2010/main" val="3007652809"/>
       </p:ext>
     </p:extLst>
   </p:cSld>
@@ -20341,10 +20291,10 @@
       </p:grpSpPr>
       <p:pic>
         <p:nvPicPr>
-          <p:cNvPr id="3074" name="Picture 2">
-            <a:extLst>
-              <a:ext uri="{FF2B5EF4-FFF2-40B4-BE49-F238E27FC236}">
-                <a16:creationId xmlns:a16="http://schemas.microsoft.com/office/drawing/2014/main" id="{578E4678-20B3-7249-BA83-C346415E53E0}"/>
+          <p:cNvPr id="1028" name="Picture 4">
+            <a:extLst>
+              <a:ext uri="{FF2B5EF4-FFF2-40B4-BE49-F238E27FC236}">
+                <a16:creationId xmlns:a16="http://schemas.microsoft.com/office/drawing/2014/main" id="{3A33F79A-0128-DA45-8A12-7D472675EB08}"/>
               </a:ext>
             </a:extLst>
           </p:cNvPr>
@@ -20368,8 +20318,8 @@
         </p:blipFill>
         <p:spPr bwMode="auto">
           <a:xfrm>
-            <a:off x="0" y="0"/>
-            <a:ext cx="11506200" cy="6781800"/>
+            <a:off x="1293509" y="0"/>
+            <a:ext cx="10898491" cy="6858000"/>
           </a:xfrm>
           <a:prstGeom prst="rect">
             <a:avLst/>
@@ -20388,169 +20338,176 @@
       </p:pic>
       <p:sp>
         <p:nvSpPr>
-          <p:cNvPr id="2" name="Rectangle 1">
-            <a:extLst>
-              <a:ext uri="{FF2B5EF4-FFF2-40B4-BE49-F238E27FC236}">
-                <a16:creationId xmlns:a16="http://schemas.microsoft.com/office/drawing/2014/main" id="{07B53E68-F3DB-6E4A-B67C-B48536B899F4}"/>
-              </a:ext>
-            </a:extLst>
-          </p:cNvPr>
-          <p:cNvSpPr/>
-          <p:nvPr/>
-        </p:nvSpPr>
-        <p:spPr>
-          <a:xfrm>
-            <a:off x="7005404" y="1423348"/>
-            <a:ext cx="4866806" cy="369332"/>
+          <p:cNvPr id="5" name="TextBox 4">
+            <a:extLst>
+              <a:ext uri="{FF2B5EF4-FFF2-40B4-BE49-F238E27FC236}">
+                <a16:creationId xmlns:a16="http://schemas.microsoft.com/office/drawing/2014/main" id="{C4C5FD88-7A04-BB4D-B498-20A0F304CED1}"/>
+              </a:ext>
+            </a:extLst>
+          </p:cNvPr>
+          <p:cNvSpPr txBox="1"/>
+          <p:nvPr/>
+        </p:nvSpPr>
+        <p:spPr>
+          <a:xfrm>
+            <a:off x="-22300" y="4631961"/>
+            <a:ext cx="1315809" cy="369332"/>
           </a:xfrm>
           <a:prstGeom prst="rect">
             <a:avLst/>
           </a:prstGeom>
-          <a:solidFill>
-            <a:schemeClr val="accent6">
-              <a:lumMod val="40000"/>
-              <a:lumOff val="60000"/>
-            </a:schemeClr>
-          </a:solidFill>
-        </p:spPr>
-        <p:txBody>
-          <a:bodyPr wrap="square">
+          <a:noFill/>
+        </p:spPr>
+        <p:txBody>
+          <a:bodyPr wrap="none" rtlCol="0">
             <a:spAutoFit/>
           </a:bodyPr>
           <a:lstStyle/>
           <a:p>
             <a:r>
-              <a:rPr lang="en-US" b="1" dirty="0" err="1">
-                <a:solidFill>
-                  <a:srgbClr val="000000"/>
-                </a:solidFill>
-                <a:latin typeface="Consolas" panose="020B0609020204030204" pitchFamily="49" charset="0"/>
-              </a:rPr>
-              <a:t>Log.d</a:t>
-            </a:r>
-            <a:r>
-              <a:rPr lang="en-US" b="1" dirty="0">
-                <a:solidFill>
-                  <a:srgbClr val="000000"/>
-                </a:solidFill>
-                <a:latin typeface="Consolas" panose="020B0609020204030204" pitchFamily="49" charset="0"/>
-              </a:rPr>
-              <a:t>("</a:t>
-            </a:r>
-            <a:r>
-              <a:rPr lang="en-US" b="1" dirty="0" err="1">
-                <a:solidFill>
-                  <a:srgbClr val="000000"/>
-                </a:solidFill>
-                <a:latin typeface="Consolas" panose="020B0609020204030204" pitchFamily="49" charset="0"/>
-              </a:rPr>
-              <a:t>MainActivity</a:t>
-            </a:r>
-            <a:r>
-              <a:rPr lang="en-US" b="1" dirty="0">
-                <a:solidFill>
-                  <a:srgbClr val="000000"/>
-                </a:solidFill>
-                <a:latin typeface="Consolas" panose="020B0609020204030204" pitchFamily="49" charset="0"/>
-              </a:rPr>
-              <a:t>", "Hello World");</a:t>
-            </a:r>
-            <a:endParaRPr lang="en-US" b="0" dirty="0">
-              <a:effectLst/>
-            </a:endParaRPr>
-          </a:p>
-        </p:txBody>
-      </p:sp>
-      <p:sp>
-        <p:nvSpPr>
-          <p:cNvPr id="3" name="Rectangle 2">
-            <a:extLst>
-              <a:ext uri="{FF2B5EF4-FFF2-40B4-BE49-F238E27FC236}">
-                <a16:creationId xmlns:a16="http://schemas.microsoft.com/office/drawing/2014/main" id="{26BE6C01-29B4-5E46-8C39-3C20D768FB63}"/>
-              </a:ext>
-            </a:extLst>
-          </p:cNvPr>
-          <p:cNvSpPr/>
-          <p:nvPr/>
-        </p:nvSpPr>
-        <p:spPr>
-          <a:xfrm>
-            <a:off x="685800" y="4140343"/>
-            <a:ext cx="10664877" cy="646331"/>
+              <a:rPr lang="en-US" dirty="0"/>
+              <a:t>Logcat pane</a:t>
+            </a:r>
+          </a:p>
+        </p:txBody>
+      </p:sp>
+      <p:sp>
+        <p:nvSpPr>
+          <p:cNvPr id="9" name="TextBox 8">
+            <a:extLst>
+              <a:ext uri="{FF2B5EF4-FFF2-40B4-BE49-F238E27FC236}">
+                <a16:creationId xmlns:a16="http://schemas.microsoft.com/office/drawing/2014/main" id="{EB80FC56-B281-0047-ABE9-0C0B333B831C}"/>
+              </a:ext>
+            </a:extLst>
+          </p:cNvPr>
+          <p:cNvSpPr txBox="1"/>
+          <p:nvPr/>
+        </p:nvSpPr>
+        <p:spPr>
+          <a:xfrm>
+            <a:off x="59261" y="6343339"/>
+            <a:ext cx="1152688" cy="369332"/>
           </a:xfrm>
           <a:prstGeom prst="rect">
             <a:avLst/>
           </a:prstGeom>
-          <a:solidFill>
-            <a:schemeClr val="accent6">
-              <a:lumMod val="40000"/>
-              <a:lumOff val="60000"/>
-            </a:schemeClr>
-          </a:solidFill>
-        </p:spPr>
-        <p:txBody>
-          <a:bodyPr wrap="square">
+          <a:noFill/>
+        </p:spPr>
+        <p:txBody>
+          <a:bodyPr wrap="none" rtlCol="0">
             <a:spAutoFit/>
           </a:bodyPr>
           <a:lstStyle/>
           <a:p>
             <a:r>
-              <a:rPr lang="en-US" b="1" dirty="0">
-                <a:solidFill>
-                  <a:srgbClr val="000000"/>
-                </a:solidFill>
-                <a:latin typeface="Consolas" panose="020B0609020204030204" pitchFamily="49" charset="0"/>
-              </a:rPr>
-              <a:t>09-12 14:28:07.971 4304 /</a:t>
-            </a:r>
-            <a:r>
-              <a:rPr lang="en-US" b="1" dirty="0" err="1">
-                <a:solidFill>
-                  <a:srgbClr val="000000"/>
-                </a:solidFill>
-                <a:latin typeface="Consolas" panose="020B0609020204030204" pitchFamily="49" charset="0"/>
-              </a:rPr>
-              <a:t>com.example.android.helloworld</a:t>
-            </a:r>
-            <a:r>
-              <a:rPr lang="en-US" b="1" dirty="0">
-                <a:solidFill>
-                  <a:srgbClr val="000000"/>
-                </a:solidFill>
-                <a:latin typeface="Consolas" panose="020B0609020204030204" pitchFamily="49" charset="0"/>
-              </a:rPr>
-              <a:t> D/</a:t>
-            </a:r>
-            <a:r>
-              <a:rPr lang="en-US" b="1" dirty="0" err="1">
-                <a:solidFill>
-                  <a:srgbClr val="000000"/>
-                </a:solidFill>
-                <a:latin typeface="Consolas" panose="020B0609020204030204" pitchFamily="49" charset="0"/>
-              </a:rPr>
-              <a:t>MainActivity</a:t>
-            </a:r>
-            <a:r>
-              <a:rPr lang="en-US" b="1" dirty="0">
-                <a:solidFill>
-                  <a:srgbClr val="000000"/>
-                </a:solidFill>
-                <a:latin typeface="Consolas" panose="020B0609020204030204" pitchFamily="49" charset="0"/>
-              </a:rPr>
-              <a:t>: Hello World</a:t>
-            </a:r>
-          </a:p>
-          <a:p>
-            <a:endParaRPr lang="en-US" b="0" dirty="0">
-              <a:effectLst/>
-            </a:endParaRPr>
+              <a:rPr lang="en-US" dirty="0"/>
+              <a:t>Logcat tab</a:t>
+            </a:r>
+          </a:p>
+        </p:txBody>
+      </p:sp>
+      <p:sp>
+        <p:nvSpPr>
+          <p:cNvPr id="7" name="Right Arrow 6">
+            <a:extLst>
+              <a:ext uri="{FF2B5EF4-FFF2-40B4-BE49-F238E27FC236}">
+                <a16:creationId xmlns:a16="http://schemas.microsoft.com/office/drawing/2014/main" id="{A85C15B7-DE23-FB40-ABA4-7A8F19BA25C0}"/>
+              </a:ext>
+            </a:extLst>
+          </p:cNvPr>
+          <p:cNvSpPr/>
+          <p:nvPr/>
+        </p:nvSpPr>
+        <p:spPr>
+          <a:xfrm>
+            <a:off x="1211949" y="6374646"/>
+            <a:ext cx="706792" cy="350093"/>
+          </a:xfrm>
+          <a:prstGeom prst="rightArrow">
+            <a:avLst/>
+          </a:prstGeom>
+          <a:solidFill>
+            <a:srgbClr val="C00000"/>
+          </a:solidFill>
+        </p:spPr>
+        <p:style>
+          <a:lnRef idx="2">
+            <a:schemeClr val="accent1">
+              <a:shade val="50000"/>
+            </a:schemeClr>
+          </a:lnRef>
+          <a:fillRef idx="1">
+            <a:schemeClr val="accent1"/>
+          </a:fillRef>
+          <a:effectRef idx="0">
+            <a:schemeClr val="accent1"/>
+          </a:effectRef>
+          <a:fontRef idx="minor">
+            <a:schemeClr val="lt1"/>
+          </a:fontRef>
+        </p:style>
+        <p:txBody>
+          <a:bodyPr rtlCol="0" anchor="ctr"/>
+          <a:lstStyle/>
+          <a:p>
+            <a:pPr algn="ctr"/>
+            <a:endParaRPr lang="en-US"/>
+          </a:p>
+        </p:txBody>
+      </p:sp>
+      <p:sp>
+        <p:nvSpPr>
+          <p:cNvPr id="11" name="Right Arrow 10">
+            <a:extLst>
+              <a:ext uri="{FF2B5EF4-FFF2-40B4-BE49-F238E27FC236}">
+                <a16:creationId xmlns:a16="http://schemas.microsoft.com/office/drawing/2014/main" id="{14690954-4953-CD4F-B74E-12EE6DED2787}"/>
+              </a:ext>
+            </a:extLst>
+          </p:cNvPr>
+          <p:cNvSpPr/>
+          <p:nvPr/>
+        </p:nvSpPr>
+        <p:spPr>
+          <a:xfrm>
+            <a:off x="1276506" y="4655210"/>
+            <a:ext cx="2321133" cy="346083"/>
+          </a:xfrm>
+          <a:prstGeom prst="rightArrow">
+            <a:avLst/>
+          </a:prstGeom>
+          <a:solidFill>
+            <a:srgbClr val="C00000"/>
+          </a:solidFill>
+        </p:spPr>
+        <p:style>
+          <a:lnRef idx="2">
+            <a:schemeClr val="accent1">
+              <a:shade val="50000"/>
+            </a:schemeClr>
+          </a:lnRef>
+          <a:fillRef idx="1">
+            <a:schemeClr val="accent1"/>
+          </a:fillRef>
+          <a:effectRef idx="0">
+            <a:schemeClr val="accent1"/>
+          </a:effectRef>
+          <a:fontRef idx="minor">
+            <a:schemeClr val="lt1"/>
+          </a:fontRef>
+        </p:style>
+        <p:txBody>
+          <a:bodyPr rtlCol="0" anchor="ctr"/>
+          <a:lstStyle/>
+          <a:p>
+            <a:pPr algn="ctr"/>
+            <a:endParaRPr lang="en-US"/>
           </a:p>
         </p:txBody>
       </p:sp>
     </p:spTree>
     <p:extLst>
       <p:ext uri="{BB962C8B-B14F-4D97-AF65-F5344CB8AC3E}">
-        <p14:creationId xmlns:p14="http://schemas.microsoft.com/office/powerpoint/2010/main" val="2099604243"/>
+        <p14:creationId xmlns:p14="http://schemas.microsoft.com/office/powerpoint/2010/main" val="1137189163"/>
       </p:ext>
     </p:extLst>
   </p:cSld>
@@ -20579,10 +20536,10 @@
       </p:grpSpPr>
       <p:pic>
         <p:nvPicPr>
-          <p:cNvPr id="4103" name="Picture 7">
-            <a:extLst>
-              <a:ext uri="{FF2B5EF4-FFF2-40B4-BE49-F238E27FC236}">
-                <a16:creationId xmlns:a16="http://schemas.microsoft.com/office/drawing/2014/main" id="{639408E0-2C65-B748-854D-C42867AE1855}"/>
+          <p:cNvPr id="3074" name="Picture 2">
+            <a:extLst>
+              <a:ext uri="{FF2B5EF4-FFF2-40B4-BE49-F238E27FC236}">
+                <a16:creationId xmlns:a16="http://schemas.microsoft.com/office/drawing/2014/main" id="{578E4678-20B3-7249-BA83-C346415E53E0}"/>
               </a:ext>
             </a:extLst>
           </p:cNvPr>
@@ -20607,7 +20564,7 @@
         <p:spPr bwMode="auto">
           <a:xfrm>
             <a:off x="0" y="0"/>
-            <a:ext cx="12192000" cy="6805612"/>
+            <a:ext cx="11506200" cy="6781800"/>
           </a:xfrm>
           <a:prstGeom prst="rect">
             <a:avLst/>
@@ -20624,59 +20581,12 @@
           </a:extLst>
         </p:spPr>
       </p:pic>
-      <p:pic>
-        <p:nvPicPr>
-          <p:cNvPr id="4105" name="Picture 9">
-            <a:extLst>
-              <a:ext uri="{FF2B5EF4-FFF2-40B4-BE49-F238E27FC236}">
-                <a16:creationId xmlns:a16="http://schemas.microsoft.com/office/drawing/2014/main" id="{DB16E119-9FE5-574E-9A73-395679973E0F}"/>
-              </a:ext>
-            </a:extLst>
-          </p:cNvPr>
-          <p:cNvPicPr>
-            <a:picLocks noChangeAspect="1" noChangeArrowheads="1"/>
-          </p:cNvPicPr>
-          <p:nvPr/>
-        </p:nvPicPr>
-        <p:blipFill>
-          <a:blip r:embed="rId4">
-            <a:extLst>
-              <a:ext uri="{28A0092B-C50C-407E-A947-70E740481C1C}">
-                <a14:useLocalDpi xmlns:a14="http://schemas.microsoft.com/office/drawing/2010/main" val="0"/>
-              </a:ext>
-            </a:extLst>
-          </a:blip>
-          <a:srcRect/>
-          <a:stretch>
-            <a:fillRect/>
-          </a:stretch>
-        </p:blipFill>
-        <p:spPr bwMode="auto">
-          <a:xfrm>
-            <a:off x="6282871" y="2086655"/>
-            <a:ext cx="1397000" cy="1854200"/>
-          </a:xfrm>
-          <a:prstGeom prst="rect">
-            <a:avLst/>
-          </a:prstGeom>
-          <a:noFill/>
-          <a:extLst>
-            <a:ext uri="{909E8E84-426E-40DD-AFC4-6F175D3DCCD1}">
-              <a14:hiddenFill xmlns:a14="http://schemas.microsoft.com/office/drawing/2010/main">
-                <a:solidFill>
-                  <a:srgbClr val="FFFFFF"/>
-                </a:solidFill>
-              </a14:hiddenFill>
-            </a:ext>
-          </a:extLst>
-        </p:spPr>
-      </p:pic>
-      <p:sp>
-        <p:nvSpPr>
-          <p:cNvPr id="6" name="Rectangle 5">
-            <a:extLst>
-              <a:ext uri="{FF2B5EF4-FFF2-40B4-BE49-F238E27FC236}">
-                <a16:creationId xmlns:a16="http://schemas.microsoft.com/office/drawing/2014/main" id="{C853B574-849C-AF40-9EF9-B823F201E031}"/>
+      <p:sp>
+        <p:nvSpPr>
+          <p:cNvPr id="2" name="Rectangle 1">
+            <a:extLst>
+              <a:ext uri="{FF2B5EF4-FFF2-40B4-BE49-F238E27FC236}">
+                <a16:creationId xmlns:a16="http://schemas.microsoft.com/office/drawing/2014/main" id="{07B53E68-F3DB-6E4A-B67C-B48536B899F4}"/>
               </a:ext>
             </a:extLst>
           </p:cNvPr>
@@ -20685,64 +20595,8 @@
         </p:nvSpPr>
         <p:spPr>
           <a:xfrm>
-            <a:off x="92598" y="3940855"/>
-            <a:ext cx="12192000" cy="2917145"/>
-          </a:xfrm>
-          <a:prstGeom prst="rect">
-            <a:avLst/>
-          </a:prstGeom>
-          <a:solidFill>
-            <a:schemeClr val="bg1"/>
-          </a:solidFill>
-          <a:ln>
-            <a:noFill/>
-          </a:ln>
-        </p:spPr>
-        <p:style>
-          <a:lnRef idx="2">
-            <a:schemeClr val="accent1">
-              <a:shade val="50000"/>
-            </a:schemeClr>
-          </a:lnRef>
-          <a:fillRef idx="1">
-            <a:schemeClr val="accent1"/>
-          </a:fillRef>
-          <a:effectRef idx="0">
-            <a:schemeClr val="accent1"/>
-          </a:effectRef>
-          <a:fontRef idx="minor">
-            <a:schemeClr val="lt1"/>
-          </a:fontRef>
-        </p:style>
-        <p:txBody>
-          <a:bodyPr rtlCol="0" anchor="ctr"/>
-          <a:lstStyle/>
-          <a:p>
-            <a:pPr algn="ctr"/>
-            <a:endParaRPr lang="en-US" dirty="0">
-              <a:solidFill>
-                <a:schemeClr val="bg1"/>
-              </a:solidFill>
-            </a:endParaRPr>
-          </a:p>
-        </p:txBody>
-      </p:sp>
-      <p:sp>
-        <p:nvSpPr>
-          <p:cNvPr id="5" name="Rectangle 4">
-            <a:extLst>
-              <a:ext uri="{FF2B5EF4-FFF2-40B4-BE49-F238E27FC236}">
-                <a16:creationId xmlns:a16="http://schemas.microsoft.com/office/drawing/2014/main" id="{E81790F9-AD23-AF42-BC31-6204413A79EF}"/>
-              </a:ext>
-            </a:extLst>
-          </p:cNvPr>
-          <p:cNvSpPr/>
-          <p:nvPr/>
-        </p:nvSpPr>
-        <p:spPr>
-          <a:xfrm>
-            <a:off x="3512664" y="4937762"/>
-            <a:ext cx="6096000" cy="830997"/>
+            <a:off x="7005404" y="1423348"/>
+            <a:ext cx="4866806" cy="369332"/>
           </a:xfrm>
           <a:prstGeom prst="rect">
             <a:avLst/>
@@ -20755,21 +20609,134 @@
           </a:solidFill>
         </p:spPr>
         <p:txBody>
-          <a:bodyPr>
+          <a:bodyPr wrap="square">
             <a:spAutoFit/>
           </a:bodyPr>
           <a:lstStyle/>
           <a:p>
             <a:r>
-              <a:rPr lang="en-US" sz="2400" dirty="0">
+              <a:rPr lang="en-US" b="1" dirty="0" err="1">
                 <a:solidFill>
                   <a:srgbClr val="000000"/>
                 </a:solidFill>
-                <a:latin typeface="Roboto" panose="02000000000000000000" pitchFamily="2" charset="0"/>
-              </a:rPr>
-              <a:t>Displays logs with levels at this level or higher</a:t>
-            </a:r>
-            <a:endParaRPr lang="en-US" sz="2400" b="0" dirty="0">
+                <a:latin typeface="Consolas" panose="020B0609020204030204" pitchFamily="49" charset="0"/>
+              </a:rPr>
+              <a:t>Log.d</a:t>
+            </a:r>
+            <a:r>
+              <a:rPr lang="en-US" b="1" dirty="0">
+                <a:solidFill>
+                  <a:srgbClr val="000000"/>
+                </a:solidFill>
+                <a:latin typeface="Consolas" panose="020B0609020204030204" pitchFamily="49" charset="0"/>
+              </a:rPr>
+              <a:t>("</a:t>
+            </a:r>
+            <a:r>
+              <a:rPr lang="en-US" b="1" dirty="0" err="1">
+                <a:solidFill>
+                  <a:srgbClr val="000000"/>
+                </a:solidFill>
+                <a:latin typeface="Consolas" panose="020B0609020204030204" pitchFamily="49" charset="0"/>
+              </a:rPr>
+              <a:t>MainActivity</a:t>
+            </a:r>
+            <a:r>
+              <a:rPr lang="en-US" b="1" dirty="0">
+                <a:solidFill>
+                  <a:srgbClr val="000000"/>
+                </a:solidFill>
+                <a:latin typeface="Consolas" panose="020B0609020204030204" pitchFamily="49" charset="0"/>
+              </a:rPr>
+              <a:t>", "Hello World");</a:t>
+            </a:r>
+            <a:endParaRPr lang="en-US" b="0" dirty="0">
+              <a:effectLst/>
+            </a:endParaRPr>
+          </a:p>
+        </p:txBody>
+      </p:sp>
+      <p:sp>
+        <p:nvSpPr>
+          <p:cNvPr id="3" name="Rectangle 2">
+            <a:extLst>
+              <a:ext uri="{FF2B5EF4-FFF2-40B4-BE49-F238E27FC236}">
+                <a16:creationId xmlns:a16="http://schemas.microsoft.com/office/drawing/2014/main" id="{26BE6C01-29B4-5E46-8C39-3C20D768FB63}"/>
+              </a:ext>
+            </a:extLst>
+          </p:cNvPr>
+          <p:cNvSpPr/>
+          <p:nvPr/>
+        </p:nvSpPr>
+        <p:spPr>
+          <a:xfrm>
+            <a:off x="685800" y="4140343"/>
+            <a:ext cx="10664877" cy="646331"/>
+          </a:xfrm>
+          <a:prstGeom prst="rect">
+            <a:avLst/>
+          </a:prstGeom>
+          <a:solidFill>
+            <a:schemeClr val="accent6">
+              <a:lumMod val="40000"/>
+              <a:lumOff val="60000"/>
+            </a:schemeClr>
+          </a:solidFill>
+        </p:spPr>
+        <p:txBody>
+          <a:bodyPr wrap="square">
+            <a:spAutoFit/>
+          </a:bodyPr>
+          <a:lstStyle/>
+          <a:p>
+            <a:r>
+              <a:rPr lang="en-US" b="1" dirty="0">
+                <a:solidFill>
+                  <a:srgbClr val="000000"/>
+                </a:solidFill>
+                <a:latin typeface="Consolas" panose="020B0609020204030204" pitchFamily="49" charset="0"/>
+              </a:rPr>
+              <a:t>09-12 14:28:07.971 4304 /</a:t>
+            </a:r>
+            <a:r>
+              <a:rPr lang="en-US" b="1" dirty="0" err="1">
+                <a:solidFill>
+                  <a:srgbClr val="000000"/>
+                </a:solidFill>
+                <a:latin typeface="Consolas" panose="020B0609020204030204" pitchFamily="49" charset="0"/>
+              </a:rPr>
+              <a:t>com.example.android.helloworld</a:t>
+            </a:r>
+            <a:r>
+              <a:rPr lang="en-US" b="1" dirty="0">
+                <a:solidFill>
+                  <a:srgbClr val="000000"/>
+                </a:solidFill>
+                <a:latin typeface="Consolas" panose="020B0609020204030204" pitchFamily="49" charset="0"/>
+              </a:rPr>
+              <a:t> D/</a:t>
+            </a:r>
+            <a:r>
+              <a:rPr lang="en-US" b="1" dirty="0" err="1">
+                <a:solidFill>
+                  <a:srgbClr val="000000"/>
+                </a:solidFill>
+                <a:latin typeface="Consolas" panose="020B0609020204030204" pitchFamily="49" charset="0"/>
+              </a:rPr>
+              <a:t>MainActivity</a:t>
+            </a:r>
+            <a:r>
+              <a:rPr lang="en-US" b="1" dirty="0">
+                <a:solidFill>
+                  <a:srgbClr val="000000"/>
+                </a:solidFill>
+                <a:latin typeface="Consolas" panose="020B0609020204030204" pitchFamily="49" charset="0"/>
+              </a:rPr>
+              <a:t>: Hello World</a:t>
+            </a:r>
+          </a:p>
+          <a:p>
+            <a:endParaRPr lang="en-US" b="0" dirty="0">
               <a:effectLst/>
             </a:endParaRPr>
           </a:p>
@@ -20778,7 +20745,7 @@
     </p:spTree>
     <p:extLst>
       <p:ext uri="{BB962C8B-B14F-4D97-AF65-F5344CB8AC3E}">
-        <p14:creationId xmlns:p14="http://schemas.microsoft.com/office/powerpoint/2010/main" val="3272095866"/>
+        <p14:creationId xmlns:p14="http://schemas.microsoft.com/office/powerpoint/2010/main" val="2099604243"/>
       </p:ext>
     </p:extLst>
   </p:cSld>
@@ -20875,10 +20842,10 @@
       </p:grpSpPr>
       <p:pic>
         <p:nvPicPr>
-          <p:cNvPr id="7173" name="Picture 5">
-            <a:extLst>
-              <a:ext uri="{FF2B5EF4-FFF2-40B4-BE49-F238E27FC236}">
-                <a16:creationId xmlns:a16="http://schemas.microsoft.com/office/drawing/2014/main" id="{75C9A18A-8CF8-244D-8C83-F01E138B6C7E}"/>
+          <p:cNvPr id="4103" name="Picture 7">
+            <a:extLst>
+              <a:ext uri="{FF2B5EF4-FFF2-40B4-BE49-F238E27FC236}">
+                <a16:creationId xmlns:a16="http://schemas.microsoft.com/office/drawing/2014/main" id="{639408E0-2C65-B748-854D-C42867AE1855}"/>
               </a:ext>
             </a:extLst>
           </p:cNvPr>
@@ -20902,8 +20869,8 @@
         </p:blipFill>
         <p:spPr bwMode="auto">
           <a:xfrm>
-            <a:off x="1" y="0"/>
-            <a:ext cx="10033000" cy="6858000"/>
+            <a:off x="0" y="0"/>
+            <a:ext cx="12192000" cy="6805612"/>
           </a:xfrm>
           <a:prstGeom prst="rect">
             <a:avLst/>
@@ -20920,12 +20887,59 @@
           </a:extLst>
         </p:spPr>
       </p:pic>
-      <p:sp>
-        <p:nvSpPr>
-          <p:cNvPr id="7" name="Frame 6">
-            <a:extLst>
-              <a:ext uri="{FF2B5EF4-FFF2-40B4-BE49-F238E27FC236}">
-                <a16:creationId xmlns:a16="http://schemas.microsoft.com/office/drawing/2014/main" id="{9DB2F517-9303-1F4D-8F63-A61D13F09740}"/>
+      <p:pic>
+        <p:nvPicPr>
+          <p:cNvPr id="4105" name="Picture 9">
+            <a:extLst>
+              <a:ext uri="{FF2B5EF4-FFF2-40B4-BE49-F238E27FC236}">
+                <a16:creationId xmlns:a16="http://schemas.microsoft.com/office/drawing/2014/main" id="{DB16E119-9FE5-574E-9A73-395679973E0F}"/>
+              </a:ext>
+            </a:extLst>
+          </p:cNvPr>
+          <p:cNvPicPr>
+            <a:picLocks noChangeAspect="1" noChangeArrowheads="1"/>
+          </p:cNvPicPr>
+          <p:nvPr/>
+        </p:nvPicPr>
+        <p:blipFill>
+          <a:blip r:embed="rId4">
+            <a:extLst>
+              <a:ext uri="{28A0092B-C50C-407E-A947-70E740481C1C}">
+                <a14:useLocalDpi xmlns:a14="http://schemas.microsoft.com/office/drawing/2010/main" val="0"/>
+              </a:ext>
+            </a:extLst>
+          </a:blip>
+          <a:srcRect/>
+          <a:stretch>
+            <a:fillRect/>
+          </a:stretch>
+        </p:blipFill>
+        <p:spPr bwMode="auto">
+          <a:xfrm>
+            <a:off x="6282871" y="2086655"/>
+            <a:ext cx="1397000" cy="1854200"/>
+          </a:xfrm>
+          <a:prstGeom prst="rect">
+            <a:avLst/>
+          </a:prstGeom>
+          <a:noFill/>
+          <a:extLst>
+            <a:ext uri="{909E8E84-426E-40DD-AFC4-6F175D3DCCD1}">
+              <a14:hiddenFill xmlns:a14="http://schemas.microsoft.com/office/drawing/2010/main">
+                <a:solidFill>
+                  <a:srgbClr val="FFFFFF"/>
+                </a:solidFill>
+              </a14:hiddenFill>
+            </a:ext>
+          </a:extLst>
+        </p:spPr>
+      </p:pic>
+      <p:sp>
+        <p:nvSpPr>
+          <p:cNvPr id="6" name="Rectangle 5">
+            <a:extLst>
+              <a:ext uri="{FF2B5EF4-FFF2-40B4-BE49-F238E27FC236}">
+                <a16:creationId xmlns:a16="http://schemas.microsoft.com/office/drawing/2014/main" id="{C853B574-849C-AF40-9EF9-B823F201E031}"/>
               </a:ext>
             </a:extLst>
           </p:cNvPr>
@@ -20934,15 +20948,18 @@
         </p:nvSpPr>
         <p:spPr>
           <a:xfrm>
-            <a:off x="4207329" y="196306"/>
-            <a:ext cx="274320" cy="261257"/>
-          </a:xfrm>
-          <a:prstGeom prst="frame">
+            <a:off x="92598" y="3940855"/>
+            <a:ext cx="12192000" cy="2917145"/>
+          </a:xfrm>
+          <a:prstGeom prst="rect">
             <a:avLst/>
           </a:prstGeom>
           <a:solidFill>
-            <a:srgbClr val="C00000"/>
+            <a:schemeClr val="bg1"/>
           </a:solidFill>
+          <a:ln>
+            <a:noFill/>
+          </a:ln>
         </p:spPr>
         <p:style>
           <a:lnRef idx="2">
@@ -20965,9 +20982,9 @@
           <a:lstStyle/>
           <a:p>
             <a:pPr algn="ctr"/>
-            <a:endParaRPr lang="en-US">
+            <a:endParaRPr lang="en-US" dirty="0">
               <a:solidFill>
-                <a:schemeClr val="tx1"/>
+                <a:schemeClr val="bg1"/>
               </a:solidFill>
             </a:endParaRPr>
           </a:p>
@@ -20975,10 +20992,10 @@
       </p:sp>
       <p:sp>
         <p:nvSpPr>
-          <p:cNvPr id="8" name="Left Arrow 7">
-            <a:extLst>
-              <a:ext uri="{FF2B5EF4-FFF2-40B4-BE49-F238E27FC236}">
-                <a16:creationId xmlns:a16="http://schemas.microsoft.com/office/drawing/2014/main" id="{4C799ED2-185D-E745-9216-EF379803A3F0}"/>
+          <p:cNvPr id="5" name="Rectangle 4">
+            <a:extLst>
+              <a:ext uri="{FF2B5EF4-FFF2-40B4-BE49-F238E27FC236}">
+                <a16:creationId xmlns:a16="http://schemas.microsoft.com/office/drawing/2014/main" id="{E81790F9-AD23-AF42-BC31-6204413A79EF}"/>
               </a:ext>
             </a:extLst>
           </p:cNvPr>
@@ -20987,357 +21004,8 @@
         </p:nvSpPr>
         <p:spPr>
           <a:xfrm>
-            <a:off x="4481649" y="168184"/>
-            <a:ext cx="5778500" cy="317500"/>
-          </a:xfrm>
-          <a:prstGeom prst="leftArrow">
-            <a:avLst/>
-          </a:prstGeom>
-          <a:solidFill>
-            <a:srgbClr val="C00000"/>
-          </a:solidFill>
-          <a:ln>
-            <a:noFill/>
-          </a:ln>
-        </p:spPr>
-        <p:style>
-          <a:lnRef idx="2">
-            <a:schemeClr val="accent1">
-              <a:shade val="50000"/>
-            </a:schemeClr>
-          </a:lnRef>
-          <a:fillRef idx="1">
-            <a:schemeClr val="accent1"/>
-          </a:fillRef>
-          <a:effectRef idx="0">
-            <a:schemeClr val="accent1"/>
-          </a:effectRef>
-          <a:fontRef idx="minor">
-            <a:schemeClr val="lt1"/>
-          </a:fontRef>
-        </p:style>
-        <p:txBody>
-          <a:bodyPr rtlCol="0" anchor="ctr"/>
-          <a:lstStyle/>
-          <a:p>
-            <a:pPr algn="ctr"/>
-            <a:endParaRPr lang="en-US"/>
-          </a:p>
-        </p:txBody>
-      </p:sp>
-      <p:sp>
-        <p:nvSpPr>
-          <p:cNvPr id="9" name="Oval 8">
-            <a:extLst>
-              <a:ext uri="{FF2B5EF4-FFF2-40B4-BE49-F238E27FC236}">
-                <a16:creationId xmlns:a16="http://schemas.microsoft.com/office/drawing/2014/main" id="{2D477314-2FF2-9F40-B44B-F45083DF41E7}"/>
-              </a:ext>
-            </a:extLst>
-          </p:cNvPr>
-          <p:cNvSpPr/>
-          <p:nvPr/>
-        </p:nvSpPr>
-        <p:spPr>
-          <a:xfrm>
-            <a:off x="10202818" y="60234"/>
-            <a:ext cx="508000" cy="508000"/>
-          </a:xfrm>
-          <a:prstGeom prst="ellipse">
-            <a:avLst/>
-          </a:prstGeom>
-          <a:solidFill>
-            <a:srgbClr val="C00000"/>
-          </a:solidFill>
-          <a:ln>
-            <a:noFill/>
-          </a:ln>
-        </p:spPr>
-        <p:style>
-          <a:lnRef idx="2">
-            <a:schemeClr val="accent1">
-              <a:shade val="50000"/>
-            </a:schemeClr>
-          </a:lnRef>
-          <a:fillRef idx="1">
-            <a:schemeClr val="accent1"/>
-          </a:fillRef>
-          <a:effectRef idx="0">
-            <a:schemeClr val="accent1"/>
-          </a:effectRef>
-          <a:fontRef idx="minor">
-            <a:schemeClr val="lt1"/>
-          </a:fontRef>
-        </p:style>
-        <p:txBody>
-          <a:bodyPr rtlCol="0" anchor="ctr"/>
-          <a:lstStyle/>
-          <a:p>
-            <a:pPr algn="ctr"/>
-            <a:r>
-              <a:rPr lang="en-US" dirty="0"/>
-              <a:t>1</a:t>
-            </a:r>
-          </a:p>
-        </p:txBody>
-      </p:sp>
-      <p:pic>
-        <p:nvPicPr>
-          <p:cNvPr id="7177" name="Picture 9">
-            <a:extLst>
-              <a:ext uri="{FF2B5EF4-FFF2-40B4-BE49-F238E27FC236}">
-                <a16:creationId xmlns:a16="http://schemas.microsoft.com/office/drawing/2014/main" id="{275B6174-2965-2C45-BF6C-2E5D1B6385C9}"/>
-              </a:ext>
-            </a:extLst>
-          </p:cNvPr>
-          <p:cNvPicPr>
-            <a:picLocks noChangeAspect="1" noChangeArrowheads="1"/>
-          </p:cNvPicPr>
-          <p:nvPr/>
-        </p:nvPicPr>
-        <p:blipFill>
-          <a:blip r:embed="rId4">
-            <a:extLst>
-              <a:ext uri="{28A0092B-C50C-407E-A947-70E740481C1C}">
-                <a14:useLocalDpi xmlns:a14="http://schemas.microsoft.com/office/drawing/2010/main" val="0"/>
-              </a:ext>
-            </a:extLst>
-          </a:blip>
-          <a:srcRect/>
-          <a:stretch>
-            <a:fillRect/>
-          </a:stretch>
-        </p:blipFill>
-        <p:spPr bwMode="auto">
-          <a:xfrm>
-            <a:off x="10880634" y="140062"/>
-            <a:ext cx="1184365" cy="1184365"/>
-          </a:xfrm>
-          <a:prstGeom prst="rect">
-            <a:avLst/>
-          </a:prstGeom>
-          <a:noFill/>
-          <a:extLst>
-            <a:ext uri="{909E8E84-426E-40DD-AFC4-6F175D3DCCD1}">
-              <a14:hiddenFill xmlns:a14="http://schemas.microsoft.com/office/drawing/2010/main">
-                <a:solidFill>
-                  <a:srgbClr val="FFFFFF"/>
-                </a:solidFill>
-              </a14:hiddenFill>
-            </a:ext>
-          </a:extLst>
-        </p:spPr>
-      </p:pic>
-      <p:sp>
-        <p:nvSpPr>
-          <p:cNvPr id="19" name="Frame 18">
-            <a:extLst>
-              <a:ext uri="{FF2B5EF4-FFF2-40B4-BE49-F238E27FC236}">
-                <a16:creationId xmlns:a16="http://schemas.microsoft.com/office/drawing/2014/main" id="{41D9ACD9-E0DB-C240-BE03-587BC93FD095}"/>
-              </a:ext>
-            </a:extLst>
-          </p:cNvPr>
-          <p:cNvSpPr/>
-          <p:nvPr/>
-        </p:nvSpPr>
-        <p:spPr>
-          <a:xfrm>
-            <a:off x="444500" y="3866606"/>
-            <a:ext cx="643165" cy="289378"/>
-          </a:xfrm>
-          <a:prstGeom prst="frame">
-            <a:avLst/>
-          </a:prstGeom>
-          <a:solidFill>
-            <a:srgbClr val="C00000"/>
-          </a:solidFill>
-        </p:spPr>
-        <p:style>
-          <a:lnRef idx="2">
-            <a:schemeClr val="accent1">
-              <a:shade val="50000"/>
-            </a:schemeClr>
-          </a:lnRef>
-          <a:fillRef idx="1">
-            <a:schemeClr val="accent1"/>
-          </a:fillRef>
-          <a:effectRef idx="0">
-            <a:schemeClr val="accent1"/>
-          </a:effectRef>
-          <a:fontRef idx="minor">
-            <a:schemeClr val="lt1"/>
-          </a:fontRef>
-        </p:style>
-        <p:txBody>
-          <a:bodyPr rtlCol="0" anchor="ctr"/>
-          <a:lstStyle/>
-          <a:p>
-            <a:pPr algn="ctr"/>
-            <a:endParaRPr lang="en-US">
-              <a:solidFill>
-                <a:schemeClr val="tx1"/>
-              </a:solidFill>
-            </a:endParaRPr>
-          </a:p>
-        </p:txBody>
-      </p:sp>
-      <p:sp>
-        <p:nvSpPr>
-          <p:cNvPr id="20" name="Left Arrow 19">
-            <a:extLst>
-              <a:ext uri="{FF2B5EF4-FFF2-40B4-BE49-F238E27FC236}">
-                <a16:creationId xmlns:a16="http://schemas.microsoft.com/office/drawing/2014/main" id="{C8B5401E-CFF1-BD4C-BCDD-00570A22310C}"/>
-              </a:ext>
-            </a:extLst>
-          </p:cNvPr>
-          <p:cNvSpPr/>
-          <p:nvPr/>
-        </p:nvSpPr>
-        <p:spPr>
-          <a:xfrm>
-            <a:off x="1087665" y="3838484"/>
-            <a:ext cx="9172484" cy="317500"/>
-          </a:xfrm>
-          <a:prstGeom prst="leftArrow">
-            <a:avLst/>
-          </a:prstGeom>
-          <a:solidFill>
-            <a:srgbClr val="C00000"/>
-          </a:solidFill>
-          <a:ln>
-            <a:noFill/>
-          </a:ln>
-        </p:spPr>
-        <p:style>
-          <a:lnRef idx="2">
-            <a:schemeClr val="accent1">
-              <a:shade val="50000"/>
-            </a:schemeClr>
-          </a:lnRef>
-          <a:fillRef idx="1">
-            <a:schemeClr val="accent1"/>
-          </a:fillRef>
-          <a:effectRef idx="0">
-            <a:schemeClr val="accent1"/>
-          </a:effectRef>
-          <a:fontRef idx="minor">
-            <a:schemeClr val="lt1"/>
-          </a:fontRef>
-        </p:style>
-        <p:txBody>
-          <a:bodyPr rtlCol="0" anchor="ctr"/>
-          <a:lstStyle/>
-          <a:p>
-            <a:pPr algn="ctr"/>
-            <a:endParaRPr lang="en-US"/>
-          </a:p>
-        </p:txBody>
-      </p:sp>
-      <p:sp>
-        <p:nvSpPr>
-          <p:cNvPr id="21" name="Oval 20">
-            <a:extLst>
-              <a:ext uri="{FF2B5EF4-FFF2-40B4-BE49-F238E27FC236}">
-                <a16:creationId xmlns:a16="http://schemas.microsoft.com/office/drawing/2014/main" id="{687C04D1-4981-E14A-A6B9-F571DFB5A891}"/>
-              </a:ext>
-            </a:extLst>
-          </p:cNvPr>
-          <p:cNvSpPr/>
-          <p:nvPr/>
-        </p:nvSpPr>
-        <p:spPr>
-          <a:xfrm>
-            <a:off x="10199734" y="3743234"/>
-            <a:ext cx="508000" cy="508000"/>
-          </a:xfrm>
-          <a:prstGeom prst="ellipse">
-            <a:avLst/>
-          </a:prstGeom>
-          <a:solidFill>
-            <a:srgbClr val="C00000"/>
-          </a:solidFill>
-          <a:ln>
-            <a:noFill/>
-          </a:ln>
-        </p:spPr>
-        <p:style>
-          <a:lnRef idx="2">
-            <a:schemeClr val="accent1">
-              <a:shade val="50000"/>
-            </a:schemeClr>
-          </a:lnRef>
-          <a:fillRef idx="1">
-            <a:schemeClr val="accent1"/>
-          </a:fillRef>
-          <a:effectRef idx="0">
-            <a:schemeClr val="accent1"/>
-          </a:effectRef>
-          <a:fontRef idx="minor">
-            <a:schemeClr val="lt1"/>
-          </a:fontRef>
-        </p:style>
-        <p:txBody>
-          <a:bodyPr rtlCol="0" anchor="ctr"/>
-          <a:lstStyle/>
-          <a:p>
-            <a:pPr algn="ctr"/>
-            <a:r>
-              <a:rPr lang="en-US" dirty="0"/>
-              <a:t>2</a:t>
-            </a:r>
-          </a:p>
-        </p:txBody>
-      </p:sp>
-      <p:sp>
-        <p:nvSpPr>
-          <p:cNvPr id="10" name="TextBox 9">
-            <a:extLst>
-              <a:ext uri="{FF2B5EF4-FFF2-40B4-BE49-F238E27FC236}">
-                <a16:creationId xmlns:a16="http://schemas.microsoft.com/office/drawing/2014/main" id="{1D612CA9-0311-684F-8BE0-26657327E5BB}"/>
-              </a:ext>
-            </a:extLst>
-          </p:cNvPr>
-          <p:cNvSpPr txBox="1"/>
-          <p:nvPr/>
-        </p:nvSpPr>
-        <p:spPr>
-          <a:xfrm>
-            <a:off x="10755630" y="3688129"/>
-            <a:ext cx="1184366" cy="646331"/>
-          </a:xfrm>
-          <a:prstGeom prst="rect">
-            <a:avLst/>
-          </a:prstGeom>
-          <a:noFill/>
-        </p:spPr>
-        <p:txBody>
-          <a:bodyPr wrap="square" rtlCol="0">
-            <a:spAutoFit/>
-          </a:bodyPr>
-          <a:lstStyle/>
-          <a:p>
-            <a:r>
-              <a:rPr lang="en-US" dirty="0"/>
-              <a:t>Debugger pane</a:t>
-            </a:r>
-          </a:p>
-        </p:txBody>
-      </p:sp>
-      <p:sp>
-        <p:nvSpPr>
-          <p:cNvPr id="11" name="Rectangle 10">
-            <a:extLst>
-              <a:ext uri="{FF2B5EF4-FFF2-40B4-BE49-F238E27FC236}">
-                <a16:creationId xmlns:a16="http://schemas.microsoft.com/office/drawing/2014/main" id="{16520A93-C135-F948-A164-8E4701838EEF}"/>
-              </a:ext>
-            </a:extLst>
-          </p:cNvPr>
-          <p:cNvSpPr/>
-          <p:nvPr/>
-        </p:nvSpPr>
-        <p:spPr>
-          <a:xfrm>
-            <a:off x="10199734" y="5496177"/>
-            <a:ext cx="1906995" cy="923330"/>
+            <a:off x="3512664" y="4937762"/>
+            <a:ext cx="6096000" cy="830997"/>
           </a:xfrm>
           <a:prstGeom prst="rect">
             <a:avLst/>
@@ -21350,52 +21018,30 @@
           </a:solidFill>
         </p:spPr>
         <p:txBody>
-          <a:bodyPr wrap="square">
+          <a:bodyPr>
             <a:spAutoFit/>
           </a:bodyPr>
           <a:lstStyle/>
           <a:p>
             <a:r>
-              <a:rPr lang="en-US" dirty="0">
+              <a:rPr lang="en-US" sz="2400" dirty="0">
                 <a:solidFill>
                   <a:srgbClr val="000000"/>
                 </a:solidFill>
                 <a:latin typeface="Roboto" panose="02000000000000000000" pitchFamily="2" charset="0"/>
               </a:rPr>
-              <a:t>Menu:</a:t>
-            </a:r>
-            <a:endParaRPr lang="en-US" b="0" dirty="0">
+              <a:t>Displays logs with levels at this level or higher</a:t>
+            </a:r>
+            <a:endParaRPr lang="en-US" sz="2400" b="0" dirty="0">
               <a:effectLst/>
             </a:endParaRPr>
-          </a:p>
-          <a:p>
-            <a:r>
-              <a:rPr lang="en-US" b="1" dirty="0">
-                <a:solidFill>
-                  <a:srgbClr val="000000"/>
-                </a:solidFill>
-                <a:latin typeface="Roboto" panose="02000000000000000000" pitchFamily="2" charset="0"/>
-              </a:rPr>
-              <a:t>Run &gt; Debug 'your app</a:t>
-            </a:r>
-            <a:r>
-              <a:rPr lang="en-US" sz="1400" b="1" i="0" u="none" strike="noStrike" dirty="0">
-                <a:solidFill>
-                  <a:srgbClr val="000000"/>
-                </a:solidFill>
-                <a:effectLst/>
-                <a:latin typeface="Arial" panose="020B0604020202020204" pitchFamily="34" charset="0"/>
-              </a:rPr>
-              <a:t>'</a:t>
-            </a:r>
-            <a:endParaRPr lang="en-US" dirty="0"/>
           </a:p>
         </p:txBody>
       </p:sp>
     </p:spTree>
     <p:extLst>
       <p:ext uri="{BB962C8B-B14F-4D97-AF65-F5344CB8AC3E}">
-        <p14:creationId xmlns:p14="http://schemas.microsoft.com/office/powerpoint/2010/main" val="3339451986"/>
+        <p14:creationId xmlns:p14="http://schemas.microsoft.com/office/powerpoint/2010/main" val="3272095866"/>
       </p:ext>
     </p:extLst>
   </p:cSld>
@@ -21424,10 +21070,10 @@
       </p:grpSpPr>
       <p:pic>
         <p:nvPicPr>
-          <p:cNvPr id="8196" name="Picture 4">
-            <a:extLst>
-              <a:ext uri="{FF2B5EF4-FFF2-40B4-BE49-F238E27FC236}">
-                <a16:creationId xmlns:a16="http://schemas.microsoft.com/office/drawing/2014/main" id="{54713EAD-A5EC-E54D-9E07-49D85E44B326}"/>
+          <p:cNvPr id="7173" name="Picture 5">
+            <a:extLst>
+              <a:ext uri="{FF2B5EF4-FFF2-40B4-BE49-F238E27FC236}">
+                <a16:creationId xmlns:a16="http://schemas.microsoft.com/office/drawing/2014/main" id="{75C9A18A-8CF8-244D-8C83-F01E138B6C7E}"/>
               </a:ext>
             </a:extLst>
           </p:cNvPr>
@@ -21451,8 +21097,8 @@
         </p:blipFill>
         <p:spPr bwMode="auto">
           <a:xfrm>
-            <a:off x="0" y="413307"/>
-            <a:ext cx="9305365" cy="6031385"/>
+            <a:off x="1" y="0"/>
+            <a:ext cx="10033000" cy="6858000"/>
           </a:xfrm>
           <a:prstGeom prst="rect">
             <a:avLst/>
@@ -21471,10 +21117,10 @@
       </p:pic>
       <p:sp>
         <p:nvSpPr>
-          <p:cNvPr id="3" name="Rectangle 2">
-            <a:extLst>
-              <a:ext uri="{FF2B5EF4-FFF2-40B4-BE49-F238E27FC236}">
-                <a16:creationId xmlns:a16="http://schemas.microsoft.com/office/drawing/2014/main" id="{E4985A8D-42D4-5B41-BDD7-50E0F5D93779}"/>
+          <p:cNvPr id="7" name="Frame 6">
+            <a:extLst>
+              <a:ext uri="{FF2B5EF4-FFF2-40B4-BE49-F238E27FC236}">
+                <a16:creationId xmlns:a16="http://schemas.microsoft.com/office/drawing/2014/main" id="{9DB2F517-9303-1F4D-8F63-A61D13F09740}"/>
               </a:ext>
             </a:extLst>
           </p:cNvPr>
@@ -21483,8 +21129,410 @@
         </p:nvSpPr>
         <p:spPr>
           <a:xfrm>
-            <a:off x="412377" y="6075360"/>
-            <a:ext cx="1792941" cy="369332"/>
+            <a:off x="4207329" y="196306"/>
+            <a:ext cx="274320" cy="261257"/>
+          </a:xfrm>
+          <a:prstGeom prst="frame">
+            <a:avLst/>
+          </a:prstGeom>
+          <a:solidFill>
+            <a:srgbClr val="C00000"/>
+          </a:solidFill>
+        </p:spPr>
+        <p:style>
+          <a:lnRef idx="2">
+            <a:schemeClr val="accent1">
+              <a:shade val="50000"/>
+            </a:schemeClr>
+          </a:lnRef>
+          <a:fillRef idx="1">
+            <a:schemeClr val="accent1"/>
+          </a:fillRef>
+          <a:effectRef idx="0">
+            <a:schemeClr val="accent1"/>
+          </a:effectRef>
+          <a:fontRef idx="minor">
+            <a:schemeClr val="lt1"/>
+          </a:fontRef>
+        </p:style>
+        <p:txBody>
+          <a:bodyPr rtlCol="0" anchor="ctr"/>
+          <a:lstStyle/>
+          <a:p>
+            <a:pPr algn="ctr"/>
+            <a:endParaRPr lang="en-US">
+              <a:solidFill>
+                <a:schemeClr val="tx1"/>
+              </a:solidFill>
+            </a:endParaRPr>
+          </a:p>
+        </p:txBody>
+      </p:sp>
+      <p:sp>
+        <p:nvSpPr>
+          <p:cNvPr id="8" name="Left Arrow 7">
+            <a:extLst>
+              <a:ext uri="{FF2B5EF4-FFF2-40B4-BE49-F238E27FC236}">
+                <a16:creationId xmlns:a16="http://schemas.microsoft.com/office/drawing/2014/main" id="{4C799ED2-185D-E745-9216-EF379803A3F0}"/>
+              </a:ext>
+            </a:extLst>
+          </p:cNvPr>
+          <p:cNvSpPr/>
+          <p:nvPr/>
+        </p:nvSpPr>
+        <p:spPr>
+          <a:xfrm>
+            <a:off x="4481649" y="168184"/>
+            <a:ext cx="5778500" cy="317500"/>
+          </a:xfrm>
+          <a:prstGeom prst="leftArrow">
+            <a:avLst/>
+          </a:prstGeom>
+          <a:solidFill>
+            <a:srgbClr val="C00000"/>
+          </a:solidFill>
+          <a:ln>
+            <a:noFill/>
+          </a:ln>
+        </p:spPr>
+        <p:style>
+          <a:lnRef idx="2">
+            <a:schemeClr val="accent1">
+              <a:shade val="50000"/>
+            </a:schemeClr>
+          </a:lnRef>
+          <a:fillRef idx="1">
+            <a:schemeClr val="accent1"/>
+          </a:fillRef>
+          <a:effectRef idx="0">
+            <a:schemeClr val="accent1"/>
+          </a:effectRef>
+          <a:fontRef idx="minor">
+            <a:schemeClr val="lt1"/>
+          </a:fontRef>
+        </p:style>
+        <p:txBody>
+          <a:bodyPr rtlCol="0" anchor="ctr"/>
+          <a:lstStyle/>
+          <a:p>
+            <a:pPr algn="ctr"/>
+            <a:endParaRPr lang="en-US"/>
+          </a:p>
+        </p:txBody>
+      </p:sp>
+      <p:sp>
+        <p:nvSpPr>
+          <p:cNvPr id="9" name="Oval 8">
+            <a:extLst>
+              <a:ext uri="{FF2B5EF4-FFF2-40B4-BE49-F238E27FC236}">
+                <a16:creationId xmlns:a16="http://schemas.microsoft.com/office/drawing/2014/main" id="{2D477314-2FF2-9F40-B44B-F45083DF41E7}"/>
+              </a:ext>
+            </a:extLst>
+          </p:cNvPr>
+          <p:cNvSpPr/>
+          <p:nvPr/>
+        </p:nvSpPr>
+        <p:spPr>
+          <a:xfrm>
+            <a:off x="10202818" y="60234"/>
+            <a:ext cx="508000" cy="508000"/>
+          </a:xfrm>
+          <a:prstGeom prst="ellipse">
+            <a:avLst/>
+          </a:prstGeom>
+          <a:solidFill>
+            <a:srgbClr val="C00000"/>
+          </a:solidFill>
+          <a:ln>
+            <a:noFill/>
+          </a:ln>
+        </p:spPr>
+        <p:style>
+          <a:lnRef idx="2">
+            <a:schemeClr val="accent1">
+              <a:shade val="50000"/>
+            </a:schemeClr>
+          </a:lnRef>
+          <a:fillRef idx="1">
+            <a:schemeClr val="accent1"/>
+          </a:fillRef>
+          <a:effectRef idx="0">
+            <a:schemeClr val="accent1"/>
+          </a:effectRef>
+          <a:fontRef idx="minor">
+            <a:schemeClr val="lt1"/>
+          </a:fontRef>
+        </p:style>
+        <p:txBody>
+          <a:bodyPr rtlCol="0" anchor="ctr"/>
+          <a:lstStyle/>
+          <a:p>
+            <a:pPr algn="ctr"/>
+            <a:r>
+              <a:rPr lang="en-US" dirty="0"/>
+              <a:t>1</a:t>
+            </a:r>
+          </a:p>
+        </p:txBody>
+      </p:sp>
+      <p:pic>
+        <p:nvPicPr>
+          <p:cNvPr id="7177" name="Picture 9">
+            <a:extLst>
+              <a:ext uri="{FF2B5EF4-FFF2-40B4-BE49-F238E27FC236}">
+                <a16:creationId xmlns:a16="http://schemas.microsoft.com/office/drawing/2014/main" id="{275B6174-2965-2C45-BF6C-2E5D1B6385C9}"/>
+              </a:ext>
+            </a:extLst>
+          </p:cNvPr>
+          <p:cNvPicPr>
+            <a:picLocks noChangeAspect="1" noChangeArrowheads="1"/>
+          </p:cNvPicPr>
+          <p:nvPr/>
+        </p:nvPicPr>
+        <p:blipFill>
+          <a:blip r:embed="rId4">
+            <a:extLst>
+              <a:ext uri="{28A0092B-C50C-407E-A947-70E740481C1C}">
+                <a14:useLocalDpi xmlns:a14="http://schemas.microsoft.com/office/drawing/2010/main" val="0"/>
+              </a:ext>
+            </a:extLst>
+          </a:blip>
+          <a:srcRect/>
+          <a:stretch>
+            <a:fillRect/>
+          </a:stretch>
+        </p:blipFill>
+        <p:spPr bwMode="auto">
+          <a:xfrm>
+            <a:off x="10880634" y="140062"/>
+            <a:ext cx="1184365" cy="1184365"/>
+          </a:xfrm>
+          <a:prstGeom prst="rect">
+            <a:avLst/>
+          </a:prstGeom>
+          <a:noFill/>
+          <a:extLst>
+            <a:ext uri="{909E8E84-426E-40DD-AFC4-6F175D3DCCD1}">
+              <a14:hiddenFill xmlns:a14="http://schemas.microsoft.com/office/drawing/2010/main">
+                <a:solidFill>
+                  <a:srgbClr val="FFFFFF"/>
+                </a:solidFill>
+              </a14:hiddenFill>
+            </a:ext>
+          </a:extLst>
+        </p:spPr>
+      </p:pic>
+      <p:sp>
+        <p:nvSpPr>
+          <p:cNvPr id="19" name="Frame 18">
+            <a:extLst>
+              <a:ext uri="{FF2B5EF4-FFF2-40B4-BE49-F238E27FC236}">
+                <a16:creationId xmlns:a16="http://schemas.microsoft.com/office/drawing/2014/main" id="{41D9ACD9-E0DB-C240-BE03-587BC93FD095}"/>
+              </a:ext>
+            </a:extLst>
+          </p:cNvPr>
+          <p:cNvSpPr/>
+          <p:nvPr/>
+        </p:nvSpPr>
+        <p:spPr>
+          <a:xfrm>
+            <a:off x="444500" y="3866606"/>
+            <a:ext cx="643165" cy="289378"/>
+          </a:xfrm>
+          <a:prstGeom prst="frame">
+            <a:avLst/>
+          </a:prstGeom>
+          <a:solidFill>
+            <a:srgbClr val="C00000"/>
+          </a:solidFill>
+        </p:spPr>
+        <p:style>
+          <a:lnRef idx="2">
+            <a:schemeClr val="accent1">
+              <a:shade val="50000"/>
+            </a:schemeClr>
+          </a:lnRef>
+          <a:fillRef idx="1">
+            <a:schemeClr val="accent1"/>
+          </a:fillRef>
+          <a:effectRef idx="0">
+            <a:schemeClr val="accent1"/>
+          </a:effectRef>
+          <a:fontRef idx="minor">
+            <a:schemeClr val="lt1"/>
+          </a:fontRef>
+        </p:style>
+        <p:txBody>
+          <a:bodyPr rtlCol="0" anchor="ctr"/>
+          <a:lstStyle/>
+          <a:p>
+            <a:pPr algn="ctr"/>
+            <a:endParaRPr lang="en-US">
+              <a:solidFill>
+                <a:schemeClr val="tx1"/>
+              </a:solidFill>
+            </a:endParaRPr>
+          </a:p>
+        </p:txBody>
+      </p:sp>
+      <p:sp>
+        <p:nvSpPr>
+          <p:cNvPr id="20" name="Left Arrow 19">
+            <a:extLst>
+              <a:ext uri="{FF2B5EF4-FFF2-40B4-BE49-F238E27FC236}">
+                <a16:creationId xmlns:a16="http://schemas.microsoft.com/office/drawing/2014/main" id="{C8B5401E-CFF1-BD4C-BCDD-00570A22310C}"/>
+              </a:ext>
+            </a:extLst>
+          </p:cNvPr>
+          <p:cNvSpPr/>
+          <p:nvPr/>
+        </p:nvSpPr>
+        <p:spPr>
+          <a:xfrm>
+            <a:off x="1087665" y="3838484"/>
+            <a:ext cx="9172484" cy="317500"/>
+          </a:xfrm>
+          <a:prstGeom prst="leftArrow">
+            <a:avLst/>
+          </a:prstGeom>
+          <a:solidFill>
+            <a:srgbClr val="C00000"/>
+          </a:solidFill>
+          <a:ln>
+            <a:noFill/>
+          </a:ln>
+        </p:spPr>
+        <p:style>
+          <a:lnRef idx="2">
+            <a:schemeClr val="accent1">
+              <a:shade val="50000"/>
+            </a:schemeClr>
+          </a:lnRef>
+          <a:fillRef idx="1">
+            <a:schemeClr val="accent1"/>
+          </a:fillRef>
+          <a:effectRef idx="0">
+            <a:schemeClr val="accent1"/>
+          </a:effectRef>
+          <a:fontRef idx="minor">
+            <a:schemeClr val="lt1"/>
+          </a:fontRef>
+        </p:style>
+        <p:txBody>
+          <a:bodyPr rtlCol="0" anchor="ctr"/>
+          <a:lstStyle/>
+          <a:p>
+            <a:pPr algn="ctr"/>
+            <a:endParaRPr lang="en-US"/>
+          </a:p>
+        </p:txBody>
+      </p:sp>
+      <p:sp>
+        <p:nvSpPr>
+          <p:cNvPr id="21" name="Oval 20">
+            <a:extLst>
+              <a:ext uri="{FF2B5EF4-FFF2-40B4-BE49-F238E27FC236}">
+                <a16:creationId xmlns:a16="http://schemas.microsoft.com/office/drawing/2014/main" id="{687C04D1-4981-E14A-A6B9-F571DFB5A891}"/>
+              </a:ext>
+            </a:extLst>
+          </p:cNvPr>
+          <p:cNvSpPr/>
+          <p:nvPr/>
+        </p:nvSpPr>
+        <p:spPr>
+          <a:xfrm>
+            <a:off x="10199734" y="3743234"/>
+            <a:ext cx="508000" cy="508000"/>
+          </a:xfrm>
+          <a:prstGeom prst="ellipse">
+            <a:avLst/>
+          </a:prstGeom>
+          <a:solidFill>
+            <a:srgbClr val="C00000"/>
+          </a:solidFill>
+          <a:ln>
+            <a:noFill/>
+          </a:ln>
+        </p:spPr>
+        <p:style>
+          <a:lnRef idx="2">
+            <a:schemeClr val="accent1">
+              <a:shade val="50000"/>
+            </a:schemeClr>
+          </a:lnRef>
+          <a:fillRef idx="1">
+            <a:schemeClr val="accent1"/>
+          </a:fillRef>
+          <a:effectRef idx="0">
+            <a:schemeClr val="accent1"/>
+          </a:effectRef>
+          <a:fontRef idx="minor">
+            <a:schemeClr val="lt1"/>
+          </a:fontRef>
+        </p:style>
+        <p:txBody>
+          <a:bodyPr rtlCol="0" anchor="ctr"/>
+          <a:lstStyle/>
+          <a:p>
+            <a:pPr algn="ctr"/>
+            <a:r>
+              <a:rPr lang="en-US" dirty="0"/>
+              <a:t>2</a:t>
+            </a:r>
+          </a:p>
+        </p:txBody>
+      </p:sp>
+      <p:sp>
+        <p:nvSpPr>
+          <p:cNvPr id="10" name="TextBox 9">
+            <a:extLst>
+              <a:ext uri="{FF2B5EF4-FFF2-40B4-BE49-F238E27FC236}">
+                <a16:creationId xmlns:a16="http://schemas.microsoft.com/office/drawing/2014/main" id="{1D612CA9-0311-684F-8BE0-26657327E5BB}"/>
+              </a:ext>
+            </a:extLst>
+          </p:cNvPr>
+          <p:cNvSpPr txBox="1"/>
+          <p:nvPr/>
+        </p:nvSpPr>
+        <p:spPr>
+          <a:xfrm>
+            <a:off x="10755630" y="3688129"/>
+            <a:ext cx="1184366" cy="646331"/>
+          </a:xfrm>
+          <a:prstGeom prst="rect">
+            <a:avLst/>
+          </a:prstGeom>
+          <a:noFill/>
+        </p:spPr>
+        <p:txBody>
+          <a:bodyPr wrap="square" rtlCol="0">
+            <a:spAutoFit/>
+          </a:bodyPr>
+          <a:lstStyle/>
+          <a:p>
+            <a:r>
+              <a:rPr lang="en-US" dirty="0"/>
+              <a:t>Debugger pane</a:t>
+            </a:r>
+          </a:p>
+        </p:txBody>
+      </p:sp>
+      <p:sp>
+        <p:nvSpPr>
+          <p:cNvPr id="11" name="Rectangle 10">
+            <a:extLst>
+              <a:ext uri="{FF2B5EF4-FFF2-40B4-BE49-F238E27FC236}">
+                <a16:creationId xmlns:a16="http://schemas.microsoft.com/office/drawing/2014/main" id="{16520A93-C135-F948-A164-8E4701838EEF}"/>
+              </a:ext>
+            </a:extLst>
+          </p:cNvPr>
+          <p:cNvSpPr/>
+          <p:nvPr/>
+        </p:nvSpPr>
+        <p:spPr>
+          <a:xfrm>
+            <a:off x="10199734" y="5496177"/>
+            <a:ext cx="1906995" cy="923330"/>
           </a:xfrm>
           <a:prstGeom prst="rect">
             <a:avLst/>
@@ -21502,7 +21550,6 @@
           </a:bodyPr>
           <a:lstStyle/>
           <a:p>
-            <a:pPr algn="ctr"/>
             <a:r>
               <a:rPr lang="en-US" dirty="0">
                 <a:solidFill>
@@ -21510,116 +21557,40 @@
                 </a:solidFill>
                 <a:latin typeface="Roboto" panose="02000000000000000000" pitchFamily="2" charset="0"/>
               </a:rPr>
-              <a:t>Frames</a:t>
+              <a:t>Menu:</a:t>
             </a:r>
             <a:endParaRPr lang="en-US" b="0" dirty="0">
               <a:effectLst/>
             </a:endParaRPr>
           </a:p>
-        </p:txBody>
-      </p:sp>
-      <p:sp>
-        <p:nvSpPr>
-          <p:cNvPr id="6" name="Rectangle 5">
-            <a:extLst>
-              <a:ext uri="{FF2B5EF4-FFF2-40B4-BE49-F238E27FC236}">
-                <a16:creationId xmlns:a16="http://schemas.microsoft.com/office/drawing/2014/main" id="{39813952-39F9-5B44-81E8-274FEF9F2C76}"/>
-              </a:ext>
-            </a:extLst>
-          </p:cNvPr>
-          <p:cNvSpPr/>
-          <p:nvPr/>
-        </p:nvSpPr>
-        <p:spPr>
-          <a:xfrm>
-            <a:off x="2617695" y="6075360"/>
-            <a:ext cx="4625787" cy="369332"/>
-          </a:xfrm>
-          <a:prstGeom prst="rect">
-            <a:avLst/>
-          </a:prstGeom>
-          <a:solidFill>
-            <a:schemeClr val="accent6">
-              <a:lumMod val="40000"/>
-              <a:lumOff val="60000"/>
-            </a:schemeClr>
-          </a:solidFill>
-        </p:spPr>
-        <p:txBody>
-          <a:bodyPr wrap="square">
-            <a:spAutoFit/>
-          </a:bodyPr>
-          <a:lstStyle/>
-          <a:p>
-            <a:pPr algn="ctr"/>
-            <a:r>
-              <a:rPr lang="en-US" dirty="0">
+          <a:p>
+            <a:r>
+              <a:rPr lang="en-US" b="1" dirty="0">
                 <a:solidFill>
                   <a:srgbClr val="000000"/>
                 </a:solidFill>
                 <a:latin typeface="Roboto" panose="02000000000000000000" pitchFamily="2" charset="0"/>
               </a:rPr>
-              <a:t>Variables</a:t>
-            </a:r>
-            <a:endParaRPr lang="en-US" b="0" dirty="0">
-              <a:effectLst/>
-            </a:endParaRPr>
-          </a:p>
-        </p:txBody>
-      </p:sp>
-      <p:sp>
-        <p:nvSpPr>
-          <p:cNvPr id="7" name="Rectangle 6">
-            <a:extLst>
-              <a:ext uri="{FF2B5EF4-FFF2-40B4-BE49-F238E27FC236}">
-                <a16:creationId xmlns:a16="http://schemas.microsoft.com/office/drawing/2014/main" id="{8AB114F2-ADF6-0549-8240-DE44541521FC}"/>
-              </a:ext>
-            </a:extLst>
-          </p:cNvPr>
-          <p:cNvSpPr/>
-          <p:nvPr/>
-        </p:nvSpPr>
-        <p:spPr>
-          <a:xfrm>
-            <a:off x="7404848" y="6075360"/>
-            <a:ext cx="1595717" cy="369332"/>
-          </a:xfrm>
-          <a:prstGeom prst="rect">
-            <a:avLst/>
-          </a:prstGeom>
-          <a:solidFill>
-            <a:schemeClr val="accent6">
-              <a:lumMod val="40000"/>
-              <a:lumOff val="60000"/>
-            </a:schemeClr>
-          </a:solidFill>
-        </p:spPr>
-        <p:txBody>
-          <a:bodyPr wrap="square">
-            <a:spAutoFit/>
-          </a:bodyPr>
-          <a:lstStyle/>
-          <a:p>
-            <a:pPr algn="ctr"/>
-            <a:r>
-              <a:rPr lang="en-US" dirty="0">
+              <a:t>Run &gt; Debug 'your app</a:t>
+            </a:r>
+            <a:r>
+              <a:rPr lang="en-US" sz="1400" b="1" i="0" u="none" strike="noStrike" dirty="0">
                 <a:solidFill>
                   <a:srgbClr val="000000"/>
                 </a:solidFill>
-                <a:latin typeface="Roboto" panose="02000000000000000000" pitchFamily="2" charset="0"/>
-              </a:rPr>
-              <a:t>Watches</a:t>
-            </a:r>
-            <a:endParaRPr lang="en-US" b="0" dirty="0">
-              <a:effectLst/>
-            </a:endParaRPr>
+                <a:effectLst/>
+                <a:latin typeface="Arial" panose="020B0604020202020204" pitchFamily="34" charset="0"/>
+              </a:rPr>
+              <a:t>'</a:t>
+            </a:r>
+            <a:endParaRPr lang="en-US" dirty="0"/>
           </a:p>
         </p:txBody>
       </p:sp>
     </p:spTree>
     <p:extLst>
       <p:ext uri="{BB962C8B-B14F-4D97-AF65-F5344CB8AC3E}">
-        <p14:creationId xmlns:p14="http://schemas.microsoft.com/office/powerpoint/2010/main" val="2821783123"/>
+        <p14:creationId xmlns:p14="http://schemas.microsoft.com/office/powerpoint/2010/main" val="3339451986"/>
       </p:ext>
     </p:extLst>
   </p:cSld>
@@ -21648,10 +21619,10 @@
       </p:grpSpPr>
       <p:pic>
         <p:nvPicPr>
-          <p:cNvPr id="9218" name="Picture 2">
-            <a:extLst>
-              <a:ext uri="{FF2B5EF4-FFF2-40B4-BE49-F238E27FC236}">
-                <a16:creationId xmlns:a16="http://schemas.microsoft.com/office/drawing/2014/main" id="{F595D863-07B7-B744-BE30-C737C94ADA77}"/>
+          <p:cNvPr id="8196" name="Picture 4">
+            <a:extLst>
+              <a:ext uri="{FF2B5EF4-FFF2-40B4-BE49-F238E27FC236}">
+                <a16:creationId xmlns:a16="http://schemas.microsoft.com/office/drawing/2014/main" id="{54713EAD-A5EC-E54D-9E07-49D85E44B326}"/>
               </a:ext>
             </a:extLst>
           </p:cNvPr>
@@ -21660,7 +21631,7 @@
           </p:cNvPicPr>
           <p:nvPr/>
         </p:nvPicPr>
-        <p:blipFill rotWithShape="1">
+        <p:blipFill>
           <a:blip r:embed="rId3">
             <a:extLst>
               <a:ext uri="{28A0092B-C50C-407E-A947-70E740481C1C}">
@@ -21668,13 +21639,15 @@
               </a:ext>
             </a:extLst>
           </a:blip>
-          <a:srcRect b="80207"/>
-          <a:stretch/>
+          <a:srcRect/>
+          <a:stretch>
+            <a:fillRect/>
+          </a:stretch>
         </p:blipFill>
         <p:spPr bwMode="auto">
           <a:xfrm>
-            <a:off x="1352550" y="2889250"/>
-            <a:ext cx="9918700" cy="837079"/>
+            <a:off x="0" y="413307"/>
+            <a:ext cx="9305365" cy="6031385"/>
           </a:xfrm>
           <a:prstGeom prst="rect">
             <a:avLst/>
@@ -21691,89 +21664,157 @@
           </a:extLst>
         </p:spPr>
       </p:pic>
-      <p:cxnSp>
-        <p:nvCxnSpPr>
-          <p:cNvPr id="5" name="Straight Arrow Connector 4">
-            <a:extLst>
-              <a:ext uri="{FF2B5EF4-FFF2-40B4-BE49-F238E27FC236}">
-                <a16:creationId xmlns:a16="http://schemas.microsoft.com/office/drawing/2014/main" id="{DAD21631-4D0A-1F48-93D0-0ADC275C6003}"/>
-              </a:ext>
-            </a:extLst>
-          </p:cNvPr>
-          <p:cNvCxnSpPr>
-            <a:cxnSpLocks/>
-          </p:cNvCxnSpPr>
-          <p:nvPr/>
-        </p:nvCxnSpPr>
-        <p:spPr>
-          <a:xfrm>
-            <a:off x="4051300" y="2197100"/>
-            <a:ext cx="571500" cy="1110689"/>
-          </a:xfrm>
-          <a:prstGeom prst="straightConnector1">
-            <a:avLst/>
-          </a:prstGeom>
-          <a:ln w="31750">
-            <a:solidFill>
-              <a:srgbClr val="C00000"/>
-            </a:solidFill>
-            <a:tailEnd type="triangle"/>
-          </a:ln>
-        </p:spPr>
-        <p:style>
-          <a:lnRef idx="1">
-            <a:schemeClr val="accent1"/>
-          </a:lnRef>
-          <a:fillRef idx="0">
-            <a:schemeClr val="accent1"/>
-          </a:fillRef>
-          <a:effectRef idx="0">
-            <a:schemeClr val="accent1"/>
-          </a:effectRef>
-          <a:fontRef idx="minor">
-            <a:schemeClr val="tx1"/>
-          </a:fontRef>
-        </p:style>
-      </p:cxnSp>
-      <p:sp>
-        <p:nvSpPr>
-          <p:cNvPr id="7" name="TextBox 6">
-            <a:extLst>
-              <a:ext uri="{FF2B5EF4-FFF2-40B4-BE49-F238E27FC236}">
-                <a16:creationId xmlns:a16="http://schemas.microsoft.com/office/drawing/2014/main" id="{5D2A4B80-DB8E-5849-B3F7-2B6BFCAEB60C}"/>
-              </a:ext>
-            </a:extLst>
-          </p:cNvPr>
-          <p:cNvSpPr txBox="1"/>
-          <p:nvPr/>
-        </p:nvSpPr>
-        <p:spPr>
-          <a:xfrm>
-            <a:off x="2794000" y="1827768"/>
-            <a:ext cx="2211118" cy="369332"/>
+      <p:sp>
+        <p:nvSpPr>
+          <p:cNvPr id="3" name="Rectangle 2">
+            <a:extLst>
+              <a:ext uri="{FF2B5EF4-FFF2-40B4-BE49-F238E27FC236}">
+                <a16:creationId xmlns:a16="http://schemas.microsoft.com/office/drawing/2014/main" id="{E4985A8D-42D4-5B41-BDD7-50E0F5D93779}"/>
+              </a:ext>
+            </a:extLst>
+          </p:cNvPr>
+          <p:cNvSpPr/>
+          <p:nvPr/>
+        </p:nvSpPr>
+        <p:spPr>
+          <a:xfrm>
+            <a:off x="412377" y="6075360"/>
+            <a:ext cx="1792941" cy="369332"/>
           </a:xfrm>
           <a:prstGeom prst="rect">
             <a:avLst/>
           </a:prstGeom>
-          <a:noFill/>
-        </p:spPr>
-        <p:txBody>
-          <a:bodyPr wrap="none" rtlCol="0">
+          <a:solidFill>
+            <a:schemeClr val="accent6">
+              <a:lumMod val="40000"/>
+              <a:lumOff val="60000"/>
+            </a:schemeClr>
+          </a:solidFill>
+        </p:spPr>
+        <p:txBody>
+          <a:bodyPr wrap="square">
             <a:spAutoFit/>
           </a:bodyPr>
           <a:lstStyle/>
           <a:p>
-            <a:r>
-              <a:rPr lang="en-US" dirty="0"/>
-              <a:t>Show execution point</a:t>
-            </a:r>
+            <a:pPr algn="ctr"/>
+            <a:r>
+              <a:rPr lang="en-US" dirty="0">
+                <a:solidFill>
+                  <a:srgbClr val="000000"/>
+                </a:solidFill>
+                <a:latin typeface="Roboto" panose="02000000000000000000" pitchFamily="2" charset="0"/>
+              </a:rPr>
+              <a:t>Frames</a:t>
+            </a:r>
+            <a:endParaRPr lang="en-US" b="0" dirty="0">
+              <a:effectLst/>
+            </a:endParaRPr>
+          </a:p>
+        </p:txBody>
+      </p:sp>
+      <p:sp>
+        <p:nvSpPr>
+          <p:cNvPr id="6" name="Rectangle 5">
+            <a:extLst>
+              <a:ext uri="{FF2B5EF4-FFF2-40B4-BE49-F238E27FC236}">
+                <a16:creationId xmlns:a16="http://schemas.microsoft.com/office/drawing/2014/main" id="{39813952-39F9-5B44-81E8-274FEF9F2C76}"/>
+              </a:ext>
+            </a:extLst>
+          </p:cNvPr>
+          <p:cNvSpPr/>
+          <p:nvPr/>
+        </p:nvSpPr>
+        <p:spPr>
+          <a:xfrm>
+            <a:off x="2617695" y="6075360"/>
+            <a:ext cx="4625787" cy="369332"/>
+          </a:xfrm>
+          <a:prstGeom prst="rect">
+            <a:avLst/>
+          </a:prstGeom>
+          <a:solidFill>
+            <a:schemeClr val="accent6">
+              <a:lumMod val="40000"/>
+              <a:lumOff val="60000"/>
+            </a:schemeClr>
+          </a:solidFill>
+        </p:spPr>
+        <p:txBody>
+          <a:bodyPr wrap="square">
+            <a:spAutoFit/>
+          </a:bodyPr>
+          <a:lstStyle/>
+          <a:p>
+            <a:pPr algn="ctr"/>
+            <a:r>
+              <a:rPr lang="en-US" dirty="0">
+                <a:solidFill>
+                  <a:srgbClr val="000000"/>
+                </a:solidFill>
+                <a:latin typeface="Roboto" panose="02000000000000000000" pitchFamily="2" charset="0"/>
+              </a:rPr>
+              <a:t>Variables</a:t>
+            </a:r>
+            <a:endParaRPr lang="en-US" b="0" dirty="0">
+              <a:effectLst/>
+            </a:endParaRPr>
+          </a:p>
+        </p:txBody>
+      </p:sp>
+      <p:sp>
+        <p:nvSpPr>
+          <p:cNvPr id="7" name="Rectangle 6">
+            <a:extLst>
+              <a:ext uri="{FF2B5EF4-FFF2-40B4-BE49-F238E27FC236}">
+                <a16:creationId xmlns:a16="http://schemas.microsoft.com/office/drawing/2014/main" id="{8AB114F2-ADF6-0549-8240-DE44541521FC}"/>
+              </a:ext>
+            </a:extLst>
+          </p:cNvPr>
+          <p:cNvSpPr/>
+          <p:nvPr/>
+        </p:nvSpPr>
+        <p:spPr>
+          <a:xfrm>
+            <a:off x="7404848" y="6075360"/>
+            <a:ext cx="1595717" cy="369332"/>
+          </a:xfrm>
+          <a:prstGeom prst="rect">
+            <a:avLst/>
+          </a:prstGeom>
+          <a:solidFill>
+            <a:schemeClr val="accent6">
+              <a:lumMod val="40000"/>
+              <a:lumOff val="60000"/>
+            </a:schemeClr>
+          </a:solidFill>
+        </p:spPr>
+        <p:txBody>
+          <a:bodyPr wrap="square">
+            <a:spAutoFit/>
+          </a:bodyPr>
+          <a:lstStyle/>
+          <a:p>
+            <a:pPr algn="ctr"/>
+            <a:r>
+              <a:rPr lang="en-US" dirty="0">
+                <a:solidFill>
+                  <a:srgbClr val="000000"/>
+                </a:solidFill>
+                <a:latin typeface="Roboto" panose="02000000000000000000" pitchFamily="2" charset="0"/>
+              </a:rPr>
+              <a:t>Watches</a:t>
+            </a:r>
+            <a:endParaRPr lang="en-US" b="0" dirty="0">
+              <a:effectLst/>
+            </a:endParaRPr>
           </a:p>
         </p:txBody>
       </p:sp>
     </p:spTree>
     <p:extLst>
       <p:ext uri="{BB962C8B-B14F-4D97-AF65-F5344CB8AC3E}">
-        <p14:creationId xmlns:p14="http://schemas.microsoft.com/office/powerpoint/2010/main" val="1644646425"/>
+        <p14:creationId xmlns:p14="http://schemas.microsoft.com/office/powerpoint/2010/main" val="2821783123"/>
       </p:ext>
     </p:extLst>
   </p:cSld>
@@ -21924,89 +21965,10 @@
           </a:p>
         </p:txBody>
       </p:sp>
-      <p:cxnSp>
-        <p:nvCxnSpPr>
-          <p:cNvPr id="25" name="Straight Arrow Connector 24">
-            <a:extLst>
-              <a:ext uri="{FF2B5EF4-FFF2-40B4-BE49-F238E27FC236}">
-                <a16:creationId xmlns:a16="http://schemas.microsoft.com/office/drawing/2014/main" id="{D6D6DECF-0BC2-C446-A14E-675DBA76CDBA}"/>
-              </a:ext>
-            </a:extLst>
-          </p:cNvPr>
-          <p:cNvCxnSpPr>
-            <a:cxnSpLocks/>
-          </p:cNvCxnSpPr>
-          <p:nvPr/>
-        </p:nvCxnSpPr>
-        <p:spPr>
-          <a:xfrm>
-            <a:off x="6680200" y="2187535"/>
-            <a:ext cx="0" cy="1110689"/>
-          </a:xfrm>
-          <a:prstGeom prst="straightConnector1">
-            <a:avLst/>
-          </a:prstGeom>
-          <a:ln w="31750">
-            <a:solidFill>
-              <a:srgbClr val="C00000"/>
-            </a:solidFill>
-            <a:tailEnd type="triangle"/>
-          </a:ln>
-        </p:spPr>
-        <p:style>
-          <a:lnRef idx="1">
-            <a:schemeClr val="accent1"/>
-          </a:lnRef>
-          <a:fillRef idx="0">
-            <a:schemeClr val="accent1"/>
-          </a:fillRef>
-          <a:effectRef idx="0">
-            <a:schemeClr val="accent1"/>
-          </a:effectRef>
-          <a:fontRef idx="minor">
-            <a:schemeClr val="tx1"/>
-          </a:fontRef>
-        </p:style>
-      </p:cxnSp>
-      <p:sp>
-        <p:nvSpPr>
-          <p:cNvPr id="29" name="TextBox 28">
-            <a:extLst>
-              <a:ext uri="{FF2B5EF4-FFF2-40B4-BE49-F238E27FC236}">
-                <a16:creationId xmlns:a16="http://schemas.microsoft.com/office/drawing/2014/main" id="{8C71A94B-FA96-DB44-9F81-22B888667B96}"/>
-              </a:ext>
-            </a:extLst>
-          </p:cNvPr>
-          <p:cNvSpPr txBox="1"/>
-          <p:nvPr/>
-        </p:nvSpPr>
-        <p:spPr>
-          <a:xfrm>
-            <a:off x="5932552" y="1788221"/>
-            <a:ext cx="1256626" cy="369332"/>
-          </a:xfrm>
-          <a:prstGeom prst="rect">
-            <a:avLst/>
-          </a:prstGeom>
-          <a:noFill/>
-        </p:spPr>
-        <p:txBody>
-          <a:bodyPr wrap="none" rtlCol="0">
-            <a:spAutoFit/>
-          </a:bodyPr>
-          <a:lstStyle/>
-          <a:p>
-            <a:r>
-              <a:rPr lang="en-US" dirty="0"/>
-              <a:t>Drop frame</a:t>
-            </a:r>
-          </a:p>
-        </p:txBody>
-      </p:sp>
     </p:spTree>
     <p:extLst>
       <p:ext uri="{BB962C8B-B14F-4D97-AF65-F5344CB8AC3E}">
-        <p14:creationId xmlns:p14="http://schemas.microsoft.com/office/powerpoint/2010/main" val="3437055652"/>
+        <p14:creationId xmlns:p14="http://schemas.microsoft.com/office/powerpoint/2010/main" val="1644646425"/>
       </p:ext>
     </p:extLst>
   </p:cSld>
@@ -22201,50 +22163,6 @@
           </a:fontRef>
         </p:style>
       </p:cxnSp>
-      <p:cxnSp>
-        <p:nvCxnSpPr>
-          <p:cNvPr id="27" name="Straight Arrow Connector 26">
-            <a:extLst>
-              <a:ext uri="{FF2B5EF4-FFF2-40B4-BE49-F238E27FC236}">
-                <a16:creationId xmlns:a16="http://schemas.microsoft.com/office/drawing/2014/main" id="{5BB46988-BED5-A646-B8E7-806107A3A481}"/>
-              </a:ext>
-            </a:extLst>
-          </p:cNvPr>
-          <p:cNvCxnSpPr>
-            <a:cxnSpLocks/>
-          </p:cNvCxnSpPr>
-          <p:nvPr/>
-        </p:nvCxnSpPr>
-        <p:spPr>
-          <a:xfrm flipH="1">
-            <a:off x="7177964" y="2197100"/>
-            <a:ext cx="767519" cy="1110689"/>
-          </a:xfrm>
-          <a:prstGeom prst="straightConnector1">
-            <a:avLst/>
-          </a:prstGeom>
-          <a:ln w="31750">
-            <a:solidFill>
-              <a:srgbClr val="C00000"/>
-            </a:solidFill>
-            <a:tailEnd type="triangle"/>
-          </a:ln>
-        </p:spPr>
-        <p:style>
-          <a:lnRef idx="1">
-            <a:schemeClr val="accent1"/>
-          </a:lnRef>
-          <a:fillRef idx="0">
-            <a:schemeClr val="accent1"/>
-          </a:fillRef>
-          <a:effectRef idx="0">
-            <a:schemeClr val="accent1"/>
-          </a:effectRef>
-          <a:fontRef idx="minor">
-            <a:schemeClr val="tx1"/>
-          </a:fontRef>
-        </p:style>
-      </p:cxnSp>
       <p:sp>
         <p:nvSpPr>
           <p:cNvPr id="29" name="TextBox 28">
@@ -22280,45 +22198,10 @@
           </a:p>
         </p:txBody>
       </p:sp>
-      <p:sp>
-        <p:nvSpPr>
-          <p:cNvPr id="30" name="TextBox 29">
-            <a:extLst>
-              <a:ext uri="{FF2B5EF4-FFF2-40B4-BE49-F238E27FC236}">
-                <a16:creationId xmlns:a16="http://schemas.microsoft.com/office/drawing/2014/main" id="{9451A68D-5CBF-594A-A78D-42ECCD9FB7D4}"/>
-              </a:ext>
-            </a:extLst>
-          </p:cNvPr>
-          <p:cNvSpPr txBox="1"/>
-          <p:nvPr/>
-        </p:nvSpPr>
-        <p:spPr>
-          <a:xfrm>
-            <a:off x="7672452" y="1788221"/>
-            <a:ext cx="1468864" cy="369332"/>
-          </a:xfrm>
-          <a:prstGeom prst="rect">
-            <a:avLst/>
-          </a:prstGeom>
-          <a:noFill/>
-        </p:spPr>
-        <p:txBody>
-          <a:bodyPr wrap="none" rtlCol="0">
-            <a:spAutoFit/>
-          </a:bodyPr>
-          <a:lstStyle/>
-          <a:p>
-            <a:r>
-              <a:rPr lang="en-US" dirty="0"/>
-              <a:t>Run to Cursor</a:t>
-            </a:r>
-          </a:p>
-        </p:txBody>
-      </p:sp>
     </p:spTree>
     <p:extLst>
       <p:ext uri="{BB962C8B-B14F-4D97-AF65-F5344CB8AC3E}">
-        <p14:creationId xmlns:p14="http://schemas.microsoft.com/office/powerpoint/2010/main" val="238019881"/>
+        <p14:creationId xmlns:p14="http://schemas.microsoft.com/office/powerpoint/2010/main" val="3437055652"/>
       </p:ext>
     </p:extLst>
   </p:cSld>
@@ -22471,85 +22354,6 @@
       </p:sp>
       <p:cxnSp>
         <p:nvCxnSpPr>
-          <p:cNvPr id="10" name="Straight Arrow Connector 9">
-            <a:extLst>
-              <a:ext uri="{FF2B5EF4-FFF2-40B4-BE49-F238E27FC236}">
-                <a16:creationId xmlns:a16="http://schemas.microsoft.com/office/drawing/2014/main" id="{01F834F8-11B5-B240-9595-1662A3E2DD83}"/>
-              </a:ext>
-            </a:extLst>
-          </p:cNvPr>
-          <p:cNvCxnSpPr>
-            <a:cxnSpLocks/>
-          </p:cNvCxnSpPr>
-          <p:nvPr/>
-        </p:nvCxnSpPr>
-        <p:spPr>
-          <a:xfrm flipV="1">
-            <a:off x="4051300" y="3550212"/>
-            <a:ext cx="953818" cy="868267"/>
-          </a:xfrm>
-          <a:prstGeom prst="straightConnector1">
-            <a:avLst/>
-          </a:prstGeom>
-          <a:ln w="31750">
-            <a:solidFill>
-              <a:srgbClr val="C00000"/>
-            </a:solidFill>
-            <a:tailEnd type="triangle"/>
-          </a:ln>
-        </p:spPr>
-        <p:style>
-          <a:lnRef idx="1">
-            <a:schemeClr val="accent1"/>
-          </a:lnRef>
-          <a:fillRef idx="0">
-            <a:schemeClr val="accent1"/>
-          </a:fillRef>
-          <a:effectRef idx="0">
-            <a:schemeClr val="accent1"/>
-          </a:effectRef>
-          <a:fontRef idx="minor">
-            <a:schemeClr val="tx1"/>
-          </a:fontRef>
-        </p:style>
-      </p:cxnSp>
-      <p:sp>
-        <p:nvSpPr>
-          <p:cNvPr id="13" name="TextBox 12">
-            <a:extLst>
-              <a:ext uri="{FF2B5EF4-FFF2-40B4-BE49-F238E27FC236}">
-                <a16:creationId xmlns:a16="http://schemas.microsoft.com/office/drawing/2014/main" id="{3A964C7A-77F5-1245-A780-7903322C895E}"/>
-              </a:ext>
-            </a:extLst>
-          </p:cNvPr>
-          <p:cNvSpPr txBox="1"/>
-          <p:nvPr/>
-        </p:nvSpPr>
-        <p:spPr>
-          <a:xfrm>
-            <a:off x="3362873" y="4418479"/>
-            <a:ext cx="1073371" cy="369332"/>
-          </a:xfrm>
-          <a:prstGeom prst="rect">
-            <a:avLst/>
-          </a:prstGeom>
-          <a:noFill/>
-        </p:spPr>
-        <p:txBody>
-          <a:bodyPr wrap="none" rtlCol="0">
-            <a:spAutoFit/>
-          </a:bodyPr>
-          <a:lstStyle/>
-          <a:p>
-            <a:r>
-              <a:rPr lang="en-US" dirty="0"/>
-              <a:t>Step over</a:t>
-            </a:r>
-          </a:p>
-        </p:txBody>
-      </p:sp>
-      <p:cxnSp>
-        <p:nvCxnSpPr>
           <p:cNvPr id="25" name="Straight Arrow Connector 24">
             <a:extLst>
               <a:ext uri="{FF2B5EF4-FFF2-40B4-BE49-F238E27FC236}">
@@ -22709,7 +22513,7 @@
     </p:spTree>
     <p:extLst>
       <p:ext uri="{BB962C8B-B14F-4D97-AF65-F5344CB8AC3E}">
-        <p14:creationId xmlns:p14="http://schemas.microsoft.com/office/powerpoint/2010/main" val="2660162520"/>
+        <p14:creationId xmlns:p14="http://schemas.microsoft.com/office/powerpoint/2010/main" val="238019881"/>
       </p:ext>
     </p:extLst>
   </p:cSld>
@@ -22941,85 +22745,6 @@
       </p:sp>
       <p:cxnSp>
         <p:nvCxnSpPr>
-          <p:cNvPr id="14" name="Straight Arrow Connector 13">
-            <a:extLst>
-              <a:ext uri="{FF2B5EF4-FFF2-40B4-BE49-F238E27FC236}">
-                <a16:creationId xmlns:a16="http://schemas.microsoft.com/office/drawing/2014/main" id="{D538CD03-8C9F-E843-B795-69B0640D8F4D}"/>
-              </a:ext>
-            </a:extLst>
-          </p:cNvPr>
-          <p:cNvCxnSpPr>
-            <a:cxnSpLocks/>
-          </p:cNvCxnSpPr>
-          <p:nvPr/>
-        </p:nvCxnSpPr>
-        <p:spPr>
-          <a:xfrm flipV="1">
-            <a:off x="5005118" y="3560537"/>
-            <a:ext cx="476909" cy="1341663"/>
-          </a:xfrm>
-          <a:prstGeom prst="straightConnector1">
-            <a:avLst/>
-          </a:prstGeom>
-          <a:ln w="31750">
-            <a:solidFill>
-              <a:srgbClr val="C00000"/>
-            </a:solidFill>
-            <a:tailEnd type="triangle"/>
-          </a:ln>
-        </p:spPr>
-        <p:style>
-          <a:lnRef idx="1">
-            <a:schemeClr val="accent1"/>
-          </a:lnRef>
-          <a:fillRef idx="0">
-            <a:schemeClr val="accent1"/>
-          </a:fillRef>
-          <a:effectRef idx="0">
-            <a:schemeClr val="accent1"/>
-          </a:effectRef>
-          <a:fontRef idx="minor">
-            <a:schemeClr val="tx1"/>
-          </a:fontRef>
-        </p:style>
-      </p:cxnSp>
-      <p:sp>
-        <p:nvSpPr>
-          <p:cNvPr id="16" name="TextBox 15">
-            <a:extLst>
-              <a:ext uri="{FF2B5EF4-FFF2-40B4-BE49-F238E27FC236}">
-                <a16:creationId xmlns:a16="http://schemas.microsoft.com/office/drawing/2014/main" id="{C0FEB84C-2C12-6A49-B0AA-5591B3F5AB53}"/>
-              </a:ext>
-            </a:extLst>
-          </p:cNvPr>
-          <p:cNvSpPr txBox="1"/>
-          <p:nvPr/>
-        </p:nvSpPr>
-        <p:spPr>
-          <a:xfrm>
-            <a:off x="4318000" y="5051666"/>
-            <a:ext cx="1024191" cy="369332"/>
-          </a:xfrm>
-          <a:prstGeom prst="rect">
-            <a:avLst/>
-          </a:prstGeom>
-          <a:noFill/>
-        </p:spPr>
-        <p:txBody>
-          <a:bodyPr wrap="none" rtlCol="0">
-            <a:spAutoFit/>
-          </a:bodyPr>
-          <a:lstStyle/>
-          <a:p>
-            <a:r>
-              <a:rPr lang="en-US" dirty="0"/>
-              <a:t>Step into</a:t>
-            </a:r>
-          </a:p>
-        </p:txBody>
-      </p:sp>
-      <p:cxnSp>
-        <p:nvCxnSpPr>
           <p:cNvPr id="25" name="Straight Arrow Connector 24">
             <a:extLst>
               <a:ext uri="{FF2B5EF4-FFF2-40B4-BE49-F238E27FC236}">
@@ -23179,7 +22904,7 @@
     </p:spTree>
     <p:extLst>
       <p:ext uri="{BB962C8B-B14F-4D97-AF65-F5344CB8AC3E}">
-        <p14:creationId xmlns:p14="http://schemas.microsoft.com/office/powerpoint/2010/main" val="3875449615"/>
+        <p14:creationId xmlns:p14="http://schemas.microsoft.com/office/powerpoint/2010/main" val="2660162520"/>
       </p:ext>
     </p:extLst>
   </p:cSld>
@@ -23490,85 +23215,6 @@
       </p:sp>
       <p:cxnSp>
         <p:nvCxnSpPr>
-          <p:cNvPr id="17" name="Straight Arrow Connector 16">
-            <a:extLst>
-              <a:ext uri="{FF2B5EF4-FFF2-40B4-BE49-F238E27FC236}">
-                <a16:creationId xmlns:a16="http://schemas.microsoft.com/office/drawing/2014/main" id="{C7D0F6DF-4B64-0545-9611-ECB1A18FEE2A}"/>
-              </a:ext>
-            </a:extLst>
-          </p:cNvPr>
-          <p:cNvCxnSpPr>
-            <a:cxnSpLocks/>
-          </p:cNvCxnSpPr>
-          <p:nvPr/>
-        </p:nvCxnSpPr>
-        <p:spPr>
-          <a:xfrm flipH="1" flipV="1">
-            <a:off x="5890404" y="3594057"/>
-            <a:ext cx="160497" cy="1457609"/>
-          </a:xfrm>
-          <a:prstGeom prst="straightConnector1">
-            <a:avLst/>
-          </a:prstGeom>
-          <a:ln w="31750">
-            <a:solidFill>
-              <a:srgbClr val="C00000"/>
-            </a:solidFill>
-            <a:tailEnd type="triangle"/>
-          </a:ln>
-        </p:spPr>
-        <p:style>
-          <a:lnRef idx="1">
-            <a:schemeClr val="accent1"/>
-          </a:lnRef>
-          <a:fillRef idx="0">
-            <a:schemeClr val="accent1"/>
-          </a:fillRef>
-          <a:effectRef idx="0">
-            <a:schemeClr val="accent1"/>
-          </a:effectRef>
-          <a:fontRef idx="minor">
-            <a:schemeClr val="tx1"/>
-          </a:fontRef>
-        </p:style>
-      </p:cxnSp>
-      <p:sp>
-        <p:nvSpPr>
-          <p:cNvPr id="20" name="TextBox 19">
-            <a:extLst>
-              <a:ext uri="{FF2B5EF4-FFF2-40B4-BE49-F238E27FC236}">
-                <a16:creationId xmlns:a16="http://schemas.microsoft.com/office/drawing/2014/main" id="{4AF283F0-1C8E-6C4E-B478-E75267C329CF}"/>
-              </a:ext>
-            </a:extLst>
-          </p:cNvPr>
-          <p:cNvSpPr txBox="1"/>
-          <p:nvPr/>
-        </p:nvSpPr>
-        <p:spPr>
-          <a:xfrm>
-            <a:off x="5405691" y="5051666"/>
-            <a:ext cx="1572931" cy="369332"/>
-          </a:xfrm>
-          <a:prstGeom prst="rect">
-            <a:avLst/>
-          </a:prstGeom>
-          <a:noFill/>
-        </p:spPr>
-        <p:txBody>
-          <a:bodyPr wrap="none" rtlCol="0">
-            <a:spAutoFit/>
-          </a:bodyPr>
-          <a:lstStyle/>
-          <a:p>
-            <a:r>
-              <a:rPr lang="en-US" dirty="0"/>
-              <a:t>Force step into</a:t>
-            </a:r>
-          </a:p>
-        </p:txBody>
-      </p:sp>
-      <p:cxnSp>
-        <p:nvCxnSpPr>
           <p:cNvPr id="25" name="Straight Arrow Connector 24">
             <a:extLst>
               <a:ext uri="{FF2B5EF4-FFF2-40B4-BE49-F238E27FC236}">
@@ -23728,7 +23374,7 @@
     </p:spTree>
     <p:extLst>
       <p:ext uri="{BB962C8B-B14F-4D97-AF65-F5344CB8AC3E}">
-        <p14:creationId xmlns:p14="http://schemas.microsoft.com/office/powerpoint/2010/main" val="2251731266"/>
+        <p14:creationId xmlns:p14="http://schemas.microsoft.com/office/powerpoint/2010/main" val="3875449615"/>
       </p:ext>
     </p:extLst>
   </p:cSld>
@@ -24118,86 +23764,6 @@
       </p:sp>
       <p:cxnSp>
         <p:nvCxnSpPr>
-          <p:cNvPr id="21" name="Straight Arrow Connector 20">
-            <a:extLst>
-              <a:ext uri="{FF2B5EF4-FFF2-40B4-BE49-F238E27FC236}">
-                <a16:creationId xmlns:a16="http://schemas.microsoft.com/office/drawing/2014/main" id="{1BA862B8-518D-2448-BC25-1761F8C13020}"/>
-              </a:ext>
-            </a:extLst>
-          </p:cNvPr>
-          <p:cNvCxnSpPr>
-            <a:cxnSpLocks/>
-            <a:stCxn id="22" idx="0"/>
-          </p:cNvCxnSpPr>
-          <p:nvPr/>
-        </p:nvCxnSpPr>
-        <p:spPr>
-          <a:xfrm flipH="1" flipV="1">
-            <a:off x="6435845" y="3512872"/>
-            <a:ext cx="1509638" cy="1354128"/>
-          </a:xfrm>
-          <a:prstGeom prst="straightConnector1">
-            <a:avLst/>
-          </a:prstGeom>
-          <a:ln w="31750">
-            <a:solidFill>
-              <a:srgbClr val="C00000"/>
-            </a:solidFill>
-            <a:tailEnd type="triangle"/>
-          </a:ln>
-        </p:spPr>
-        <p:style>
-          <a:lnRef idx="1">
-            <a:schemeClr val="accent1"/>
-          </a:lnRef>
-          <a:fillRef idx="0">
-            <a:schemeClr val="accent1"/>
-          </a:fillRef>
-          <a:effectRef idx="0">
-            <a:schemeClr val="accent1"/>
-          </a:effectRef>
-          <a:fontRef idx="minor">
-            <a:schemeClr val="tx1"/>
-          </a:fontRef>
-        </p:style>
-      </p:cxnSp>
-      <p:sp>
-        <p:nvSpPr>
-          <p:cNvPr id="22" name="TextBox 21">
-            <a:extLst>
-              <a:ext uri="{FF2B5EF4-FFF2-40B4-BE49-F238E27FC236}">
-                <a16:creationId xmlns:a16="http://schemas.microsoft.com/office/drawing/2014/main" id="{3E1E00FE-EF0A-D944-9F43-E93328AF3267}"/>
-              </a:ext>
-            </a:extLst>
-          </p:cNvPr>
-          <p:cNvSpPr txBox="1"/>
-          <p:nvPr/>
-        </p:nvSpPr>
-        <p:spPr>
-          <a:xfrm>
-            <a:off x="7457657" y="4867000"/>
-            <a:ext cx="975652" cy="369332"/>
-          </a:xfrm>
-          <a:prstGeom prst="rect">
-            <a:avLst/>
-          </a:prstGeom>
-          <a:noFill/>
-        </p:spPr>
-        <p:txBody>
-          <a:bodyPr wrap="square" rtlCol="0">
-            <a:spAutoFit/>
-          </a:bodyPr>
-          <a:lstStyle/>
-          <a:p>
-            <a:r>
-              <a:rPr lang="en-US" dirty="0"/>
-              <a:t>Step out</a:t>
-            </a:r>
-          </a:p>
-        </p:txBody>
-      </p:sp>
-      <p:cxnSp>
-        <p:nvCxnSpPr>
           <p:cNvPr id="25" name="Straight Arrow Connector 24">
             <a:extLst>
               <a:ext uri="{FF2B5EF4-FFF2-40B4-BE49-F238E27FC236}">
@@ -24357,7 +23923,7 @@
     </p:spTree>
     <p:extLst>
       <p:ext uri="{BB962C8B-B14F-4D97-AF65-F5344CB8AC3E}">
-        <p14:creationId xmlns:p14="http://schemas.microsoft.com/office/powerpoint/2010/main" val="2141488925"/>
+        <p14:creationId xmlns:p14="http://schemas.microsoft.com/office/powerpoint/2010/main" val="2251731266"/>
       </p:ext>
     </p:extLst>
   </p:cSld>
@@ -24386,10 +23952,10 @@
       </p:grpSpPr>
       <p:pic>
         <p:nvPicPr>
-          <p:cNvPr id="16386" name="Picture 2">
-            <a:extLst>
-              <a:ext uri="{FF2B5EF4-FFF2-40B4-BE49-F238E27FC236}">
-                <a16:creationId xmlns:a16="http://schemas.microsoft.com/office/drawing/2014/main" id="{EE15C496-BBCE-334A-A764-CC460F26124F}"/>
+          <p:cNvPr id="9218" name="Picture 2">
+            <a:extLst>
+              <a:ext uri="{FF2B5EF4-FFF2-40B4-BE49-F238E27FC236}">
+                <a16:creationId xmlns:a16="http://schemas.microsoft.com/office/drawing/2014/main" id="{F595D863-07B7-B744-BE30-C737C94ADA77}"/>
               </a:ext>
             </a:extLst>
           </p:cNvPr>
@@ -24398,23 +23964,21 @@
           </p:cNvPicPr>
           <p:nvPr/>
         </p:nvPicPr>
-        <p:blipFill>
-          <a:blip r:embed="rId2">
+        <p:blipFill rotWithShape="1">
+          <a:blip r:embed="rId3">
             <a:extLst>
               <a:ext uri="{28A0092B-C50C-407E-A947-70E740481C1C}">
                 <a14:useLocalDpi xmlns:a14="http://schemas.microsoft.com/office/drawing/2010/main" val="0"/>
               </a:ext>
             </a:extLst>
           </a:blip>
-          <a:srcRect/>
-          <a:stretch>
-            <a:fillRect/>
-          </a:stretch>
+          <a:srcRect b="80207"/>
+          <a:stretch/>
         </p:blipFill>
         <p:spPr bwMode="auto">
           <a:xfrm>
-            <a:off x="4572000" y="1320801"/>
-            <a:ext cx="6426200" cy="3606800"/>
+            <a:off x="1352550" y="2889250"/>
+            <a:ext cx="9918700" cy="837079"/>
           </a:xfrm>
           <a:prstGeom prst="rect">
             <a:avLst/>
@@ -24436,7 +24000,7 @@
           <p:cNvPr id="5" name="Straight Arrow Connector 4">
             <a:extLst>
               <a:ext uri="{FF2B5EF4-FFF2-40B4-BE49-F238E27FC236}">
-                <a16:creationId xmlns:a16="http://schemas.microsoft.com/office/drawing/2014/main" id="{285F8200-E8B1-7147-84D6-CD2A870E2C6E}"/>
+                <a16:creationId xmlns:a16="http://schemas.microsoft.com/office/drawing/2014/main" id="{DAD21631-4D0A-1F48-93D0-0ADC275C6003}"/>
               </a:ext>
             </a:extLst>
           </p:cNvPr>
@@ -24447,8 +24011,8 @@
         </p:nvCxnSpPr>
         <p:spPr>
           <a:xfrm>
-            <a:off x="3251200" y="1930400"/>
-            <a:ext cx="1816100" cy="165100"/>
+            <a:off x="4051300" y="2197100"/>
+            <a:ext cx="571500" cy="1110689"/>
           </a:xfrm>
           <a:prstGeom prst="straightConnector1">
             <a:avLst/>
@@ -24477,10 +24041,10 @@
       </p:cxnSp>
       <p:sp>
         <p:nvSpPr>
-          <p:cNvPr id="6" name="TextBox 5">
-            <a:extLst>
-              <a:ext uri="{FF2B5EF4-FFF2-40B4-BE49-F238E27FC236}">
-                <a16:creationId xmlns:a16="http://schemas.microsoft.com/office/drawing/2014/main" id="{5898C1CD-EFE2-F547-B325-C4AF5012DC15}"/>
+          <p:cNvPr id="7" name="TextBox 6">
+            <a:extLst>
+              <a:ext uri="{FF2B5EF4-FFF2-40B4-BE49-F238E27FC236}">
+                <a16:creationId xmlns:a16="http://schemas.microsoft.com/office/drawing/2014/main" id="{5D2A4B80-DB8E-5849-B3F7-2B6BFCAEB60C}"/>
               </a:ext>
             </a:extLst>
           </p:cNvPr>
@@ -24489,8 +24053,8 @@
         </p:nvSpPr>
         <p:spPr>
           <a:xfrm>
-            <a:off x="1972183" y="1551285"/>
-            <a:ext cx="1181157" cy="461665"/>
+            <a:off x="2794000" y="1827768"/>
+            <a:ext cx="2211118" cy="369332"/>
           </a:xfrm>
           <a:prstGeom prst="rect">
             <a:avLst/>
@@ -24504,8 +24068,483 @@
           <a:lstStyle/>
           <a:p>
             <a:r>
-              <a:rPr lang="en-US" sz="2400" dirty="0"/>
-              <a:t>Resume</a:t>
+              <a:rPr lang="en-US" dirty="0"/>
+              <a:t>Show execution point</a:t>
+            </a:r>
+          </a:p>
+        </p:txBody>
+      </p:sp>
+      <p:cxnSp>
+        <p:nvCxnSpPr>
+          <p:cNvPr id="10" name="Straight Arrow Connector 9">
+            <a:extLst>
+              <a:ext uri="{FF2B5EF4-FFF2-40B4-BE49-F238E27FC236}">
+                <a16:creationId xmlns:a16="http://schemas.microsoft.com/office/drawing/2014/main" id="{01F834F8-11B5-B240-9595-1662A3E2DD83}"/>
+              </a:ext>
+            </a:extLst>
+          </p:cNvPr>
+          <p:cNvCxnSpPr>
+            <a:cxnSpLocks/>
+          </p:cNvCxnSpPr>
+          <p:nvPr/>
+        </p:nvCxnSpPr>
+        <p:spPr>
+          <a:xfrm flipV="1">
+            <a:off x="4051300" y="3550212"/>
+            <a:ext cx="953818" cy="868267"/>
+          </a:xfrm>
+          <a:prstGeom prst="straightConnector1">
+            <a:avLst/>
+          </a:prstGeom>
+          <a:ln w="31750">
+            <a:solidFill>
+              <a:srgbClr val="C00000"/>
+            </a:solidFill>
+            <a:tailEnd type="triangle"/>
+          </a:ln>
+        </p:spPr>
+        <p:style>
+          <a:lnRef idx="1">
+            <a:schemeClr val="accent1"/>
+          </a:lnRef>
+          <a:fillRef idx="0">
+            <a:schemeClr val="accent1"/>
+          </a:fillRef>
+          <a:effectRef idx="0">
+            <a:schemeClr val="accent1"/>
+          </a:effectRef>
+          <a:fontRef idx="minor">
+            <a:schemeClr val="tx1"/>
+          </a:fontRef>
+        </p:style>
+      </p:cxnSp>
+      <p:sp>
+        <p:nvSpPr>
+          <p:cNvPr id="13" name="TextBox 12">
+            <a:extLst>
+              <a:ext uri="{FF2B5EF4-FFF2-40B4-BE49-F238E27FC236}">
+                <a16:creationId xmlns:a16="http://schemas.microsoft.com/office/drawing/2014/main" id="{3A964C7A-77F5-1245-A780-7903322C895E}"/>
+              </a:ext>
+            </a:extLst>
+          </p:cNvPr>
+          <p:cNvSpPr txBox="1"/>
+          <p:nvPr/>
+        </p:nvSpPr>
+        <p:spPr>
+          <a:xfrm>
+            <a:off x="3362873" y="4418479"/>
+            <a:ext cx="1073371" cy="369332"/>
+          </a:xfrm>
+          <a:prstGeom prst="rect">
+            <a:avLst/>
+          </a:prstGeom>
+          <a:noFill/>
+        </p:spPr>
+        <p:txBody>
+          <a:bodyPr wrap="none" rtlCol="0">
+            <a:spAutoFit/>
+          </a:bodyPr>
+          <a:lstStyle/>
+          <a:p>
+            <a:r>
+              <a:rPr lang="en-US" dirty="0"/>
+              <a:t>Step over</a:t>
+            </a:r>
+          </a:p>
+        </p:txBody>
+      </p:sp>
+      <p:cxnSp>
+        <p:nvCxnSpPr>
+          <p:cNvPr id="14" name="Straight Arrow Connector 13">
+            <a:extLst>
+              <a:ext uri="{FF2B5EF4-FFF2-40B4-BE49-F238E27FC236}">
+                <a16:creationId xmlns:a16="http://schemas.microsoft.com/office/drawing/2014/main" id="{D538CD03-8C9F-E843-B795-69B0640D8F4D}"/>
+              </a:ext>
+            </a:extLst>
+          </p:cNvPr>
+          <p:cNvCxnSpPr>
+            <a:cxnSpLocks/>
+          </p:cNvCxnSpPr>
+          <p:nvPr/>
+        </p:nvCxnSpPr>
+        <p:spPr>
+          <a:xfrm flipV="1">
+            <a:off x="5005118" y="3560537"/>
+            <a:ext cx="476909" cy="1341663"/>
+          </a:xfrm>
+          <a:prstGeom prst="straightConnector1">
+            <a:avLst/>
+          </a:prstGeom>
+          <a:ln w="31750">
+            <a:solidFill>
+              <a:srgbClr val="C00000"/>
+            </a:solidFill>
+            <a:tailEnd type="triangle"/>
+          </a:ln>
+        </p:spPr>
+        <p:style>
+          <a:lnRef idx="1">
+            <a:schemeClr val="accent1"/>
+          </a:lnRef>
+          <a:fillRef idx="0">
+            <a:schemeClr val="accent1"/>
+          </a:fillRef>
+          <a:effectRef idx="0">
+            <a:schemeClr val="accent1"/>
+          </a:effectRef>
+          <a:fontRef idx="minor">
+            <a:schemeClr val="tx1"/>
+          </a:fontRef>
+        </p:style>
+      </p:cxnSp>
+      <p:sp>
+        <p:nvSpPr>
+          <p:cNvPr id="16" name="TextBox 15">
+            <a:extLst>
+              <a:ext uri="{FF2B5EF4-FFF2-40B4-BE49-F238E27FC236}">
+                <a16:creationId xmlns:a16="http://schemas.microsoft.com/office/drawing/2014/main" id="{C0FEB84C-2C12-6A49-B0AA-5591B3F5AB53}"/>
+              </a:ext>
+            </a:extLst>
+          </p:cNvPr>
+          <p:cNvSpPr txBox="1"/>
+          <p:nvPr/>
+        </p:nvSpPr>
+        <p:spPr>
+          <a:xfrm>
+            <a:off x="4318000" y="5051666"/>
+            <a:ext cx="1024191" cy="369332"/>
+          </a:xfrm>
+          <a:prstGeom prst="rect">
+            <a:avLst/>
+          </a:prstGeom>
+          <a:noFill/>
+        </p:spPr>
+        <p:txBody>
+          <a:bodyPr wrap="none" rtlCol="0">
+            <a:spAutoFit/>
+          </a:bodyPr>
+          <a:lstStyle/>
+          <a:p>
+            <a:r>
+              <a:rPr lang="en-US" dirty="0"/>
+              <a:t>Step into</a:t>
+            </a:r>
+          </a:p>
+        </p:txBody>
+      </p:sp>
+      <p:cxnSp>
+        <p:nvCxnSpPr>
+          <p:cNvPr id="17" name="Straight Arrow Connector 16">
+            <a:extLst>
+              <a:ext uri="{FF2B5EF4-FFF2-40B4-BE49-F238E27FC236}">
+                <a16:creationId xmlns:a16="http://schemas.microsoft.com/office/drawing/2014/main" id="{C7D0F6DF-4B64-0545-9611-ECB1A18FEE2A}"/>
+              </a:ext>
+            </a:extLst>
+          </p:cNvPr>
+          <p:cNvCxnSpPr>
+            <a:cxnSpLocks/>
+          </p:cNvCxnSpPr>
+          <p:nvPr/>
+        </p:nvCxnSpPr>
+        <p:spPr>
+          <a:xfrm flipH="1" flipV="1">
+            <a:off x="5890404" y="3594057"/>
+            <a:ext cx="160497" cy="1457609"/>
+          </a:xfrm>
+          <a:prstGeom prst="straightConnector1">
+            <a:avLst/>
+          </a:prstGeom>
+          <a:ln w="31750">
+            <a:solidFill>
+              <a:srgbClr val="C00000"/>
+            </a:solidFill>
+            <a:tailEnd type="triangle"/>
+          </a:ln>
+        </p:spPr>
+        <p:style>
+          <a:lnRef idx="1">
+            <a:schemeClr val="accent1"/>
+          </a:lnRef>
+          <a:fillRef idx="0">
+            <a:schemeClr val="accent1"/>
+          </a:fillRef>
+          <a:effectRef idx="0">
+            <a:schemeClr val="accent1"/>
+          </a:effectRef>
+          <a:fontRef idx="minor">
+            <a:schemeClr val="tx1"/>
+          </a:fontRef>
+        </p:style>
+      </p:cxnSp>
+      <p:sp>
+        <p:nvSpPr>
+          <p:cNvPr id="20" name="TextBox 19">
+            <a:extLst>
+              <a:ext uri="{FF2B5EF4-FFF2-40B4-BE49-F238E27FC236}">
+                <a16:creationId xmlns:a16="http://schemas.microsoft.com/office/drawing/2014/main" id="{4AF283F0-1C8E-6C4E-B478-E75267C329CF}"/>
+              </a:ext>
+            </a:extLst>
+          </p:cNvPr>
+          <p:cNvSpPr txBox="1"/>
+          <p:nvPr/>
+        </p:nvSpPr>
+        <p:spPr>
+          <a:xfrm>
+            <a:off x="5405691" y="5051666"/>
+            <a:ext cx="1572931" cy="369332"/>
+          </a:xfrm>
+          <a:prstGeom prst="rect">
+            <a:avLst/>
+          </a:prstGeom>
+          <a:noFill/>
+        </p:spPr>
+        <p:txBody>
+          <a:bodyPr wrap="none" rtlCol="0">
+            <a:spAutoFit/>
+          </a:bodyPr>
+          <a:lstStyle/>
+          <a:p>
+            <a:r>
+              <a:rPr lang="en-US" dirty="0"/>
+              <a:t>Force step into</a:t>
+            </a:r>
+          </a:p>
+        </p:txBody>
+      </p:sp>
+      <p:cxnSp>
+        <p:nvCxnSpPr>
+          <p:cNvPr id="21" name="Straight Arrow Connector 20">
+            <a:extLst>
+              <a:ext uri="{FF2B5EF4-FFF2-40B4-BE49-F238E27FC236}">
+                <a16:creationId xmlns:a16="http://schemas.microsoft.com/office/drawing/2014/main" id="{1BA862B8-518D-2448-BC25-1761F8C13020}"/>
+              </a:ext>
+            </a:extLst>
+          </p:cNvPr>
+          <p:cNvCxnSpPr>
+            <a:cxnSpLocks/>
+            <a:stCxn id="22" idx="0"/>
+          </p:cNvCxnSpPr>
+          <p:nvPr/>
+        </p:nvCxnSpPr>
+        <p:spPr>
+          <a:xfrm flipH="1" flipV="1">
+            <a:off x="6435845" y="3512872"/>
+            <a:ext cx="1509638" cy="1354128"/>
+          </a:xfrm>
+          <a:prstGeom prst="straightConnector1">
+            <a:avLst/>
+          </a:prstGeom>
+          <a:ln w="31750">
+            <a:solidFill>
+              <a:srgbClr val="C00000"/>
+            </a:solidFill>
+            <a:tailEnd type="triangle"/>
+          </a:ln>
+        </p:spPr>
+        <p:style>
+          <a:lnRef idx="1">
+            <a:schemeClr val="accent1"/>
+          </a:lnRef>
+          <a:fillRef idx="0">
+            <a:schemeClr val="accent1"/>
+          </a:fillRef>
+          <a:effectRef idx="0">
+            <a:schemeClr val="accent1"/>
+          </a:effectRef>
+          <a:fontRef idx="minor">
+            <a:schemeClr val="tx1"/>
+          </a:fontRef>
+        </p:style>
+      </p:cxnSp>
+      <p:sp>
+        <p:nvSpPr>
+          <p:cNvPr id="22" name="TextBox 21">
+            <a:extLst>
+              <a:ext uri="{FF2B5EF4-FFF2-40B4-BE49-F238E27FC236}">
+                <a16:creationId xmlns:a16="http://schemas.microsoft.com/office/drawing/2014/main" id="{3E1E00FE-EF0A-D944-9F43-E93328AF3267}"/>
+              </a:ext>
+            </a:extLst>
+          </p:cNvPr>
+          <p:cNvSpPr txBox="1"/>
+          <p:nvPr/>
+        </p:nvSpPr>
+        <p:spPr>
+          <a:xfrm>
+            <a:off x="7457657" y="4867000"/>
+            <a:ext cx="975652" cy="369332"/>
+          </a:xfrm>
+          <a:prstGeom prst="rect">
+            <a:avLst/>
+          </a:prstGeom>
+          <a:noFill/>
+        </p:spPr>
+        <p:txBody>
+          <a:bodyPr wrap="square" rtlCol="0">
+            <a:spAutoFit/>
+          </a:bodyPr>
+          <a:lstStyle/>
+          <a:p>
+            <a:r>
+              <a:rPr lang="en-US" dirty="0"/>
+              <a:t>Step out</a:t>
+            </a:r>
+          </a:p>
+        </p:txBody>
+      </p:sp>
+      <p:cxnSp>
+        <p:nvCxnSpPr>
+          <p:cNvPr id="25" name="Straight Arrow Connector 24">
+            <a:extLst>
+              <a:ext uri="{FF2B5EF4-FFF2-40B4-BE49-F238E27FC236}">
+                <a16:creationId xmlns:a16="http://schemas.microsoft.com/office/drawing/2014/main" id="{D6D6DECF-0BC2-C446-A14E-675DBA76CDBA}"/>
+              </a:ext>
+            </a:extLst>
+          </p:cNvPr>
+          <p:cNvCxnSpPr>
+            <a:cxnSpLocks/>
+          </p:cNvCxnSpPr>
+          <p:nvPr/>
+        </p:nvCxnSpPr>
+        <p:spPr>
+          <a:xfrm>
+            <a:off x="6680200" y="2187535"/>
+            <a:ext cx="0" cy="1110689"/>
+          </a:xfrm>
+          <a:prstGeom prst="straightConnector1">
+            <a:avLst/>
+          </a:prstGeom>
+          <a:ln w="31750">
+            <a:solidFill>
+              <a:srgbClr val="C00000"/>
+            </a:solidFill>
+            <a:tailEnd type="triangle"/>
+          </a:ln>
+        </p:spPr>
+        <p:style>
+          <a:lnRef idx="1">
+            <a:schemeClr val="accent1"/>
+          </a:lnRef>
+          <a:fillRef idx="0">
+            <a:schemeClr val="accent1"/>
+          </a:fillRef>
+          <a:effectRef idx="0">
+            <a:schemeClr val="accent1"/>
+          </a:effectRef>
+          <a:fontRef idx="minor">
+            <a:schemeClr val="tx1"/>
+          </a:fontRef>
+        </p:style>
+      </p:cxnSp>
+      <p:cxnSp>
+        <p:nvCxnSpPr>
+          <p:cNvPr id="27" name="Straight Arrow Connector 26">
+            <a:extLst>
+              <a:ext uri="{FF2B5EF4-FFF2-40B4-BE49-F238E27FC236}">
+                <a16:creationId xmlns:a16="http://schemas.microsoft.com/office/drawing/2014/main" id="{5BB46988-BED5-A646-B8E7-806107A3A481}"/>
+              </a:ext>
+            </a:extLst>
+          </p:cNvPr>
+          <p:cNvCxnSpPr>
+            <a:cxnSpLocks/>
+          </p:cNvCxnSpPr>
+          <p:nvPr/>
+        </p:nvCxnSpPr>
+        <p:spPr>
+          <a:xfrm flipH="1">
+            <a:off x="7177964" y="2197100"/>
+            <a:ext cx="767519" cy="1110689"/>
+          </a:xfrm>
+          <a:prstGeom prst="straightConnector1">
+            <a:avLst/>
+          </a:prstGeom>
+          <a:ln w="31750">
+            <a:solidFill>
+              <a:srgbClr val="C00000"/>
+            </a:solidFill>
+            <a:tailEnd type="triangle"/>
+          </a:ln>
+        </p:spPr>
+        <p:style>
+          <a:lnRef idx="1">
+            <a:schemeClr val="accent1"/>
+          </a:lnRef>
+          <a:fillRef idx="0">
+            <a:schemeClr val="accent1"/>
+          </a:fillRef>
+          <a:effectRef idx="0">
+            <a:schemeClr val="accent1"/>
+          </a:effectRef>
+          <a:fontRef idx="minor">
+            <a:schemeClr val="tx1"/>
+          </a:fontRef>
+        </p:style>
+      </p:cxnSp>
+      <p:sp>
+        <p:nvSpPr>
+          <p:cNvPr id="29" name="TextBox 28">
+            <a:extLst>
+              <a:ext uri="{FF2B5EF4-FFF2-40B4-BE49-F238E27FC236}">
+                <a16:creationId xmlns:a16="http://schemas.microsoft.com/office/drawing/2014/main" id="{8C71A94B-FA96-DB44-9F81-22B888667B96}"/>
+              </a:ext>
+            </a:extLst>
+          </p:cNvPr>
+          <p:cNvSpPr txBox="1"/>
+          <p:nvPr/>
+        </p:nvSpPr>
+        <p:spPr>
+          <a:xfrm>
+            <a:off x="5932552" y="1788221"/>
+            <a:ext cx="1256626" cy="369332"/>
+          </a:xfrm>
+          <a:prstGeom prst="rect">
+            <a:avLst/>
+          </a:prstGeom>
+          <a:noFill/>
+        </p:spPr>
+        <p:txBody>
+          <a:bodyPr wrap="none" rtlCol="0">
+            <a:spAutoFit/>
+          </a:bodyPr>
+          <a:lstStyle/>
+          <a:p>
+            <a:r>
+              <a:rPr lang="en-US" dirty="0"/>
+              <a:t>Drop frame</a:t>
+            </a:r>
+          </a:p>
+        </p:txBody>
+      </p:sp>
+      <p:sp>
+        <p:nvSpPr>
+          <p:cNvPr id="30" name="TextBox 29">
+            <a:extLst>
+              <a:ext uri="{FF2B5EF4-FFF2-40B4-BE49-F238E27FC236}">
+                <a16:creationId xmlns:a16="http://schemas.microsoft.com/office/drawing/2014/main" id="{9451A68D-5CBF-594A-A78D-42ECCD9FB7D4}"/>
+              </a:ext>
+            </a:extLst>
+          </p:cNvPr>
+          <p:cNvSpPr txBox="1"/>
+          <p:nvPr/>
+        </p:nvSpPr>
+        <p:spPr>
+          <a:xfrm>
+            <a:off x="7672452" y="1788221"/>
+            <a:ext cx="1468864" cy="369332"/>
+          </a:xfrm>
+          <a:prstGeom prst="rect">
+            <a:avLst/>
+          </a:prstGeom>
+          <a:noFill/>
+        </p:spPr>
+        <p:txBody>
+          <a:bodyPr wrap="none" rtlCol="0">
+            <a:spAutoFit/>
+          </a:bodyPr>
+          <a:lstStyle/>
+          <a:p>
+            <a:r>
+              <a:rPr lang="en-US" dirty="0"/>
+              <a:t>Run to Cursor</a:t>
             </a:r>
           </a:p>
         </p:txBody>
@@ -24513,7 +24552,7 @@
     </p:spTree>
     <p:extLst>
       <p:ext uri="{BB962C8B-B14F-4D97-AF65-F5344CB8AC3E}">
-        <p14:creationId xmlns:p14="http://schemas.microsoft.com/office/powerpoint/2010/main" val="2563545019"/>
+        <p14:creationId xmlns:p14="http://schemas.microsoft.com/office/powerpoint/2010/main" val="2141488925"/>
       </p:ext>
     </p:extLst>
   </p:cSld>
@@ -24744,89 +24783,10 @@
           </a:p>
         </p:txBody>
       </p:sp>
-      <p:cxnSp>
-        <p:nvCxnSpPr>
-          <p:cNvPr id="9" name="Straight Arrow Connector 8">
-            <a:extLst>
-              <a:ext uri="{FF2B5EF4-FFF2-40B4-BE49-F238E27FC236}">
-                <a16:creationId xmlns:a16="http://schemas.microsoft.com/office/drawing/2014/main" id="{15FFCA81-E489-D148-B9E2-49B781F74AF2}"/>
-              </a:ext>
-            </a:extLst>
-          </p:cNvPr>
-          <p:cNvCxnSpPr>
-            <a:cxnSpLocks/>
-          </p:cNvCxnSpPr>
-          <p:nvPr/>
-        </p:nvCxnSpPr>
-        <p:spPr>
-          <a:xfrm>
-            <a:off x="3251200" y="2474615"/>
-            <a:ext cx="1905000" cy="0"/>
-          </a:xfrm>
-          <a:prstGeom prst="straightConnector1">
-            <a:avLst/>
-          </a:prstGeom>
-          <a:ln w="31750">
-            <a:solidFill>
-              <a:srgbClr val="C00000"/>
-            </a:solidFill>
-            <a:tailEnd type="triangle"/>
-          </a:ln>
-        </p:spPr>
-        <p:style>
-          <a:lnRef idx="1">
-            <a:schemeClr val="accent1"/>
-          </a:lnRef>
-          <a:fillRef idx="0">
-            <a:schemeClr val="accent1"/>
-          </a:fillRef>
-          <a:effectRef idx="0">
-            <a:schemeClr val="accent1"/>
-          </a:effectRef>
-          <a:fontRef idx="minor">
-            <a:schemeClr val="tx1"/>
-          </a:fontRef>
-        </p:style>
-      </p:cxnSp>
-      <p:sp>
-        <p:nvSpPr>
-          <p:cNvPr id="10" name="TextBox 9">
-            <a:extLst>
-              <a:ext uri="{FF2B5EF4-FFF2-40B4-BE49-F238E27FC236}">
-                <a16:creationId xmlns:a16="http://schemas.microsoft.com/office/drawing/2014/main" id="{EDD2B9B6-80E1-5745-88DE-A8379D1C7682}"/>
-              </a:ext>
-            </a:extLst>
-          </p:cNvPr>
-          <p:cNvSpPr txBox="1"/>
-          <p:nvPr/>
-        </p:nvSpPr>
-        <p:spPr>
-          <a:xfrm>
-            <a:off x="2004488" y="2243782"/>
-            <a:ext cx="920252" cy="461665"/>
-          </a:xfrm>
-          <a:prstGeom prst="rect">
-            <a:avLst/>
-          </a:prstGeom>
-          <a:noFill/>
-        </p:spPr>
-        <p:txBody>
-          <a:bodyPr wrap="none" rtlCol="0">
-            <a:spAutoFit/>
-          </a:bodyPr>
-          <a:lstStyle/>
-          <a:p>
-            <a:r>
-              <a:rPr lang="en-US" sz="2400" dirty="0"/>
-              <a:t>Pause</a:t>
-            </a:r>
-          </a:p>
-        </p:txBody>
-      </p:sp>
     </p:spTree>
     <p:extLst>
       <p:ext uri="{BB962C8B-B14F-4D97-AF65-F5344CB8AC3E}">
-        <p14:creationId xmlns:p14="http://schemas.microsoft.com/office/powerpoint/2010/main" val="595936031"/>
+        <p14:creationId xmlns:p14="http://schemas.microsoft.com/office/powerpoint/2010/main" val="2563545019"/>
       </p:ext>
     </p:extLst>
   </p:cSld>
@@ -25058,89 +25018,10 @@
           </a:p>
         </p:txBody>
       </p:sp>
-      <p:cxnSp>
-        <p:nvCxnSpPr>
-          <p:cNvPr id="12" name="Straight Arrow Connector 11">
-            <a:extLst>
-              <a:ext uri="{FF2B5EF4-FFF2-40B4-BE49-F238E27FC236}">
-                <a16:creationId xmlns:a16="http://schemas.microsoft.com/office/drawing/2014/main" id="{AC0C3EF9-8F03-D54D-B74D-406512D1BF54}"/>
-              </a:ext>
-            </a:extLst>
-          </p:cNvPr>
-          <p:cNvCxnSpPr>
-            <a:cxnSpLocks/>
-          </p:cNvCxnSpPr>
-          <p:nvPr/>
-        </p:nvCxnSpPr>
-        <p:spPr>
-          <a:xfrm flipV="1">
-            <a:off x="3251200" y="3776712"/>
-            <a:ext cx="1905000" cy="700038"/>
-          </a:xfrm>
-          <a:prstGeom prst="straightConnector1">
-            <a:avLst/>
-          </a:prstGeom>
-          <a:ln w="31750">
-            <a:solidFill>
-              <a:srgbClr val="C00000"/>
-            </a:solidFill>
-            <a:tailEnd type="triangle"/>
-          </a:ln>
-        </p:spPr>
-        <p:style>
-          <a:lnRef idx="1">
-            <a:schemeClr val="accent1"/>
-          </a:lnRef>
-          <a:fillRef idx="0">
-            <a:schemeClr val="accent1"/>
-          </a:fillRef>
-          <a:effectRef idx="0">
-            <a:schemeClr val="accent1"/>
-          </a:effectRef>
-          <a:fontRef idx="minor">
-            <a:schemeClr val="tx1"/>
-          </a:fontRef>
-        </p:style>
-      </p:cxnSp>
-      <p:sp>
-        <p:nvSpPr>
-          <p:cNvPr id="13" name="TextBox 12">
-            <a:extLst>
-              <a:ext uri="{FF2B5EF4-FFF2-40B4-BE49-F238E27FC236}">
-                <a16:creationId xmlns:a16="http://schemas.microsoft.com/office/drawing/2014/main" id="{2EC4D18F-4902-8249-8558-9C389CCE7B0F}"/>
-              </a:ext>
-            </a:extLst>
-          </p:cNvPr>
-          <p:cNvSpPr txBox="1"/>
-          <p:nvPr/>
-        </p:nvSpPr>
-        <p:spPr>
-          <a:xfrm>
-            <a:off x="1610261" y="4475718"/>
-            <a:ext cx="1905000" cy="830997"/>
-          </a:xfrm>
-          <a:prstGeom prst="rect">
-            <a:avLst/>
-          </a:prstGeom>
-          <a:noFill/>
-        </p:spPr>
-        <p:txBody>
-          <a:bodyPr wrap="square" rtlCol="0">
-            <a:spAutoFit/>
-          </a:bodyPr>
-          <a:lstStyle/>
-          <a:p>
-            <a:r>
-              <a:rPr lang="en-US" sz="2400" dirty="0"/>
-              <a:t>Mute all breakpoints</a:t>
-            </a:r>
-          </a:p>
-        </p:txBody>
-      </p:sp>
     </p:spTree>
     <p:extLst>
       <p:ext uri="{BB962C8B-B14F-4D97-AF65-F5344CB8AC3E}">
-        <p14:creationId xmlns:p14="http://schemas.microsoft.com/office/powerpoint/2010/main" val="2997627548"/>
+        <p14:creationId xmlns:p14="http://schemas.microsoft.com/office/powerpoint/2010/main" val="595936031"/>
       </p:ext>
     </p:extLst>
   </p:cSld>
@@ -25167,40 +25048,286 @@
           <a:chExt cx="0" cy="0"/>
         </a:xfrm>
       </p:grpSpPr>
-      <p:sp>
-        <p:nvSpPr>
-          <p:cNvPr id="11" name="Rectangle 10">
-            <a:extLst>
-              <a:ext uri="{FF2B5EF4-FFF2-40B4-BE49-F238E27FC236}">
-                <a16:creationId xmlns:a16="http://schemas.microsoft.com/office/drawing/2014/main" id="{C0091623-0966-444B-8DD5-EF587FB6293B}"/>
-              </a:ext>
-            </a:extLst>
-          </p:cNvPr>
-          <p:cNvSpPr/>
-          <p:nvPr/>
-        </p:nvSpPr>
-        <p:spPr>
-          <a:xfrm>
-            <a:off x="3974432" y="2890391"/>
-            <a:ext cx="4243135" cy="1077218"/>
+      <p:pic>
+        <p:nvPicPr>
+          <p:cNvPr id="16386" name="Picture 2">
+            <a:extLst>
+              <a:ext uri="{FF2B5EF4-FFF2-40B4-BE49-F238E27FC236}">
+                <a16:creationId xmlns:a16="http://schemas.microsoft.com/office/drawing/2014/main" id="{EE15C496-BBCE-334A-A764-CC460F26124F}"/>
+              </a:ext>
+            </a:extLst>
+          </p:cNvPr>
+          <p:cNvPicPr>
+            <a:picLocks noChangeAspect="1" noChangeArrowheads="1"/>
+          </p:cNvPicPr>
+          <p:nvPr/>
+        </p:nvPicPr>
+        <p:blipFill>
+          <a:blip r:embed="rId2">
+            <a:extLst>
+              <a:ext uri="{28A0092B-C50C-407E-A947-70E740481C1C}">
+                <a14:useLocalDpi xmlns:a14="http://schemas.microsoft.com/office/drawing/2010/main" val="0"/>
+              </a:ext>
+            </a:extLst>
+          </a:blip>
+          <a:srcRect/>
+          <a:stretch>
+            <a:fillRect/>
+          </a:stretch>
+        </p:blipFill>
+        <p:spPr bwMode="auto">
+          <a:xfrm>
+            <a:off x="4572000" y="1320801"/>
+            <a:ext cx="6426200" cy="3606800"/>
           </a:xfrm>
           <a:prstGeom prst="rect">
             <a:avLst/>
           </a:prstGeom>
-        </p:spPr>
-        <p:txBody>
-          <a:bodyPr wrap="square">
+          <a:noFill/>
+          <a:extLst>
+            <a:ext uri="{909E8E84-426E-40DD-AFC4-6F175D3DCCD1}">
+              <a14:hiddenFill xmlns:a14="http://schemas.microsoft.com/office/drawing/2010/main">
+                <a:solidFill>
+                  <a:srgbClr val="FFFFFF"/>
+                </a:solidFill>
+              </a14:hiddenFill>
+            </a:ext>
+          </a:extLst>
+        </p:spPr>
+      </p:pic>
+      <p:cxnSp>
+        <p:nvCxnSpPr>
+          <p:cNvPr id="5" name="Straight Arrow Connector 4">
+            <a:extLst>
+              <a:ext uri="{FF2B5EF4-FFF2-40B4-BE49-F238E27FC236}">
+                <a16:creationId xmlns:a16="http://schemas.microsoft.com/office/drawing/2014/main" id="{285F8200-E8B1-7147-84D6-CD2A870E2C6E}"/>
+              </a:ext>
+            </a:extLst>
+          </p:cNvPr>
+          <p:cNvCxnSpPr>
+            <a:cxnSpLocks/>
+          </p:cNvCxnSpPr>
+          <p:nvPr/>
+        </p:nvCxnSpPr>
+        <p:spPr>
+          <a:xfrm>
+            <a:off x="3251200" y="1930400"/>
+            <a:ext cx="1816100" cy="165100"/>
+          </a:xfrm>
+          <a:prstGeom prst="straightConnector1">
+            <a:avLst/>
+          </a:prstGeom>
+          <a:ln w="31750">
+            <a:solidFill>
+              <a:srgbClr val="C00000"/>
+            </a:solidFill>
+            <a:tailEnd type="triangle"/>
+          </a:ln>
+        </p:spPr>
+        <p:style>
+          <a:lnRef idx="1">
+            <a:schemeClr val="accent1"/>
+          </a:lnRef>
+          <a:fillRef idx="0">
+            <a:schemeClr val="accent1"/>
+          </a:fillRef>
+          <a:effectRef idx="0">
+            <a:schemeClr val="accent1"/>
+          </a:effectRef>
+          <a:fontRef idx="minor">
+            <a:schemeClr val="tx1"/>
+          </a:fontRef>
+        </p:style>
+      </p:cxnSp>
+      <p:sp>
+        <p:nvSpPr>
+          <p:cNvPr id="6" name="TextBox 5">
+            <a:extLst>
+              <a:ext uri="{FF2B5EF4-FFF2-40B4-BE49-F238E27FC236}">
+                <a16:creationId xmlns:a16="http://schemas.microsoft.com/office/drawing/2014/main" id="{5898C1CD-EFE2-F547-B325-C4AF5012DC15}"/>
+              </a:ext>
+            </a:extLst>
+          </p:cNvPr>
+          <p:cNvSpPr txBox="1"/>
+          <p:nvPr/>
+        </p:nvSpPr>
+        <p:spPr>
+          <a:xfrm>
+            <a:off x="1972183" y="1551285"/>
+            <a:ext cx="1181157" cy="461665"/>
+          </a:xfrm>
+          <a:prstGeom prst="rect">
+            <a:avLst/>
+          </a:prstGeom>
+          <a:noFill/>
+        </p:spPr>
+        <p:txBody>
+          <a:bodyPr wrap="none" rtlCol="0">
             <a:spAutoFit/>
           </a:bodyPr>
           <a:lstStyle/>
           <a:p>
             <a:r>
-              <a:rPr lang="en-US" sz="6400" b="1" dirty="0">
-                <a:solidFill>
-                  <a:schemeClr val="accent6"/>
-                </a:solidFill>
-              </a:rPr>
-              <a:t>Breakpoints</a:t>
+              <a:rPr lang="en-US" sz="2400" dirty="0"/>
+              <a:t>Resume</a:t>
+            </a:r>
+          </a:p>
+        </p:txBody>
+      </p:sp>
+      <p:cxnSp>
+        <p:nvCxnSpPr>
+          <p:cNvPr id="9" name="Straight Arrow Connector 8">
+            <a:extLst>
+              <a:ext uri="{FF2B5EF4-FFF2-40B4-BE49-F238E27FC236}">
+                <a16:creationId xmlns:a16="http://schemas.microsoft.com/office/drawing/2014/main" id="{15FFCA81-E489-D148-B9E2-49B781F74AF2}"/>
+              </a:ext>
+            </a:extLst>
+          </p:cNvPr>
+          <p:cNvCxnSpPr>
+            <a:cxnSpLocks/>
+          </p:cNvCxnSpPr>
+          <p:nvPr/>
+        </p:nvCxnSpPr>
+        <p:spPr>
+          <a:xfrm>
+            <a:off x="3251200" y="2474615"/>
+            <a:ext cx="1905000" cy="0"/>
+          </a:xfrm>
+          <a:prstGeom prst="straightConnector1">
+            <a:avLst/>
+          </a:prstGeom>
+          <a:ln w="31750">
+            <a:solidFill>
+              <a:srgbClr val="C00000"/>
+            </a:solidFill>
+            <a:tailEnd type="triangle"/>
+          </a:ln>
+        </p:spPr>
+        <p:style>
+          <a:lnRef idx="1">
+            <a:schemeClr val="accent1"/>
+          </a:lnRef>
+          <a:fillRef idx="0">
+            <a:schemeClr val="accent1"/>
+          </a:fillRef>
+          <a:effectRef idx="0">
+            <a:schemeClr val="accent1"/>
+          </a:effectRef>
+          <a:fontRef idx="minor">
+            <a:schemeClr val="tx1"/>
+          </a:fontRef>
+        </p:style>
+      </p:cxnSp>
+      <p:sp>
+        <p:nvSpPr>
+          <p:cNvPr id="10" name="TextBox 9">
+            <a:extLst>
+              <a:ext uri="{FF2B5EF4-FFF2-40B4-BE49-F238E27FC236}">
+                <a16:creationId xmlns:a16="http://schemas.microsoft.com/office/drawing/2014/main" id="{EDD2B9B6-80E1-5745-88DE-A8379D1C7682}"/>
+              </a:ext>
+            </a:extLst>
+          </p:cNvPr>
+          <p:cNvSpPr txBox="1"/>
+          <p:nvPr/>
+        </p:nvSpPr>
+        <p:spPr>
+          <a:xfrm>
+            <a:off x="2004488" y="2243782"/>
+            <a:ext cx="920252" cy="461665"/>
+          </a:xfrm>
+          <a:prstGeom prst="rect">
+            <a:avLst/>
+          </a:prstGeom>
+          <a:noFill/>
+        </p:spPr>
+        <p:txBody>
+          <a:bodyPr wrap="none" rtlCol="0">
+            <a:spAutoFit/>
+          </a:bodyPr>
+          <a:lstStyle/>
+          <a:p>
+            <a:r>
+              <a:rPr lang="en-US" sz="2400" dirty="0"/>
+              <a:t>Pause</a:t>
+            </a:r>
+          </a:p>
+        </p:txBody>
+      </p:sp>
+      <p:cxnSp>
+        <p:nvCxnSpPr>
+          <p:cNvPr id="12" name="Straight Arrow Connector 11">
+            <a:extLst>
+              <a:ext uri="{FF2B5EF4-FFF2-40B4-BE49-F238E27FC236}">
+                <a16:creationId xmlns:a16="http://schemas.microsoft.com/office/drawing/2014/main" id="{AC0C3EF9-8F03-D54D-B74D-406512D1BF54}"/>
+              </a:ext>
+            </a:extLst>
+          </p:cNvPr>
+          <p:cNvCxnSpPr>
+            <a:cxnSpLocks/>
+          </p:cNvCxnSpPr>
+          <p:nvPr/>
+        </p:nvCxnSpPr>
+        <p:spPr>
+          <a:xfrm flipV="1">
+            <a:off x="3251200" y="3776712"/>
+            <a:ext cx="1905000" cy="700038"/>
+          </a:xfrm>
+          <a:prstGeom prst="straightConnector1">
+            <a:avLst/>
+          </a:prstGeom>
+          <a:ln w="31750">
+            <a:solidFill>
+              <a:srgbClr val="C00000"/>
+            </a:solidFill>
+            <a:tailEnd type="triangle"/>
+          </a:ln>
+        </p:spPr>
+        <p:style>
+          <a:lnRef idx="1">
+            <a:schemeClr val="accent1"/>
+          </a:lnRef>
+          <a:fillRef idx="0">
+            <a:schemeClr val="accent1"/>
+          </a:fillRef>
+          <a:effectRef idx="0">
+            <a:schemeClr val="accent1"/>
+          </a:effectRef>
+          <a:fontRef idx="minor">
+            <a:schemeClr val="tx1"/>
+          </a:fontRef>
+        </p:style>
+      </p:cxnSp>
+      <p:sp>
+        <p:nvSpPr>
+          <p:cNvPr id="13" name="TextBox 12">
+            <a:extLst>
+              <a:ext uri="{FF2B5EF4-FFF2-40B4-BE49-F238E27FC236}">
+                <a16:creationId xmlns:a16="http://schemas.microsoft.com/office/drawing/2014/main" id="{2EC4D18F-4902-8249-8558-9C389CCE7B0F}"/>
+              </a:ext>
+            </a:extLst>
+          </p:cNvPr>
+          <p:cNvSpPr txBox="1"/>
+          <p:nvPr/>
+        </p:nvSpPr>
+        <p:spPr>
+          <a:xfrm>
+            <a:off x="1610261" y="4475718"/>
+            <a:ext cx="1905000" cy="830997"/>
+          </a:xfrm>
+          <a:prstGeom prst="rect">
+            <a:avLst/>
+          </a:prstGeom>
+          <a:noFill/>
+        </p:spPr>
+        <p:txBody>
+          <a:bodyPr wrap="square" rtlCol="0">
+            <a:spAutoFit/>
+          </a:bodyPr>
+          <a:lstStyle/>
+          <a:p>
+            <a:r>
+              <a:rPr lang="en-US" sz="2400" dirty="0"/>
+              <a:t>Mute all breakpoints</a:t>
             </a:r>
           </a:p>
         </p:txBody>
@@ -25208,7 +25335,7 @@
     </p:spTree>
     <p:extLst>
       <p:ext uri="{BB962C8B-B14F-4D97-AF65-F5344CB8AC3E}">
-        <p14:creationId xmlns:p14="http://schemas.microsoft.com/office/powerpoint/2010/main" val="4030184648"/>
+        <p14:creationId xmlns:p14="http://schemas.microsoft.com/office/powerpoint/2010/main" val="2997627548"/>
       </p:ext>
     </p:extLst>
   </p:cSld>
@@ -25249,7 +25376,7 @@
         </p:nvSpPr>
         <p:spPr>
           <a:xfrm>
-            <a:off x="3974432" y="248791"/>
+            <a:off x="3974432" y="2890391"/>
             <a:ext cx="4243135" cy="1077218"/>
           </a:xfrm>
           <a:prstGeom prst="rect">
@@ -25265,50 +25392,10 @@
             <a:r>
               <a:rPr lang="en-US" sz="6400" b="1" dirty="0">
                 <a:solidFill>
-                  <a:schemeClr val="accent6">
-                    <a:alpha val="30000"/>
-                  </a:schemeClr>
+                  <a:schemeClr val="accent6"/>
                 </a:solidFill>
               </a:rPr>
               <a:t>Breakpoints</a:t>
-            </a:r>
-          </a:p>
-        </p:txBody>
-      </p:sp>
-      <p:sp>
-        <p:nvSpPr>
-          <p:cNvPr id="3" name="Rectangle 2">
-            <a:extLst>
-              <a:ext uri="{FF2B5EF4-FFF2-40B4-BE49-F238E27FC236}">
-                <a16:creationId xmlns:a16="http://schemas.microsoft.com/office/drawing/2014/main" id="{0F9AB160-4DE7-3649-8BEB-103FF27BB8F5}"/>
-              </a:ext>
-            </a:extLst>
-          </p:cNvPr>
-          <p:cNvSpPr/>
-          <p:nvPr/>
-        </p:nvSpPr>
-        <p:spPr>
-          <a:xfrm>
-            <a:off x="571500" y="2890391"/>
-            <a:ext cx="11290300" cy="2062103"/>
-          </a:xfrm>
-          <a:prstGeom prst="rect">
-            <a:avLst/>
-          </a:prstGeom>
-        </p:spPr>
-        <p:txBody>
-          <a:bodyPr wrap="square">
-            <a:spAutoFit/>
-          </a:bodyPr>
-          <a:lstStyle/>
-          <a:p>
-            <a:r>
-              <a:rPr lang="en-US" sz="6400" b="1" dirty="0">
-                <a:solidFill>
-                  <a:schemeClr val="accent6"/>
-                </a:solidFill>
-              </a:rPr>
-              <a:t>Allow you to stop the execution at which line you want.</a:t>
             </a:r>
           </a:p>
         </p:txBody>
@@ -25316,7 +25403,7 @@
     </p:spTree>
     <p:extLst>
       <p:ext uri="{BB962C8B-B14F-4D97-AF65-F5344CB8AC3E}">
-        <p14:creationId xmlns:p14="http://schemas.microsoft.com/office/powerpoint/2010/main" val="1552179604"/>
+        <p14:creationId xmlns:p14="http://schemas.microsoft.com/office/powerpoint/2010/main" val="4030184648"/>
       </p:ext>
     </p:extLst>
   </p:cSld>
@@ -25345,10 +25432,10 @@
       </p:grpSpPr>
       <p:sp>
         <p:nvSpPr>
-          <p:cNvPr id="5" name="Rectangle 4">
-            <a:extLst>
-              <a:ext uri="{FF2B5EF4-FFF2-40B4-BE49-F238E27FC236}">
-                <a16:creationId xmlns:a16="http://schemas.microsoft.com/office/drawing/2014/main" id="{25B0E07D-4C45-0640-99D1-FC5447FFF14E}"/>
+          <p:cNvPr id="11" name="Rectangle 10">
+            <a:extLst>
+              <a:ext uri="{FF2B5EF4-FFF2-40B4-BE49-F238E27FC236}">
+                <a16:creationId xmlns:a16="http://schemas.microsoft.com/office/drawing/2014/main" id="{C0091623-0966-444B-8DD5-EF587FB6293B}"/>
               </a:ext>
             </a:extLst>
           </p:cNvPr>
@@ -25357,67 +25444,15 @@
         </p:nvSpPr>
         <p:spPr>
           <a:xfrm>
-            <a:off x="0" y="0"/>
-            <a:ext cx="12192000" cy="6858000"/>
+            <a:off x="3974432" y="248791"/>
+            <a:ext cx="4243135" cy="1077218"/>
           </a:xfrm>
           <a:prstGeom prst="rect">
             <a:avLst/>
           </a:prstGeom>
-          <a:solidFill>
-            <a:schemeClr val="accent5"/>
-          </a:solidFill>
-          <a:ln>
-            <a:noFill/>
-          </a:ln>
-        </p:spPr>
-        <p:style>
-          <a:lnRef idx="2">
-            <a:schemeClr val="accent1">
-              <a:shade val="50000"/>
-            </a:schemeClr>
-          </a:lnRef>
-          <a:fillRef idx="1">
-            <a:schemeClr val="accent1"/>
-          </a:fillRef>
-          <a:effectRef idx="0">
-            <a:schemeClr val="accent1"/>
-          </a:effectRef>
-          <a:fontRef idx="minor">
-            <a:schemeClr val="lt1"/>
-          </a:fontRef>
-        </p:style>
-        <p:txBody>
-          <a:bodyPr rtlCol="0" anchor="ctr"/>
-          <a:lstStyle/>
-          <a:p>
-            <a:pPr algn="ctr"/>
-            <a:endParaRPr lang="en-US" dirty="0"/>
-          </a:p>
-        </p:txBody>
-      </p:sp>
-      <p:sp>
-        <p:nvSpPr>
-          <p:cNvPr id="6" name="Rectangle 5">
-            <a:extLst>
-              <a:ext uri="{FF2B5EF4-FFF2-40B4-BE49-F238E27FC236}">
-                <a16:creationId xmlns:a16="http://schemas.microsoft.com/office/drawing/2014/main" id="{C8B8593E-31AC-FA49-BB23-068E5A77DF88}"/>
-              </a:ext>
-            </a:extLst>
-          </p:cNvPr>
-          <p:cNvSpPr/>
-          <p:nvPr/>
-        </p:nvSpPr>
-        <p:spPr>
-          <a:xfrm>
-            <a:off x="4811033" y="2890391"/>
-            <a:ext cx="2569934" cy="1077218"/>
-          </a:xfrm>
-          <a:prstGeom prst="rect">
-            <a:avLst/>
-          </a:prstGeom>
-        </p:spPr>
-        <p:txBody>
-          <a:bodyPr wrap="none">
+        </p:spPr>
+        <p:txBody>
+          <a:bodyPr wrap="square">
             <a:spAutoFit/>
           </a:bodyPr>
           <a:lstStyle/>
@@ -25425,10 +25460,50 @@
             <a:r>
               <a:rPr lang="en-US" sz="6400" b="1" dirty="0">
                 <a:solidFill>
-                  <a:schemeClr val="bg1"/>
-                </a:solidFill>
-              </a:rPr>
-              <a:t>Testing</a:t>
+                  <a:schemeClr val="accent6">
+                    <a:alpha val="30000"/>
+                  </a:schemeClr>
+                </a:solidFill>
+              </a:rPr>
+              <a:t>Breakpoints</a:t>
+            </a:r>
+          </a:p>
+        </p:txBody>
+      </p:sp>
+      <p:sp>
+        <p:nvSpPr>
+          <p:cNvPr id="3" name="Rectangle 2">
+            <a:extLst>
+              <a:ext uri="{FF2B5EF4-FFF2-40B4-BE49-F238E27FC236}">
+                <a16:creationId xmlns:a16="http://schemas.microsoft.com/office/drawing/2014/main" id="{0F9AB160-4DE7-3649-8BEB-103FF27BB8F5}"/>
+              </a:ext>
+            </a:extLst>
+          </p:cNvPr>
+          <p:cNvSpPr/>
+          <p:nvPr/>
+        </p:nvSpPr>
+        <p:spPr>
+          <a:xfrm>
+            <a:off x="571500" y="2890391"/>
+            <a:ext cx="11290300" cy="2062103"/>
+          </a:xfrm>
+          <a:prstGeom prst="rect">
+            <a:avLst/>
+          </a:prstGeom>
+        </p:spPr>
+        <p:txBody>
+          <a:bodyPr wrap="square">
+            <a:spAutoFit/>
+          </a:bodyPr>
+          <a:lstStyle/>
+          <a:p>
+            <a:r>
+              <a:rPr lang="en-US" sz="6400" b="1" dirty="0">
+                <a:solidFill>
+                  <a:schemeClr val="accent6"/>
+                </a:solidFill>
+              </a:rPr>
+              <a:t>Allow you to stop the execution at which line you want.</a:t>
             </a:r>
           </a:p>
         </p:txBody>
@@ -25436,7 +25511,7 @@
     </p:spTree>
     <p:extLst>
       <p:ext uri="{BB962C8B-B14F-4D97-AF65-F5344CB8AC3E}">
-        <p14:creationId xmlns:p14="http://schemas.microsoft.com/office/powerpoint/2010/main" val="2987604552"/>
+        <p14:creationId xmlns:p14="http://schemas.microsoft.com/office/powerpoint/2010/main" val="1552179604"/>
       </p:ext>
     </p:extLst>
   </p:cSld>
@@ -25529,8 +25604,8 @@
         </p:nvSpPr>
         <p:spPr>
           <a:xfrm>
-            <a:off x="758016" y="283115"/>
-            <a:ext cx="8980344" cy="1077218"/>
+            <a:off x="4811033" y="2890391"/>
+            <a:ext cx="2569934" cy="1077218"/>
           </a:xfrm>
           <a:prstGeom prst="rect">
             <a:avLst/>
@@ -25548,7 +25623,7 @@
                   <a:schemeClr val="bg1"/>
                 </a:solidFill>
               </a:rPr>
-              <a:t>Why testing is important?</a:t>
+              <a:t>Testing</a:t>
             </a:r>
           </a:p>
         </p:txBody>
@@ -25556,7 +25631,7 @@
     </p:spTree>
     <p:extLst>
       <p:ext uri="{BB962C8B-B14F-4D97-AF65-F5344CB8AC3E}">
-        <p14:creationId xmlns:p14="http://schemas.microsoft.com/office/powerpoint/2010/main" val="3951939128"/>
+        <p14:creationId xmlns:p14="http://schemas.microsoft.com/office/powerpoint/2010/main" val="2987604552"/>
       </p:ext>
     </p:extLst>
   </p:cSld>
@@ -25665,54 +25740,10 @@
             <a:r>
               <a:rPr lang="en-US" sz="6400" b="1" dirty="0">
                 <a:solidFill>
-                  <a:schemeClr val="bg1">
-                    <a:alpha val="30000"/>
-                  </a:schemeClr>
+                  <a:schemeClr val="bg1"/>
                 </a:solidFill>
               </a:rPr>
               <a:t>Why testing is important?</a:t>
-            </a:r>
-          </a:p>
-        </p:txBody>
-      </p:sp>
-      <p:sp>
-        <p:nvSpPr>
-          <p:cNvPr id="4" name="Rectangle 3">
-            <a:extLst>
-              <a:ext uri="{FF2B5EF4-FFF2-40B4-BE49-F238E27FC236}">
-                <a16:creationId xmlns:a16="http://schemas.microsoft.com/office/drawing/2014/main" id="{45D58527-9D8C-8F45-818B-301A85542459}"/>
-              </a:ext>
-            </a:extLst>
-          </p:cNvPr>
-          <p:cNvSpPr/>
-          <p:nvPr/>
-        </p:nvSpPr>
-        <p:spPr>
-          <a:xfrm>
-            <a:off x="758016" y="1643448"/>
-            <a:ext cx="9119804" cy="1077218"/>
-          </a:xfrm>
-          <a:prstGeom prst="rect">
-            <a:avLst/>
-          </a:prstGeom>
-        </p:spPr>
-        <p:txBody>
-          <a:bodyPr wrap="none">
-            <a:spAutoFit/>
-          </a:bodyPr>
-          <a:lstStyle/>
-          <a:p>
-            <a:pPr marL="857250" indent="-857250">
-              <a:buFont typeface="Arial" panose="020B0604020202020204" pitchFamily="34" charset="0"/>
-              <a:buChar char="•"/>
-            </a:pPr>
-            <a:r>
-              <a:rPr lang="en-US" sz="6400" b="1" dirty="0">
-                <a:solidFill>
-                  <a:schemeClr val="bg1"/>
-                </a:solidFill>
-              </a:rPr>
-              <a:t>Find and fix issues early</a:t>
             </a:r>
           </a:p>
         </p:txBody>
@@ -25720,7 +25751,7 @@
     </p:spTree>
     <p:extLst>
       <p:ext uri="{BB962C8B-B14F-4D97-AF65-F5344CB8AC3E}">
-        <p14:creationId xmlns:p14="http://schemas.microsoft.com/office/powerpoint/2010/main" val="4293770242"/>
+        <p14:creationId xmlns:p14="http://schemas.microsoft.com/office/powerpoint/2010/main" val="3951939128"/>
       </p:ext>
     </p:extLst>
   </p:cSld>
@@ -25854,7 +25885,7 @@
         <p:spPr>
           <a:xfrm>
             <a:off x="758016" y="1643448"/>
-            <a:ext cx="9119804" cy="2062103"/>
+            <a:ext cx="9119804" cy="1077218"/>
           </a:xfrm>
           <a:prstGeom prst="rect">
             <a:avLst/>
@@ -25873,33 +25904,10 @@
             <a:r>
               <a:rPr lang="en-US" sz="6400" b="1" dirty="0">
                 <a:solidFill>
-                  <a:schemeClr val="bg1">
-                    <a:alpha val="30000"/>
-                  </a:schemeClr>
+                  <a:schemeClr val="bg1"/>
                 </a:solidFill>
               </a:rPr>
               <a:t>Find and fix issues early</a:t>
-            </a:r>
-            <a:endParaRPr lang="ar-SA" sz="6400" b="1" dirty="0">
-              <a:solidFill>
-                <a:schemeClr val="bg1">
-                  <a:alpha val="30000"/>
-                </a:schemeClr>
-              </a:solidFill>
-            </a:endParaRPr>
-          </a:p>
-          <a:p>
-            <a:pPr marL="857250" indent="-857250">
-              <a:buFont typeface="Arial" panose="020B0604020202020204" pitchFamily="34" charset="0"/>
-              <a:buChar char="•"/>
-            </a:pPr>
-            <a:r>
-              <a:rPr lang="en-US" sz="6400" b="1" dirty="0">
-                <a:solidFill>
-                  <a:schemeClr val="bg1"/>
-                </a:solidFill>
-              </a:rPr>
-              <a:t>Less cost and effort</a:t>
             </a:r>
           </a:p>
         </p:txBody>
@@ -25907,7 +25915,7 @@
     </p:spTree>
     <p:extLst>
       <p:ext uri="{BB962C8B-B14F-4D97-AF65-F5344CB8AC3E}">
-        <p14:creationId xmlns:p14="http://schemas.microsoft.com/office/powerpoint/2010/main" val="3929824575"/>
+        <p14:creationId xmlns:p14="http://schemas.microsoft.com/office/powerpoint/2010/main" val="4293770242"/>
       </p:ext>
     </p:extLst>
   </p:cSld>
@@ -26040,15 +26048,15 @@
         </p:nvSpPr>
         <p:spPr>
           <a:xfrm>
-            <a:off x="758017" y="1643448"/>
-            <a:ext cx="9744884" cy="2062103"/>
+            <a:off x="758016" y="1643448"/>
+            <a:ext cx="9119804" cy="2062103"/>
           </a:xfrm>
           <a:prstGeom prst="rect">
             <a:avLst/>
           </a:prstGeom>
         </p:spPr>
         <p:txBody>
-          <a:bodyPr wrap="square">
+          <a:bodyPr wrap="none">
             <a:spAutoFit/>
           </a:bodyPr>
           <a:lstStyle/>
@@ -26094,7 +26102,7 @@
     </p:spTree>
     <p:extLst>
       <p:ext uri="{BB962C8B-B14F-4D97-AF65-F5344CB8AC3E}">
-        <p14:creationId xmlns:p14="http://schemas.microsoft.com/office/powerpoint/2010/main" val="801775915"/>
+        <p14:creationId xmlns:p14="http://schemas.microsoft.com/office/powerpoint/2010/main" val="3929824575"/>
       </p:ext>
     </p:extLst>
   </p:cSld>
@@ -33079,7 +33087,7 @@
                   <a:schemeClr val="bg1"/>
                 </a:solidFill>
               </a:rPr>
-              <a:t>Repeat</a:t>
+              <a:t>Write your logic</a:t>
             </a:r>
           </a:p>
         </p:txBody>
@@ -33098,6 +33106,220 @@
 </file>
 
 <file path=ppt/slides/slide94.xml><?xml version="1.0" encoding="utf-8"?>
+<p:sld xmlns:a="http://schemas.openxmlformats.org/drawingml/2006/main" xmlns:r="http://schemas.openxmlformats.org/officeDocument/2006/relationships" xmlns:p="http://schemas.openxmlformats.org/presentationml/2006/main">
+  <p:cSld>
+    <p:spTree>
+      <p:nvGrpSpPr>
+        <p:cNvPr id="1" name=""/>
+        <p:cNvGrpSpPr/>
+        <p:nvPr/>
+      </p:nvGrpSpPr>
+      <p:grpSpPr>
+        <a:xfrm>
+          <a:off x="0" y="0"/>
+          <a:ext cx="0" cy="0"/>
+          <a:chOff x="0" y="0"/>
+          <a:chExt cx="0" cy="0"/>
+        </a:xfrm>
+      </p:grpSpPr>
+      <p:sp>
+        <p:nvSpPr>
+          <p:cNvPr id="5" name="Rectangle 4">
+            <a:extLst>
+              <a:ext uri="{FF2B5EF4-FFF2-40B4-BE49-F238E27FC236}">
+                <a16:creationId xmlns:a16="http://schemas.microsoft.com/office/drawing/2014/main" id="{25B0E07D-4C45-0640-99D1-FC5447FFF14E}"/>
+              </a:ext>
+            </a:extLst>
+          </p:cNvPr>
+          <p:cNvSpPr/>
+          <p:nvPr/>
+        </p:nvSpPr>
+        <p:spPr>
+          <a:xfrm>
+            <a:off x="0" y="0"/>
+            <a:ext cx="12192000" cy="6858000"/>
+          </a:xfrm>
+          <a:prstGeom prst="rect">
+            <a:avLst/>
+          </a:prstGeom>
+          <a:solidFill>
+            <a:schemeClr val="accent5"/>
+          </a:solidFill>
+          <a:ln>
+            <a:noFill/>
+          </a:ln>
+        </p:spPr>
+        <p:style>
+          <a:lnRef idx="2">
+            <a:schemeClr val="accent1">
+              <a:shade val="50000"/>
+            </a:schemeClr>
+          </a:lnRef>
+          <a:fillRef idx="1">
+            <a:schemeClr val="accent1"/>
+          </a:fillRef>
+          <a:effectRef idx="0">
+            <a:schemeClr val="accent1"/>
+          </a:effectRef>
+          <a:fontRef idx="minor">
+            <a:schemeClr val="lt1"/>
+          </a:fontRef>
+        </p:style>
+        <p:txBody>
+          <a:bodyPr rtlCol="0" anchor="ctr"/>
+          <a:lstStyle/>
+          <a:p>
+            <a:pPr algn="ctr"/>
+            <a:endParaRPr lang="en-US" dirty="0"/>
+          </a:p>
+        </p:txBody>
+      </p:sp>
+      <p:sp>
+        <p:nvSpPr>
+          <p:cNvPr id="6" name="Rectangle 5">
+            <a:extLst>
+              <a:ext uri="{FF2B5EF4-FFF2-40B4-BE49-F238E27FC236}">
+                <a16:creationId xmlns:a16="http://schemas.microsoft.com/office/drawing/2014/main" id="{C8B8593E-31AC-FA49-BB23-068E5A77DF88}"/>
+              </a:ext>
+            </a:extLst>
+          </p:cNvPr>
+          <p:cNvSpPr/>
+          <p:nvPr/>
+        </p:nvSpPr>
+        <p:spPr>
+          <a:xfrm>
+            <a:off x="1692647" y="172611"/>
+            <a:ext cx="8806706" cy="1077218"/>
+          </a:xfrm>
+          <a:prstGeom prst="rect">
+            <a:avLst/>
+          </a:prstGeom>
+        </p:spPr>
+        <p:txBody>
+          <a:bodyPr wrap="none">
+            <a:spAutoFit/>
+          </a:bodyPr>
+          <a:lstStyle/>
+          <a:p>
+            <a:r>
+              <a:rPr lang="en-US" sz="6400" b="1" dirty="0">
+                <a:solidFill>
+                  <a:schemeClr val="bg1">
+                    <a:alpha val="30000"/>
+                  </a:schemeClr>
+                </a:solidFill>
+              </a:rPr>
+              <a:t>Test-Driven Development</a:t>
+            </a:r>
+          </a:p>
+        </p:txBody>
+      </p:sp>
+      <p:sp>
+        <p:nvSpPr>
+          <p:cNvPr id="7" name="Rectangle 6">
+            <a:extLst>
+              <a:ext uri="{FF2B5EF4-FFF2-40B4-BE49-F238E27FC236}">
+                <a16:creationId xmlns:a16="http://schemas.microsoft.com/office/drawing/2014/main" id="{F91A45C2-9A97-924F-9ABA-7CC09E59DCD5}"/>
+              </a:ext>
+            </a:extLst>
+          </p:cNvPr>
+          <p:cNvSpPr/>
+          <p:nvPr/>
+        </p:nvSpPr>
+        <p:spPr>
+          <a:xfrm>
+            <a:off x="421196" y="1605171"/>
+            <a:ext cx="6920869" cy="4031873"/>
+          </a:xfrm>
+          <a:prstGeom prst="rect">
+            <a:avLst/>
+          </a:prstGeom>
+        </p:spPr>
+        <p:txBody>
+          <a:bodyPr wrap="none">
+            <a:spAutoFit/>
+          </a:bodyPr>
+          <a:lstStyle/>
+          <a:p>
+            <a:pPr marL="857250" indent="-857250">
+              <a:buFont typeface="Arial" panose="020B0604020202020204" pitchFamily="34" charset="0"/>
+              <a:buChar char="•"/>
+            </a:pPr>
+            <a:r>
+              <a:rPr lang="en-US" sz="6400" b="1" dirty="0">
+                <a:solidFill>
+                  <a:schemeClr val="bg1">
+                    <a:alpha val="30000"/>
+                  </a:schemeClr>
+                </a:solidFill>
+              </a:rPr>
+              <a:t>Define a use case</a:t>
+            </a:r>
+          </a:p>
+          <a:p>
+            <a:pPr marL="857250" indent="-857250">
+              <a:buFont typeface="Arial" panose="020B0604020202020204" pitchFamily="34" charset="0"/>
+              <a:buChar char="•"/>
+            </a:pPr>
+            <a:r>
+              <a:rPr lang="en-US" sz="6400" b="1" dirty="0">
+                <a:solidFill>
+                  <a:schemeClr val="bg1">
+                    <a:alpha val="30000"/>
+                  </a:schemeClr>
+                </a:solidFill>
+              </a:rPr>
+              <a:t>Write test code</a:t>
+            </a:r>
+          </a:p>
+          <a:p>
+            <a:pPr marL="857250" indent="-857250">
+              <a:buFont typeface="Arial" panose="020B0604020202020204" pitchFamily="34" charset="0"/>
+              <a:buChar char="•"/>
+            </a:pPr>
+            <a:r>
+              <a:rPr lang="en-US" sz="6400" b="1" dirty="0">
+                <a:solidFill>
+                  <a:schemeClr val="bg1">
+                    <a:alpha val="30000"/>
+                  </a:schemeClr>
+                </a:solidFill>
+              </a:rPr>
+              <a:t>Write your logic</a:t>
+            </a:r>
+          </a:p>
+          <a:p>
+            <a:pPr marL="857250" indent="-857250">
+              <a:buFont typeface="Arial" panose="020B0604020202020204" pitchFamily="34" charset="0"/>
+              <a:buChar char="•"/>
+            </a:pPr>
+            <a:r>
+              <a:rPr lang="en-US" sz="6400" b="1" dirty="0">
+                <a:solidFill>
+                  <a:schemeClr val="bg1">
+                    <a:alpha val="99000"/>
+                  </a:schemeClr>
+                </a:solidFill>
+              </a:rPr>
+              <a:t>Repeat</a:t>
+            </a:r>
+          </a:p>
+        </p:txBody>
+      </p:sp>
+    </p:spTree>
+    <p:extLst>
+      <p:ext uri="{BB962C8B-B14F-4D97-AF65-F5344CB8AC3E}">
+        <p14:creationId xmlns:p14="http://schemas.microsoft.com/office/powerpoint/2010/main" val="579765939"/>
+      </p:ext>
+    </p:extLst>
+  </p:cSld>
+  <p:clrMapOvr>
+    <a:masterClrMapping/>
+  </p:clrMapOvr>
+</p:sld>
+</file>
+
+<file path=ppt/slides/slide95.xml><?xml version="1.0" encoding="utf-8"?>
 <p:sld xmlns:a="http://schemas.openxmlformats.org/drawingml/2006/main" xmlns:r="http://schemas.openxmlformats.org/officeDocument/2006/relationships" xmlns:p="http://schemas.openxmlformats.org/presentationml/2006/main">
   <p:cSld>
     <p:spTree>
